--- a/Documentation/Documentacion/PRESENTACION_FABRI.pptx
+++ b/Documentation/Documentacion/PRESENTACION_FABRI.pptx
@@ -5,27 +5,29 @@
     <p:sldMasterId id="2147483662" r:id="rId1"/>
   </p:sldMasterIdLst>
   <p:notesMasterIdLst>
-    <p:notesMasterId r:id="rId17"/>
+    <p:notesMasterId r:id="rId19"/>
   </p:notesMasterIdLst>
   <p:handoutMasterIdLst>
-    <p:handoutMasterId r:id="rId18"/>
+    <p:handoutMasterId r:id="rId20"/>
   </p:handoutMasterIdLst>
   <p:sldIdLst>
     <p:sldId id="256" r:id="rId2"/>
     <p:sldId id="257" r:id="rId3"/>
     <p:sldId id="258" r:id="rId4"/>
     <p:sldId id="259" r:id="rId5"/>
-    <p:sldId id="260" r:id="rId6"/>
-    <p:sldId id="261" r:id="rId7"/>
-    <p:sldId id="262" r:id="rId8"/>
-    <p:sldId id="263" r:id="rId9"/>
-    <p:sldId id="264" r:id="rId10"/>
-    <p:sldId id="265" r:id="rId11"/>
-    <p:sldId id="266" r:id="rId12"/>
-    <p:sldId id="267" r:id="rId13"/>
-    <p:sldId id="268" r:id="rId14"/>
-    <p:sldId id="269" r:id="rId15"/>
-    <p:sldId id="270" r:id="rId16"/>
+    <p:sldId id="271" r:id="rId6"/>
+    <p:sldId id="272" r:id="rId7"/>
+    <p:sldId id="260" r:id="rId8"/>
+    <p:sldId id="261" r:id="rId9"/>
+    <p:sldId id="262" r:id="rId10"/>
+    <p:sldId id="263" r:id="rId11"/>
+    <p:sldId id="264" r:id="rId12"/>
+    <p:sldId id="265" r:id="rId13"/>
+    <p:sldId id="266" r:id="rId14"/>
+    <p:sldId id="267" r:id="rId15"/>
+    <p:sldId id="268" r:id="rId16"/>
+    <p:sldId id="269" r:id="rId17"/>
+    <p:sldId id="270" r:id="rId18"/>
   </p:sldIdLst>
   <p:sldSz cx="9144000" cy="6858000" type="screen4x3"/>
   <p:notesSz cx="6858000" cy="9144000"/>
@@ -878,7 +880,7 @@
 <dgm:dataModel xmlns:dgm="http://schemas.openxmlformats.org/drawingml/2006/diagram" xmlns:a="http://schemas.openxmlformats.org/drawingml/2006/main">
   <dgm:ptLst>
     <dgm:pt modelId="{90A3BE77-B47D-4CC3-A02C-EF397079DAB2}" type="doc">
-      <dgm:prSet loTypeId="urn:microsoft.com/office/officeart/2005/8/layout/hierarchy4" loCatId="hierarchy" qsTypeId="urn:microsoft.com/office/officeart/2005/8/quickstyle/simple1" qsCatId="simple" csTypeId="urn:microsoft.com/office/officeart/2005/8/colors/accent1_2" csCatId="accent1" phldr="1"/>
+      <dgm:prSet loTypeId="urn:microsoft.com/office/officeart/2005/8/layout/hierarchy4" loCatId="hierarchy" qsTypeId="urn:microsoft.com/office/officeart/2005/8/quickstyle/simple4" qsCatId="simple" csTypeId="urn:microsoft.com/office/officeart/2005/8/colors/accent1_2" csCatId="accent1" phldr="1"/>
       <dgm:spPr/>
       <dgm:t>
         <a:bodyPr/>
@@ -1198,6 +1200,13 @@
     <dgm:pt modelId="{B90077B6-671E-4BA7-B629-993157133A77}" type="pres">
       <dgm:prSet presAssocID="{5F3697D6-9B8A-4FC8-875A-409E783CBA6C}" presName="vertOne" presStyleCnt="0"/>
       <dgm:spPr/>
+      <dgm:t>
+        <a:bodyPr/>
+        <a:lstStyle/>
+        <a:p>
+          <a:endParaRPr lang="es-AR"/>
+        </a:p>
+      </dgm:t>
     </dgm:pt>
     <dgm:pt modelId="{AA8642CE-076F-4E21-9169-AEFC3A7958DB}" type="pres">
       <dgm:prSet presAssocID="{5F3697D6-9B8A-4FC8-875A-409E783CBA6C}" presName="txOne" presStyleLbl="node0" presStyleIdx="0" presStyleCnt="1">
@@ -1217,14 +1226,35 @@
     <dgm:pt modelId="{3CA64998-79C4-4E5F-87C9-ABEFFE89D737}" type="pres">
       <dgm:prSet presAssocID="{5F3697D6-9B8A-4FC8-875A-409E783CBA6C}" presName="parTransOne" presStyleCnt="0"/>
       <dgm:spPr/>
+      <dgm:t>
+        <a:bodyPr/>
+        <a:lstStyle/>
+        <a:p>
+          <a:endParaRPr lang="es-AR"/>
+        </a:p>
+      </dgm:t>
     </dgm:pt>
     <dgm:pt modelId="{2245D860-2C6B-412B-8027-65E0B19ACFF2}" type="pres">
       <dgm:prSet presAssocID="{5F3697D6-9B8A-4FC8-875A-409E783CBA6C}" presName="horzOne" presStyleCnt="0"/>
       <dgm:spPr/>
+      <dgm:t>
+        <a:bodyPr/>
+        <a:lstStyle/>
+        <a:p>
+          <a:endParaRPr lang="es-AR"/>
+        </a:p>
+      </dgm:t>
     </dgm:pt>
     <dgm:pt modelId="{3E20A8BE-133A-47CF-83B9-9AE978690938}" type="pres">
       <dgm:prSet presAssocID="{82FC5F13-03F2-42B0-8FC5-91B3F7D20E41}" presName="vertTwo" presStyleCnt="0"/>
       <dgm:spPr/>
+      <dgm:t>
+        <a:bodyPr/>
+        <a:lstStyle/>
+        <a:p>
+          <a:endParaRPr lang="es-AR"/>
+        </a:p>
+      </dgm:t>
     </dgm:pt>
     <dgm:pt modelId="{A3022894-5017-4BFC-92F1-859D2AB0615B}" type="pres">
       <dgm:prSet presAssocID="{82FC5F13-03F2-42B0-8FC5-91B3F7D20E41}" presName="txTwo" presStyleLbl="node2" presStyleIdx="0" presStyleCnt="2">
@@ -1244,14 +1274,35 @@
     <dgm:pt modelId="{581D0262-5E39-4AA9-A6DF-9F899A9331C4}" type="pres">
       <dgm:prSet presAssocID="{82FC5F13-03F2-42B0-8FC5-91B3F7D20E41}" presName="parTransTwo" presStyleCnt="0"/>
       <dgm:spPr/>
+      <dgm:t>
+        <a:bodyPr/>
+        <a:lstStyle/>
+        <a:p>
+          <a:endParaRPr lang="es-AR"/>
+        </a:p>
+      </dgm:t>
     </dgm:pt>
     <dgm:pt modelId="{A254B675-E461-46D8-BA04-AF1DCBCD2D3B}" type="pres">
       <dgm:prSet presAssocID="{82FC5F13-03F2-42B0-8FC5-91B3F7D20E41}" presName="horzTwo" presStyleCnt="0"/>
       <dgm:spPr/>
+      <dgm:t>
+        <a:bodyPr/>
+        <a:lstStyle/>
+        <a:p>
+          <a:endParaRPr lang="es-AR"/>
+        </a:p>
+      </dgm:t>
     </dgm:pt>
     <dgm:pt modelId="{F3679C97-9067-45F6-AD17-236624C3537B}" type="pres">
       <dgm:prSet presAssocID="{A3627B82-19BB-42F6-8010-B9F581F2E628}" presName="vertThree" presStyleCnt="0"/>
       <dgm:spPr/>
+      <dgm:t>
+        <a:bodyPr/>
+        <a:lstStyle/>
+        <a:p>
+          <a:endParaRPr lang="es-AR"/>
+        </a:p>
+      </dgm:t>
     </dgm:pt>
     <dgm:pt modelId="{6703DBD5-002B-494B-811C-88092CA77056}" type="pres">
       <dgm:prSet presAssocID="{A3627B82-19BB-42F6-8010-B9F581F2E628}" presName="txThree" presStyleLbl="node3" presStyleIdx="0" presStyleCnt="3">
@@ -1271,14 +1322,35 @@
     <dgm:pt modelId="{FFF89B01-47F0-4D56-A7D2-CD7A8A4D67B1}" type="pres">
       <dgm:prSet presAssocID="{A3627B82-19BB-42F6-8010-B9F581F2E628}" presName="horzThree" presStyleCnt="0"/>
       <dgm:spPr/>
+      <dgm:t>
+        <a:bodyPr/>
+        <a:lstStyle/>
+        <a:p>
+          <a:endParaRPr lang="es-AR"/>
+        </a:p>
+      </dgm:t>
     </dgm:pt>
     <dgm:pt modelId="{FE111132-9CB7-41E1-AC97-F0BC3F03343E}" type="pres">
       <dgm:prSet presAssocID="{28E37A47-A472-4DEA-84AC-7B26C7DF563F}" presName="sibSpaceThree" presStyleCnt="0"/>
       <dgm:spPr/>
+      <dgm:t>
+        <a:bodyPr/>
+        <a:lstStyle/>
+        <a:p>
+          <a:endParaRPr lang="es-AR"/>
+        </a:p>
+      </dgm:t>
     </dgm:pt>
     <dgm:pt modelId="{459FF5F4-581C-4FB8-9AD1-28681B866663}" type="pres">
       <dgm:prSet presAssocID="{9E0F7C39-3632-4F87-8948-7D21FB272B5B}" presName="vertThree" presStyleCnt="0"/>
       <dgm:spPr/>
+      <dgm:t>
+        <a:bodyPr/>
+        <a:lstStyle/>
+        <a:p>
+          <a:endParaRPr lang="es-AR"/>
+        </a:p>
+      </dgm:t>
     </dgm:pt>
     <dgm:pt modelId="{71FB9E89-85B4-426C-9E92-70DA55968B4C}" type="pres">
       <dgm:prSet presAssocID="{9E0F7C39-3632-4F87-8948-7D21FB272B5B}" presName="txThree" presStyleLbl="node3" presStyleIdx="1" presStyleCnt="3">
@@ -1298,14 +1370,35 @@
     <dgm:pt modelId="{F61DD6E7-4540-4D7A-90E4-734F60D8248B}" type="pres">
       <dgm:prSet presAssocID="{9E0F7C39-3632-4F87-8948-7D21FB272B5B}" presName="horzThree" presStyleCnt="0"/>
       <dgm:spPr/>
+      <dgm:t>
+        <a:bodyPr/>
+        <a:lstStyle/>
+        <a:p>
+          <a:endParaRPr lang="es-AR"/>
+        </a:p>
+      </dgm:t>
     </dgm:pt>
     <dgm:pt modelId="{848AA526-DCBE-4DF9-A9A0-34DD96DA419D}" type="pres">
       <dgm:prSet presAssocID="{23DF92AB-531C-4065-8F05-6999A4C59A7F}" presName="sibSpaceTwo" presStyleCnt="0"/>
       <dgm:spPr/>
+      <dgm:t>
+        <a:bodyPr/>
+        <a:lstStyle/>
+        <a:p>
+          <a:endParaRPr lang="es-AR"/>
+        </a:p>
+      </dgm:t>
     </dgm:pt>
     <dgm:pt modelId="{5E976C85-575B-42E3-B0E3-9197FD7E04F1}" type="pres">
       <dgm:prSet presAssocID="{C24630A2-AF00-4F3D-8CCD-40A466DD1268}" presName="vertTwo" presStyleCnt="0"/>
       <dgm:spPr/>
+      <dgm:t>
+        <a:bodyPr/>
+        <a:lstStyle/>
+        <a:p>
+          <a:endParaRPr lang="es-AR"/>
+        </a:p>
+      </dgm:t>
     </dgm:pt>
     <dgm:pt modelId="{27A8E2C9-ACC0-4C1C-A1B4-FC5118E4D3CD}" type="pres">
       <dgm:prSet presAssocID="{C24630A2-AF00-4F3D-8CCD-40A466DD1268}" presName="txTwo" presStyleLbl="node2" presStyleIdx="1" presStyleCnt="2">
@@ -1325,14 +1418,35 @@
     <dgm:pt modelId="{BD134D29-993D-49E0-9AD3-8DF9ACCD229B}" type="pres">
       <dgm:prSet presAssocID="{C24630A2-AF00-4F3D-8CCD-40A466DD1268}" presName="parTransTwo" presStyleCnt="0"/>
       <dgm:spPr/>
+      <dgm:t>
+        <a:bodyPr/>
+        <a:lstStyle/>
+        <a:p>
+          <a:endParaRPr lang="es-AR"/>
+        </a:p>
+      </dgm:t>
     </dgm:pt>
     <dgm:pt modelId="{950D962F-98D4-4E2E-9EDC-622CA1859D92}" type="pres">
       <dgm:prSet presAssocID="{C24630A2-AF00-4F3D-8CCD-40A466DD1268}" presName="horzTwo" presStyleCnt="0"/>
       <dgm:spPr/>
+      <dgm:t>
+        <a:bodyPr/>
+        <a:lstStyle/>
+        <a:p>
+          <a:endParaRPr lang="es-AR"/>
+        </a:p>
+      </dgm:t>
     </dgm:pt>
     <dgm:pt modelId="{4E773025-6A56-4DAE-B09F-CD5EB51D8CF5}" type="pres">
       <dgm:prSet presAssocID="{1AE98F1E-E277-4E7C-B37B-2DD87C237351}" presName="vertThree" presStyleCnt="0"/>
       <dgm:spPr/>
+      <dgm:t>
+        <a:bodyPr/>
+        <a:lstStyle/>
+        <a:p>
+          <a:endParaRPr lang="es-AR"/>
+        </a:p>
+      </dgm:t>
     </dgm:pt>
     <dgm:pt modelId="{2D0BEDD2-93E1-444F-B15D-F8AE6E00B684}" type="pres">
       <dgm:prSet presAssocID="{1AE98F1E-E277-4E7C-B37B-2DD87C237351}" presName="txThree" presStyleLbl="node3" presStyleIdx="2" presStyleCnt="3">
@@ -1352,10 +1466,24 @@
     <dgm:pt modelId="{99975524-9E7C-4C02-BE74-E33345EC6DF1}" type="pres">
       <dgm:prSet presAssocID="{1AE98F1E-E277-4E7C-B37B-2DD87C237351}" presName="parTransThree" presStyleCnt="0"/>
       <dgm:spPr/>
+      <dgm:t>
+        <a:bodyPr/>
+        <a:lstStyle/>
+        <a:p>
+          <a:endParaRPr lang="es-AR"/>
+        </a:p>
+      </dgm:t>
     </dgm:pt>
     <dgm:pt modelId="{EF09C306-775A-4B24-9CF9-41380976B8D0}" type="pres">
       <dgm:prSet presAssocID="{1AE98F1E-E277-4E7C-B37B-2DD87C237351}" presName="horzThree" presStyleCnt="0"/>
       <dgm:spPr/>
+      <dgm:t>
+        <a:bodyPr/>
+        <a:lstStyle/>
+        <a:p>
+          <a:endParaRPr lang="es-AR"/>
+        </a:p>
+      </dgm:t>
     </dgm:pt>
     <dgm:pt modelId="{B8369508-1C3E-42EA-B911-EB12B31ABE89}" type="pres">
       <dgm:prSet presAssocID="{82005FC4-939D-4ACF-8C2F-E6C9501F71E5}" presName="vertFour" presStyleCnt="0">
@@ -1364,6 +1492,13 @@
         </dgm:presLayoutVars>
       </dgm:prSet>
       <dgm:spPr/>
+      <dgm:t>
+        <a:bodyPr/>
+        <a:lstStyle/>
+        <a:p>
+          <a:endParaRPr lang="es-AR"/>
+        </a:p>
+      </dgm:t>
     </dgm:pt>
     <dgm:pt modelId="{85EB828F-C976-4C4B-BA1A-17244ACF076A}" type="pres">
       <dgm:prSet presAssocID="{82005FC4-939D-4ACF-8C2F-E6C9501F71E5}" presName="txFour" presStyleLbl="node4" presStyleIdx="0" presStyleCnt="2">
@@ -1383,10 +1518,24 @@
     <dgm:pt modelId="{7CA51DFC-9AB6-431C-9C1B-E07D82D66B4E}" type="pres">
       <dgm:prSet presAssocID="{82005FC4-939D-4ACF-8C2F-E6C9501F71E5}" presName="horzFour" presStyleCnt="0"/>
       <dgm:spPr/>
+      <dgm:t>
+        <a:bodyPr/>
+        <a:lstStyle/>
+        <a:p>
+          <a:endParaRPr lang="es-AR"/>
+        </a:p>
+      </dgm:t>
     </dgm:pt>
     <dgm:pt modelId="{A06018AF-59A4-4F09-8D5B-385DBB3F666A}" type="pres">
       <dgm:prSet presAssocID="{F063F031-5075-4751-AAF0-C7653BB77026}" presName="sibSpaceFour" presStyleCnt="0"/>
       <dgm:spPr/>
+      <dgm:t>
+        <a:bodyPr/>
+        <a:lstStyle/>
+        <a:p>
+          <a:endParaRPr lang="es-AR"/>
+        </a:p>
+      </dgm:t>
     </dgm:pt>
     <dgm:pt modelId="{B03E35B3-9816-47C8-815A-2E40261CE97F}" type="pres">
       <dgm:prSet presAssocID="{44146284-82FF-4A1A-87EA-B2772AC5BFBB}" presName="vertFour" presStyleCnt="0">
@@ -1395,6 +1544,13 @@
         </dgm:presLayoutVars>
       </dgm:prSet>
       <dgm:spPr/>
+      <dgm:t>
+        <a:bodyPr/>
+        <a:lstStyle/>
+        <a:p>
+          <a:endParaRPr lang="es-AR"/>
+        </a:p>
+      </dgm:t>
     </dgm:pt>
     <dgm:pt modelId="{9DF2C459-4115-4E2B-AE4B-636AE7505F85}" type="pres">
       <dgm:prSet presAssocID="{44146284-82FF-4A1A-87EA-B2772AC5BFBB}" presName="txFour" presStyleLbl="node4" presStyleIdx="1" presStyleCnt="2">
@@ -1414,6 +1570,13 @@
     <dgm:pt modelId="{F2A14732-42DC-4D56-BA90-F09457335866}" type="pres">
       <dgm:prSet presAssocID="{44146284-82FF-4A1A-87EA-B2772AC5BFBB}" presName="horzFour" presStyleCnt="0"/>
       <dgm:spPr/>
+      <dgm:t>
+        <a:bodyPr/>
+        <a:lstStyle/>
+        <a:p>
+          <a:endParaRPr lang="es-AR"/>
+        </a:p>
+      </dgm:t>
     </dgm:pt>
   </dgm:ptLst>
   <dgm:cxnLst>
@@ -1499,35 +1662,60 @@
             <a:gd name="adj" fmla="val 10000"/>
           </a:avLst>
         </a:prstGeom>
-        <a:solidFill>
-          <a:schemeClr val="accent1">
-            <a:hueOff val="0"/>
-            <a:satOff val="0"/>
-            <a:lumOff val="0"/>
-            <a:alphaOff val="0"/>
-          </a:schemeClr>
-        </a:solidFill>
-        <a:ln w="48000" cap="flat" cmpd="thickThin" algn="ctr">
-          <a:solidFill>
-            <a:schemeClr val="lt1">
-              <a:hueOff val="0"/>
-              <a:satOff val="0"/>
-              <a:lumOff val="0"/>
-              <a:alphaOff val="0"/>
-            </a:schemeClr>
-          </a:solidFill>
-          <a:prstDash val="solid"/>
+        <a:gradFill rotWithShape="0">
+          <a:gsLst>
+            <a:gs pos="0">
+              <a:schemeClr val="accent1">
+                <a:hueOff val="0"/>
+                <a:satOff val="0"/>
+                <a:lumOff val="0"/>
+                <a:alphaOff val="0"/>
+                <a:shade val="47500"/>
+                <a:satMod val="137000"/>
+              </a:schemeClr>
+            </a:gs>
+            <a:gs pos="55000">
+              <a:schemeClr val="accent1">
+                <a:hueOff val="0"/>
+                <a:satOff val="0"/>
+                <a:lumOff val="0"/>
+                <a:alphaOff val="0"/>
+                <a:shade val="69000"/>
+                <a:satMod val="137000"/>
+              </a:schemeClr>
+            </a:gs>
+            <a:gs pos="100000">
+              <a:schemeClr val="accent1">
+                <a:hueOff val="0"/>
+                <a:satOff val="0"/>
+                <a:lumOff val="0"/>
+                <a:alphaOff val="0"/>
+                <a:shade val="98000"/>
+                <a:satMod val="137000"/>
+              </a:schemeClr>
+            </a:gs>
+          </a:gsLst>
+          <a:lin ang="16200000" scaled="0"/>
+        </a:gradFill>
+        <a:ln>
+          <a:noFill/>
         </a:ln>
-        <a:effectLst/>
+        <a:effectLst>
+          <a:outerShdw blurRad="39000" dist="25400" dir="5400000" rotWithShape="0">
+            <a:srgbClr val="000000">
+              <a:alpha val="38000"/>
+            </a:srgbClr>
+          </a:outerShdw>
+        </a:effectLst>
       </dsp:spPr>
       <dsp:style>
-        <a:lnRef idx="2">
+        <a:lnRef idx="0">
           <a:scrgbClr r="0" g="0" b="0"/>
         </a:lnRef>
-        <a:fillRef idx="1">
+        <a:fillRef idx="3">
           <a:scrgbClr r="0" g="0" b="0"/>
         </a:fillRef>
-        <a:effectRef idx="0">
+        <a:effectRef idx="2">
           <a:scrgbClr r="0" g="0" b="0"/>
         </a:effectRef>
         <a:fontRef idx="minor">
@@ -1577,35 +1765,60 @@
             <a:gd name="adj" fmla="val 10000"/>
           </a:avLst>
         </a:prstGeom>
-        <a:solidFill>
-          <a:schemeClr val="accent1">
-            <a:hueOff val="0"/>
-            <a:satOff val="0"/>
-            <a:lumOff val="0"/>
-            <a:alphaOff val="0"/>
-          </a:schemeClr>
-        </a:solidFill>
-        <a:ln w="48000" cap="flat" cmpd="thickThin" algn="ctr">
-          <a:solidFill>
-            <a:schemeClr val="lt1">
-              <a:hueOff val="0"/>
-              <a:satOff val="0"/>
-              <a:lumOff val="0"/>
-              <a:alphaOff val="0"/>
-            </a:schemeClr>
-          </a:solidFill>
-          <a:prstDash val="solid"/>
+        <a:gradFill rotWithShape="0">
+          <a:gsLst>
+            <a:gs pos="0">
+              <a:schemeClr val="accent1">
+                <a:hueOff val="0"/>
+                <a:satOff val="0"/>
+                <a:lumOff val="0"/>
+                <a:alphaOff val="0"/>
+                <a:shade val="47500"/>
+                <a:satMod val="137000"/>
+              </a:schemeClr>
+            </a:gs>
+            <a:gs pos="55000">
+              <a:schemeClr val="accent1">
+                <a:hueOff val="0"/>
+                <a:satOff val="0"/>
+                <a:lumOff val="0"/>
+                <a:alphaOff val="0"/>
+                <a:shade val="69000"/>
+                <a:satMod val="137000"/>
+              </a:schemeClr>
+            </a:gs>
+            <a:gs pos="100000">
+              <a:schemeClr val="accent1">
+                <a:hueOff val="0"/>
+                <a:satOff val="0"/>
+                <a:lumOff val="0"/>
+                <a:alphaOff val="0"/>
+                <a:shade val="98000"/>
+                <a:satMod val="137000"/>
+              </a:schemeClr>
+            </a:gs>
+          </a:gsLst>
+          <a:lin ang="16200000" scaled="0"/>
+        </a:gradFill>
+        <a:ln>
+          <a:noFill/>
         </a:ln>
-        <a:effectLst/>
+        <a:effectLst>
+          <a:outerShdw blurRad="39000" dist="25400" dir="5400000" rotWithShape="0">
+            <a:srgbClr val="000000">
+              <a:alpha val="38000"/>
+            </a:srgbClr>
+          </a:outerShdw>
+        </a:effectLst>
       </dsp:spPr>
       <dsp:style>
-        <a:lnRef idx="2">
+        <a:lnRef idx="0">
           <a:scrgbClr r="0" g="0" b="0"/>
         </a:lnRef>
-        <a:fillRef idx="1">
+        <a:fillRef idx="3">
           <a:scrgbClr r="0" g="0" b="0"/>
         </a:fillRef>
-        <a:effectRef idx="0">
+        <a:effectRef idx="2">
           <a:scrgbClr r="0" g="0" b="0"/>
         </a:effectRef>
         <a:fontRef idx="minor">
@@ -1655,35 +1868,60 @@
             <a:gd name="adj" fmla="val 10000"/>
           </a:avLst>
         </a:prstGeom>
-        <a:solidFill>
-          <a:schemeClr val="accent1">
-            <a:hueOff val="0"/>
-            <a:satOff val="0"/>
-            <a:lumOff val="0"/>
-            <a:alphaOff val="0"/>
-          </a:schemeClr>
-        </a:solidFill>
-        <a:ln w="48000" cap="flat" cmpd="thickThin" algn="ctr">
-          <a:solidFill>
-            <a:schemeClr val="lt1">
-              <a:hueOff val="0"/>
-              <a:satOff val="0"/>
-              <a:lumOff val="0"/>
-              <a:alphaOff val="0"/>
-            </a:schemeClr>
-          </a:solidFill>
-          <a:prstDash val="solid"/>
+        <a:gradFill rotWithShape="0">
+          <a:gsLst>
+            <a:gs pos="0">
+              <a:schemeClr val="accent1">
+                <a:hueOff val="0"/>
+                <a:satOff val="0"/>
+                <a:lumOff val="0"/>
+                <a:alphaOff val="0"/>
+                <a:shade val="47500"/>
+                <a:satMod val="137000"/>
+              </a:schemeClr>
+            </a:gs>
+            <a:gs pos="55000">
+              <a:schemeClr val="accent1">
+                <a:hueOff val="0"/>
+                <a:satOff val="0"/>
+                <a:lumOff val="0"/>
+                <a:alphaOff val="0"/>
+                <a:shade val="69000"/>
+                <a:satMod val="137000"/>
+              </a:schemeClr>
+            </a:gs>
+            <a:gs pos="100000">
+              <a:schemeClr val="accent1">
+                <a:hueOff val="0"/>
+                <a:satOff val="0"/>
+                <a:lumOff val="0"/>
+                <a:alphaOff val="0"/>
+                <a:shade val="98000"/>
+                <a:satMod val="137000"/>
+              </a:schemeClr>
+            </a:gs>
+          </a:gsLst>
+          <a:lin ang="16200000" scaled="0"/>
+        </a:gradFill>
+        <a:ln>
+          <a:noFill/>
         </a:ln>
-        <a:effectLst/>
+        <a:effectLst>
+          <a:outerShdw blurRad="39000" dist="25400" dir="5400000" rotWithShape="0">
+            <a:srgbClr val="000000">
+              <a:alpha val="38000"/>
+            </a:srgbClr>
+          </a:outerShdw>
+        </a:effectLst>
       </dsp:spPr>
       <dsp:style>
-        <a:lnRef idx="2">
+        <a:lnRef idx="0">
           <a:scrgbClr r="0" g="0" b="0"/>
         </a:lnRef>
-        <a:fillRef idx="1">
+        <a:fillRef idx="3">
           <a:scrgbClr r="0" g="0" b="0"/>
         </a:fillRef>
-        <a:effectRef idx="0">
+        <a:effectRef idx="2">
           <a:scrgbClr r="0" g="0" b="0"/>
         </a:effectRef>
         <a:fontRef idx="minor">
@@ -1733,35 +1971,60 @@
             <a:gd name="adj" fmla="val 10000"/>
           </a:avLst>
         </a:prstGeom>
-        <a:solidFill>
-          <a:schemeClr val="accent1">
-            <a:hueOff val="0"/>
-            <a:satOff val="0"/>
-            <a:lumOff val="0"/>
-            <a:alphaOff val="0"/>
-          </a:schemeClr>
-        </a:solidFill>
-        <a:ln w="48000" cap="flat" cmpd="thickThin" algn="ctr">
-          <a:solidFill>
-            <a:schemeClr val="lt1">
-              <a:hueOff val="0"/>
-              <a:satOff val="0"/>
-              <a:lumOff val="0"/>
-              <a:alphaOff val="0"/>
-            </a:schemeClr>
-          </a:solidFill>
-          <a:prstDash val="solid"/>
+        <a:gradFill rotWithShape="0">
+          <a:gsLst>
+            <a:gs pos="0">
+              <a:schemeClr val="accent1">
+                <a:hueOff val="0"/>
+                <a:satOff val="0"/>
+                <a:lumOff val="0"/>
+                <a:alphaOff val="0"/>
+                <a:shade val="47500"/>
+                <a:satMod val="137000"/>
+              </a:schemeClr>
+            </a:gs>
+            <a:gs pos="55000">
+              <a:schemeClr val="accent1">
+                <a:hueOff val="0"/>
+                <a:satOff val="0"/>
+                <a:lumOff val="0"/>
+                <a:alphaOff val="0"/>
+                <a:shade val="69000"/>
+                <a:satMod val="137000"/>
+              </a:schemeClr>
+            </a:gs>
+            <a:gs pos="100000">
+              <a:schemeClr val="accent1">
+                <a:hueOff val="0"/>
+                <a:satOff val="0"/>
+                <a:lumOff val="0"/>
+                <a:alphaOff val="0"/>
+                <a:shade val="98000"/>
+                <a:satMod val="137000"/>
+              </a:schemeClr>
+            </a:gs>
+          </a:gsLst>
+          <a:lin ang="16200000" scaled="0"/>
+        </a:gradFill>
+        <a:ln>
+          <a:noFill/>
         </a:ln>
-        <a:effectLst/>
+        <a:effectLst>
+          <a:outerShdw blurRad="39000" dist="25400" dir="5400000" rotWithShape="0">
+            <a:srgbClr val="000000">
+              <a:alpha val="38000"/>
+            </a:srgbClr>
+          </a:outerShdw>
+        </a:effectLst>
       </dsp:spPr>
       <dsp:style>
-        <a:lnRef idx="2">
+        <a:lnRef idx="0">
           <a:scrgbClr r="0" g="0" b="0"/>
         </a:lnRef>
-        <a:fillRef idx="1">
+        <a:fillRef idx="3">
           <a:scrgbClr r="0" g="0" b="0"/>
         </a:fillRef>
-        <a:effectRef idx="0">
+        <a:effectRef idx="2">
           <a:scrgbClr r="0" g="0" b="0"/>
         </a:effectRef>
         <a:fontRef idx="minor">
@@ -1811,35 +2074,60 @@
             <a:gd name="adj" fmla="val 10000"/>
           </a:avLst>
         </a:prstGeom>
-        <a:solidFill>
-          <a:schemeClr val="accent1">
-            <a:hueOff val="0"/>
-            <a:satOff val="0"/>
-            <a:lumOff val="0"/>
-            <a:alphaOff val="0"/>
-          </a:schemeClr>
-        </a:solidFill>
-        <a:ln w="48000" cap="flat" cmpd="thickThin" algn="ctr">
-          <a:solidFill>
-            <a:schemeClr val="lt1">
-              <a:hueOff val="0"/>
-              <a:satOff val="0"/>
-              <a:lumOff val="0"/>
-              <a:alphaOff val="0"/>
-            </a:schemeClr>
-          </a:solidFill>
-          <a:prstDash val="solid"/>
+        <a:gradFill rotWithShape="0">
+          <a:gsLst>
+            <a:gs pos="0">
+              <a:schemeClr val="accent1">
+                <a:hueOff val="0"/>
+                <a:satOff val="0"/>
+                <a:lumOff val="0"/>
+                <a:alphaOff val="0"/>
+                <a:shade val="47500"/>
+                <a:satMod val="137000"/>
+              </a:schemeClr>
+            </a:gs>
+            <a:gs pos="55000">
+              <a:schemeClr val="accent1">
+                <a:hueOff val="0"/>
+                <a:satOff val="0"/>
+                <a:lumOff val="0"/>
+                <a:alphaOff val="0"/>
+                <a:shade val="69000"/>
+                <a:satMod val="137000"/>
+              </a:schemeClr>
+            </a:gs>
+            <a:gs pos="100000">
+              <a:schemeClr val="accent1">
+                <a:hueOff val="0"/>
+                <a:satOff val="0"/>
+                <a:lumOff val="0"/>
+                <a:alphaOff val="0"/>
+                <a:shade val="98000"/>
+                <a:satMod val="137000"/>
+              </a:schemeClr>
+            </a:gs>
+          </a:gsLst>
+          <a:lin ang="16200000" scaled="0"/>
+        </a:gradFill>
+        <a:ln>
+          <a:noFill/>
         </a:ln>
-        <a:effectLst/>
+        <a:effectLst>
+          <a:outerShdw blurRad="39000" dist="25400" dir="5400000" rotWithShape="0">
+            <a:srgbClr val="000000">
+              <a:alpha val="38000"/>
+            </a:srgbClr>
+          </a:outerShdw>
+        </a:effectLst>
       </dsp:spPr>
       <dsp:style>
-        <a:lnRef idx="2">
+        <a:lnRef idx="0">
           <a:scrgbClr r="0" g="0" b="0"/>
         </a:lnRef>
-        <a:fillRef idx="1">
+        <a:fillRef idx="3">
           <a:scrgbClr r="0" g="0" b="0"/>
         </a:fillRef>
-        <a:effectRef idx="0">
+        <a:effectRef idx="2">
           <a:scrgbClr r="0" g="0" b="0"/>
         </a:effectRef>
         <a:fontRef idx="minor">
@@ -1889,35 +2177,60 @@
             <a:gd name="adj" fmla="val 10000"/>
           </a:avLst>
         </a:prstGeom>
-        <a:solidFill>
-          <a:schemeClr val="accent1">
-            <a:hueOff val="0"/>
-            <a:satOff val="0"/>
-            <a:lumOff val="0"/>
-            <a:alphaOff val="0"/>
-          </a:schemeClr>
-        </a:solidFill>
-        <a:ln w="48000" cap="flat" cmpd="thickThin" algn="ctr">
-          <a:solidFill>
-            <a:schemeClr val="lt1">
-              <a:hueOff val="0"/>
-              <a:satOff val="0"/>
-              <a:lumOff val="0"/>
-              <a:alphaOff val="0"/>
-            </a:schemeClr>
-          </a:solidFill>
-          <a:prstDash val="solid"/>
+        <a:gradFill rotWithShape="0">
+          <a:gsLst>
+            <a:gs pos="0">
+              <a:schemeClr val="accent1">
+                <a:hueOff val="0"/>
+                <a:satOff val="0"/>
+                <a:lumOff val="0"/>
+                <a:alphaOff val="0"/>
+                <a:shade val="47500"/>
+                <a:satMod val="137000"/>
+              </a:schemeClr>
+            </a:gs>
+            <a:gs pos="55000">
+              <a:schemeClr val="accent1">
+                <a:hueOff val="0"/>
+                <a:satOff val="0"/>
+                <a:lumOff val="0"/>
+                <a:alphaOff val="0"/>
+                <a:shade val="69000"/>
+                <a:satMod val="137000"/>
+              </a:schemeClr>
+            </a:gs>
+            <a:gs pos="100000">
+              <a:schemeClr val="accent1">
+                <a:hueOff val="0"/>
+                <a:satOff val="0"/>
+                <a:lumOff val="0"/>
+                <a:alphaOff val="0"/>
+                <a:shade val="98000"/>
+                <a:satMod val="137000"/>
+              </a:schemeClr>
+            </a:gs>
+          </a:gsLst>
+          <a:lin ang="16200000" scaled="0"/>
+        </a:gradFill>
+        <a:ln>
+          <a:noFill/>
         </a:ln>
-        <a:effectLst/>
+        <a:effectLst>
+          <a:outerShdw blurRad="39000" dist="25400" dir="5400000" rotWithShape="0">
+            <a:srgbClr val="000000">
+              <a:alpha val="38000"/>
+            </a:srgbClr>
+          </a:outerShdw>
+        </a:effectLst>
       </dsp:spPr>
       <dsp:style>
-        <a:lnRef idx="2">
+        <a:lnRef idx="0">
           <a:scrgbClr r="0" g="0" b="0"/>
         </a:lnRef>
-        <a:fillRef idx="1">
+        <a:fillRef idx="3">
           <a:scrgbClr r="0" g="0" b="0"/>
         </a:fillRef>
-        <a:effectRef idx="0">
+        <a:effectRef idx="2">
           <a:scrgbClr r="0" g="0" b="0"/>
         </a:effectRef>
         <a:fontRef idx="minor">
@@ -1967,35 +2280,60 @@
             <a:gd name="adj" fmla="val 10000"/>
           </a:avLst>
         </a:prstGeom>
-        <a:solidFill>
-          <a:schemeClr val="accent1">
-            <a:hueOff val="0"/>
-            <a:satOff val="0"/>
-            <a:lumOff val="0"/>
-            <a:alphaOff val="0"/>
-          </a:schemeClr>
-        </a:solidFill>
-        <a:ln w="48000" cap="flat" cmpd="thickThin" algn="ctr">
-          <a:solidFill>
-            <a:schemeClr val="lt1">
-              <a:hueOff val="0"/>
-              <a:satOff val="0"/>
-              <a:lumOff val="0"/>
-              <a:alphaOff val="0"/>
-            </a:schemeClr>
-          </a:solidFill>
-          <a:prstDash val="solid"/>
+        <a:gradFill rotWithShape="0">
+          <a:gsLst>
+            <a:gs pos="0">
+              <a:schemeClr val="accent1">
+                <a:hueOff val="0"/>
+                <a:satOff val="0"/>
+                <a:lumOff val="0"/>
+                <a:alphaOff val="0"/>
+                <a:shade val="47500"/>
+                <a:satMod val="137000"/>
+              </a:schemeClr>
+            </a:gs>
+            <a:gs pos="55000">
+              <a:schemeClr val="accent1">
+                <a:hueOff val="0"/>
+                <a:satOff val="0"/>
+                <a:lumOff val="0"/>
+                <a:alphaOff val="0"/>
+                <a:shade val="69000"/>
+                <a:satMod val="137000"/>
+              </a:schemeClr>
+            </a:gs>
+            <a:gs pos="100000">
+              <a:schemeClr val="accent1">
+                <a:hueOff val="0"/>
+                <a:satOff val="0"/>
+                <a:lumOff val="0"/>
+                <a:alphaOff val="0"/>
+                <a:shade val="98000"/>
+                <a:satMod val="137000"/>
+              </a:schemeClr>
+            </a:gs>
+          </a:gsLst>
+          <a:lin ang="16200000" scaled="0"/>
+        </a:gradFill>
+        <a:ln>
+          <a:noFill/>
         </a:ln>
-        <a:effectLst/>
+        <a:effectLst>
+          <a:outerShdw blurRad="39000" dist="25400" dir="5400000" rotWithShape="0">
+            <a:srgbClr val="000000">
+              <a:alpha val="38000"/>
+            </a:srgbClr>
+          </a:outerShdw>
+        </a:effectLst>
       </dsp:spPr>
       <dsp:style>
-        <a:lnRef idx="2">
+        <a:lnRef idx="0">
           <a:scrgbClr r="0" g="0" b="0"/>
         </a:lnRef>
-        <a:fillRef idx="1">
+        <a:fillRef idx="3">
           <a:scrgbClr r="0" g="0" b="0"/>
         </a:fillRef>
-        <a:effectRef idx="0">
+        <a:effectRef idx="2">
           <a:scrgbClr r="0" g="0" b="0"/>
         </a:effectRef>
         <a:fontRef idx="minor">
@@ -2045,35 +2383,60 @@
             <a:gd name="adj" fmla="val 10000"/>
           </a:avLst>
         </a:prstGeom>
-        <a:solidFill>
-          <a:schemeClr val="accent1">
-            <a:hueOff val="0"/>
-            <a:satOff val="0"/>
-            <a:lumOff val="0"/>
-            <a:alphaOff val="0"/>
-          </a:schemeClr>
-        </a:solidFill>
-        <a:ln w="48000" cap="flat" cmpd="thickThin" algn="ctr">
-          <a:solidFill>
-            <a:schemeClr val="lt1">
-              <a:hueOff val="0"/>
-              <a:satOff val="0"/>
-              <a:lumOff val="0"/>
-              <a:alphaOff val="0"/>
-            </a:schemeClr>
-          </a:solidFill>
-          <a:prstDash val="solid"/>
+        <a:gradFill rotWithShape="0">
+          <a:gsLst>
+            <a:gs pos="0">
+              <a:schemeClr val="accent1">
+                <a:hueOff val="0"/>
+                <a:satOff val="0"/>
+                <a:lumOff val="0"/>
+                <a:alphaOff val="0"/>
+                <a:shade val="47500"/>
+                <a:satMod val="137000"/>
+              </a:schemeClr>
+            </a:gs>
+            <a:gs pos="55000">
+              <a:schemeClr val="accent1">
+                <a:hueOff val="0"/>
+                <a:satOff val="0"/>
+                <a:lumOff val="0"/>
+                <a:alphaOff val="0"/>
+                <a:shade val="69000"/>
+                <a:satMod val="137000"/>
+              </a:schemeClr>
+            </a:gs>
+            <a:gs pos="100000">
+              <a:schemeClr val="accent1">
+                <a:hueOff val="0"/>
+                <a:satOff val="0"/>
+                <a:lumOff val="0"/>
+                <a:alphaOff val="0"/>
+                <a:shade val="98000"/>
+                <a:satMod val="137000"/>
+              </a:schemeClr>
+            </a:gs>
+          </a:gsLst>
+          <a:lin ang="16200000" scaled="0"/>
+        </a:gradFill>
+        <a:ln>
+          <a:noFill/>
         </a:ln>
-        <a:effectLst/>
+        <a:effectLst>
+          <a:outerShdw blurRad="39000" dist="25400" dir="5400000" rotWithShape="0">
+            <a:srgbClr val="000000">
+              <a:alpha val="38000"/>
+            </a:srgbClr>
+          </a:outerShdw>
+        </a:effectLst>
       </dsp:spPr>
       <dsp:style>
-        <a:lnRef idx="2">
+        <a:lnRef idx="0">
           <a:scrgbClr r="0" g="0" b="0"/>
         </a:lnRef>
-        <a:fillRef idx="1">
+        <a:fillRef idx="3">
           <a:scrgbClr r="0" g="0" b="0"/>
         </a:fillRef>
-        <a:effectRef idx="0">
+        <a:effectRef idx="2">
           <a:scrgbClr r="0" g="0" b="0"/>
         </a:effectRef>
         <a:fontRef idx="minor">
@@ -2635,11 +2998,11 @@
 </file>
 
 <file path=ppt/diagrams/quickStyle1.xml><?xml version="1.0" encoding="utf-8"?>
-<dgm:styleDef xmlns:dgm="http://schemas.openxmlformats.org/drawingml/2006/diagram" xmlns:a="http://schemas.openxmlformats.org/drawingml/2006/main" uniqueId="urn:microsoft.com/office/officeart/2005/8/quickstyle/simple1">
+<dgm:styleDef xmlns:dgm="http://schemas.openxmlformats.org/drawingml/2006/diagram" xmlns:a="http://schemas.openxmlformats.org/drawingml/2006/main" uniqueId="urn:microsoft.com/office/officeart/2005/8/quickstyle/simple4">
   <dgm:title val=""/>
   <dgm:desc val=""/>
   <dgm:catLst>
-    <dgm:cat type="simple" pri="10100"/>
+    <dgm:cat type="simple" pri="10400"/>
   </dgm:catLst>
   <dgm:scene3d>
     <a:camera prst="orthographicFront"/>
@@ -2653,13 +3016,13 @@
     <dgm:sp3d/>
     <dgm:txPr/>
     <dgm:style>
-      <a:lnRef idx="2">
+      <a:lnRef idx="0">
         <a:scrgbClr r="0" g="0" b="0"/>
       </a:lnRef>
-      <a:fillRef idx="1">
+      <a:fillRef idx="3">
         <a:scrgbClr r="0" g="0" b="0"/>
       </a:fillRef>
-      <a:effectRef idx="0">
+      <a:effectRef idx="2">
         <a:scrgbClr r="0" g="0" b="0"/>
       </a:effectRef>
       <a:fontRef idx="minor">
@@ -2675,13 +3038,13 @@
     <dgm:sp3d/>
     <dgm:txPr/>
     <dgm:style>
-      <a:lnRef idx="2">
+      <a:lnRef idx="1">
         <a:scrgbClr r="0" g="0" b="0"/>
       </a:lnRef>
-      <a:fillRef idx="1">
+      <a:fillRef idx="3">
         <a:scrgbClr r="0" g="0" b="0"/>
       </a:fillRef>
-      <a:effectRef idx="0">
+      <a:effectRef idx="2">
         <a:scrgbClr r="0" g="0" b="0"/>
       </a:effectRef>
       <a:fontRef idx="minor">
@@ -2697,10 +3060,10 @@
     <dgm:sp3d/>
     <dgm:txPr/>
     <dgm:style>
-      <a:lnRef idx="2">
+      <a:lnRef idx="0">
         <a:scrgbClr r="0" g="0" b="0"/>
       </a:lnRef>
-      <a:fillRef idx="1">
+      <a:fillRef idx="3">
         <a:scrgbClr r="0" g="0" b="0"/>
       </a:fillRef>
       <a:effectRef idx="0">
@@ -2719,13 +3082,13 @@
     <dgm:sp3d/>
     <dgm:txPr/>
     <dgm:style>
-      <a:lnRef idx="2">
+      <a:lnRef idx="1">
         <a:scrgbClr r="0" g="0" b="0"/>
       </a:lnRef>
-      <a:fillRef idx="1">
+      <a:fillRef idx="3">
         <a:scrgbClr r="0" g="0" b="0"/>
       </a:fillRef>
-      <a:effectRef idx="0">
+      <a:effectRef idx="2">
         <a:scrgbClr r="0" g="0" b="0"/>
       </a:effectRef>
       <a:fontRef idx="minor">
@@ -2741,13 +3104,13 @@
     <dgm:sp3d/>
     <dgm:txPr/>
     <dgm:style>
-      <a:lnRef idx="2">
+      <a:lnRef idx="0">
         <a:scrgbClr r="0" g="0" b="0"/>
       </a:lnRef>
-      <a:fillRef idx="1">
+      <a:fillRef idx="3">
         <a:scrgbClr r="0" g="0" b="0"/>
       </a:fillRef>
-      <a:effectRef idx="0">
+      <a:effectRef idx="2">
         <a:scrgbClr r="0" g="0" b="0"/>
       </a:effectRef>
       <a:fontRef idx="minor">
@@ -2763,13 +3126,13 @@
     <dgm:sp3d/>
     <dgm:txPr/>
     <dgm:style>
-      <a:lnRef idx="2">
+      <a:lnRef idx="0">
         <a:scrgbClr r="0" g="0" b="0"/>
       </a:lnRef>
-      <a:fillRef idx="1">
+      <a:fillRef idx="3">
         <a:scrgbClr r="0" g="0" b="0"/>
       </a:fillRef>
-      <a:effectRef idx="0">
+      <a:effectRef idx="2">
         <a:scrgbClr r="0" g="0" b="0"/>
       </a:effectRef>
       <a:fontRef idx="minor">
@@ -2785,13 +3148,13 @@
     <dgm:sp3d/>
     <dgm:txPr/>
     <dgm:style>
-      <a:lnRef idx="2">
+      <a:lnRef idx="0">
         <a:scrgbClr r="0" g="0" b="0"/>
       </a:lnRef>
-      <a:fillRef idx="1">
+      <a:fillRef idx="3">
         <a:scrgbClr r="0" g="0" b="0"/>
       </a:fillRef>
-      <a:effectRef idx="0">
+      <a:effectRef idx="2">
         <a:scrgbClr r="0" g="0" b="0"/>
       </a:effectRef>
       <a:fontRef idx="minor">
@@ -2807,13 +3170,13 @@
     <dgm:sp3d/>
     <dgm:txPr/>
     <dgm:style>
-      <a:lnRef idx="2">
+      <a:lnRef idx="0">
         <a:scrgbClr r="0" g="0" b="0"/>
       </a:lnRef>
-      <a:fillRef idx="1">
+      <a:fillRef idx="3">
         <a:scrgbClr r="0" g="0" b="0"/>
       </a:fillRef>
-      <a:effectRef idx="0">
+      <a:effectRef idx="2">
         <a:scrgbClr r="0" g="0" b="0"/>
       </a:effectRef>
       <a:fontRef idx="minor">
@@ -2829,13 +3192,13 @@
     <dgm:sp3d/>
     <dgm:txPr/>
     <dgm:style>
-      <a:lnRef idx="2">
+      <a:lnRef idx="0">
         <a:scrgbClr r="0" g="0" b="0"/>
       </a:lnRef>
       <a:fillRef idx="1">
         <a:scrgbClr r="0" g="0" b="0"/>
       </a:fillRef>
-      <a:effectRef idx="0">
+      <a:effectRef idx="2">
         <a:scrgbClr r="0" g="0" b="0"/>
       </a:effectRef>
       <a:fontRef idx="minor"/>
@@ -2849,13 +3212,13 @@
     <dgm:sp3d/>
     <dgm:txPr/>
     <dgm:style>
-      <a:lnRef idx="2">
+      <a:lnRef idx="0">
         <a:scrgbClr r="0" g="0" b="0"/>
       </a:lnRef>
       <a:fillRef idx="1">
         <a:scrgbClr r="0" g="0" b="0"/>
       </a:fillRef>
-      <a:effectRef idx="0">
+      <a:effectRef idx="2">
         <a:scrgbClr r="0" g="0" b="0"/>
       </a:effectRef>
       <a:fontRef idx="minor"/>
@@ -2869,13 +3232,13 @@
     <dgm:sp3d/>
     <dgm:txPr/>
     <dgm:style>
-      <a:lnRef idx="2">
+      <a:lnRef idx="0">
         <a:scrgbClr r="0" g="0" b="0"/>
       </a:lnRef>
       <a:fillRef idx="1">
         <a:scrgbClr r="0" g="0" b="0"/>
       </a:fillRef>
-      <a:effectRef idx="0">
+      <a:effectRef idx="2">
         <a:scrgbClr r="0" g="0" b="0"/>
       </a:effectRef>
       <a:fontRef idx="minor"/>
@@ -2892,10 +3255,10 @@
       <a:lnRef idx="0">
         <a:scrgbClr r="0" g="0" b="0"/>
       </a:lnRef>
-      <a:fillRef idx="1">
+      <a:fillRef idx="3">
         <a:scrgbClr r="0" g="0" b="0"/>
       </a:fillRef>
-      <a:effectRef idx="0">
+      <a:effectRef idx="2">
         <a:scrgbClr r="0" g="0" b="0"/>
       </a:effectRef>
       <a:fontRef idx="minor">
@@ -2914,10 +3277,10 @@
       <a:lnRef idx="0">
         <a:scrgbClr r="0" g="0" b="0"/>
       </a:lnRef>
-      <a:fillRef idx="1">
+      <a:fillRef idx="3">
         <a:scrgbClr r="0" g="0" b="0"/>
       </a:fillRef>
-      <a:effectRef idx="0">
+      <a:effectRef idx="2">
         <a:scrgbClr r="0" g="0" b="0"/>
       </a:effectRef>
       <a:fontRef idx="minor">
@@ -2936,10 +3299,10 @@
       <a:lnRef idx="0">
         <a:scrgbClr r="0" g="0" b="0"/>
       </a:lnRef>
-      <a:fillRef idx="1">
+      <a:fillRef idx="3">
         <a:scrgbClr r="0" g="0" b="0"/>
       </a:fillRef>
-      <a:effectRef idx="0">
+      <a:effectRef idx="2">
         <a:scrgbClr r="0" g="0" b="0"/>
       </a:effectRef>
       <a:fontRef idx="minor">
@@ -2981,7 +3344,7 @@
       <a:fillRef idx="1">
         <a:scrgbClr r="0" g="0" b="0"/>
       </a:fillRef>
-      <a:effectRef idx="0">
+      <a:effectRef idx="1">
         <a:scrgbClr r="0" g="0" b="0"/>
       </a:effectRef>
       <a:fontRef idx="minor"/>
@@ -2995,13 +3358,13 @@
     <dgm:sp3d/>
     <dgm:txPr/>
     <dgm:style>
-      <a:lnRef idx="2">
+      <a:lnRef idx="0">
         <a:scrgbClr r="0" g="0" b="0"/>
       </a:lnRef>
-      <a:fillRef idx="1">
+      <a:fillRef idx="3">
         <a:scrgbClr r="0" g="0" b="0"/>
       </a:fillRef>
-      <a:effectRef idx="0">
+      <a:effectRef idx="2">
         <a:scrgbClr r="0" g="0" b="0"/>
       </a:effectRef>
       <a:fontRef idx="minor">
@@ -3017,13 +3380,13 @@
     <dgm:sp3d/>
     <dgm:txPr/>
     <dgm:style>
-      <a:lnRef idx="2">
+      <a:lnRef idx="0">
         <a:scrgbClr r="0" g="0" b="0"/>
       </a:lnRef>
-      <a:fillRef idx="1">
+      <a:fillRef idx="3">
         <a:scrgbClr r="0" g="0" b="0"/>
       </a:fillRef>
-      <a:effectRef idx="0">
+      <a:effectRef idx="2">
         <a:scrgbClr r="0" g="0" b="0"/>
       </a:effectRef>
       <a:fontRef idx="minor">
@@ -3039,13 +3402,13 @@
     <dgm:sp3d/>
     <dgm:txPr/>
     <dgm:style>
-      <a:lnRef idx="2">
+      <a:lnRef idx="0">
         <a:scrgbClr r="0" g="0" b="0"/>
       </a:lnRef>
-      <a:fillRef idx="1">
+      <a:fillRef idx="3">
         <a:scrgbClr r="0" g="0" b="0"/>
       </a:fillRef>
-      <a:effectRef idx="0">
+      <a:effectRef idx="2">
         <a:scrgbClr r="0" g="0" b="0"/>
       </a:effectRef>
       <a:fontRef idx="minor">
@@ -3061,13 +3424,13 @@
     <dgm:sp3d/>
     <dgm:txPr/>
     <dgm:style>
-      <a:lnRef idx="2">
+      <a:lnRef idx="0">
         <a:scrgbClr r="0" g="0" b="0"/>
       </a:lnRef>
-      <a:fillRef idx="1">
+      <a:fillRef idx="3">
         <a:scrgbClr r="0" g="0" b="0"/>
       </a:fillRef>
-      <a:effectRef idx="0">
+      <a:effectRef idx="2">
         <a:scrgbClr r="0" g="0" b="0"/>
       </a:effectRef>
       <a:fontRef idx="minor">
@@ -3083,13 +3446,13 @@
     <dgm:sp3d/>
     <dgm:txPr/>
     <dgm:style>
-      <a:lnRef idx="2">
+      <a:lnRef idx="0">
         <a:scrgbClr r="0" g="0" b="0"/>
       </a:lnRef>
-      <a:fillRef idx="1">
+      <a:fillRef idx="3">
         <a:scrgbClr r="0" g="0" b="0"/>
       </a:fillRef>
-      <a:effectRef idx="0">
+      <a:effectRef idx="2">
         <a:scrgbClr r="0" g="0" b="0"/>
       </a:effectRef>
       <a:fontRef idx="minor">
@@ -3105,13 +3468,13 @@
     <dgm:sp3d/>
     <dgm:txPr/>
     <dgm:style>
-      <a:lnRef idx="2">
+      <a:lnRef idx="0">
         <a:scrgbClr r="0" g="0" b="0"/>
       </a:lnRef>
-      <a:fillRef idx="1">
+      <a:fillRef idx="3">
         <a:scrgbClr r="0" g="0" b="0"/>
       </a:fillRef>
-      <a:effectRef idx="0">
+      <a:effectRef idx="2">
         <a:scrgbClr r="0" g="0" b="0"/>
       </a:effectRef>
       <a:fontRef idx="minor">
@@ -3127,13 +3490,13 @@
     <dgm:sp3d/>
     <dgm:txPr/>
     <dgm:style>
-      <a:lnRef idx="2">
+      <a:lnRef idx="0">
         <a:scrgbClr r="0" g="0" b="0"/>
       </a:lnRef>
-      <a:fillRef idx="1">
+      <a:fillRef idx="3">
         <a:scrgbClr r="0" g="0" b="0"/>
       </a:fillRef>
-      <a:effectRef idx="0">
+      <a:effectRef idx="2">
         <a:scrgbClr r="0" g="0" b="0"/>
       </a:effectRef>
       <a:fontRef idx="minor">
@@ -3149,13 +3512,13 @@
     <dgm:sp3d/>
     <dgm:txPr/>
     <dgm:style>
-      <a:lnRef idx="2">
+      <a:lnRef idx="1">
         <a:scrgbClr r="0" g="0" b="0"/>
       </a:lnRef>
-      <a:fillRef idx="1">
+      <a:fillRef idx="3">
         <a:scrgbClr r="0" g="0" b="0"/>
       </a:fillRef>
-      <a:effectRef idx="0">
+      <a:effectRef idx="2">
         <a:scrgbClr r="0" g="0" b="0"/>
       </a:effectRef>
       <a:fontRef idx="minor">
@@ -3171,13 +3534,13 @@
     <dgm:sp3d/>
     <dgm:txPr/>
     <dgm:style>
-      <a:lnRef idx="2">
+      <a:lnRef idx="1">
         <a:scrgbClr r="0" g="0" b="0"/>
       </a:lnRef>
-      <a:fillRef idx="1">
+      <a:fillRef idx="3">
         <a:scrgbClr r="0" g="0" b="0"/>
       </a:fillRef>
-      <a:effectRef idx="0">
+      <a:effectRef idx="2">
         <a:scrgbClr r="0" g="0" b="0"/>
       </a:effectRef>
       <a:fontRef idx="minor">
@@ -3193,7 +3556,7 @@
     <dgm:sp3d/>
     <dgm:txPr/>
     <dgm:style>
-      <a:lnRef idx="2">
+      <a:lnRef idx="1">
         <a:scrgbClr r="0" g="0" b="0"/>
       </a:lnRef>
       <a:fillRef idx="0">
@@ -3213,7 +3576,7 @@
     <dgm:sp3d/>
     <dgm:txPr/>
     <dgm:style>
-      <a:lnRef idx="2">
+      <a:lnRef idx="1">
         <a:scrgbClr r="0" g="0" b="0"/>
       </a:lnRef>
       <a:fillRef idx="0">
@@ -3233,7 +3596,7 @@
     <dgm:sp3d/>
     <dgm:txPr/>
     <dgm:style>
-      <a:lnRef idx="2">
+      <a:lnRef idx="1">
         <a:scrgbClr r="0" g="0" b="0"/>
       </a:lnRef>
       <a:fillRef idx="0">
@@ -3253,7 +3616,7 @@
     <dgm:sp3d/>
     <dgm:txPr/>
     <dgm:style>
-      <a:lnRef idx="2">
+      <a:lnRef idx="1">
         <a:scrgbClr r="0" g="0" b="0"/>
       </a:lnRef>
       <a:fillRef idx="0">
@@ -3273,7 +3636,7 @@
     <dgm:sp3d/>
     <dgm:txPr/>
     <dgm:style>
-      <a:lnRef idx="2">
+      <a:lnRef idx="1">
         <a:scrgbClr r="0" g="0" b="0"/>
       </a:lnRef>
       <a:fillRef idx="1">
@@ -3293,7 +3656,7 @@
     <dgm:sp3d/>
     <dgm:txPr/>
     <dgm:style>
-      <a:lnRef idx="2">
+      <a:lnRef idx="1">
         <a:scrgbClr r="0" g="0" b="0"/>
       </a:lnRef>
       <a:fillRef idx="1">
@@ -3313,7 +3676,7 @@
     <dgm:sp3d/>
     <dgm:txPr/>
     <dgm:style>
-      <a:lnRef idx="2">
+      <a:lnRef idx="1">
         <a:scrgbClr r="0" g="0" b="0"/>
       </a:lnRef>
       <a:fillRef idx="1">
@@ -3353,7 +3716,7 @@
     <dgm:sp3d/>
     <dgm:txPr/>
     <dgm:style>
-      <a:lnRef idx="2">
+      <a:lnRef idx="1">
         <a:scrgbClr r="0" g="0" b="0"/>
       </a:lnRef>
       <a:fillRef idx="1">
@@ -3373,7 +3736,7 @@
     <dgm:sp3d/>
     <dgm:txPr/>
     <dgm:style>
-      <a:lnRef idx="2">
+      <a:lnRef idx="1">
         <a:scrgbClr r="0" g="0" b="0"/>
       </a:lnRef>
       <a:fillRef idx="1">
@@ -3393,7 +3756,7 @@
     <dgm:sp3d/>
     <dgm:txPr/>
     <dgm:style>
-      <a:lnRef idx="2">
+      <a:lnRef idx="1">
         <a:scrgbClr r="0" g="0" b="0"/>
       </a:lnRef>
       <a:fillRef idx="1">
@@ -3413,7 +3776,7 @@
     <dgm:sp3d/>
     <dgm:txPr/>
     <dgm:style>
-      <a:lnRef idx="2">
+      <a:lnRef idx="1">
         <a:scrgbClr r="0" g="0" b="0"/>
       </a:lnRef>
       <a:fillRef idx="1">
@@ -3433,7 +3796,7 @@
     <dgm:sp3d/>
     <dgm:txPr/>
     <dgm:style>
-      <a:lnRef idx="2">
+      <a:lnRef idx="1">
         <a:scrgbClr r="0" g="0" b="0"/>
       </a:lnRef>
       <a:fillRef idx="1">
@@ -3453,7 +3816,7 @@
     <dgm:sp3d/>
     <dgm:txPr/>
     <dgm:style>
-      <a:lnRef idx="2">
+      <a:lnRef idx="1">
         <a:scrgbClr r="0" g="0" b="0"/>
       </a:lnRef>
       <a:fillRef idx="1">
@@ -3473,7 +3836,7 @@
     <dgm:sp3d/>
     <dgm:txPr/>
     <dgm:style>
-      <a:lnRef idx="2">
+      <a:lnRef idx="1">
         <a:scrgbClr r="0" g="0" b="0"/>
       </a:lnRef>
       <a:fillRef idx="1">
@@ -3493,7 +3856,7 @@
     <dgm:sp3d/>
     <dgm:txPr/>
     <dgm:style>
-      <a:lnRef idx="2">
+      <a:lnRef idx="1">
         <a:scrgbClr r="0" g="0" b="0"/>
       </a:lnRef>
       <a:fillRef idx="1">
@@ -3513,7 +3876,7 @@
     <dgm:sp3d/>
     <dgm:txPr/>
     <dgm:style>
-      <a:lnRef idx="2">
+      <a:lnRef idx="1">
         <a:scrgbClr r="0" g="0" b="0"/>
       </a:lnRef>
       <a:fillRef idx="1">
@@ -3533,7 +3896,7 @@
     <dgm:sp3d/>
     <dgm:txPr/>
     <dgm:style>
-      <a:lnRef idx="2">
+      <a:lnRef idx="1">
         <a:scrgbClr r="0" g="0" b="0"/>
       </a:lnRef>
       <a:fillRef idx="1">
@@ -3553,7 +3916,7 @@
     <dgm:sp3d/>
     <dgm:txPr/>
     <dgm:style>
-      <a:lnRef idx="2">
+      <a:lnRef idx="1">
         <a:scrgbClr r="0" g="0" b="0"/>
       </a:lnRef>
       <a:fillRef idx="1">
@@ -3579,7 +3942,7 @@
       <a:fillRef idx="1">
         <a:scrgbClr r="0" g="0" b="0"/>
       </a:fillRef>
-      <a:effectRef idx="0">
+      <a:effectRef idx="2">
         <a:scrgbClr r="0" g="0" b="0"/>
       </a:effectRef>
       <a:fontRef idx="minor"/>
@@ -3599,7 +3962,7 @@
       <a:fillRef idx="1">
         <a:scrgbClr r="0" g="0" b="0"/>
       </a:fillRef>
-      <a:effectRef idx="0">
+      <a:effectRef idx="2">
         <a:scrgbClr r="0" g="0" b="0"/>
       </a:effectRef>
       <a:fontRef idx="minor"/>
@@ -3633,13 +3996,13 @@
     <dgm:sp3d/>
     <dgm:txPr/>
     <dgm:style>
-      <a:lnRef idx="2">
+      <a:lnRef idx="0">
         <a:scrgbClr r="0" g="0" b="0"/>
       </a:lnRef>
-      <a:fillRef idx="1">
+      <a:fillRef idx="3">
         <a:scrgbClr r="0" g="0" b="0"/>
       </a:fillRef>
-      <a:effectRef idx="0">
+      <a:effectRef idx="2">
         <a:scrgbClr r="0" g="0" b="0"/>
       </a:effectRef>
       <a:fontRef idx="minor"/>
@@ -3751,7 +4114,7 @@
             <a:fld id="{C4912EAB-2DF2-4EA7-9A3C-081666E7F61D}" type="datetimeFigureOut">
               <a:rPr lang="es-AR" smtClean="0"/>
               <a:pPr/>
-              <a:t>29/08/2010</a:t>
+              <a:t>30/08/2010</a:t>
             </a:fld>
             <a:endParaRPr lang="es-AR"/>
           </a:p>
@@ -3913,7 +4276,7 @@
             <a:fld id="{320C0146-0920-4890-94B5-4EE8DB66AAB2}" type="datetimeFigureOut">
               <a:rPr lang="es-AR" smtClean="0"/>
               <a:pPr/>
-              <a:t>29/08/2010</a:t>
+              <a:t>30/08/2010</a:t>
             </a:fld>
             <a:endParaRPr lang="es-AR"/>
           </a:p>
@@ -4225,7 +4588,7 @@
           </a:bodyPr>
           <a:lstStyle/>
           <a:p>
-            <a:endParaRPr lang="es-AR"/>
+            <a:endParaRPr lang="es-AR" dirty="0"/>
           </a:p>
         </p:txBody>
       </p:sp>
@@ -4249,7 +4612,7 @@
               <a:pPr/>
               <a:t>1</a:t>
             </a:fld>
-            <a:endParaRPr lang="es-AR"/>
+            <a:endParaRPr lang="es-AR" dirty="0"/>
           </a:p>
         </p:txBody>
       </p:sp>
@@ -4510,7 +4873,7 @@
             <a:fld id="{7396B977-6251-41DE-9CF2-59811A3624F8}" type="datetimeFigureOut">
               <a:rPr lang="es-AR" smtClean="0"/>
               <a:pPr/>
-              <a:t>29/08/2010</a:t>
+              <a:t>30/08/2010</a:t>
             </a:fld>
             <a:endParaRPr lang="es-AR"/>
           </a:p>
@@ -4618,6 +4981,9 @@
   <p:clrMapOvr>
     <a:overrideClrMapping bg1="dk1" tx1="lt1" bg2="dk2" tx2="lt2" accent1="accent1" accent2="accent2" accent3="accent3" accent4="accent4" accent5="accent5" accent6="accent6" hlink="hlink" folHlink="folHlink"/>
   </p:clrMapOvr>
+  <p:transition>
+    <p:fade thruBlk="1"/>
+  </p:transition>
 </p:sldLayout>
 </file>
 
@@ -4735,7 +5101,7 @@
             <a:fld id="{7396B977-6251-41DE-9CF2-59811A3624F8}" type="datetimeFigureOut">
               <a:rPr lang="es-AR" smtClean="0"/>
               <a:pPr/>
-              <a:t>29/08/2010</a:t>
+              <a:t>30/08/2010</a:t>
             </a:fld>
             <a:endParaRPr lang="es-AR"/>
           </a:p>
@@ -4789,6 +5155,9 @@
   <p:clrMapOvr>
     <a:masterClrMapping/>
   </p:clrMapOvr>
+  <p:transition>
+    <p:fade thruBlk="1"/>
+  </p:transition>
 </p:sldLayout>
 </file>
 
@@ -5017,7 +5386,7 @@
             <a:fld id="{7396B977-6251-41DE-9CF2-59811A3624F8}" type="datetimeFigureOut">
               <a:rPr lang="es-AR" smtClean="0"/>
               <a:pPr/>
-              <a:t>29/08/2010</a:t>
+              <a:t>30/08/2010</a:t>
             </a:fld>
             <a:endParaRPr lang="es-AR"/>
           </a:p>
@@ -5076,6 +5445,9 @@
   <p:clrMapOvr>
     <a:masterClrMapping/>
   </p:clrMapOvr>
+  <p:transition>
+    <p:fade thruBlk="1"/>
+  </p:transition>
 </p:sldLayout>
 </file>
 
@@ -5317,7 +5689,7 @@
             <a:fld id="{7396B977-6251-41DE-9CF2-59811A3624F8}" type="datetimeFigureOut">
               <a:rPr lang="es-AR" smtClean="0"/>
               <a:pPr/>
-              <a:t>29/08/2010</a:t>
+              <a:t>30/08/2010</a:t>
             </a:fld>
             <a:endParaRPr lang="es-AR"/>
           </a:p>
@@ -5381,6 +5753,9 @@
   <p:clrMapOvr>
     <a:masterClrMapping/>
   </p:clrMapOvr>
+  <p:transition>
+    <p:fade thruBlk="1"/>
+  </p:transition>
 </p:sldLayout>
 </file>
 
@@ -5622,7 +5997,7 @@
             <a:fld id="{7396B977-6251-41DE-9CF2-59811A3624F8}" type="datetimeFigureOut">
               <a:rPr lang="es-AR" smtClean="0"/>
               <a:pPr/>
-              <a:t>29/08/2010</a:t>
+              <a:t>30/08/2010</a:t>
             </a:fld>
             <a:endParaRPr lang="es-AR"/>
           </a:p>
@@ -5856,6 +6231,9 @@
   <p:clrMapOvr>
     <a:masterClrMapping/>
   </p:clrMapOvr>
+  <p:transition>
+    <p:fade thruBlk="1"/>
+  </p:transition>
 </p:sldLayout>
 </file>
 
@@ -6097,7 +6475,7 @@
             <a:fld id="{7396B977-6251-41DE-9CF2-59811A3624F8}" type="datetimeFigureOut">
               <a:rPr lang="es-AR" smtClean="0"/>
               <a:pPr/>
-              <a:t>29/08/2010</a:t>
+              <a:t>30/08/2010</a:t>
             </a:fld>
             <a:endParaRPr lang="es-AR"/>
           </a:p>
@@ -6246,6 +6624,9 @@
   <p:clrMapOvr>
     <a:masterClrMapping/>
   </p:clrMapOvr>
+  <p:transition>
+    <p:fade thruBlk="1"/>
+  </p:transition>
 </p:sldLayout>
 </file>
 
@@ -6487,7 +6868,7 @@
             <a:fld id="{7396B977-6251-41DE-9CF2-59811A3624F8}" type="datetimeFigureOut">
               <a:rPr lang="es-AR" smtClean="0"/>
               <a:pPr/>
-              <a:t>29/08/2010</a:t>
+              <a:t>30/08/2010</a:t>
             </a:fld>
             <a:endParaRPr lang="es-AR"/>
           </a:p>
@@ -6721,6 +7102,9 @@
   <p:clrMapOvr>
     <a:masterClrMapping/>
   </p:clrMapOvr>
+  <p:transition>
+    <p:fade thruBlk="1"/>
+  </p:transition>
 </p:sldLayout>
 </file>
 
@@ -6877,7 +7261,7 @@
             <a:fld id="{7396B977-6251-41DE-9CF2-59811A3624F8}" type="datetimeFigureOut">
               <a:rPr lang="es-AR" smtClean="0"/>
               <a:pPr/>
-              <a:t>29/08/2010</a:t>
+              <a:t>30/08/2010</a:t>
             </a:fld>
             <a:endParaRPr lang="es-AR"/>
           </a:p>
@@ -7111,6 +7495,9 @@
   <p:clrMapOvr>
     <a:masterClrMapping/>
   </p:clrMapOvr>
+  <p:transition>
+    <p:fade thruBlk="1"/>
+  </p:transition>
 </p:sldLayout>
 </file>
 
@@ -7352,7 +7739,7 @@
             <a:fld id="{7396B977-6251-41DE-9CF2-59811A3624F8}" type="datetimeFigureOut">
               <a:rPr lang="es-AR" smtClean="0"/>
               <a:pPr/>
-              <a:t>29/08/2010</a:t>
+              <a:t>30/08/2010</a:t>
             </a:fld>
             <a:endParaRPr lang="es-AR"/>
           </a:p>
@@ -7501,6 +7888,9 @@
   <p:clrMapOvr>
     <a:masterClrMapping/>
   </p:clrMapOvr>
+  <p:transition>
+    <p:fade thruBlk="1"/>
+  </p:transition>
 </p:sldLayout>
 </file>
 
@@ -7657,7 +8047,7 @@
             <a:fld id="{7396B977-6251-41DE-9CF2-59811A3624F8}" type="datetimeFigureOut">
               <a:rPr lang="es-AR" smtClean="0"/>
               <a:pPr/>
-              <a:t>29/08/2010</a:t>
+              <a:t>30/08/2010</a:t>
             </a:fld>
             <a:endParaRPr lang="es-AR"/>
           </a:p>
@@ -7891,6 +8281,9 @@
   <p:clrMapOvr>
     <a:masterClrMapping/>
   </p:clrMapOvr>
+  <p:transition>
+    <p:fade thruBlk="1"/>
+  </p:transition>
 </p:sldLayout>
 </file>
 
@@ -8013,7 +8406,7 @@
             <a:fld id="{7396B977-6251-41DE-9CF2-59811A3624F8}" type="datetimeFigureOut">
               <a:rPr lang="es-AR" smtClean="0"/>
               <a:pPr/>
-              <a:t>29/08/2010</a:t>
+              <a:t>30/08/2010</a:t>
             </a:fld>
             <a:endParaRPr lang="es-AR"/>
           </a:p>
@@ -8067,6 +8460,9 @@
   <p:clrMapOvr>
     <a:masterClrMapping/>
   </p:clrMapOvr>
+  <p:transition>
+    <p:fade thruBlk="1"/>
+  </p:transition>
 </p:sldLayout>
 </file>
 
@@ -8373,7 +8769,7 @@
             <a:fld id="{7396B977-6251-41DE-9CF2-59811A3624F8}" type="datetimeFigureOut">
               <a:rPr lang="es-AR" smtClean="0"/>
               <a:pPr/>
-              <a:t>29/08/2010</a:t>
+              <a:t>30/08/2010</a:t>
             </a:fld>
             <a:endParaRPr lang="es-AR"/>
           </a:p>
@@ -8427,6 +8823,9 @@
   <p:clrMapOvr>
     <a:overrideClrMapping bg1="dk1" tx1="lt1" bg2="dk2" tx2="lt2" accent1="accent1" accent2="accent2" accent3="accent3" accent4="accent4" accent5="accent5" accent6="accent6" hlink="hlink" folHlink="folHlink"/>
   </p:clrMapOvr>
+  <p:transition>
+    <p:fade thruBlk="1"/>
+  </p:transition>
 </p:sldLayout>
 </file>
 
@@ -8662,7 +9061,7 @@
             <a:fld id="{7396B977-6251-41DE-9CF2-59811A3624F8}" type="datetimeFigureOut">
               <a:rPr lang="es-AR" smtClean="0"/>
               <a:pPr/>
-              <a:t>29/08/2010</a:t>
+              <a:t>30/08/2010</a:t>
             </a:fld>
             <a:endParaRPr lang="es-AR"/>
           </a:p>
@@ -8716,6 +9115,9 @@
   <p:clrMapOvr>
     <a:masterClrMapping/>
   </p:clrMapOvr>
+  <p:transition>
+    <p:fade thruBlk="1"/>
+  </p:transition>
 </p:sldLayout>
 </file>
 
@@ -9086,7 +9488,7 @@
             <a:fld id="{7396B977-6251-41DE-9CF2-59811A3624F8}" type="datetimeFigureOut">
               <a:rPr lang="es-AR" smtClean="0"/>
               <a:pPr/>
-              <a:t>29/08/2010</a:t>
+              <a:t>30/08/2010</a:t>
             </a:fld>
             <a:endParaRPr lang="es-AR"/>
           </a:p>
@@ -9140,6 +9542,9 @@
   <p:clrMapOvr>
     <a:masterClrMapping/>
   </p:clrMapOvr>
+  <p:transition>
+    <p:fade thruBlk="1"/>
+  </p:transition>
 </p:sldLayout>
 </file>
 
@@ -9203,7 +9608,7 @@
             <a:fld id="{7396B977-6251-41DE-9CF2-59811A3624F8}" type="datetimeFigureOut">
               <a:rPr lang="es-AR" smtClean="0"/>
               <a:pPr/>
-              <a:t>29/08/2010</a:t>
+              <a:t>30/08/2010</a:t>
             </a:fld>
             <a:endParaRPr lang="es-AR"/>
           </a:p>
@@ -9257,6 +9662,9 @@
   <p:clrMapOvr>
     <a:masterClrMapping/>
   </p:clrMapOvr>
+  <p:transition>
+    <p:fade thruBlk="1"/>
+  </p:transition>
 </p:sldLayout>
 </file>
 
@@ -9295,7 +9703,7 @@
             <a:fld id="{7396B977-6251-41DE-9CF2-59811A3624F8}" type="datetimeFigureOut">
               <a:rPr lang="es-AR" smtClean="0"/>
               <a:pPr/>
-              <a:t>29/08/2010</a:t>
+              <a:t>30/08/2010</a:t>
             </a:fld>
             <a:endParaRPr lang="es-AR"/>
           </a:p>
@@ -9349,6 +9757,9 @@
   <p:clrMapOvr>
     <a:masterClrMapping/>
   </p:clrMapOvr>
+  <p:transition>
+    <p:fade thruBlk="1"/>
+  </p:transition>
 </p:sldLayout>
 </file>
 
@@ -9575,7 +9986,7 @@
             <a:fld id="{7396B977-6251-41DE-9CF2-59811A3624F8}" type="datetimeFigureOut">
               <a:rPr lang="es-AR" smtClean="0"/>
               <a:pPr/>
-              <a:t>29/08/2010</a:t>
+              <a:t>30/08/2010</a:t>
             </a:fld>
             <a:endParaRPr lang="es-AR"/>
           </a:p>
@@ -9723,6 +10134,9 @@
   <p:clrMapOvr>
     <a:masterClrMapping/>
   </p:clrMapOvr>
+  <p:transition>
+    <p:fade thruBlk="1"/>
+  </p:transition>
 </p:sldLayout>
 </file>
 
@@ -9943,7 +10357,7 @@
             <a:fld id="{7396B977-6251-41DE-9CF2-59811A3624F8}" type="datetimeFigureOut">
               <a:rPr lang="es-AR" smtClean="0"/>
               <a:pPr/>
-              <a:t>29/08/2010</a:t>
+              <a:t>30/08/2010</a:t>
             </a:fld>
             <a:endParaRPr lang="es-AR"/>
           </a:p>
@@ -10111,6 +10525,9 @@
   <p:clrMapOvr>
     <a:overrideClrMapping bg1="lt1" tx1="dk1" bg2="lt2" tx2="dk2" accent1="accent1" accent2="accent2" accent3="accent3" accent4="accent4" accent5="accent5" accent6="accent6" hlink="hlink" folHlink="folHlink"/>
   </p:clrMapOvr>
+  <p:transition>
+    <p:fade thruBlk="1"/>
+  </p:transition>
 </p:sldLayout>
 </file>
 
@@ -10382,7 +10799,7 @@
             <a:fld id="{7396B977-6251-41DE-9CF2-59811A3624F8}" type="datetimeFigureOut">
               <a:rPr lang="es-AR" smtClean="0"/>
               <a:pPr/>
-              <a:t>29/08/2010</a:t>
+              <a:t>30/08/2010</a:t>
             </a:fld>
             <a:endParaRPr lang="es-AR"/>
           </a:p>
@@ -10492,6 +10909,9 @@
     <p:sldLayoutId id="2147483675" r:id="rId17"/>
     <p:sldLayoutId id="2147483676" r:id="rId18"/>
   </p:sldLayoutIdLst>
+  <p:transition>
+    <p:fade thruBlk="1"/>
+  </p:transition>
   <p:txStyles>
     <p:titleStyle>
       <a:lvl1pPr algn="l" rtl="0" eaLnBrk="1" latinLnBrk="0" hangingPunct="1">
@@ -10839,11 +11259,7 @@
             <a:pPr algn="r"/>
             <a:r>
               <a:rPr lang="es-AR" dirty="0" smtClean="0"/>
-              <a:t>Fabricio N. </a:t>
-            </a:r>
-            <a:r>
-              <a:rPr lang="es-AR" dirty="0" err="1" smtClean="0"/>
-              <a:t>Altamiranda</a:t>
+              <a:t>Fabricio N. Altamiranda</a:t>
             </a:r>
             <a:endParaRPr lang="es-AR" dirty="0"/>
           </a:p>
@@ -10859,11 +11275,40 @@
           </a:p>
         </p:txBody>
       </p:sp>
+      <p:pic>
+        <p:nvPicPr>
+          <p:cNvPr id="2050" name="Picture 2" descr="C:\Users\FABRICIO\Desktop\DSCN6829.JPG"/>
+          <p:cNvPicPr>
+            <a:picLocks noChangeAspect="1" noChangeArrowheads="1"/>
+          </p:cNvPicPr>
+          <p:nvPr/>
+        </p:nvPicPr>
+        <p:blipFill>
+          <a:blip r:embed="rId3" cstate="print"/>
+          <a:srcRect l="13709" t="18280" r="17743" b="770"/>
+          <a:stretch>
+            <a:fillRect/>
+          </a:stretch>
+        </p:blipFill>
+        <p:spPr bwMode="auto">
+          <a:xfrm>
+            <a:off x="0" y="0"/>
+            <a:ext cx="3414573" cy="3024336"/>
+          </a:xfrm>
+          <a:prstGeom prst="rect">
+            <a:avLst/>
+          </a:prstGeom>
+          <a:noFill/>
+        </p:spPr>
+      </p:pic>
     </p:spTree>
   </p:cSld>
   <p:clrMapOvr>
     <a:masterClrMapping/>
   </p:clrMapOvr>
+  <p:transition>
+    <p:fade thruBlk="1"/>
+  </p:transition>
   <p:timing>
     <p:tnLst>
       <p:par>
@@ -10875,6 +11320,352 @@
 </file>
 
 <file path=ppt/slides/slide10.xml><?xml version="1.0" encoding="utf-8"?>
+<p:sld xmlns:a="http://schemas.openxmlformats.org/drawingml/2006/main" xmlns:r="http://schemas.openxmlformats.org/officeDocument/2006/relationships" xmlns:p="http://schemas.openxmlformats.org/presentationml/2006/main">
+  <p:cSld>
+    <p:spTree>
+      <p:nvGrpSpPr>
+        <p:cNvPr id="1" name=""/>
+        <p:cNvGrpSpPr/>
+        <p:nvPr/>
+      </p:nvGrpSpPr>
+      <p:grpSpPr>
+        <a:xfrm>
+          <a:off x="0" y="0"/>
+          <a:ext cx="0" cy="0"/>
+          <a:chOff x="0" y="0"/>
+          <a:chExt cx="0" cy="0"/>
+        </a:xfrm>
+      </p:grpSpPr>
+      <p:sp>
+        <p:nvSpPr>
+          <p:cNvPr id="2" name="1 Título"/>
+          <p:cNvSpPr>
+            <a:spLocks noGrp="1"/>
+          </p:cNvSpPr>
+          <p:nvPr>
+            <p:ph type="title"/>
+          </p:nvPr>
+        </p:nvSpPr>
+        <p:spPr/>
+        <p:txBody>
+          <a:bodyPr/>
+          <a:lstStyle/>
+          <a:p>
+            <a:r>
+              <a:rPr lang="es-AR" dirty="0" smtClean="0"/>
+              <a:t>DISEÑO: Arquitectura (cont.)</a:t>
+            </a:r>
+            <a:endParaRPr lang="es-AR" dirty="0"/>
+          </a:p>
+        </p:txBody>
+      </p:sp>
+      <p:sp>
+        <p:nvSpPr>
+          <p:cNvPr id="4" name="3 Marcador de contenido"/>
+          <p:cNvSpPr>
+            <a:spLocks noGrp="1"/>
+          </p:cNvSpPr>
+          <p:nvPr>
+            <p:ph sz="half" idx="2"/>
+          </p:nvPr>
+        </p:nvSpPr>
+        <p:spPr/>
+        <p:txBody>
+          <a:bodyPr/>
+          <a:lstStyle/>
+          <a:p>
+            <a:r>
+              <a:rPr lang="es-AR" dirty="0" smtClean="0"/>
+              <a:t>&lt;EXPLICAR MAS DETALLADAMENTE CUALES SON LAS PARTES&gt;</a:t>
+            </a:r>
+            <a:endParaRPr lang="es-AR" dirty="0"/>
+          </a:p>
+        </p:txBody>
+      </p:sp>
+      <p:pic>
+        <p:nvPicPr>
+          <p:cNvPr id="5" name="4 Marcador de contenido"/>
+          <p:cNvPicPr>
+            <a:picLocks noGrp="1"/>
+          </p:cNvPicPr>
+          <p:nvPr>
+            <p:ph sz="half" idx="1"/>
+          </p:nvPr>
+        </p:nvPicPr>
+        <p:blipFill>
+          <a:blip r:embed="rId2" cstate="print"/>
+          <a:srcRect/>
+          <a:stretch>
+            <a:fillRect/>
+          </a:stretch>
+        </p:blipFill>
+        <p:spPr bwMode="auto">
+          <a:xfrm>
+            <a:off x="832648" y="1916832"/>
+            <a:ext cx="3384198" cy="4464496"/>
+          </a:xfrm>
+          <a:prstGeom prst="rect">
+            <a:avLst/>
+          </a:prstGeom>
+          <a:noFill/>
+          <a:ln w="9525">
+            <a:noFill/>
+            <a:miter lim="800000"/>
+            <a:headEnd/>
+            <a:tailEnd/>
+          </a:ln>
+        </p:spPr>
+      </p:pic>
+    </p:spTree>
+  </p:cSld>
+  <p:clrMapOvr>
+    <a:masterClrMapping/>
+  </p:clrMapOvr>
+  <p:transition>
+    <p:fade thruBlk="1"/>
+  </p:transition>
+  <p:timing>
+    <p:tnLst>
+      <p:par>
+        <p:cTn id="1" dur="indefinite" restart="never" nodeType="tmRoot"/>
+      </p:par>
+    </p:tnLst>
+  </p:timing>
+</p:sld>
+</file>
+
+<file path=ppt/slides/slide11.xml><?xml version="1.0" encoding="utf-8"?>
+<p:sld xmlns:a="http://schemas.openxmlformats.org/drawingml/2006/main" xmlns:r="http://schemas.openxmlformats.org/officeDocument/2006/relationships" xmlns:p="http://schemas.openxmlformats.org/presentationml/2006/main">
+  <p:cSld>
+    <p:spTree>
+      <p:nvGrpSpPr>
+        <p:cNvPr id="1" name=""/>
+        <p:cNvGrpSpPr/>
+        <p:nvPr/>
+      </p:nvGrpSpPr>
+      <p:grpSpPr>
+        <a:xfrm>
+          <a:off x="0" y="0"/>
+          <a:ext cx="0" cy="0"/>
+          <a:chOff x="0" y="0"/>
+          <a:chExt cx="0" cy="0"/>
+        </a:xfrm>
+      </p:grpSpPr>
+      <p:sp>
+        <p:nvSpPr>
+          <p:cNvPr id="2" name="1 Título"/>
+          <p:cNvSpPr>
+            <a:spLocks noGrp="1"/>
+          </p:cNvSpPr>
+          <p:nvPr>
+            <p:ph type="title"/>
+          </p:nvPr>
+        </p:nvSpPr>
+        <p:spPr/>
+        <p:txBody>
+          <a:bodyPr/>
+          <a:lstStyle/>
+          <a:p>
+            <a:r>
+              <a:rPr lang="es-AR" dirty="0" smtClean="0"/>
+              <a:t>DISEÑO: Tecnología</a:t>
+            </a:r>
+            <a:endParaRPr lang="es-AR" dirty="0"/>
+          </a:p>
+        </p:txBody>
+      </p:sp>
+      <p:sp>
+        <p:nvSpPr>
+          <p:cNvPr id="7" name="6 Marcador de contenido"/>
+          <p:cNvSpPr>
+            <a:spLocks noGrp="1"/>
+          </p:cNvSpPr>
+          <p:nvPr>
+            <p:ph sz="half" idx="1"/>
+          </p:nvPr>
+        </p:nvSpPr>
+        <p:spPr>
+          <a:xfrm>
+            <a:off x="251520" y="1600201"/>
+            <a:ext cx="4392488" cy="4709119"/>
+          </a:xfrm>
+        </p:spPr>
+        <p:txBody>
+          <a:bodyPr>
+            <a:normAutofit/>
+          </a:bodyPr>
+          <a:lstStyle/>
+          <a:p>
+            <a:r>
+              <a:rPr lang="es-AR" dirty="0" smtClean="0"/>
+              <a:t>MOSIS WAFER ACCEPTANCE TESTS </a:t>
+            </a:r>
+          </a:p>
+          <a:p>
+            <a:r>
+              <a:rPr lang="es-AR" dirty="0" err="1" smtClean="0"/>
+              <a:t>Run</a:t>
+            </a:r>
+            <a:r>
+              <a:rPr lang="es-AR" dirty="0" smtClean="0"/>
+              <a:t>: T96T (7RF_5LM_MA) </a:t>
+            </a:r>
+          </a:p>
+          <a:p>
+            <a:r>
+              <a:rPr lang="es-AR" dirty="0" err="1" smtClean="0"/>
+              <a:t>Vendor</a:t>
+            </a:r>
+            <a:r>
+              <a:rPr lang="es-AR" dirty="0" smtClean="0"/>
+              <a:t>: IBM-BURLINGTON </a:t>
+            </a:r>
+          </a:p>
+          <a:p>
+            <a:r>
+              <a:rPr lang="es-AR" dirty="0" err="1" smtClean="0"/>
+              <a:t>Technology</a:t>
+            </a:r>
+            <a:r>
+              <a:rPr lang="es-AR" dirty="0" smtClean="0"/>
+              <a:t>: SCN018 </a:t>
+            </a:r>
+          </a:p>
+          <a:p>
+            <a:r>
+              <a:rPr lang="es-AR" dirty="0" err="1" smtClean="0"/>
+              <a:t>Feature</a:t>
+            </a:r>
+            <a:r>
+              <a:rPr lang="es-AR" dirty="0" smtClean="0"/>
+              <a:t> </a:t>
+            </a:r>
+            <a:r>
+              <a:rPr lang="es-AR" dirty="0" err="1" smtClean="0"/>
+              <a:t>size</a:t>
+            </a:r>
+            <a:r>
+              <a:rPr lang="es-AR" dirty="0" smtClean="0"/>
+              <a:t>: 0.18 </a:t>
+            </a:r>
+            <a:r>
+              <a:rPr lang="es-AR" dirty="0" err="1" smtClean="0"/>
+              <a:t>microns</a:t>
+            </a:r>
+            <a:r>
+              <a:rPr lang="es-AR" dirty="0" smtClean="0"/>
+              <a:t> </a:t>
+            </a:r>
+          </a:p>
+          <a:p>
+            <a:r>
+              <a:rPr lang="es-AR" dirty="0" err="1" smtClean="0"/>
+              <a:t>Run</a:t>
+            </a:r>
+            <a:r>
+              <a:rPr lang="es-AR" dirty="0" smtClean="0"/>
+              <a:t> </a:t>
+            </a:r>
+            <a:r>
+              <a:rPr lang="es-AR" dirty="0" err="1" smtClean="0"/>
+              <a:t>type</a:t>
+            </a:r>
+            <a:r>
+              <a:rPr lang="es-AR" dirty="0" smtClean="0"/>
+              <a:t>: SKD</a:t>
+            </a:r>
+            <a:endParaRPr lang="es-AR" dirty="0"/>
+          </a:p>
+        </p:txBody>
+      </p:sp>
+      <p:pic>
+        <p:nvPicPr>
+          <p:cNvPr id="10" name="9 Marcador de contenido" descr="semiconductors_930x300.jpg"/>
+          <p:cNvPicPr>
+            <a:picLocks noGrp="1" noChangeAspect="1"/>
+          </p:cNvPicPr>
+          <p:nvPr>
+            <p:ph sz="half" idx="2"/>
+          </p:nvPr>
+        </p:nvPicPr>
+        <p:blipFill>
+          <a:blip r:embed="rId2" cstate="print"/>
+          <a:stretch>
+            <a:fillRect/>
+          </a:stretch>
+        </p:blipFill>
+        <p:spPr>
+          <a:xfrm>
+            <a:off x="4643438" y="4377839"/>
+            <a:ext cx="4043362" cy="1304310"/>
+          </a:xfrm>
+        </p:spPr>
+      </p:pic>
+      <p:pic>
+        <p:nvPicPr>
+          <p:cNvPr id="13" name="12 Marcador de contenido" descr="ibm1.jpg"/>
+          <p:cNvPicPr>
+            <a:picLocks noGrp="1" noChangeAspect="1"/>
+          </p:cNvPicPr>
+          <p:nvPr>
+            <p:ph sz="half" idx="14"/>
+          </p:nvPr>
+        </p:nvPicPr>
+        <p:blipFill>
+          <a:blip r:embed="rId3" cstate="print"/>
+          <a:stretch>
+            <a:fillRect/>
+          </a:stretch>
+        </p:blipFill>
+        <p:spPr>
+          <a:xfrm>
+            <a:off x="6732588" y="1961956"/>
+            <a:ext cx="1952625" cy="1465651"/>
+          </a:xfrm>
+        </p:spPr>
+      </p:pic>
+      <p:pic>
+        <p:nvPicPr>
+          <p:cNvPr id="15" name="14 Marcador de contenido" descr="MOSIS-Figure3.gif"/>
+          <p:cNvPicPr>
+            <a:picLocks noGrp="1" noChangeAspect="1"/>
+          </p:cNvPicPr>
+          <p:nvPr>
+            <p:ph sz="half" idx="13"/>
+          </p:nvPr>
+        </p:nvPicPr>
+        <p:blipFill>
+          <a:blip r:embed="rId4" cstate="print"/>
+          <a:stretch>
+            <a:fillRect/>
+          </a:stretch>
+        </p:blipFill>
+        <p:spPr>
+          <a:xfrm>
+            <a:off x="4764440" y="1600200"/>
+            <a:ext cx="1702682" cy="2189163"/>
+          </a:xfrm>
+        </p:spPr>
+      </p:pic>
+    </p:spTree>
+  </p:cSld>
+  <p:clrMapOvr>
+    <a:masterClrMapping/>
+  </p:clrMapOvr>
+  <p:transition>
+    <p:fade thruBlk="1"/>
+  </p:transition>
+  <p:timing>
+    <p:tnLst>
+      <p:par>
+        <p:cTn id="1" dur="indefinite" restart="never" nodeType="tmRoot"/>
+      </p:par>
+    </p:tnLst>
+  </p:timing>
+</p:sld>
+</file>
+
+<file path=ppt/slides/slide12.xml><?xml version="1.0" encoding="utf-8"?>
 <p:sld xmlns:a="http://schemas.openxmlformats.org/drawingml/2006/main" xmlns:r="http://schemas.openxmlformats.org/officeDocument/2006/relationships" xmlns:p="http://schemas.openxmlformats.org/presentationml/2006/main">
   <p:cSld>
     <p:spTree>
@@ -11016,6 +11807,9 @@
   <p:clrMapOvr>
     <a:masterClrMapping/>
   </p:clrMapOvr>
+  <p:transition>
+    <p:fade thruBlk="1"/>
+  </p:transition>
   <p:timing>
     <p:tnLst>
       <p:par>
@@ -11026,7 +11820,7 @@
 </p:sld>
 </file>
 
-<file path=ppt/slides/slide11.xml><?xml version="1.0" encoding="utf-8"?>
+<file path=ppt/slides/slide13.xml><?xml version="1.0" encoding="utf-8"?>
 <p:sld xmlns:a="http://schemas.openxmlformats.org/drawingml/2006/main" xmlns:r="http://schemas.openxmlformats.org/officeDocument/2006/relationships" xmlns:p="http://schemas.openxmlformats.org/presentationml/2006/main">
   <p:cSld>
     <p:spTree>
@@ -11177,6 +11971,9 @@
   <p:clrMapOvr>
     <a:masterClrMapping/>
   </p:clrMapOvr>
+  <p:transition>
+    <p:fade thruBlk="1"/>
+  </p:transition>
   <p:timing>
     <p:tnLst>
       <p:par>
@@ -11187,7 +11984,7 @@
 </p:sld>
 </file>
 
-<file path=ppt/slides/slide12.xml><?xml version="1.0" encoding="utf-8"?>
+<file path=ppt/slides/slide14.xml><?xml version="1.0" encoding="utf-8"?>
 <p:sld xmlns:a="http://schemas.openxmlformats.org/drawingml/2006/main" xmlns:r="http://schemas.openxmlformats.org/officeDocument/2006/relationships" xmlns:p="http://schemas.openxmlformats.org/presentationml/2006/main">
   <p:cSld>
     <p:spTree>
@@ -11344,6 +12141,9 @@
   <p:clrMapOvr>
     <a:masterClrMapping/>
   </p:clrMapOvr>
+  <p:transition>
+    <p:fade thruBlk="1"/>
+  </p:transition>
   <p:timing>
     <p:tnLst>
       <p:par>
@@ -11354,7 +12154,7 @@
 </p:sld>
 </file>
 
-<file path=ppt/slides/slide13.xml><?xml version="1.0" encoding="utf-8"?>
+<file path=ppt/slides/slide15.xml><?xml version="1.0" encoding="utf-8"?>
 <p:sld xmlns:a="http://schemas.openxmlformats.org/drawingml/2006/main" xmlns:r="http://schemas.openxmlformats.org/officeDocument/2006/relationships" xmlns:p="http://schemas.openxmlformats.org/presentationml/2006/main">
   <p:cSld>
     <p:spTree>
@@ -12083,45 +12883,7 @@
                   </a:outerShdw>
                 </a:effectLst>
               </a:rPr>
-              <a:t> </a:t>
-            </a:r>
-            <a:r>
-              <a:rPr lang="es-ES" sz="2800" b="1" dirty="0" smtClean="0">
-                <a:ln w="17780" cmpd="sng">
-                  <a:solidFill>
-                    <a:schemeClr val="accent1">
-                      <a:tint val="3000"/>
-                    </a:schemeClr>
-                  </a:solidFill>
-                  <a:prstDash val="solid"/>
-                  <a:miter lim="800000"/>
-                </a:ln>
-                <a:gradFill>
-                  <a:gsLst>
-                    <a:gs pos="10000">
-                      <a:schemeClr val="accent1">
-                        <a:tint val="63000"/>
-                        <a:sat val="105000"/>
-                      </a:schemeClr>
-                    </a:gs>
-                    <a:gs pos="90000">
-                      <a:schemeClr val="accent1">
-                        <a:shade val="50000"/>
-                        <a:satMod val="100000"/>
-                      </a:schemeClr>
-                    </a:gs>
-                  </a:gsLst>
-                  <a:lin ang="5400000"/>
-                </a:gradFill>
-                <a:effectLst>
-                  <a:outerShdw blurRad="55000" dist="50800" dir="5400000" algn="tl">
-                    <a:srgbClr val="000000">
-                      <a:alpha val="33000"/>
-                    </a:srgbClr>
-                  </a:outerShdw>
-                </a:effectLst>
-              </a:rPr>
-              <a:t>por 64 niveles de tensión:</a:t>
+              <a:t> por 64 niveles de tensión:</a:t>
             </a:r>
             <a:endParaRPr lang="es-ES" sz="2800" b="1" dirty="0">
               <a:ln w="17780" cmpd="sng">
@@ -12463,6 +13225,9 @@
   <p:clrMapOvr>
     <a:masterClrMapping/>
   </p:clrMapOvr>
+  <p:transition>
+    <p:fade thruBlk="1"/>
+  </p:transition>
   <p:timing>
     <p:tnLst>
       <p:par>
@@ -13805,7 +14570,7 @@
 </p:sld>
 </file>
 
-<file path=ppt/slides/slide14.xml><?xml version="1.0" encoding="utf-8"?>
+<file path=ppt/slides/slide16.xml><?xml version="1.0" encoding="utf-8"?>
 <p:sld xmlns:a="http://schemas.openxmlformats.org/drawingml/2006/main" xmlns:r="http://schemas.openxmlformats.org/officeDocument/2006/relationships" xmlns:p="http://schemas.openxmlformats.org/presentationml/2006/main">
   <p:cSld>
     <p:spTree>
@@ -13907,6 +14672,9 @@
   <p:clrMapOvr>
     <a:masterClrMapping/>
   </p:clrMapOvr>
+  <p:transition>
+    <p:fade thruBlk="1"/>
+  </p:transition>
   <p:timing>
     <p:tnLst>
       <p:par>
@@ -13917,7 +14685,7 @@
 </p:sld>
 </file>
 
-<file path=ppt/slides/slide15.xml><?xml version="1.0" encoding="utf-8"?>
+<file path=ppt/slides/slide17.xml><?xml version="1.0" encoding="utf-8"?>
 <p:sld xmlns:a="http://schemas.openxmlformats.org/drawingml/2006/main" xmlns:r="http://schemas.openxmlformats.org/officeDocument/2006/relationships" xmlns:p="http://schemas.openxmlformats.org/presentationml/2006/main">
   <p:cSld>
     <p:spTree>
@@ -14019,6 +14787,9 @@
   <p:clrMapOvr>
     <a:masterClrMapping/>
   </p:clrMapOvr>
+  <p:transition>
+    <p:fade thruBlk="1"/>
+  </p:transition>
   <p:timing>
     <p:tnLst>
       <p:par>
@@ -14087,14 +14858,15 @@
         </p:spPr>
         <p:txBody>
           <a:bodyPr>
-            <a:normAutofit fontScale="85000" lnSpcReduction="20000"/>
+            <a:normAutofit fontScale="70000" lnSpcReduction="20000"/>
           </a:bodyPr>
           <a:lstStyle/>
           <a:p>
             <a:r>
               <a:rPr lang="es-AR" dirty="0" smtClean="0"/>
-              <a:t>ASET</a:t>
-            </a:r>
+              <a:t>SEE</a:t>
+            </a:r>
+            <a:endParaRPr lang="es-AR" dirty="0" smtClean="0"/>
           </a:p>
           <a:p>
             <a:pPr lvl="1"/>
@@ -14107,15 +14879,41 @@
             <a:pPr lvl="1"/>
             <a:r>
               <a:rPr lang="es-AR" dirty="0" smtClean="0"/>
+              <a:t>Como se produce</a:t>
+            </a:r>
+            <a:r>
+              <a:rPr lang="es-AR" dirty="0" smtClean="0"/>
+              <a:t>?</a:t>
+            </a:r>
+          </a:p>
+          <a:p>
+            <a:pPr lvl="1"/>
+            <a:r>
+              <a:rPr lang="en-US" dirty="0" smtClean="0"/>
+              <a:t>Classification</a:t>
+            </a:r>
+          </a:p>
+          <a:p>
+            <a:r>
+              <a:rPr lang="en-US" dirty="0" smtClean="0"/>
+              <a:t>ASET</a:t>
+            </a:r>
+            <a:endParaRPr lang="es-AR" dirty="0" smtClean="0"/>
+          </a:p>
+          <a:p>
+            <a:pPr lvl="1"/>
+            <a:r>
+              <a:rPr lang="es-AR" dirty="0" smtClean="0"/>
               <a:t>Como se produce?</a:t>
             </a:r>
           </a:p>
           <a:p>
             <a:pPr lvl="1"/>
             <a:r>
-              <a:rPr lang="es-AR" dirty="0" smtClean="0"/>
+              <a:rPr lang="en-US" dirty="0" smtClean="0"/>
               <a:t>Porque?</a:t>
             </a:r>
+            <a:endParaRPr lang="es-AR" dirty="0" smtClean="0"/>
           </a:p>
           <a:p>
             <a:pPr lvl="1"/>
@@ -14184,6 +14982,9 @@
   <p:clrMapOvr>
     <a:masterClrMapping/>
   </p:clrMapOvr>
+  <p:transition>
+    <p:fade thruBlk="1"/>
+  </p:transition>
   <p:timing>
     <p:tnLst>
       <p:par>
@@ -14228,7 +15029,11 @@
           <a:p>
             <a:r>
               <a:rPr lang="es-AR" dirty="0" smtClean="0"/>
-              <a:t>ASET: Que es?</a:t>
+              <a:t>SEE: </a:t>
+            </a:r>
+            <a:r>
+              <a:rPr lang="es-AR" dirty="0" smtClean="0"/>
+              <a:t>Que es?</a:t>
             </a:r>
             <a:endParaRPr lang="es-AR" dirty="0"/>
           </a:p>
@@ -14274,16 +15079,8 @@
               <a:t>Evento de Efecto </a:t>
             </a:r>
             <a:r>
-              <a:rPr lang="en-US" i="1" dirty="0" smtClean="0"/>
-              <a:t>U</a:t>
-            </a:r>
-            <a:r>
-              <a:rPr lang="es-AR" i="1" dirty="0" err="1" smtClean="0"/>
-              <a:t>nico</a:t>
-            </a:r>
-            <a:r>
               <a:rPr lang="es-AR" i="1" dirty="0" smtClean="0"/>
-              <a:t> </a:t>
+              <a:t>Único </a:t>
             </a:r>
             <a:r>
               <a:rPr lang="es-AR" i="1" dirty="0"/>
@@ -14302,7 +15099,7 @@
       </p:sp>
       <p:pic>
         <p:nvPicPr>
-          <p:cNvPr id="1027" name="Picture 3"/>
+          <p:cNvPr id="6" name="Picture 2" descr="C:\Users\FABRICIO\Desktop\03_01.gif"/>
           <p:cNvPicPr>
             <a:picLocks noGrp="1" noChangeAspect="1" noChangeArrowheads="1"/>
           </p:cNvPicPr>
@@ -14319,19 +15116,65 @@
         </p:blipFill>
         <p:spPr bwMode="auto">
           <a:xfrm>
-            <a:off x="1547664" y="3785664"/>
-            <a:ext cx="5976664" cy="2454524"/>
+            <a:off x="4860032" y="3637916"/>
+            <a:ext cx="4140108" cy="3220084"/>
           </a:xfrm>
           <a:prstGeom prst="rect">
             <a:avLst/>
           </a:prstGeom>
           <a:noFill/>
-          <a:ln w="9525">
-            <a:noFill/>
-            <a:miter lim="800000"/>
-            <a:headEnd/>
-            <a:tailEnd/>
-          </a:ln>
+        </p:spPr>
+      </p:pic>
+      <p:pic>
+        <p:nvPicPr>
+          <p:cNvPr id="4098" name="Picture 2" descr="C:\Users\FABRICIO\Desktop\space_computer_see.jpg"/>
+          <p:cNvPicPr>
+            <a:picLocks noChangeAspect="1" noChangeArrowheads="1"/>
+          </p:cNvPicPr>
+          <p:nvPr/>
+        </p:nvPicPr>
+        <p:blipFill>
+          <a:blip r:embed="rId3" cstate="print"/>
+          <a:srcRect/>
+          <a:stretch>
+            <a:fillRect/>
+          </a:stretch>
+        </p:blipFill>
+        <p:spPr bwMode="auto">
+          <a:xfrm>
+            <a:off x="539552" y="3717032"/>
+            <a:ext cx="3816424" cy="2971567"/>
+          </a:xfrm>
+          <a:prstGeom prst="rect">
+            <a:avLst/>
+          </a:prstGeom>
+          <a:noFill/>
+        </p:spPr>
+      </p:pic>
+      <p:pic>
+        <p:nvPicPr>
+          <p:cNvPr id="1026" name="Picture 2" descr="C:\Users\FABRICIO\Desktop\Galaxy_15_photo.jpg"/>
+          <p:cNvPicPr>
+            <a:picLocks noChangeAspect="1" noChangeArrowheads="1"/>
+          </p:cNvPicPr>
+          <p:nvPr/>
+        </p:nvPicPr>
+        <p:blipFill>
+          <a:blip r:embed="rId4" cstate="print"/>
+          <a:srcRect t="3903" b="15173"/>
+          <a:stretch>
+            <a:fillRect/>
+          </a:stretch>
+        </p:blipFill>
+        <p:spPr bwMode="auto">
+          <a:xfrm>
+            <a:off x="7956376" y="0"/>
+            <a:ext cx="1187624" cy="1436222"/>
+          </a:xfrm>
+          <a:prstGeom prst="rect">
+            <a:avLst/>
+          </a:prstGeom>
+          <a:noFill/>
         </p:spPr>
       </p:pic>
     </p:spTree>
@@ -14339,6 +15182,9 @@
   <p:clrMapOvr>
     <a:masterClrMapping/>
   </p:clrMapOvr>
+  <p:transition>
+    <p:fade thruBlk="1"/>
+  </p:transition>
   <p:timing>
     <p:tnLst>
       <p:par>
@@ -14383,12 +15229,42 @@
           <a:p>
             <a:r>
               <a:rPr lang="es-AR" dirty="0" smtClean="0"/>
-              <a:t>ASET: Como se produce?</a:t>
+              <a:t>SEE: </a:t>
+            </a:r>
+            <a:r>
+              <a:rPr lang="es-AR" dirty="0" smtClean="0"/>
+              <a:t>Como se produce?</a:t>
             </a:r>
             <a:endParaRPr lang="es-AR" dirty="0"/>
           </a:p>
         </p:txBody>
       </p:sp>
+      <p:pic>
+        <p:nvPicPr>
+          <p:cNvPr id="1030" name="Picture 6" descr="C:\Users\FABRICIO\Desktop\solar-wind-NASA.jpg"/>
+          <p:cNvPicPr>
+            <a:picLocks noChangeAspect="1" noChangeArrowheads="1"/>
+          </p:cNvPicPr>
+          <p:nvPr/>
+        </p:nvPicPr>
+        <p:blipFill>
+          <a:blip r:embed="rId2" cstate="print"/>
+          <a:srcRect r="398"/>
+          <a:stretch>
+            <a:fillRect/>
+          </a:stretch>
+        </p:blipFill>
+        <p:spPr bwMode="auto">
+          <a:xfrm>
+            <a:off x="-1" y="1484784"/>
+            <a:ext cx="9144001" cy="5373216"/>
+          </a:xfrm>
+          <a:prstGeom prst="rect">
+            <a:avLst/>
+          </a:prstGeom>
+          <a:noFill/>
+        </p:spPr>
+      </p:pic>
       <p:pic>
         <p:nvPicPr>
           <p:cNvPr id="2050" name="Picture 2"/>
@@ -14400,16 +15276,16 @@
           </p:nvPr>
         </p:nvPicPr>
         <p:blipFill>
-          <a:blip r:embed="rId2" cstate="print"/>
-          <a:srcRect/>
+          <a:blip r:embed="rId3" cstate="print"/>
+          <a:srcRect l="1047" t="1096" b="2335"/>
           <a:stretch>
             <a:fillRect/>
           </a:stretch>
         </p:blipFill>
         <p:spPr bwMode="auto">
           <a:xfrm>
-            <a:off x="972806" y="1600200"/>
-            <a:ext cx="3050250" cy="2216150"/>
+            <a:off x="2339752" y="1484784"/>
+            <a:ext cx="6804248" cy="5373216"/>
           </a:xfrm>
           <a:prstGeom prst="rect">
             <a:avLst/>
@@ -14425,47 +15301,11 @@
       </p:pic>
       <p:pic>
         <p:nvPicPr>
-          <p:cNvPr id="2051" name="Picture 3"/>
+          <p:cNvPr id="1027" name="Picture 3" descr="C:\Users\FABRICIO\Desktop\back_01.gif"/>
           <p:cNvPicPr>
-            <a:picLocks noGrp="1" noChangeAspect="1" noChangeArrowheads="1"/>
+            <a:picLocks noChangeAspect="1" noChangeArrowheads="1"/>
           </p:cNvPicPr>
-          <p:nvPr>
-            <p:ph sz="half" idx="13"/>
-          </p:nvPr>
-        </p:nvPicPr>
-        <p:blipFill>
-          <a:blip r:embed="rId3" cstate="print"/>
-          <a:srcRect/>
-          <a:stretch>
-            <a:fillRect/>
-          </a:stretch>
-        </p:blipFill>
-        <p:spPr bwMode="auto">
-          <a:xfrm>
-            <a:off x="4816960" y="1600200"/>
-            <a:ext cx="3696318" cy="2189163"/>
-          </a:xfrm>
-          <a:prstGeom prst="rect">
-            <a:avLst/>
-          </a:prstGeom>
-          <a:noFill/>
-          <a:ln w="9525">
-            <a:noFill/>
-            <a:miter lim="800000"/>
-            <a:headEnd/>
-            <a:tailEnd/>
-          </a:ln>
-        </p:spPr>
-      </p:pic>
-      <p:pic>
-        <p:nvPicPr>
-          <p:cNvPr id="2052" name="Picture 4"/>
-          <p:cNvPicPr>
-            <a:picLocks noGrp="1" noChangeAspect="1" noChangeArrowheads="1"/>
-          </p:cNvPicPr>
-          <p:nvPr>
-            <p:ph sz="half" idx="14"/>
-          </p:nvPr>
+          <p:nvPr/>
         </p:nvPicPr>
         <p:blipFill>
           <a:blip r:embed="rId4" cstate="print"/>
@@ -14476,30 +15316,22 @@
         </p:blipFill>
         <p:spPr bwMode="auto">
           <a:xfrm>
-            <a:off x="1252912" y="3933825"/>
-            <a:ext cx="2472576" cy="2187575"/>
+            <a:off x="0" y="1484783"/>
+            <a:ext cx="9144000" cy="5373217"/>
           </a:xfrm>
           <a:prstGeom prst="rect">
             <a:avLst/>
           </a:prstGeom>
           <a:noFill/>
-          <a:ln w="9525">
-            <a:noFill/>
-            <a:miter lim="800000"/>
-            <a:headEnd/>
-            <a:tailEnd/>
-          </a:ln>
         </p:spPr>
       </p:pic>
       <p:pic>
         <p:nvPicPr>
-          <p:cNvPr id="2053" name="Picture 5"/>
+          <p:cNvPr id="3" name="Picture 2" descr="C:\Users\FABRICIO\Desktop\800px-Aurora_Borealis.jpg"/>
           <p:cNvPicPr>
-            <a:picLocks noGrp="1" noChangeAspect="1" noChangeArrowheads="1"/>
+            <a:picLocks noChangeAspect="1" noChangeArrowheads="1"/>
           </p:cNvPicPr>
-          <p:nvPr>
-            <p:ph sz="half" idx="2"/>
-          </p:nvPr>
+          <p:nvPr/>
         </p:nvPicPr>
         <p:blipFill>
           <a:blip r:embed="rId5" cstate="print"/>
@@ -14510,32 +15342,336 @@
         </p:blipFill>
         <p:spPr bwMode="auto">
           <a:xfrm>
-            <a:off x="5305869" y="3933825"/>
-            <a:ext cx="2718499" cy="2192338"/>
+            <a:off x="6989119" y="0"/>
+            <a:ext cx="2154881" cy="1414141"/>
           </a:xfrm>
           <a:prstGeom prst="rect">
             <a:avLst/>
           </a:prstGeom>
           <a:noFill/>
-          <a:ln w="9525">
-            <a:noFill/>
-            <a:miter lim="800000"/>
-            <a:headEnd/>
-            <a:tailEnd/>
-          </a:ln>
         </p:spPr>
       </p:pic>
+      <p:pic>
+        <p:nvPicPr>
+          <p:cNvPr id="2051" name="Picture 3" descr="C:\Users\FABRICIO\Desktop\Polarlicht_2.jpg"/>
+          <p:cNvPicPr>
+            <a:picLocks noChangeAspect="1" noChangeArrowheads="1"/>
+          </p:cNvPicPr>
+          <p:nvPr/>
+        </p:nvPicPr>
+        <p:blipFill>
+          <a:blip r:embed="rId6" cstate="print"/>
+          <a:srcRect/>
+          <a:stretch>
+            <a:fillRect/>
+          </a:stretch>
+        </p:blipFill>
+        <p:spPr bwMode="auto">
+          <a:xfrm>
+            <a:off x="1475656" y="1772816"/>
+            <a:ext cx="7092280" cy="4621299"/>
+          </a:xfrm>
+          <a:prstGeom prst="roundRect">
+            <a:avLst>
+              <a:gd name="adj" fmla="val 16667"/>
+            </a:avLst>
+          </a:prstGeom>
+          <a:ln>
+            <a:noFill/>
+          </a:ln>
+          <a:effectLst>
+            <a:outerShdw blurRad="152400" dist="12000" dir="900000" sy="98000" kx="110000" ky="200000" algn="tl" rotWithShape="0">
+              <a:srgbClr val="000000">
+                <a:alpha val="30000"/>
+              </a:srgbClr>
+            </a:outerShdw>
+          </a:effectLst>
+          <a:scene3d>
+            <a:camera prst="perspectiveRelaxed">
+              <a:rot lat="19800000" lon="1200000" rev="20820000"/>
+            </a:camera>
+            <a:lightRig rig="threePt" dir="t"/>
+          </a:scene3d>
+          <a:sp3d contourW="6350" prstMaterial="matte">
+            <a:bevelT w="101600" h="101600"/>
+            <a:contourClr>
+              <a:srgbClr val="969696"/>
+            </a:contourClr>
+          </a:sp3d>
+        </p:spPr>
+      </p:pic>
+      <p:sp>
+        <p:nvSpPr>
+          <p:cNvPr id="8" name="7 Flecha a la derecha con bandas"/>
+          <p:cNvSpPr/>
+          <p:nvPr/>
+        </p:nvSpPr>
+        <p:spPr>
+          <a:xfrm rot="1768508">
+            <a:off x="1012651" y="2252954"/>
+            <a:ext cx="1346813" cy="521133"/>
+          </a:xfrm>
+          <a:prstGeom prst="stripedRightArrow">
+            <a:avLst/>
+          </a:prstGeom>
+        </p:spPr>
+        <p:style>
+          <a:lnRef idx="1">
+            <a:schemeClr val="accent1"/>
+          </a:lnRef>
+          <a:fillRef idx="3">
+            <a:schemeClr val="accent1"/>
+          </a:fillRef>
+          <a:effectRef idx="2">
+            <a:schemeClr val="accent1"/>
+          </a:effectRef>
+          <a:fontRef idx="minor">
+            <a:schemeClr val="lt1"/>
+          </a:fontRef>
+        </p:style>
+        <p:txBody>
+          <a:bodyPr rtlCol="0" anchor="ctr"/>
+          <a:lstStyle/>
+          <a:p>
+            <a:pPr algn="ctr"/>
+            <a:endParaRPr lang="es-AR"/>
+          </a:p>
+        </p:txBody>
+      </p:sp>
     </p:spTree>
   </p:cSld>
   <p:clrMapOvr>
     <a:masterClrMapping/>
   </p:clrMapOvr>
+  <p:transition>
+    <p:fade thruBlk="1"/>
+  </p:transition>
   <p:timing>
     <p:tnLst>
       <p:par>
-        <p:cTn id="1" dur="indefinite" restart="never" nodeType="tmRoot"/>
+        <p:cTn id="1" dur="indefinite" restart="never" nodeType="tmRoot">
+          <p:childTnLst>
+            <p:seq concurrent="1" nextAc="seek">
+              <p:cTn id="2" dur="indefinite" nodeType="mainSeq">
+                <p:childTnLst>
+                  <p:par>
+                    <p:cTn id="3" fill="hold">
+                      <p:stCondLst>
+                        <p:cond delay="indefinite"/>
+                      </p:stCondLst>
+                      <p:childTnLst>
+                        <p:par>
+                          <p:cTn id="4" fill="hold">
+                            <p:stCondLst>
+                              <p:cond delay="0"/>
+                            </p:stCondLst>
+                            <p:childTnLst>
+                              <p:par>
+                                <p:cTn id="5" presetID="10" presetClass="entr" presetSubtype="0" fill="hold" nodeType="clickEffect">
+                                  <p:stCondLst>
+                                    <p:cond delay="0"/>
+                                  </p:stCondLst>
+                                  <p:childTnLst>
+                                    <p:set>
+                                      <p:cBhvr>
+                                        <p:cTn id="6" dur="1" fill="hold">
+                                          <p:stCondLst>
+                                            <p:cond delay="0"/>
+                                          </p:stCondLst>
+                                        </p:cTn>
+                                        <p:tgtEl>
+                                          <p:spTgt spid="2050"/>
+                                        </p:tgtEl>
+                                        <p:attrNameLst>
+                                          <p:attrName>style.visibility</p:attrName>
+                                        </p:attrNameLst>
+                                      </p:cBhvr>
+                                      <p:to>
+                                        <p:strVal val="visible"/>
+                                      </p:to>
+                                    </p:set>
+                                    <p:animEffect transition="in" filter="fade">
+                                      <p:cBhvr>
+                                        <p:cTn id="7" dur="2000"/>
+                                        <p:tgtEl>
+                                          <p:spTgt spid="2050"/>
+                                        </p:tgtEl>
+                                      </p:cBhvr>
+                                    </p:animEffect>
+                                  </p:childTnLst>
+                                </p:cTn>
+                              </p:par>
+                            </p:childTnLst>
+                          </p:cTn>
+                        </p:par>
+                      </p:childTnLst>
+                    </p:cTn>
+                  </p:par>
+                  <p:par>
+                    <p:cTn id="8" fill="hold">
+                      <p:stCondLst>
+                        <p:cond delay="indefinite"/>
+                      </p:stCondLst>
+                      <p:childTnLst>
+                        <p:par>
+                          <p:cTn id="9" fill="hold">
+                            <p:stCondLst>
+                              <p:cond delay="0"/>
+                            </p:stCondLst>
+                            <p:childTnLst>
+                              <p:par>
+                                <p:cTn id="10" presetID="10" presetClass="entr" presetSubtype="0" fill="hold" nodeType="clickEffect">
+                                  <p:stCondLst>
+                                    <p:cond delay="0"/>
+                                  </p:stCondLst>
+                                  <p:childTnLst>
+                                    <p:set>
+                                      <p:cBhvr>
+                                        <p:cTn id="11" dur="1" fill="hold">
+                                          <p:stCondLst>
+                                            <p:cond delay="0"/>
+                                          </p:stCondLst>
+                                        </p:cTn>
+                                        <p:tgtEl>
+                                          <p:spTgt spid="1027"/>
+                                        </p:tgtEl>
+                                        <p:attrNameLst>
+                                          <p:attrName>style.visibility</p:attrName>
+                                        </p:attrNameLst>
+                                      </p:cBhvr>
+                                      <p:to>
+                                        <p:strVal val="visible"/>
+                                      </p:to>
+                                    </p:set>
+                                    <p:animEffect transition="in" filter="fade">
+                                      <p:cBhvr>
+                                        <p:cTn id="12" dur="2000"/>
+                                        <p:tgtEl>
+                                          <p:spTgt spid="1027"/>
+                                        </p:tgtEl>
+                                      </p:cBhvr>
+                                    </p:animEffect>
+                                  </p:childTnLst>
+                                </p:cTn>
+                              </p:par>
+                            </p:childTnLst>
+                          </p:cTn>
+                        </p:par>
+                      </p:childTnLst>
+                    </p:cTn>
+                  </p:par>
+                  <p:par>
+                    <p:cTn id="13" fill="hold">
+                      <p:stCondLst>
+                        <p:cond delay="indefinite"/>
+                      </p:stCondLst>
+                      <p:childTnLst>
+                        <p:par>
+                          <p:cTn id="14" fill="hold">
+                            <p:stCondLst>
+                              <p:cond delay="0"/>
+                            </p:stCondLst>
+                            <p:childTnLst>
+                              <p:par>
+                                <p:cTn id="15" presetID="4" presetClass="entr" presetSubtype="16" fill="hold" nodeType="clickEffect">
+                                  <p:stCondLst>
+                                    <p:cond delay="0"/>
+                                  </p:stCondLst>
+                                  <p:childTnLst>
+                                    <p:set>
+                                      <p:cBhvr>
+                                        <p:cTn id="16" dur="1" fill="hold">
+                                          <p:stCondLst>
+                                            <p:cond delay="0"/>
+                                          </p:stCondLst>
+                                        </p:cTn>
+                                        <p:tgtEl>
+                                          <p:spTgt spid="2051"/>
+                                        </p:tgtEl>
+                                        <p:attrNameLst>
+                                          <p:attrName>style.visibility</p:attrName>
+                                        </p:attrNameLst>
+                                      </p:cBhvr>
+                                      <p:to>
+                                        <p:strVal val="visible"/>
+                                      </p:to>
+                                    </p:set>
+                                    <p:animEffect transition="in" filter="box(in)">
+                                      <p:cBhvr>
+                                        <p:cTn id="17" dur="500"/>
+                                        <p:tgtEl>
+                                          <p:spTgt spid="2051"/>
+                                        </p:tgtEl>
+                                      </p:cBhvr>
+                                    </p:animEffect>
+                                  </p:childTnLst>
+                                </p:cTn>
+                              </p:par>
+                              <p:par>
+                                <p:cTn id="18" presetID="4" presetClass="entr" presetSubtype="16" fill="hold" grpId="0" nodeType="withEffect">
+                                  <p:stCondLst>
+                                    <p:cond delay="0"/>
+                                  </p:stCondLst>
+                                  <p:childTnLst>
+                                    <p:set>
+                                      <p:cBhvr>
+                                        <p:cTn id="19" dur="1" fill="hold">
+                                          <p:stCondLst>
+                                            <p:cond delay="0"/>
+                                          </p:stCondLst>
+                                        </p:cTn>
+                                        <p:tgtEl>
+                                          <p:spTgt spid="8"/>
+                                        </p:tgtEl>
+                                        <p:attrNameLst>
+                                          <p:attrName>style.visibility</p:attrName>
+                                        </p:attrNameLst>
+                                      </p:cBhvr>
+                                      <p:to>
+                                        <p:strVal val="visible"/>
+                                      </p:to>
+                                    </p:set>
+                                    <p:animEffect transition="in" filter="box(in)">
+                                      <p:cBhvr>
+                                        <p:cTn id="20" dur="500"/>
+                                        <p:tgtEl>
+                                          <p:spTgt spid="8"/>
+                                        </p:tgtEl>
+                                      </p:cBhvr>
+                                    </p:animEffect>
+                                  </p:childTnLst>
+                                </p:cTn>
+                              </p:par>
+                            </p:childTnLst>
+                          </p:cTn>
+                        </p:par>
+                      </p:childTnLst>
+                    </p:cTn>
+                  </p:par>
+                </p:childTnLst>
+              </p:cTn>
+              <p:prevCondLst>
+                <p:cond evt="onPrev" delay="0">
+                  <p:tgtEl>
+                    <p:sldTgt/>
+                  </p:tgtEl>
+                </p:cond>
+              </p:prevCondLst>
+              <p:nextCondLst>
+                <p:cond evt="onNext" delay="0">
+                  <p:tgtEl>
+                    <p:sldTgt/>
+                  </p:tgtEl>
+                </p:cond>
+              </p:nextCondLst>
+            </p:seq>
+          </p:childTnLst>
+        </p:cTn>
       </p:par>
     </p:tnLst>
+    <p:bldLst>
+      <p:bldP spid="8" grpId="0" animBg="1"/>
+    </p:bldLst>
   </p:timing>
 </p:sld>
 </file>
@@ -14559,7 +15695,7 @@
       </p:grpSpPr>
       <p:sp>
         <p:nvSpPr>
-          <p:cNvPr id="10" name="9 Título"/>
+          <p:cNvPr id="2" name="1 Título"/>
           <p:cNvSpPr>
             <a:spLocks noGrp="1"/>
           </p:cNvSpPr>
@@ -14574,51 +15710,7 @@
           <a:p>
             <a:r>
               <a:rPr lang="es-AR" dirty="0" smtClean="0"/>
-              <a:t>ASET: Porque?</a:t>
-            </a:r>
-            <a:endParaRPr lang="es-AR" dirty="0"/>
-          </a:p>
-        </p:txBody>
-      </p:sp>
-      <p:sp>
-        <p:nvSpPr>
-          <p:cNvPr id="18" name="17 Marcador de contenido"/>
-          <p:cNvSpPr>
-            <a:spLocks noGrp="1"/>
-          </p:cNvSpPr>
-          <p:nvPr>
-            <p:ph sz="half" idx="1"/>
-          </p:nvPr>
-        </p:nvSpPr>
-        <p:spPr>
-          <a:xfrm>
-            <a:off x="457199" y="1600201"/>
-            <a:ext cx="8147249" cy="1468759"/>
-          </a:xfrm>
-        </p:spPr>
-        <p:txBody>
-          <a:bodyPr>
-            <a:normAutofit fontScale="70000" lnSpcReduction="20000"/>
-          </a:bodyPr>
-          <a:lstStyle/>
-          <a:p>
-            <a:r>
-              <a:rPr lang="es-AR" dirty="0" smtClean="0"/>
-              <a:t>Con el constante avance en los procesos litográficos, las tecnologías de fabricación de circuitos integrados se vuelven mas vulnerables a estos efectos.</a:t>
-            </a:r>
-          </a:p>
-          <a:p>
-            <a:r>
-              <a:rPr lang="es-AR" dirty="0" smtClean="0"/>
-              <a:t>El estudio de los </a:t>
-            </a:r>
-            <a:r>
-              <a:rPr lang="es-AR" dirty="0" err="1" smtClean="0"/>
-              <a:t>SETs</a:t>
-            </a:r>
-            <a:r>
-              <a:rPr lang="es-AR" dirty="0" smtClean="0"/>
-              <a:t> en dispositivos digitales se encuentra ampliamente cubierto en comparación con los analógicos.</a:t>
+              <a:t>SEE: Efecto en Semiconductores</a:t>
             </a:r>
             <a:endParaRPr lang="es-AR" dirty="0"/>
           </a:p>
@@ -14626,16 +15718,73 @@
       </p:sp>
       <p:pic>
         <p:nvPicPr>
-          <p:cNvPr id="3077" name="Picture 5"/>
+          <p:cNvPr id="2051" name="Picture 3"/>
           <p:cNvPicPr>
             <a:picLocks noGrp="1" noChangeAspect="1" noChangeArrowheads="1"/>
           </p:cNvPicPr>
           <p:nvPr>
-            <p:ph sz="half" idx="14"/>
+            <p:ph sz="half" idx="13"/>
           </p:nvPr>
         </p:nvPicPr>
         <p:blipFill>
           <a:blip r:embed="rId2" cstate="print"/>
+          <a:srcRect l="4969" t="10488" r="4339" b="7703"/>
+          <a:stretch>
+            <a:fillRect/>
+          </a:stretch>
+        </p:blipFill>
+        <p:spPr bwMode="auto">
+          <a:xfrm>
+            <a:off x="3563888" y="1556792"/>
+            <a:ext cx="5256584" cy="2808312"/>
+          </a:xfrm>
+          <a:prstGeom prst="rect">
+            <a:avLst/>
+          </a:prstGeom>
+          <a:solidFill>
+            <a:srgbClr val="FFFFFF">
+              <a:shade val="85000"/>
+            </a:srgbClr>
+          </a:solidFill>
+          <a:ln w="88900" cap="sq">
+            <a:solidFill>
+              <a:srgbClr val="FFFFFF"/>
+            </a:solidFill>
+            <a:miter lim="800000"/>
+          </a:ln>
+          <a:effectLst>
+            <a:outerShdw blurRad="55000" dist="18000" dir="5400000" algn="tl" rotWithShape="0">
+              <a:srgbClr val="000000">
+                <a:alpha val="40000"/>
+              </a:srgbClr>
+            </a:outerShdw>
+          </a:effectLst>
+          <a:scene3d>
+            <a:camera prst="orthographicFront"/>
+            <a:lightRig rig="twoPt" dir="t">
+              <a:rot lat="0" lon="0" rev="7200000"/>
+            </a:lightRig>
+          </a:scene3d>
+          <a:sp3d>
+            <a:bevelT w="25400" h="19050"/>
+            <a:contourClr>
+              <a:srgbClr val="FFFFFF"/>
+            </a:contourClr>
+          </a:sp3d>
+        </p:spPr>
+      </p:pic>
+      <p:pic>
+        <p:nvPicPr>
+          <p:cNvPr id="2053" name="Picture 5"/>
+          <p:cNvPicPr>
+            <a:picLocks noGrp="1" noChangeAspect="1" noChangeArrowheads="1"/>
+          </p:cNvPicPr>
+          <p:nvPr>
+            <p:ph sz="half" idx="2"/>
+          </p:nvPr>
+        </p:nvPicPr>
+        <p:blipFill>
+          <a:blip r:embed="rId3" cstate="print"/>
           <a:srcRect/>
           <a:stretch>
             <a:fillRect/>
@@ -14643,8 +15792,8 @@
         </p:blipFill>
         <p:spPr bwMode="auto">
           <a:xfrm>
-            <a:off x="468313" y="3542600"/>
-            <a:ext cx="4041775" cy="2393762"/>
+            <a:off x="167991" y="1556792"/>
+            <a:ext cx="3035857" cy="2448272"/>
           </a:xfrm>
           <a:prstGeom prst="rect">
             <a:avLst/>
@@ -14658,18 +15807,33 @@
           </a:ln>
         </p:spPr>
       </p:pic>
+      <p:sp>
+        <p:nvSpPr>
+          <p:cNvPr id="7" name="6 Marcador de contenido"/>
+          <p:cNvSpPr>
+            <a:spLocks noGrp="1"/>
+          </p:cNvSpPr>
+          <p:nvPr>
+            <p:ph sz="half" idx="14"/>
+          </p:nvPr>
+        </p:nvSpPr>
+        <p:spPr/>
+        <p:txBody>
+          <a:bodyPr/>
+          <a:lstStyle/>
+          <a:p>
+            <a:endParaRPr lang="es-AR" dirty="0"/>
+          </a:p>
+        </p:txBody>
+      </p:sp>
       <p:pic>
         <p:nvPicPr>
-          <p:cNvPr id="3078" name="Picture 6"/>
-          <p:cNvPicPr>
-            <a:picLocks noGrp="1" noChangeAspect="1" noChangeArrowheads="1"/>
-          </p:cNvPicPr>
-          <p:nvPr>
-            <p:ph sz="half" idx="2"/>
-          </p:nvPr>
+          <p:cNvPr id="8" name="7 Imagen"/>
+          <p:cNvPicPr/>
+          <p:nvPr/>
         </p:nvPicPr>
         <p:blipFill>
-          <a:blip r:embed="rId3" cstate="print"/>
+          <a:blip r:embed="rId4" cstate="print"/>
           <a:srcRect/>
           <a:stretch>
             <a:fillRect/>
@@ -14677,8 +15841,8 @@
         </p:blipFill>
         <p:spPr bwMode="auto">
           <a:xfrm>
-            <a:off x="4711415" y="3357563"/>
-            <a:ext cx="3907408" cy="2768600"/>
+            <a:off x="5292080" y="3861048"/>
+            <a:ext cx="3080989" cy="2724108"/>
           </a:xfrm>
           <a:prstGeom prst="rect">
             <a:avLst/>
@@ -14697,6 +15861,9 @@
   <p:clrMapOvr>
     <a:masterClrMapping/>
   </p:clrMapOvr>
+  <p:transition>
+    <p:fade thruBlk="1"/>
+  </p:transition>
   <p:timing>
     <p:tnLst>
       <p:par>
@@ -14740,8 +15907,12 @@
           <a:lstStyle/>
           <a:p>
             <a:r>
-              <a:rPr lang="es-AR" dirty="0" smtClean="0"/>
-              <a:t>ASET: Modelo</a:t>
+              <a:rPr lang="en-US" dirty="0" smtClean="0"/>
+              <a:t>SEE: </a:t>
+            </a:r>
+            <a:r>
+              <a:rPr lang="en-US" dirty="0" err="1" smtClean="0"/>
+              <a:t>Clasificación</a:t>
             </a:r>
             <a:endParaRPr lang="es-AR" dirty="0"/>
           </a:p>
@@ -14749,7 +15920,7 @@
       </p:sp>
       <p:sp>
         <p:nvSpPr>
-          <p:cNvPr id="7" name="6 Marcador de contenido"/>
+          <p:cNvPr id="3" name="2 Marcador de contenido"/>
           <p:cNvSpPr>
             <a:spLocks noGrp="1"/>
           </p:cNvSpPr>
@@ -14757,27 +15928,343 @@
             <p:ph sz="half" idx="1"/>
           </p:nvPr>
         </p:nvSpPr>
-        <p:spPr/>
-        <p:txBody>
-          <a:bodyPr/>
+        <p:spPr>
+          <a:xfrm>
+            <a:off x="457199" y="1600201"/>
+            <a:ext cx="3682753" cy="2215443"/>
+          </a:xfrm>
+        </p:spPr>
+        <p:txBody>
+          <a:bodyPr>
+            <a:normAutofit fontScale="70000" lnSpcReduction="20000"/>
+          </a:bodyPr>
           <a:lstStyle/>
           <a:p>
             <a:r>
-              <a:rPr lang="es-AR" dirty="0" smtClean="0"/>
-              <a:t>&lt;Explicar algo del modelo&gt;</a:t>
-            </a:r>
+              <a:rPr lang="en-US" dirty="0" err="1" smtClean="0"/>
+              <a:t>Ionización</a:t>
+            </a:r>
+            <a:r>
+              <a:rPr lang="en-US" dirty="0" smtClean="0"/>
+              <a:t> </a:t>
+            </a:r>
+            <a:r>
+              <a:rPr lang="en-US" dirty="0" err="1" smtClean="0"/>
+              <a:t>Directa</a:t>
+            </a:r>
+            <a:endParaRPr lang="en-US" dirty="0" smtClean="0"/>
+          </a:p>
+          <a:p>
+            <a:pPr lvl="1"/>
+            <a:r>
+              <a:rPr lang="en-US" dirty="0" err="1" smtClean="0"/>
+              <a:t>Iones</a:t>
+            </a:r>
+            <a:r>
+              <a:rPr lang="en-US" dirty="0" smtClean="0"/>
+              <a:t> </a:t>
+            </a:r>
+            <a:r>
+              <a:rPr lang="en-US" dirty="0" err="1" smtClean="0"/>
+              <a:t>Pesados</a:t>
+            </a:r>
+            <a:r>
+              <a:rPr lang="en-US" dirty="0" smtClean="0"/>
+              <a:t> (</a:t>
+            </a:r>
+            <a:r>
+              <a:rPr lang="en-US" dirty="0" err="1" smtClean="0"/>
+              <a:t>numero</a:t>
+            </a:r>
+            <a:r>
+              <a:rPr lang="en-US" dirty="0" smtClean="0"/>
+              <a:t> </a:t>
+            </a:r>
+            <a:r>
+              <a:rPr lang="en-US" dirty="0" err="1" smtClean="0"/>
+              <a:t>atomico</a:t>
+            </a:r>
+            <a:r>
+              <a:rPr lang="en-US" dirty="0" smtClean="0"/>
+              <a:t> mayor a 2).</a:t>
+            </a:r>
+          </a:p>
+          <a:p>
+            <a:r>
+              <a:rPr lang="en-US" dirty="0" err="1" smtClean="0"/>
+              <a:t>Ionización</a:t>
+            </a:r>
+            <a:r>
+              <a:rPr lang="en-US" dirty="0" smtClean="0"/>
+              <a:t> </a:t>
+            </a:r>
+            <a:r>
+              <a:rPr lang="en-US" dirty="0" err="1" smtClean="0"/>
+              <a:t>Indirecta</a:t>
+            </a:r>
+            <a:endParaRPr lang="en-US" dirty="0" smtClean="0"/>
+          </a:p>
+          <a:p>
+            <a:pPr lvl="1"/>
+            <a:r>
+              <a:rPr lang="en-US" dirty="0" err="1" smtClean="0"/>
+              <a:t>Particulas</a:t>
+            </a:r>
+            <a:r>
+              <a:rPr lang="en-US" dirty="0" smtClean="0"/>
+              <a:t> </a:t>
+            </a:r>
+            <a:r>
+              <a:rPr lang="en-US" dirty="0" err="1" smtClean="0"/>
+              <a:t>Ligeras</a:t>
+            </a:r>
+            <a:r>
+              <a:rPr lang="en-US" dirty="0" smtClean="0"/>
+              <a:t> (</a:t>
+            </a:r>
+            <a:r>
+              <a:rPr lang="en-US" dirty="0" err="1" smtClean="0"/>
+              <a:t>protones</a:t>
+            </a:r>
+            <a:r>
+              <a:rPr lang="en-US" dirty="0" smtClean="0"/>
+              <a:t>, </a:t>
+            </a:r>
+            <a:r>
+              <a:rPr lang="en-US" dirty="0" err="1" smtClean="0"/>
+              <a:t>electrones</a:t>
+            </a:r>
+            <a:r>
+              <a:rPr lang="en-US" dirty="0" smtClean="0"/>
+              <a:t>, </a:t>
+            </a:r>
+            <a:r>
+              <a:rPr lang="en-US" dirty="0" err="1" smtClean="0"/>
+              <a:t>neutrones</a:t>
+            </a:r>
+            <a:r>
+              <a:rPr lang="en-US" dirty="0" smtClean="0"/>
+              <a:t> o </a:t>
+            </a:r>
+            <a:r>
+              <a:rPr lang="en-US" dirty="0" err="1" smtClean="0"/>
+              <a:t>iones</a:t>
+            </a:r>
+            <a:r>
+              <a:rPr lang="en-US" dirty="0" smtClean="0"/>
+              <a:t>).</a:t>
+            </a:r>
+          </a:p>
+          <a:p>
+            <a:pPr lvl="1"/>
+            <a:r>
+              <a:rPr lang="en-US" dirty="0" err="1" smtClean="0"/>
+              <a:t>Desencadenamiento</a:t>
+            </a:r>
+            <a:r>
+              <a:rPr lang="en-US" dirty="0" smtClean="0"/>
+              <a:t> de </a:t>
+            </a:r>
+            <a:r>
+              <a:rPr lang="en-US" dirty="0" err="1" smtClean="0"/>
+              <a:t>reacciones</a:t>
+            </a:r>
+            <a:r>
+              <a:rPr lang="en-US" dirty="0" smtClean="0"/>
+              <a:t> </a:t>
+            </a:r>
+            <a:r>
+              <a:rPr lang="en-US" dirty="0" err="1" smtClean="0"/>
+              <a:t>nucleares</a:t>
+            </a:r>
+            <a:r>
+              <a:rPr lang="en-US" dirty="0" smtClean="0"/>
+              <a:t>.</a:t>
+            </a:r>
+          </a:p>
+        </p:txBody>
+      </p:sp>
+      <p:sp>
+        <p:nvSpPr>
+          <p:cNvPr id="4" name="3 Marcador de contenido"/>
+          <p:cNvSpPr>
+            <a:spLocks noGrp="1"/>
+          </p:cNvSpPr>
+          <p:nvPr>
+            <p:ph sz="half" idx="2"/>
+          </p:nvPr>
+        </p:nvSpPr>
+        <p:spPr>
+          <a:xfrm>
+            <a:off x="395536" y="3933056"/>
+            <a:ext cx="8291264" cy="2193107"/>
+          </a:xfrm>
+        </p:spPr>
+        <p:txBody>
+          <a:bodyPr>
+            <a:normAutofit fontScale="70000" lnSpcReduction="20000"/>
+          </a:bodyPr>
+          <a:lstStyle/>
+          <a:p>
+            <a:r>
+              <a:rPr lang="en-US" dirty="0" smtClean="0"/>
+              <a:t>Single Event Upset (SEU</a:t>
+            </a:r>
+            <a:r>
+              <a:rPr lang="en-US" dirty="0" smtClean="0"/>
+              <a:t>)</a:t>
+            </a:r>
+          </a:p>
+          <a:p>
+            <a:pPr lvl="1"/>
+            <a:r>
+              <a:rPr lang="en-US" dirty="0" err="1" smtClean="0"/>
+              <a:t>Transitorios</a:t>
+            </a:r>
+            <a:r>
+              <a:rPr lang="en-US" dirty="0" smtClean="0"/>
+              <a:t>, no </a:t>
+            </a:r>
+            <a:r>
+              <a:rPr lang="en-US" dirty="0" err="1" smtClean="0"/>
+              <a:t>destructivos</a:t>
+            </a:r>
+            <a:r>
+              <a:rPr lang="en-US" dirty="0" smtClean="0"/>
+              <a:t>.</a:t>
+            </a:r>
+          </a:p>
+          <a:p>
+            <a:pPr lvl="1"/>
+            <a:r>
+              <a:rPr lang="en-US" dirty="0" smtClean="0"/>
+              <a:t>MSB (Multiple Bits), SEFI (Functionality Interrupt).</a:t>
+            </a:r>
+            <a:endParaRPr lang="en-US" dirty="0" smtClean="0"/>
+          </a:p>
+          <a:p>
+            <a:r>
+              <a:rPr lang="en-US" dirty="0" smtClean="0"/>
+              <a:t>Single Event </a:t>
+            </a:r>
+            <a:r>
+              <a:rPr lang="en-US" dirty="0" smtClean="0"/>
+              <a:t>Latch-up </a:t>
+            </a:r>
+            <a:r>
+              <a:rPr lang="en-US" dirty="0" smtClean="0"/>
+              <a:t>(SEL</a:t>
+            </a:r>
+            <a:r>
+              <a:rPr lang="en-US" dirty="0" smtClean="0"/>
+              <a:t>)</a:t>
+            </a:r>
+          </a:p>
+          <a:p>
+            <a:pPr lvl="1"/>
+            <a:r>
+              <a:rPr lang="en-US" dirty="0" err="1" smtClean="0"/>
+              <a:t>Errores</a:t>
+            </a:r>
+            <a:r>
+              <a:rPr lang="en-US" dirty="0" smtClean="0"/>
+              <a:t> </a:t>
+            </a:r>
+            <a:r>
+              <a:rPr lang="en-US" dirty="0" err="1" smtClean="0"/>
+              <a:t>fisicos</a:t>
+            </a:r>
+            <a:r>
+              <a:rPr lang="en-US" dirty="0" smtClean="0"/>
+              <a:t>, </a:t>
+            </a:r>
+            <a:r>
+              <a:rPr lang="en-US" dirty="0" err="1" smtClean="0"/>
+              <a:t>potencialmente</a:t>
+            </a:r>
+            <a:r>
+              <a:rPr lang="en-US" dirty="0" smtClean="0"/>
+              <a:t> </a:t>
+            </a:r>
+            <a:r>
+              <a:rPr lang="en-US" dirty="0" err="1" smtClean="0"/>
+              <a:t>destructivos</a:t>
+            </a:r>
+            <a:r>
+              <a:rPr lang="en-US" dirty="0" smtClean="0"/>
+              <a:t>.</a:t>
+            </a:r>
+            <a:endParaRPr lang="en-US" dirty="0" smtClean="0"/>
+          </a:p>
+          <a:p>
+            <a:r>
+              <a:rPr lang="en-US" dirty="0" smtClean="0"/>
+              <a:t>Single Event Burnout (SEB</a:t>
+            </a:r>
+            <a:r>
+              <a:rPr lang="en-US" dirty="0" smtClean="0"/>
+              <a:t>)</a:t>
+            </a:r>
+          </a:p>
+          <a:p>
+            <a:pPr lvl="1"/>
+            <a:r>
+              <a:rPr lang="en-US" dirty="0" err="1" smtClean="0"/>
+              <a:t>Errores</a:t>
+            </a:r>
+            <a:r>
+              <a:rPr lang="en-US" dirty="0" smtClean="0"/>
+              <a:t> </a:t>
+            </a:r>
+            <a:r>
+              <a:rPr lang="en-US" dirty="0" err="1" smtClean="0"/>
+              <a:t>permanentes</a:t>
+            </a:r>
+            <a:r>
+              <a:rPr lang="en-US" dirty="0" smtClean="0"/>
+              <a:t>, </a:t>
+            </a:r>
+            <a:r>
+              <a:rPr lang="en-US" dirty="0" err="1" smtClean="0"/>
+              <a:t>destruccion</a:t>
+            </a:r>
+            <a:r>
+              <a:rPr lang="en-US" dirty="0" smtClean="0"/>
+              <a:t> de </a:t>
+            </a:r>
+            <a:r>
+              <a:rPr lang="en-US" dirty="0" err="1" smtClean="0"/>
+              <a:t>componentes</a:t>
+            </a:r>
+            <a:r>
+              <a:rPr lang="en-US" dirty="0" smtClean="0"/>
+              <a:t>.</a:t>
+            </a:r>
+          </a:p>
+          <a:p>
+            <a:pPr lvl="1"/>
+            <a:r>
+              <a:rPr lang="en-US" dirty="0" smtClean="0"/>
+              <a:t>SEGR (Gate Rupture)</a:t>
+            </a:r>
+          </a:p>
+          <a:p>
+            <a:pPr lvl="1"/>
+            <a:endParaRPr lang="es-AR" dirty="0" smtClean="0"/>
+          </a:p>
+          <a:p>
             <a:endParaRPr lang="es-AR" dirty="0"/>
           </a:p>
         </p:txBody>
       </p:sp>
       <p:pic>
         <p:nvPicPr>
-          <p:cNvPr id="4098" name="Picture 2"/>
+          <p:cNvPr id="7" name="Picture 3"/>
           <p:cNvPicPr>
             <a:picLocks noGrp="1" noChangeAspect="1" noChangeArrowheads="1"/>
           </p:cNvPicPr>
           <p:nvPr>
-            <p:ph sz="half" idx="14"/>
+            <p:ph sz="half" idx="13"/>
           </p:nvPr>
         </p:nvPicPr>
         <p:blipFill>
@@ -14789,53 +16276,42 @@
         </p:blipFill>
         <p:spPr bwMode="auto">
           <a:xfrm>
-            <a:off x="303818" y="3501008"/>
-            <a:ext cx="4141912" cy="2620393"/>
+            <a:off x="4139952" y="1556792"/>
+            <a:ext cx="4824536" cy="1981362"/>
           </a:xfrm>
           <a:prstGeom prst="rect">
             <a:avLst/>
           </a:prstGeom>
-          <a:noFill/>
-          <a:ln w="9525">
-            <a:noFill/>
+          <a:solidFill>
+            <a:srgbClr val="FFFFFF">
+              <a:shade val="85000"/>
+            </a:srgbClr>
+          </a:solidFill>
+          <a:ln w="88900" cap="sq">
+            <a:solidFill>
+              <a:srgbClr val="FFFFFF"/>
+            </a:solidFill>
             <a:miter lim="800000"/>
-            <a:headEnd/>
-            <a:tailEnd/>
           </a:ln>
-        </p:spPr>
-      </p:pic>
-      <p:pic>
-        <p:nvPicPr>
-          <p:cNvPr id="4099" name="Picture 3"/>
-          <p:cNvPicPr>
-            <a:picLocks noGrp="1" noChangeAspect="1" noChangeArrowheads="1"/>
-          </p:cNvPicPr>
-          <p:nvPr>
-            <p:ph sz="half" idx="2"/>
-          </p:nvPr>
-        </p:nvPicPr>
-        <p:blipFill>
-          <a:blip r:embed="rId3" cstate="print"/>
-          <a:srcRect/>
-          <a:stretch>
-            <a:fillRect/>
-          </a:stretch>
-        </p:blipFill>
-        <p:spPr bwMode="auto">
-          <a:xfrm>
-            <a:off x="4703719" y="3501008"/>
-            <a:ext cx="4151784" cy="2625155"/>
-          </a:xfrm>
-          <a:prstGeom prst="rect">
-            <a:avLst/>
-          </a:prstGeom>
-          <a:noFill/>
-          <a:ln w="9525">
-            <a:noFill/>
-            <a:miter lim="800000"/>
-            <a:headEnd/>
-            <a:tailEnd/>
-          </a:ln>
+          <a:effectLst>
+            <a:outerShdw blurRad="55000" dist="18000" dir="5400000" algn="tl" rotWithShape="0">
+              <a:srgbClr val="000000">
+                <a:alpha val="40000"/>
+              </a:srgbClr>
+            </a:outerShdw>
+          </a:effectLst>
+          <a:scene3d>
+            <a:camera prst="orthographicFront"/>
+            <a:lightRig rig="twoPt" dir="t">
+              <a:rot lat="0" lon="0" rev="7200000"/>
+            </a:lightRig>
+          </a:scene3d>
+          <a:sp3d>
+            <a:bevelT w="25400" h="19050"/>
+            <a:contourClr>
+              <a:srgbClr val="FFFFFF"/>
+            </a:contourClr>
+          </a:sp3d>
         </p:spPr>
       </p:pic>
     </p:spTree>
@@ -14843,7 +16319,9 @@
   <p:clrMapOvr>
     <a:masterClrMapping/>
   </p:clrMapOvr>
-  <p:transition/>
+  <p:transition>
+    <p:fade thruBlk="1"/>
+  </p:transition>
   <p:timing>
     <p:tnLst>
       <p:par>
@@ -14873,7 +16351,7 @@
       </p:grpSpPr>
       <p:sp>
         <p:nvSpPr>
-          <p:cNvPr id="2" name="1 Título"/>
+          <p:cNvPr id="10" name="9 Título"/>
           <p:cNvSpPr>
             <a:spLocks noGrp="1"/>
           </p:cNvSpPr>
@@ -14888,12 +16366,86 @@
           <a:p>
             <a:r>
               <a:rPr lang="es-AR" dirty="0" smtClean="0"/>
-              <a:t>DISEÑO: Arquitectura</a:t>
+              <a:t>ASET: </a:t>
+            </a:r>
+            <a:r>
+              <a:rPr lang="es-AR" dirty="0" smtClean="0"/>
+              <a:t>Porque el análisis?</a:t>
             </a:r>
             <a:endParaRPr lang="es-AR" dirty="0"/>
           </a:p>
         </p:txBody>
       </p:sp>
+      <p:sp>
+        <p:nvSpPr>
+          <p:cNvPr id="18" name="17 Marcador de contenido"/>
+          <p:cNvSpPr>
+            <a:spLocks noGrp="1"/>
+          </p:cNvSpPr>
+          <p:nvPr>
+            <p:ph sz="half" idx="1"/>
+          </p:nvPr>
+        </p:nvSpPr>
+        <p:spPr>
+          <a:xfrm>
+            <a:off x="457199" y="1600201"/>
+            <a:ext cx="8147249" cy="1468759"/>
+          </a:xfrm>
+        </p:spPr>
+        <p:txBody>
+          <a:bodyPr>
+            <a:normAutofit fontScale="70000" lnSpcReduction="20000"/>
+          </a:bodyPr>
+          <a:lstStyle/>
+          <a:p>
+            <a:r>
+              <a:rPr lang="es-AR" dirty="0" smtClean="0"/>
+              <a:t>Con el constante avance en los procesos litográficos, las tecnologías de fabricación de circuitos integrados se vuelven mas vulnerables a estos efectos.</a:t>
+            </a:r>
+          </a:p>
+          <a:p>
+            <a:r>
+              <a:rPr lang="es-AR" dirty="0" smtClean="0"/>
+              <a:t>El estudio de los </a:t>
+            </a:r>
+            <a:r>
+              <a:rPr lang="es-AR" dirty="0" err="1" smtClean="0"/>
+              <a:t>SETs</a:t>
+            </a:r>
+            <a:r>
+              <a:rPr lang="es-AR" dirty="0" smtClean="0"/>
+              <a:t> en dispositivos digitales se encuentra ampliamente cubierto en comparación con los analógicos.</a:t>
+            </a:r>
+            <a:endParaRPr lang="es-AR" dirty="0"/>
+          </a:p>
+        </p:txBody>
+      </p:sp>
+      <p:pic>
+        <p:nvPicPr>
+          <p:cNvPr id="3075" name="Picture 3" descr="C:\Users\FABRICIO\Desktop\iStock_000002553581XSmall.jpg"/>
+          <p:cNvPicPr>
+            <a:picLocks noChangeAspect="1" noChangeArrowheads="1"/>
+          </p:cNvPicPr>
+          <p:nvPr/>
+        </p:nvPicPr>
+        <p:blipFill>
+          <a:blip r:embed="rId2" cstate="print"/>
+          <a:srcRect/>
+          <a:stretch>
+            <a:fillRect/>
+          </a:stretch>
+        </p:blipFill>
+        <p:spPr bwMode="auto">
+          <a:xfrm>
+            <a:off x="0" y="3545631"/>
+            <a:ext cx="4416495" cy="3312369"/>
+          </a:xfrm>
+          <a:prstGeom prst="rect">
+            <a:avLst/>
+          </a:prstGeom>
+          <a:noFill/>
+        </p:spPr>
+      </p:pic>
       <p:sp>
         <p:nvSpPr>
           <p:cNvPr id="6" name="5 Marcador de contenido"/>
@@ -14901,74 +16453,38 @@
             <a:spLocks noGrp="1"/>
           </p:cNvSpPr>
           <p:nvPr>
-            <p:ph sz="half" idx="1"/>
-          </p:nvPr>
-        </p:nvSpPr>
-        <p:spPr/>
+            <p:ph sz="half" idx="14"/>
+          </p:nvPr>
+        </p:nvSpPr>
+        <p:spPr>
+          <a:xfrm>
+            <a:off x="4644008" y="3933056"/>
+            <a:ext cx="4042792" cy="2188839"/>
+          </a:xfrm>
+        </p:spPr>
         <p:txBody>
           <a:bodyPr/>
           <a:lstStyle/>
           <a:p>
-            <a:r>
-              <a:rPr lang="es-AR" dirty="0" smtClean="0"/>
-              <a:t>Diseño flash</a:t>
-            </a:r>
-          </a:p>
-          <a:p>
-            <a:r>
-              <a:rPr lang="es-AR" dirty="0" err="1" smtClean="0"/>
-              <a:t>Frec</a:t>
-            </a:r>
-            <a:r>
-              <a:rPr lang="es-AR" dirty="0" smtClean="0"/>
-              <a:t> de operación: 100 </a:t>
-            </a:r>
-            <a:r>
-              <a:rPr lang="es-AR" dirty="0" err="1" smtClean="0"/>
-              <a:t>Khz</a:t>
-            </a:r>
-            <a:endParaRPr lang="es-AR" dirty="0" smtClean="0"/>
-          </a:p>
-          <a:p>
-            <a:r>
-              <a:rPr lang="es-AR" dirty="0" smtClean="0"/>
-              <a:t>Palabra de salida: 6 bits</a:t>
-            </a:r>
-          </a:p>
-          <a:p>
-            <a:r>
-              <a:rPr lang="es-AR" dirty="0" smtClean="0"/>
-              <a:t>&lt;ALGUNA BOLUDEZ MAS&gt;</a:t>
-            </a:r>
-            <a:endParaRPr lang="es-AR" dirty="0"/>
-          </a:p>
-        </p:txBody>
-      </p:sp>
-      <p:graphicFrame>
-        <p:nvGraphicFramePr>
-          <p:cNvPr id="8" name="7 Marcador de contenido"/>
-          <p:cNvGraphicFramePr>
-            <a:graphicFrameLocks noGrp="1"/>
-          </p:cNvGraphicFramePr>
-          <p:nvPr>
-            <p:ph sz="half" idx="2"/>
-          </p:nvPr>
-        </p:nvGraphicFramePr>
-        <p:xfrm>
-          <a:off x="4648200" y="1773238"/>
-          <a:ext cx="4038600" cy="4624387"/>
-        </p:xfrm>
-        <a:graphic>
-          <a:graphicData uri="http://schemas.openxmlformats.org/drawingml/2006/diagram">
-            <dgm:relIds xmlns:dgm="http://schemas.openxmlformats.org/drawingml/2006/diagram" xmlns:r="http://schemas.openxmlformats.org/officeDocument/2006/relationships" r:dm="rId2" r:lo="rId3" r:qs="rId4" r:cs="rId5"/>
-          </a:graphicData>
-        </a:graphic>
-      </p:graphicFrame>
+            <a:endParaRPr lang="es-AR"/>
+          </a:p>
+        </p:txBody>
+      </p:sp>
     </p:spTree>
   </p:cSld>
   <p:clrMapOvr>
     <a:masterClrMapping/>
   </p:clrMapOvr>
+  <p:transition>
+    <p:fade thruBlk="1"/>
+  </p:transition>
+  <p:timing>
+    <p:tnLst>
+      <p:par>
+        <p:cTn id="1" dur="indefinite" restart="never" nodeType="tmRoot"/>
+      </p:par>
+    </p:tnLst>
+  </p:timing>
 </p:sld>
 </file>
 
@@ -15006,7 +16522,7 @@
           <a:p>
             <a:r>
               <a:rPr lang="es-AR" dirty="0" smtClean="0"/>
-              <a:t>DISEÑO: Arquitectura (cont.)</a:t>
+              <a:t>ASET: Modelo</a:t>
             </a:r>
             <a:endParaRPr lang="es-AR" dirty="0"/>
           </a:p>
@@ -15014,22 +16530,148 @@
       </p:sp>
       <p:sp>
         <p:nvSpPr>
-          <p:cNvPr id="4" name="3 Marcador de contenido"/>
+          <p:cNvPr id="7" name="6 Marcador de contenido"/>
           <p:cNvSpPr>
             <a:spLocks noGrp="1"/>
           </p:cNvSpPr>
           <p:nvPr>
-            <p:ph sz="half" idx="2"/>
-          </p:nvPr>
-        </p:nvSpPr>
-        <p:spPr/>
-        <p:txBody>
-          <a:bodyPr/>
+            <p:ph sz="half" idx="1"/>
+          </p:nvPr>
+        </p:nvSpPr>
+        <p:spPr>
+          <a:xfrm>
+            <a:off x="457199" y="1600201"/>
+            <a:ext cx="5842993" cy="2044823"/>
+          </a:xfrm>
+        </p:spPr>
+        <p:txBody>
+          <a:bodyPr>
+            <a:normAutofit fontScale="85000" lnSpcReduction="20000"/>
+          </a:bodyPr>
           <a:lstStyle/>
           <a:p>
             <a:r>
               <a:rPr lang="es-AR" dirty="0" smtClean="0"/>
-              <a:t>&lt;EXPLICAR MAS DETALLADAMENTE CUALES SON LAS PARTES&gt;</a:t>
+              <a:t>Modelo Exponencial</a:t>
+            </a:r>
+          </a:p>
+          <a:p>
+            <a:pPr lvl="1"/>
+            <a:r>
+              <a:rPr lang="en-US" dirty="0" err="1" smtClean="0"/>
+              <a:t>Proceso</a:t>
+            </a:r>
+            <a:r>
+              <a:rPr lang="en-US" dirty="0" smtClean="0"/>
+              <a:t> de </a:t>
+            </a:r>
+            <a:r>
+              <a:rPr lang="en-US" dirty="0" err="1" smtClean="0"/>
+              <a:t>recolección</a:t>
+            </a:r>
+            <a:r>
+              <a:rPr lang="en-US" dirty="0" smtClean="0"/>
+              <a:t> de </a:t>
+            </a:r>
+            <a:r>
+              <a:rPr lang="en-US" dirty="0" err="1" smtClean="0"/>
+              <a:t>cargas</a:t>
+            </a:r>
+            <a:r>
+              <a:rPr lang="en-US" dirty="0" smtClean="0"/>
+              <a:t>.</a:t>
+            </a:r>
+          </a:p>
+          <a:p>
+            <a:pPr lvl="1"/>
+            <a:r>
+              <a:rPr lang="en-US" dirty="0" smtClean="0"/>
+              <a:t>Mayor </a:t>
+            </a:r>
+            <a:r>
+              <a:rPr lang="en-US" dirty="0" err="1" smtClean="0"/>
+              <a:t>procesamiento</a:t>
+            </a:r>
+            <a:r>
+              <a:rPr lang="en-US" dirty="0" smtClean="0"/>
+              <a:t> </a:t>
+            </a:r>
+            <a:r>
+              <a:rPr lang="en-US" dirty="0" err="1" smtClean="0"/>
+              <a:t>computacional</a:t>
+            </a:r>
+            <a:r>
+              <a:rPr lang="en-US" dirty="0" smtClean="0"/>
+              <a:t>.</a:t>
+            </a:r>
+            <a:endParaRPr lang="es-AR" dirty="0" smtClean="0"/>
+          </a:p>
+          <a:p>
+            <a:r>
+              <a:rPr lang="en-US" dirty="0" err="1" smtClean="0"/>
+              <a:t>Modelo</a:t>
+            </a:r>
+            <a:r>
+              <a:rPr lang="en-US" dirty="0" smtClean="0"/>
+              <a:t> Trapezoidal</a:t>
+            </a:r>
+          </a:p>
+          <a:p>
+            <a:pPr lvl="1"/>
+            <a:r>
+              <a:rPr lang="en-US" dirty="0" err="1" smtClean="0"/>
+              <a:t>Proceso</a:t>
+            </a:r>
+            <a:r>
+              <a:rPr lang="en-US" dirty="0" smtClean="0"/>
+              <a:t> de </a:t>
+            </a:r>
+            <a:r>
+              <a:rPr lang="en-US" dirty="0" err="1" smtClean="0"/>
+              <a:t>difusión</a:t>
+            </a:r>
+            <a:r>
+              <a:rPr lang="en-US" dirty="0" smtClean="0"/>
+              <a:t> de </a:t>
+            </a:r>
+            <a:r>
+              <a:rPr lang="en-US" dirty="0" err="1" smtClean="0"/>
+              <a:t>cargas</a:t>
+            </a:r>
+            <a:r>
+              <a:rPr lang="en-US" dirty="0" smtClean="0"/>
+              <a:t>.</a:t>
+            </a:r>
+          </a:p>
+          <a:p>
+            <a:pPr lvl="1"/>
+            <a:r>
+              <a:rPr lang="en-US" dirty="0" smtClean="0"/>
+              <a:t>Fin de </a:t>
+            </a:r>
+            <a:r>
+              <a:rPr lang="en-US" dirty="0" err="1" smtClean="0"/>
+              <a:t>perturbación</a:t>
+            </a:r>
+            <a:r>
+              <a:rPr lang="en-US" dirty="0" smtClean="0"/>
+              <a:t> </a:t>
+            </a:r>
+            <a:r>
+              <a:rPr lang="en-US" dirty="0" err="1" smtClean="0"/>
+              <a:t>bien</a:t>
+            </a:r>
+            <a:r>
+              <a:rPr lang="en-US" dirty="0" smtClean="0"/>
+              <a:t> </a:t>
+            </a:r>
+            <a:r>
+              <a:rPr lang="en-US" dirty="0" err="1" smtClean="0"/>
+              <a:t>definido</a:t>
+            </a:r>
+            <a:r>
+              <a:rPr lang="en-US" dirty="0" smtClean="0"/>
+              <a:t>.</a:t>
             </a:r>
             <a:endParaRPr lang="es-AR" dirty="0"/>
           </a:p>
@@ -15037,12 +16679,12 @@
       </p:sp>
       <p:pic>
         <p:nvPicPr>
-          <p:cNvPr id="5" name="4 Marcador de contenido"/>
+          <p:cNvPr id="4098" name="Picture 2"/>
           <p:cNvPicPr>
-            <a:picLocks noGrp="1"/>
+            <a:picLocks noGrp="1" noChangeAspect="1" noChangeArrowheads="1"/>
           </p:cNvPicPr>
           <p:nvPr>
-            <p:ph sz="half" idx="1"/>
+            <p:ph sz="half" idx="14"/>
           </p:nvPr>
         </p:nvPicPr>
         <p:blipFill>
@@ -15054,8 +16696,74 @@
         </p:blipFill>
         <p:spPr bwMode="auto">
           <a:xfrm>
-            <a:off x="832648" y="1916832"/>
-            <a:ext cx="3384198" cy="4464496"/>
+            <a:off x="251520" y="4077072"/>
+            <a:ext cx="4141912" cy="2620393"/>
+          </a:xfrm>
+          <a:prstGeom prst="rect">
+            <a:avLst/>
+          </a:prstGeom>
+          <a:noFill/>
+          <a:ln w="9525">
+            <a:noFill/>
+            <a:miter lim="800000"/>
+            <a:headEnd/>
+            <a:tailEnd/>
+          </a:ln>
+        </p:spPr>
+      </p:pic>
+      <p:pic>
+        <p:nvPicPr>
+          <p:cNvPr id="4099" name="Picture 3"/>
+          <p:cNvPicPr>
+            <a:picLocks noGrp="1" noChangeAspect="1" noChangeArrowheads="1"/>
+          </p:cNvPicPr>
+          <p:nvPr>
+            <p:ph sz="half" idx="2"/>
+          </p:nvPr>
+        </p:nvPicPr>
+        <p:blipFill>
+          <a:blip r:embed="rId3" cstate="print"/>
+          <a:srcRect/>
+          <a:stretch>
+            <a:fillRect/>
+          </a:stretch>
+        </p:blipFill>
+        <p:spPr bwMode="auto">
+          <a:xfrm>
+            <a:off x="4788024" y="4077072"/>
+            <a:ext cx="4151784" cy="2625155"/>
+          </a:xfrm>
+          <a:prstGeom prst="rect">
+            <a:avLst/>
+          </a:prstGeom>
+          <a:noFill/>
+          <a:ln w="9525">
+            <a:noFill/>
+            <a:miter lim="800000"/>
+            <a:headEnd/>
+            <a:tailEnd/>
+          </a:ln>
+        </p:spPr>
+      </p:pic>
+      <p:pic>
+        <p:nvPicPr>
+          <p:cNvPr id="6" name="Picture 4"/>
+          <p:cNvPicPr>
+            <a:picLocks noChangeAspect="1" noChangeArrowheads="1"/>
+          </p:cNvPicPr>
+          <p:nvPr/>
+        </p:nvPicPr>
+        <p:blipFill>
+          <a:blip r:embed="rId4" cstate="print"/>
+          <a:srcRect t="3681"/>
+          <a:stretch>
+            <a:fillRect/>
+          </a:stretch>
+        </p:blipFill>
+        <p:spPr bwMode="auto">
+          <a:xfrm>
+            <a:off x="6300192" y="1484784"/>
+            <a:ext cx="2843808" cy="2423397"/>
           </a:xfrm>
           <a:prstGeom prst="rect">
             <a:avLst/>
@@ -15074,6 +16782,9 @@
   <p:clrMapOvr>
     <a:masterClrMapping/>
   </p:clrMapOvr>
+  <p:transition>
+    <p:fade thruBlk="1"/>
+  </p:transition>
   <p:timing>
     <p:tnLst>
       <p:par>
@@ -15118,7 +16829,7 @@
           <a:p>
             <a:r>
               <a:rPr lang="es-AR" dirty="0" smtClean="0"/>
-              <a:t>DISEÑO: Tecnología</a:t>
+              <a:t>DISEÑO: Arquitectura</a:t>
             </a:r>
             <a:endParaRPr lang="es-AR" dirty="0"/>
           </a:p>
@@ -15126,7 +16837,7 @@
       </p:sp>
       <p:sp>
         <p:nvSpPr>
-          <p:cNvPr id="7" name="6 Marcador de contenido"/>
+          <p:cNvPr id="6" name="5 Marcador de contenido"/>
           <p:cNvSpPr>
             <a:spLocks noGrp="1"/>
           </p:cNvSpPr>
@@ -15134,174 +16845,74 @@
             <p:ph sz="half" idx="1"/>
           </p:nvPr>
         </p:nvSpPr>
-        <p:spPr>
-          <a:xfrm>
-            <a:off x="251520" y="1600201"/>
-            <a:ext cx="4392488" cy="4709119"/>
-          </a:xfrm>
-        </p:spPr>
-        <p:txBody>
-          <a:bodyPr>
-            <a:normAutofit/>
-          </a:bodyPr>
+        <p:spPr/>
+        <p:txBody>
+          <a:bodyPr/>
           <a:lstStyle/>
           <a:p>
             <a:r>
               <a:rPr lang="es-AR" dirty="0" smtClean="0"/>
-              <a:t>MOSIS WAFER ACCEPTANCE TESTS </a:t>
+              <a:t>Diseño flash</a:t>
             </a:r>
           </a:p>
           <a:p>
             <a:r>
               <a:rPr lang="es-AR" dirty="0" err="1" smtClean="0"/>
-              <a:t>Run</a:t>
+              <a:t>Frec</a:t>
             </a:r>
             <a:r>
               <a:rPr lang="es-AR" dirty="0" smtClean="0"/>
-              <a:t>: T96T (7RF_5LM_MA) </a:t>
-            </a:r>
-          </a:p>
-          <a:p>
+              <a:t> de operación: 100 </a:t>
+            </a:r>
             <a:r>
               <a:rPr lang="es-AR" dirty="0" err="1" smtClean="0"/>
-              <a:t>Vendor</a:t>
-            </a:r>
+              <a:t>Khz</a:t>
+            </a:r>
+            <a:endParaRPr lang="es-AR" dirty="0" smtClean="0"/>
+          </a:p>
+          <a:p>
             <a:r>
               <a:rPr lang="es-AR" dirty="0" smtClean="0"/>
-              <a:t>: IBM-BURLINGTON </a:t>
-            </a:r>
-          </a:p>
-          <a:p>
-            <a:r>
-              <a:rPr lang="es-AR" dirty="0" err="1" smtClean="0"/>
-              <a:t>Technology</a:t>
-            </a:r>
+              <a:t>Palabra de salida: 6 bits</a:t>
+            </a:r>
+          </a:p>
+          <a:p>
             <a:r>
               <a:rPr lang="es-AR" dirty="0" smtClean="0"/>
-              <a:t>: SCN018 </a:t>
-            </a:r>
-          </a:p>
-          <a:p>
-            <a:r>
-              <a:rPr lang="es-AR" dirty="0" err="1" smtClean="0"/>
-              <a:t>Feature</a:t>
-            </a:r>
-            <a:r>
-              <a:rPr lang="es-AR" dirty="0" smtClean="0"/>
-              <a:t> </a:t>
-            </a:r>
-            <a:r>
-              <a:rPr lang="es-AR" dirty="0" err="1" smtClean="0"/>
-              <a:t>size</a:t>
-            </a:r>
-            <a:r>
-              <a:rPr lang="es-AR" dirty="0" smtClean="0"/>
-              <a:t>: 0.18 </a:t>
-            </a:r>
-            <a:r>
-              <a:rPr lang="es-AR" dirty="0" err="1" smtClean="0"/>
-              <a:t>microns</a:t>
-            </a:r>
-            <a:r>
-              <a:rPr lang="es-AR" dirty="0" smtClean="0"/>
-              <a:t> </a:t>
-            </a:r>
-          </a:p>
-          <a:p>
-            <a:r>
-              <a:rPr lang="es-AR" dirty="0" err="1" smtClean="0"/>
-              <a:t>Run</a:t>
-            </a:r>
-            <a:r>
-              <a:rPr lang="es-AR" dirty="0" smtClean="0"/>
-              <a:t> </a:t>
-            </a:r>
-            <a:r>
-              <a:rPr lang="es-AR" dirty="0" err="1" smtClean="0"/>
-              <a:t>type</a:t>
-            </a:r>
-            <a:r>
-              <a:rPr lang="es-AR" dirty="0" smtClean="0"/>
-              <a:t>: SKD</a:t>
+              <a:t>&lt;ALGUNA BOLUDEZ MAS&gt;</a:t>
             </a:r>
             <a:endParaRPr lang="es-AR" dirty="0"/>
           </a:p>
         </p:txBody>
       </p:sp>
-      <p:pic>
-        <p:nvPicPr>
-          <p:cNvPr id="10" name="9 Marcador de contenido" descr="semiconductors_930x300.jpg"/>
-          <p:cNvPicPr>
-            <a:picLocks noGrp="1" noChangeAspect="1"/>
-          </p:cNvPicPr>
+      <p:graphicFrame>
+        <p:nvGraphicFramePr>
+          <p:cNvPr id="8" name="7 Marcador de contenido"/>
+          <p:cNvGraphicFramePr>
+            <a:graphicFrameLocks noGrp="1"/>
+          </p:cNvGraphicFramePr>
           <p:nvPr>
             <p:ph sz="half" idx="2"/>
           </p:nvPr>
-        </p:nvPicPr>
-        <p:blipFill>
-          <a:blip r:embed="rId2" cstate="print"/>
-          <a:stretch>
-            <a:fillRect/>
-          </a:stretch>
-        </p:blipFill>
-        <p:spPr>
-          <a:xfrm>
-            <a:off x="4643438" y="4377839"/>
-            <a:ext cx="4043362" cy="1304310"/>
-          </a:xfrm>
-        </p:spPr>
-      </p:pic>
-      <p:pic>
-        <p:nvPicPr>
-          <p:cNvPr id="13" name="12 Marcador de contenido" descr="ibm1.jpg"/>
-          <p:cNvPicPr>
-            <a:picLocks noGrp="1" noChangeAspect="1"/>
-          </p:cNvPicPr>
-          <p:nvPr>
-            <p:ph sz="half" idx="14"/>
-          </p:nvPr>
-        </p:nvPicPr>
-        <p:blipFill>
-          <a:blip r:embed="rId3" cstate="print"/>
-          <a:stretch>
-            <a:fillRect/>
-          </a:stretch>
-        </p:blipFill>
-        <p:spPr>
-          <a:xfrm>
-            <a:off x="6732588" y="1961956"/>
-            <a:ext cx="1952625" cy="1465651"/>
-          </a:xfrm>
-        </p:spPr>
-      </p:pic>
-      <p:pic>
-        <p:nvPicPr>
-          <p:cNvPr id="15" name="14 Marcador de contenido" descr="MOSIS-Figure3.gif"/>
-          <p:cNvPicPr>
-            <a:picLocks noGrp="1" noChangeAspect="1"/>
-          </p:cNvPicPr>
-          <p:nvPr>
-            <p:ph sz="half" idx="13"/>
-          </p:nvPr>
-        </p:nvPicPr>
-        <p:blipFill>
-          <a:blip r:embed="rId4" cstate="print"/>
-          <a:stretch>
-            <a:fillRect/>
-          </a:stretch>
-        </p:blipFill>
-        <p:spPr>
-          <a:xfrm>
-            <a:off x="4764440" y="1600200"/>
-            <a:ext cx="1702682" cy="2189163"/>
-          </a:xfrm>
-        </p:spPr>
-      </p:pic>
+        </p:nvGraphicFramePr>
+        <p:xfrm>
+          <a:off x="4648200" y="1773238"/>
+          <a:ext cx="4038600" cy="4624387"/>
+        </p:xfrm>
+        <a:graphic>
+          <a:graphicData uri="http://schemas.openxmlformats.org/drawingml/2006/diagram">
+            <dgm:relIds xmlns:dgm="http://schemas.openxmlformats.org/drawingml/2006/diagram" xmlns:r="http://schemas.openxmlformats.org/officeDocument/2006/relationships" r:dm="rId2" r:lo="rId3" r:qs="rId4" r:cs="rId5"/>
+          </a:graphicData>
+        </a:graphic>
+      </p:graphicFrame>
     </p:spTree>
   </p:cSld>
   <p:clrMapOvr>
     <a:masterClrMapping/>
   </p:clrMapOvr>
+  <p:transition>
+    <p:fade thruBlk="1"/>
+  </p:transition>
   <p:timing>
     <p:tnLst>
       <p:par>

--- a/Documentation/Documentacion/PRESENTACION_FABRI.pptx
+++ b/Documentation/Documentacion/PRESENTACION_FABRI.pptx
@@ -14866,7 +14866,6 @@
               <a:rPr lang="es-AR" dirty="0" smtClean="0"/>
               <a:t>SEE</a:t>
             </a:r>
-            <a:endParaRPr lang="es-AR" dirty="0" smtClean="0"/>
           </a:p>
           <a:p>
             <a:pPr lvl="1"/>
@@ -14879,11 +14878,7 @@
             <a:pPr lvl="1"/>
             <a:r>
               <a:rPr lang="es-AR" dirty="0" smtClean="0"/>
-              <a:t>Como se produce</a:t>
-            </a:r>
-            <a:r>
-              <a:rPr lang="es-AR" dirty="0" smtClean="0"/>
-              <a:t>?</a:t>
+              <a:t>Como se produce?</a:t>
             </a:r>
           </a:p>
           <a:p>
@@ -15029,11 +15024,7 @@
           <a:p>
             <a:r>
               <a:rPr lang="es-AR" dirty="0" smtClean="0"/>
-              <a:t>SEE: </a:t>
-            </a:r>
-            <a:r>
-              <a:rPr lang="es-AR" dirty="0" smtClean="0"/>
-              <a:t>Que es?</a:t>
+              <a:t>SEE: Que es?</a:t>
             </a:r>
             <a:endParaRPr lang="es-AR" dirty="0"/>
           </a:p>
@@ -15229,11 +15220,7 @@
           <a:p>
             <a:r>
               <a:rPr lang="es-AR" dirty="0" smtClean="0"/>
-              <a:t>SEE: </a:t>
-            </a:r>
-            <a:r>
-              <a:rPr lang="es-AR" dirty="0" smtClean="0"/>
-              <a:t>Como se produce?</a:t>
+              <a:t>SEE: Como se produce?</a:t>
             </a:r>
             <a:endParaRPr lang="es-AR" dirty="0"/>
           </a:p>
@@ -15735,7 +15722,7 @@
         </p:blipFill>
         <p:spPr bwMode="auto">
           <a:xfrm>
-            <a:off x="3563888" y="1556792"/>
+            <a:off x="3779912" y="1556792"/>
             <a:ext cx="5256584" cy="2808312"/>
           </a:xfrm>
           <a:prstGeom prst="rect">
@@ -15792,8 +15779,8 @@
         </p:blipFill>
         <p:spPr bwMode="auto">
           <a:xfrm>
-            <a:off x="167991" y="1556792"/>
-            <a:ext cx="3035857" cy="2448272"/>
+            <a:off x="6286723" y="4553744"/>
+            <a:ext cx="2857277" cy="2304256"/>
           </a:xfrm>
           <a:prstGeom prst="rect">
             <a:avLst/>
@@ -15807,25 +15794,6 @@
           </a:ln>
         </p:spPr>
       </p:pic>
-      <p:sp>
-        <p:nvSpPr>
-          <p:cNvPr id="7" name="6 Marcador de contenido"/>
-          <p:cNvSpPr>
-            <a:spLocks noGrp="1"/>
-          </p:cNvSpPr>
-          <p:nvPr>
-            <p:ph sz="half" idx="14"/>
-          </p:nvPr>
-        </p:nvSpPr>
-        <p:spPr/>
-        <p:txBody>
-          <a:bodyPr/>
-          <a:lstStyle/>
-          <a:p>
-            <a:endParaRPr lang="es-AR" dirty="0"/>
-          </a:p>
-        </p:txBody>
-      </p:sp>
       <p:pic>
         <p:nvPicPr>
           <p:cNvPr id="8" name="7 Imagen"/>
@@ -15834,15 +15802,15 @@
         </p:nvPicPr>
         <p:blipFill>
           <a:blip r:embed="rId4" cstate="print"/>
-          <a:srcRect/>
+          <a:srcRect t="3125"/>
           <a:stretch>
             <a:fillRect/>
           </a:stretch>
         </p:blipFill>
         <p:spPr bwMode="auto">
           <a:xfrm>
-            <a:off x="5292080" y="3861048"/>
-            <a:ext cx="3080989" cy="2724108"/>
+            <a:off x="3419872" y="4625752"/>
+            <a:ext cx="2736304" cy="2232248"/>
           </a:xfrm>
           <a:prstGeom prst="rect">
             <a:avLst/>
@@ -15854,6 +15822,32 @@
             <a:headEnd/>
             <a:tailEnd/>
           </a:ln>
+        </p:spPr>
+      </p:pic>
+      <p:pic>
+        <p:nvPicPr>
+          <p:cNvPr id="2050" name="Picture 2" descr="C:\Users\FABRICIO\Desktop\iStock_000002553581XSmall.jpg"/>
+          <p:cNvPicPr>
+            <a:picLocks noChangeAspect="1" noChangeArrowheads="1"/>
+          </p:cNvPicPr>
+          <p:nvPr/>
+        </p:nvPicPr>
+        <p:blipFill>
+          <a:blip r:embed="rId5" cstate="print"/>
+          <a:srcRect r="21541"/>
+          <a:stretch>
+            <a:fillRect/>
+          </a:stretch>
+        </p:blipFill>
+        <p:spPr bwMode="auto">
+          <a:xfrm>
+            <a:off x="0" y="1512168"/>
+            <a:ext cx="3419872" cy="5345832"/>
+          </a:xfrm>
+          <a:prstGeom prst="rect">
+            <a:avLst/>
+          </a:prstGeom>
+          <a:noFill/>
         </p:spPr>
       </p:pic>
     </p:spTree>
@@ -15930,8 +15924,174 @@
         </p:nvSpPr>
         <p:spPr>
           <a:xfrm>
-            <a:off x="457199" y="1600201"/>
-            <a:ext cx="3682753" cy="2215443"/>
+            <a:off x="251521" y="1628800"/>
+            <a:ext cx="3312368" cy="2520280"/>
+          </a:xfrm>
+        </p:spPr>
+        <p:txBody>
+          <a:bodyPr>
+            <a:normAutofit fontScale="77500" lnSpcReduction="20000"/>
+          </a:bodyPr>
+          <a:lstStyle/>
+          <a:p>
+            <a:r>
+              <a:rPr lang="en-US" dirty="0" err="1" smtClean="0"/>
+              <a:t>Ionización</a:t>
+            </a:r>
+            <a:r>
+              <a:rPr lang="en-US" dirty="0" smtClean="0"/>
+              <a:t> </a:t>
+            </a:r>
+            <a:r>
+              <a:rPr lang="en-US" dirty="0" err="1" smtClean="0"/>
+              <a:t>Directa</a:t>
+            </a:r>
+            <a:endParaRPr lang="en-US" dirty="0" smtClean="0"/>
+          </a:p>
+          <a:p>
+            <a:pPr lvl="1"/>
+            <a:r>
+              <a:rPr lang="en-US" dirty="0" err="1" smtClean="0"/>
+              <a:t>Iones</a:t>
+            </a:r>
+            <a:r>
+              <a:rPr lang="en-US" dirty="0" smtClean="0"/>
+              <a:t> </a:t>
+            </a:r>
+            <a:r>
+              <a:rPr lang="en-US" dirty="0" err="1" smtClean="0"/>
+              <a:t>Pesados</a:t>
+            </a:r>
+            <a:r>
+              <a:rPr lang="en-US" dirty="0" smtClean="0"/>
+              <a:t> (</a:t>
+            </a:r>
+            <a:r>
+              <a:rPr lang="en-US" dirty="0" err="1" smtClean="0"/>
+              <a:t>numero</a:t>
+            </a:r>
+            <a:r>
+              <a:rPr lang="en-US" dirty="0" smtClean="0"/>
+              <a:t> </a:t>
+            </a:r>
+            <a:r>
+              <a:rPr lang="en-US" dirty="0" err="1" smtClean="0"/>
+              <a:t>atomico</a:t>
+            </a:r>
+            <a:r>
+              <a:rPr lang="en-US" dirty="0" smtClean="0"/>
+              <a:t> mayor a 2).</a:t>
+            </a:r>
+          </a:p>
+          <a:p>
+            <a:r>
+              <a:rPr lang="en-US" dirty="0" err="1" smtClean="0"/>
+              <a:t>Ionización</a:t>
+            </a:r>
+            <a:r>
+              <a:rPr lang="en-US" dirty="0" smtClean="0"/>
+              <a:t> </a:t>
+            </a:r>
+            <a:r>
+              <a:rPr lang="en-US" dirty="0" err="1" smtClean="0"/>
+              <a:t>Indirecta</a:t>
+            </a:r>
+            <a:endParaRPr lang="en-US" dirty="0" smtClean="0"/>
+          </a:p>
+          <a:p>
+            <a:pPr lvl="1"/>
+            <a:r>
+              <a:rPr lang="en-US" dirty="0" err="1" smtClean="0"/>
+              <a:t>Particulas</a:t>
+            </a:r>
+            <a:r>
+              <a:rPr lang="en-US" dirty="0" smtClean="0"/>
+              <a:t> </a:t>
+            </a:r>
+            <a:r>
+              <a:rPr lang="en-US" dirty="0" err="1" smtClean="0"/>
+              <a:t>Ligeras</a:t>
+            </a:r>
+            <a:r>
+              <a:rPr lang="en-US" dirty="0" smtClean="0"/>
+              <a:t> (</a:t>
+            </a:r>
+            <a:r>
+              <a:rPr lang="en-US" dirty="0" err="1" smtClean="0"/>
+              <a:t>protones</a:t>
+            </a:r>
+            <a:r>
+              <a:rPr lang="en-US" dirty="0" smtClean="0"/>
+              <a:t>, </a:t>
+            </a:r>
+            <a:r>
+              <a:rPr lang="en-US" dirty="0" err="1" smtClean="0"/>
+              <a:t>electrones</a:t>
+            </a:r>
+            <a:r>
+              <a:rPr lang="en-US" dirty="0" smtClean="0"/>
+              <a:t>, </a:t>
+            </a:r>
+            <a:r>
+              <a:rPr lang="en-US" dirty="0" err="1" smtClean="0"/>
+              <a:t>neutrones</a:t>
+            </a:r>
+            <a:r>
+              <a:rPr lang="en-US" dirty="0" smtClean="0"/>
+              <a:t> o </a:t>
+            </a:r>
+            <a:r>
+              <a:rPr lang="en-US" dirty="0" err="1" smtClean="0"/>
+              <a:t>iones</a:t>
+            </a:r>
+            <a:r>
+              <a:rPr lang="en-US" dirty="0" smtClean="0"/>
+              <a:t>).</a:t>
+            </a:r>
+          </a:p>
+          <a:p>
+            <a:pPr lvl="1"/>
+            <a:r>
+              <a:rPr lang="en-US" dirty="0" err="1" smtClean="0"/>
+              <a:t>Desencadenamiento</a:t>
+            </a:r>
+            <a:r>
+              <a:rPr lang="en-US" dirty="0" smtClean="0"/>
+              <a:t> de </a:t>
+            </a:r>
+            <a:r>
+              <a:rPr lang="en-US" dirty="0" err="1" smtClean="0"/>
+              <a:t>reacciones</a:t>
+            </a:r>
+            <a:r>
+              <a:rPr lang="en-US" dirty="0" smtClean="0"/>
+              <a:t> </a:t>
+            </a:r>
+            <a:r>
+              <a:rPr lang="en-US" dirty="0" err="1" smtClean="0"/>
+              <a:t>nucleares</a:t>
+            </a:r>
+            <a:r>
+              <a:rPr lang="en-US" dirty="0" smtClean="0"/>
+              <a:t>.</a:t>
+            </a:r>
+          </a:p>
+        </p:txBody>
+      </p:sp>
+      <p:sp>
+        <p:nvSpPr>
+          <p:cNvPr id="4" name="3 Marcador de contenido"/>
+          <p:cNvSpPr>
+            <a:spLocks noGrp="1"/>
+          </p:cNvSpPr>
+          <p:nvPr>
+            <p:ph sz="half" idx="2"/>
+          </p:nvPr>
+        </p:nvSpPr>
+        <p:spPr>
+          <a:xfrm>
+            <a:off x="4139952" y="3933056"/>
+            <a:ext cx="5004048" cy="2736304"/>
           </a:xfrm>
         </p:spPr>
         <p:txBody>
@@ -15941,8 +16101,47 @@
           <a:lstStyle/>
           <a:p>
             <a:r>
+              <a:rPr lang="en-US" dirty="0" smtClean="0"/>
+              <a:t>Single Event Upset (SEU)</a:t>
+            </a:r>
+          </a:p>
+          <a:p>
+            <a:pPr lvl="1"/>
+            <a:r>
               <a:rPr lang="en-US" dirty="0" err="1" smtClean="0"/>
-              <a:t>Ionización</a:t>
+              <a:t>Transitorios</a:t>
+            </a:r>
+            <a:r>
+              <a:rPr lang="en-US" dirty="0" smtClean="0"/>
+              <a:t>, no </a:t>
+            </a:r>
+            <a:r>
+              <a:rPr lang="en-US" dirty="0" err="1" smtClean="0"/>
+              <a:t>destructivos</a:t>
+            </a:r>
+            <a:r>
+              <a:rPr lang="en-US" dirty="0" smtClean="0"/>
+              <a:t>.</a:t>
+            </a:r>
+          </a:p>
+          <a:p>
+            <a:pPr lvl="1"/>
+            <a:r>
+              <a:rPr lang="en-US" dirty="0" smtClean="0"/>
+              <a:t>MSB (Multiple Bits), SEFI (Functionality Interrupt).</a:t>
+            </a:r>
+          </a:p>
+          <a:p>
+            <a:r>
+              <a:rPr lang="en-US" dirty="0" smtClean="0"/>
+              <a:t>Single Event Latch-up (SEL)</a:t>
+            </a:r>
+          </a:p>
+          <a:p>
+            <a:pPr lvl="1"/>
+            <a:r>
+              <a:rPr lang="en-US" dirty="0" err="1" smtClean="0"/>
+              <a:t>Errores</a:t>
             </a:r>
             <a:r>
               <a:rPr lang="en-US" dirty="0" smtClean="0"/>
@@ -15950,15 +16149,15 @@
             </a:r>
             <a:r>
               <a:rPr lang="en-US" dirty="0" err="1" smtClean="0"/>
-              <a:t>Directa</a:t>
-            </a:r>
-            <a:endParaRPr lang="en-US" dirty="0" smtClean="0"/>
-          </a:p>
-          <a:p>
-            <a:pPr lvl="1"/>
+              <a:t>fisicos</a:t>
+            </a:r>
+            <a:r>
+              <a:rPr lang="en-US" dirty="0" smtClean="0"/>
+              <a:t>, </a:t>
+            </a:r>
             <a:r>
               <a:rPr lang="en-US" dirty="0" err="1" smtClean="0"/>
-              <a:t>Iones</a:t>
+              <a:t>potencialmente</a:t>
             </a:r>
             <a:r>
               <a:rPr lang="en-US" dirty="0" smtClean="0"/>
@@ -15966,244 +16165,17 @@
             </a:r>
             <a:r>
               <a:rPr lang="en-US" dirty="0" err="1" smtClean="0"/>
-              <a:t>Pesados</a:t>
-            </a:r>
-            <a:r>
-              <a:rPr lang="en-US" dirty="0" smtClean="0"/>
-              <a:t> (</a:t>
-            </a:r>
-            <a:r>
-              <a:rPr lang="en-US" dirty="0" err="1" smtClean="0"/>
-              <a:t>numero</a:t>
-            </a:r>
-            <a:r>
-              <a:rPr lang="en-US" dirty="0" smtClean="0"/>
-              <a:t> </a:t>
-            </a:r>
-            <a:r>
-              <a:rPr lang="en-US" dirty="0" err="1" smtClean="0"/>
-              <a:t>atomico</a:t>
-            </a:r>
-            <a:r>
-              <a:rPr lang="en-US" dirty="0" smtClean="0"/>
-              <a:t> mayor a 2).</a:t>
-            </a:r>
-          </a:p>
-          <a:p>
-            <a:r>
-              <a:rPr lang="en-US" dirty="0" err="1" smtClean="0"/>
-              <a:t>Ionización</a:t>
-            </a:r>
-            <a:r>
-              <a:rPr lang="en-US" dirty="0" smtClean="0"/>
-              <a:t> </a:t>
-            </a:r>
-            <a:r>
-              <a:rPr lang="en-US" dirty="0" err="1" smtClean="0"/>
-              <a:t>Indirecta</a:t>
-            </a:r>
-            <a:endParaRPr lang="en-US" dirty="0" smtClean="0"/>
-          </a:p>
-          <a:p>
-            <a:pPr lvl="1"/>
-            <a:r>
-              <a:rPr lang="en-US" dirty="0" err="1" smtClean="0"/>
-              <a:t>Particulas</a:t>
-            </a:r>
-            <a:r>
-              <a:rPr lang="en-US" dirty="0" smtClean="0"/>
-              <a:t> </a:t>
-            </a:r>
-            <a:r>
-              <a:rPr lang="en-US" dirty="0" err="1" smtClean="0"/>
-              <a:t>Ligeras</a:t>
-            </a:r>
-            <a:r>
-              <a:rPr lang="en-US" dirty="0" smtClean="0"/>
-              <a:t> (</a:t>
-            </a:r>
-            <a:r>
-              <a:rPr lang="en-US" dirty="0" err="1" smtClean="0"/>
-              <a:t>protones</a:t>
-            </a:r>
-            <a:r>
-              <a:rPr lang="en-US" dirty="0" smtClean="0"/>
-              <a:t>, </a:t>
-            </a:r>
-            <a:r>
-              <a:rPr lang="en-US" dirty="0" err="1" smtClean="0"/>
-              <a:t>electrones</a:t>
-            </a:r>
-            <a:r>
-              <a:rPr lang="en-US" dirty="0" smtClean="0"/>
-              <a:t>, </a:t>
-            </a:r>
-            <a:r>
-              <a:rPr lang="en-US" dirty="0" err="1" smtClean="0"/>
-              <a:t>neutrones</a:t>
-            </a:r>
-            <a:r>
-              <a:rPr lang="en-US" dirty="0" smtClean="0"/>
-              <a:t> o </a:t>
-            </a:r>
-            <a:r>
-              <a:rPr lang="en-US" dirty="0" err="1" smtClean="0"/>
-              <a:t>iones</a:t>
-            </a:r>
-            <a:r>
-              <a:rPr lang="en-US" dirty="0" smtClean="0"/>
-              <a:t>).</a:t>
-            </a:r>
-          </a:p>
-          <a:p>
-            <a:pPr lvl="1"/>
-            <a:r>
-              <a:rPr lang="en-US" dirty="0" err="1" smtClean="0"/>
-              <a:t>Desencadenamiento</a:t>
-            </a:r>
-            <a:r>
-              <a:rPr lang="en-US" dirty="0" smtClean="0"/>
-              <a:t> de </a:t>
-            </a:r>
-            <a:r>
-              <a:rPr lang="en-US" dirty="0" err="1" smtClean="0"/>
-              <a:t>reacciones</a:t>
-            </a:r>
-            <a:r>
-              <a:rPr lang="en-US" dirty="0" smtClean="0"/>
-              <a:t> </a:t>
-            </a:r>
-            <a:r>
-              <a:rPr lang="en-US" dirty="0" err="1" smtClean="0"/>
-              <a:t>nucleares</a:t>
+              <a:t>destructivos</a:t>
             </a:r>
             <a:r>
               <a:rPr lang="en-US" dirty="0" smtClean="0"/>
               <a:t>.</a:t>
             </a:r>
           </a:p>
-        </p:txBody>
-      </p:sp>
-      <p:sp>
-        <p:nvSpPr>
-          <p:cNvPr id="4" name="3 Marcador de contenido"/>
-          <p:cNvSpPr>
-            <a:spLocks noGrp="1"/>
-          </p:cNvSpPr>
-          <p:nvPr>
-            <p:ph sz="half" idx="2"/>
-          </p:nvPr>
-        </p:nvSpPr>
-        <p:spPr>
-          <a:xfrm>
-            <a:off x="395536" y="3933056"/>
-            <a:ext cx="8291264" cy="2193107"/>
-          </a:xfrm>
-        </p:spPr>
-        <p:txBody>
-          <a:bodyPr>
-            <a:normAutofit fontScale="70000" lnSpcReduction="20000"/>
-          </a:bodyPr>
-          <a:lstStyle/>
           <a:p>
             <a:r>
               <a:rPr lang="en-US" dirty="0" smtClean="0"/>
-              <a:t>Single Event Upset (SEU</a:t>
-            </a:r>
-            <a:r>
-              <a:rPr lang="en-US" dirty="0" smtClean="0"/>
-              <a:t>)</a:t>
-            </a:r>
-          </a:p>
-          <a:p>
-            <a:pPr lvl="1"/>
-            <a:r>
-              <a:rPr lang="en-US" dirty="0" err="1" smtClean="0"/>
-              <a:t>Transitorios</a:t>
-            </a:r>
-            <a:r>
-              <a:rPr lang="en-US" dirty="0" smtClean="0"/>
-              <a:t>, no </a:t>
-            </a:r>
-            <a:r>
-              <a:rPr lang="en-US" dirty="0" err="1" smtClean="0"/>
-              <a:t>destructivos</a:t>
-            </a:r>
-            <a:r>
-              <a:rPr lang="en-US" dirty="0" smtClean="0"/>
-              <a:t>.</a:t>
-            </a:r>
-          </a:p>
-          <a:p>
-            <a:pPr lvl="1"/>
-            <a:r>
-              <a:rPr lang="en-US" dirty="0" smtClean="0"/>
-              <a:t>MSB (Multiple Bits), SEFI (Functionality Interrupt).</a:t>
-            </a:r>
-            <a:endParaRPr lang="en-US" dirty="0" smtClean="0"/>
-          </a:p>
-          <a:p>
-            <a:r>
-              <a:rPr lang="en-US" dirty="0" smtClean="0"/>
-              <a:t>Single Event </a:t>
-            </a:r>
-            <a:r>
-              <a:rPr lang="en-US" dirty="0" smtClean="0"/>
-              <a:t>Latch-up </a:t>
-            </a:r>
-            <a:r>
-              <a:rPr lang="en-US" dirty="0" smtClean="0"/>
-              <a:t>(SEL</a:t>
-            </a:r>
-            <a:r>
-              <a:rPr lang="en-US" dirty="0" smtClean="0"/>
-              <a:t>)</a:t>
-            </a:r>
-          </a:p>
-          <a:p>
-            <a:pPr lvl="1"/>
-            <a:r>
-              <a:rPr lang="en-US" dirty="0" err="1" smtClean="0"/>
-              <a:t>Errores</a:t>
-            </a:r>
-            <a:r>
-              <a:rPr lang="en-US" dirty="0" smtClean="0"/>
-              <a:t> </a:t>
-            </a:r>
-            <a:r>
-              <a:rPr lang="en-US" dirty="0" err="1" smtClean="0"/>
-              <a:t>fisicos</a:t>
-            </a:r>
-            <a:r>
-              <a:rPr lang="en-US" dirty="0" smtClean="0"/>
-              <a:t>, </a:t>
-            </a:r>
-            <a:r>
-              <a:rPr lang="en-US" dirty="0" err="1" smtClean="0"/>
-              <a:t>potencialmente</a:t>
-            </a:r>
-            <a:r>
-              <a:rPr lang="en-US" dirty="0" smtClean="0"/>
-              <a:t> </a:t>
-            </a:r>
-            <a:r>
-              <a:rPr lang="en-US" dirty="0" err="1" smtClean="0"/>
-              <a:t>destructivos</a:t>
-            </a:r>
-            <a:r>
-              <a:rPr lang="en-US" dirty="0" smtClean="0"/>
-              <a:t>.</a:t>
-            </a:r>
-            <a:endParaRPr lang="en-US" dirty="0" smtClean="0"/>
-          </a:p>
-          <a:p>
-            <a:r>
-              <a:rPr lang="en-US" dirty="0" smtClean="0"/>
-              <a:t>Single Event Burnout (SEB</a:t>
-            </a:r>
-            <a:r>
-              <a:rPr lang="en-US" dirty="0" smtClean="0"/>
-              <a:t>)</a:t>
+              <a:t>Single Event Burnout (SEB)</a:t>
             </a:r>
           </a:p>
           <a:p>
@@ -16276,8 +16248,63 @@
         </p:blipFill>
         <p:spPr bwMode="auto">
           <a:xfrm>
-            <a:off x="4139952" y="1556792"/>
-            <a:ext cx="4824536" cy="1981362"/>
+            <a:off x="3776399" y="1628800"/>
+            <a:ext cx="5260097" cy="2160240"/>
+          </a:xfrm>
+          <a:prstGeom prst="rect">
+            <a:avLst/>
+          </a:prstGeom>
+          <a:solidFill>
+            <a:srgbClr val="FFFFFF">
+              <a:shade val="85000"/>
+            </a:srgbClr>
+          </a:solidFill>
+          <a:ln w="88900" cap="sq">
+            <a:solidFill>
+              <a:srgbClr val="FFFFFF"/>
+            </a:solidFill>
+            <a:miter lim="800000"/>
+          </a:ln>
+          <a:effectLst>
+            <a:outerShdw blurRad="55000" dist="18000" dir="5400000" algn="tl" rotWithShape="0">
+              <a:srgbClr val="000000">
+                <a:alpha val="40000"/>
+              </a:srgbClr>
+            </a:outerShdw>
+          </a:effectLst>
+          <a:scene3d>
+            <a:camera prst="orthographicFront"/>
+            <a:lightRig rig="twoPt" dir="t">
+              <a:rot lat="0" lon="0" rev="7200000"/>
+            </a:lightRig>
+          </a:scene3d>
+          <a:sp3d>
+            <a:bevelT w="25400" h="19050"/>
+            <a:contourClr>
+              <a:srgbClr val="FFFFFF"/>
+            </a:contourClr>
+          </a:sp3d>
+        </p:spPr>
+      </p:pic>
+      <p:pic>
+        <p:nvPicPr>
+          <p:cNvPr id="1026" name="Picture 2" descr="C:\Users\FABRICIO\Desktop\protons_from_space.png"/>
+          <p:cNvPicPr>
+            <a:picLocks noChangeAspect="1" noChangeArrowheads="1"/>
+          </p:cNvPicPr>
+          <p:nvPr/>
+        </p:nvPicPr>
+        <p:blipFill>
+          <a:blip r:embed="rId3" cstate="print"/>
+          <a:srcRect/>
+          <a:stretch>
+            <a:fillRect/>
+          </a:stretch>
+        </p:blipFill>
+        <p:spPr bwMode="auto">
+          <a:xfrm>
+            <a:off x="179512" y="4509120"/>
+            <a:ext cx="3619500" cy="2162175"/>
           </a:xfrm>
           <a:prstGeom prst="rect">
             <a:avLst/>
@@ -16366,11 +16393,7 @@
           <a:p>
             <a:r>
               <a:rPr lang="es-AR" dirty="0" smtClean="0"/>
-              <a:t>ASET: </a:t>
-            </a:r>
-            <a:r>
-              <a:rPr lang="es-AR" dirty="0" smtClean="0"/>
-              <a:t>Porque el análisis?</a:t>
+              <a:t>ASET: Porque el análisis?</a:t>
             </a:r>
             <a:endParaRPr lang="es-AR" dirty="0"/>
           </a:p>
@@ -16388,8 +16411,8 @@
         </p:nvSpPr>
         <p:spPr>
           <a:xfrm>
-            <a:off x="457199" y="1600201"/>
-            <a:ext cx="8147249" cy="1468759"/>
+            <a:off x="179513" y="1600201"/>
+            <a:ext cx="5400600" cy="2116831"/>
           </a:xfrm>
         </p:spPr>
         <p:txBody>
@@ -16422,7 +16445,7 @@
       </p:sp>
       <p:pic>
         <p:nvPicPr>
-          <p:cNvPr id="3075" name="Picture 3" descr="C:\Users\FABRICIO\Desktop\iStock_000002553581XSmall.jpg"/>
+          <p:cNvPr id="3074" name="Picture 2" descr="C:\Users\FABRICIO\Desktop\composite3.jpg"/>
           <p:cNvPicPr>
             <a:picLocks noChangeAspect="1" noChangeArrowheads="1"/>
           </p:cNvPicPr>
@@ -16437,39 +16460,106 @@
         </p:blipFill>
         <p:spPr bwMode="auto">
           <a:xfrm>
-            <a:off x="0" y="3545631"/>
-            <a:ext cx="4416495" cy="3312369"/>
+            <a:off x="251520" y="3861048"/>
+            <a:ext cx="5044430" cy="2875519"/>
           </a:xfrm>
           <a:prstGeom prst="rect">
             <a:avLst/>
           </a:prstGeom>
-          <a:noFill/>
+          <a:solidFill>
+            <a:srgbClr val="FFFFFF">
+              <a:shade val="85000"/>
+            </a:srgbClr>
+          </a:solidFill>
+          <a:ln w="88900" cap="sq">
+            <a:solidFill>
+              <a:srgbClr val="FFFFFF"/>
+            </a:solidFill>
+            <a:miter lim="800000"/>
+          </a:ln>
+          <a:effectLst>
+            <a:outerShdw blurRad="55000" dist="18000" dir="5400000" algn="tl" rotWithShape="0">
+              <a:srgbClr val="000000">
+                <a:alpha val="40000"/>
+              </a:srgbClr>
+            </a:outerShdw>
+          </a:effectLst>
+          <a:scene3d>
+            <a:camera prst="orthographicFront"/>
+            <a:lightRig rig="twoPt" dir="t">
+              <a:rot lat="0" lon="0" rev="7200000"/>
+            </a:lightRig>
+          </a:scene3d>
+          <a:sp3d>
+            <a:bevelT w="25400" h="19050"/>
+            <a:contourClr>
+              <a:srgbClr val="FFFFFF"/>
+            </a:contourClr>
+          </a:sp3d>
         </p:spPr>
       </p:pic>
-      <p:sp>
-        <p:nvSpPr>
-          <p:cNvPr id="6" name="5 Marcador de contenido"/>
-          <p:cNvSpPr>
-            <a:spLocks noGrp="1"/>
-          </p:cNvSpPr>
-          <p:nvPr>
-            <p:ph sz="half" idx="14"/>
-          </p:nvPr>
-        </p:nvSpPr>
-        <p:spPr>
+      <p:pic>
+        <p:nvPicPr>
+          <p:cNvPr id="2" name="Picture 3" descr="C:\Users\FABRICIO\Desktop\smartgrid.jpg"/>
+          <p:cNvPicPr>
+            <a:picLocks noChangeAspect="1" noChangeArrowheads="1"/>
+          </p:cNvPicPr>
+          <p:nvPr/>
+        </p:nvPicPr>
+        <p:blipFill>
+          <a:blip r:embed="rId3" cstate="print"/>
+          <a:srcRect/>
+          <a:stretch>
+            <a:fillRect/>
+          </a:stretch>
+        </p:blipFill>
+        <p:spPr bwMode="auto">
           <a:xfrm>
-            <a:off x="4644008" y="3933056"/>
-            <a:ext cx="4042792" cy="2188839"/>
+            <a:off x="5652120" y="1626045"/>
+            <a:ext cx="3419872" cy="2162995"/>
           </a:xfrm>
+          <a:prstGeom prst="rect">
+            <a:avLst/>
+          </a:prstGeom>
+          <a:ln>
+            <a:noFill/>
+          </a:ln>
+          <a:effectLst>
+            <a:softEdge rad="112500"/>
+          </a:effectLst>
         </p:spPr>
-        <p:txBody>
-          <a:bodyPr/>
-          <a:lstStyle/>
-          <a:p>
-            <a:endParaRPr lang="es-AR"/>
-          </a:p>
-        </p:txBody>
-      </p:sp>
+      </p:pic>
+      <p:pic>
+        <p:nvPicPr>
+          <p:cNvPr id="3076" name="Picture 4" descr="C:\Users\FABRICIO\Desktop\satelite.jpg"/>
+          <p:cNvPicPr>
+            <a:picLocks noChangeAspect="1" noChangeArrowheads="1"/>
+          </p:cNvPicPr>
+          <p:nvPr/>
+        </p:nvPicPr>
+        <p:blipFill>
+          <a:blip r:embed="rId4" cstate="print"/>
+          <a:srcRect/>
+          <a:stretch>
+            <a:fillRect/>
+          </a:stretch>
+        </p:blipFill>
+        <p:spPr bwMode="auto">
+          <a:xfrm>
+            <a:off x="5652120" y="3933056"/>
+            <a:ext cx="3419872" cy="2742475"/>
+          </a:xfrm>
+          <a:prstGeom prst="rect">
+            <a:avLst/>
+          </a:prstGeom>
+          <a:ln>
+            <a:noFill/>
+          </a:ln>
+          <a:effectLst>
+            <a:softEdge rad="112500"/>
+          </a:effectLst>
+        </p:spPr>
+      </p:pic>
     </p:spTree>
   </p:cSld>
   <p:clrMapOvr>
@@ -16540,8 +16630,8 @@
         </p:nvSpPr>
         <p:spPr>
           <a:xfrm>
-            <a:off x="457199" y="1600201"/>
-            <a:ext cx="5842993" cy="2044823"/>
+            <a:off x="251521" y="1600201"/>
+            <a:ext cx="5832648" cy="2044823"/>
           </a:xfrm>
         </p:spPr>
         <p:txBody>
@@ -16762,8 +16852,8 @@
         </p:blipFill>
         <p:spPr bwMode="auto">
           <a:xfrm>
-            <a:off x="6300192" y="1484784"/>
-            <a:ext cx="2843808" cy="2423397"/>
+            <a:off x="6012160" y="1556792"/>
+            <a:ext cx="2987824" cy="2423397"/>
           </a:xfrm>
           <a:prstGeom prst="rect">
             <a:avLst/>

--- a/Documentation/Documentacion/PRESENTACION_FABRI.pptx
+++ b/Documentation/Documentacion/PRESENTACION_FABRI.pptx
@@ -15754,7 +15754,7 @@
             <a:fld id="{C4912EAB-2DF2-4EA7-9A3C-081666E7F61D}" type="datetimeFigureOut">
               <a:rPr lang="es-AR" smtClean="0"/>
               <a:pPr/>
-              <a:t>31/08/2010</a:t>
+              <a:t>01/09/2010</a:t>
             </a:fld>
             <a:endParaRPr lang="es-AR"/>
           </a:p>
@@ -15916,7 +15916,7 @@
             <a:fld id="{320C0146-0920-4890-94B5-4EE8DB66AAB2}" type="datetimeFigureOut">
               <a:rPr lang="es-AR" smtClean="0"/>
               <a:pPr/>
-              <a:t>31/08/2010</a:t>
+              <a:t>01/09/2010</a:t>
             </a:fld>
             <a:endParaRPr lang="es-AR"/>
           </a:p>
@@ -16513,7 +16513,7 @@
             <a:fld id="{7396B977-6251-41DE-9CF2-59811A3624F8}" type="datetimeFigureOut">
               <a:rPr lang="es-AR" smtClean="0"/>
               <a:pPr/>
-              <a:t>31/08/2010</a:t>
+              <a:t>01/09/2010</a:t>
             </a:fld>
             <a:endParaRPr lang="es-AR"/>
           </a:p>
@@ -16741,7 +16741,7 @@
             <a:fld id="{7396B977-6251-41DE-9CF2-59811A3624F8}" type="datetimeFigureOut">
               <a:rPr lang="es-AR" smtClean="0"/>
               <a:pPr/>
-              <a:t>31/08/2010</a:t>
+              <a:t>01/09/2010</a:t>
             </a:fld>
             <a:endParaRPr lang="es-AR"/>
           </a:p>
@@ -17026,7 +17026,7 @@
             <a:fld id="{7396B977-6251-41DE-9CF2-59811A3624F8}" type="datetimeFigureOut">
               <a:rPr lang="es-AR" smtClean="0"/>
               <a:pPr/>
-              <a:t>31/08/2010</a:t>
+              <a:t>01/09/2010</a:t>
             </a:fld>
             <a:endParaRPr lang="es-AR"/>
           </a:p>
@@ -17329,7 +17329,7 @@
             <a:fld id="{7396B977-6251-41DE-9CF2-59811A3624F8}" type="datetimeFigureOut">
               <a:rPr lang="es-AR" smtClean="0"/>
               <a:pPr/>
-              <a:t>31/08/2010</a:t>
+              <a:t>01/09/2010</a:t>
             </a:fld>
             <a:endParaRPr lang="es-AR"/>
           </a:p>
@@ -17637,7 +17637,7 @@
             <a:fld id="{7396B977-6251-41DE-9CF2-59811A3624F8}" type="datetimeFigureOut">
               <a:rPr lang="es-AR" smtClean="0"/>
               <a:pPr/>
-              <a:t>31/08/2010</a:t>
+              <a:t>01/09/2010</a:t>
             </a:fld>
             <a:endParaRPr lang="es-AR"/>
           </a:p>
@@ -18115,7 +18115,7 @@
             <a:fld id="{7396B977-6251-41DE-9CF2-59811A3624F8}" type="datetimeFigureOut">
               <a:rPr lang="es-AR" smtClean="0"/>
               <a:pPr/>
-              <a:t>31/08/2010</a:t>
+              <a:t>01/09/2010</a:t>
             </a:fld>
             <a:endParaRPr lang="es-AR"/>
           </a:p>
@@ -18508,7 +18508,7 @@
             <a:fld id="{7396B977-6251-41DE-9CF2-59811A3624F8}" type="datetimeFigureOut">
               <a:rPr lang="es-AR" smtClean="0"/>
               <a:pPr/>
-              <a:t>31/08/2010</a:t>
+              <a:t>01/09/2010</a:t>
             </a:fld>
             <a:endParaRPr lang="es-AR"/>
           </a:p>
@@ -18901,7 +18901,7 @@
             <a:fld id="{7396B977-6251-41DE-9CF2-59811A3624F8}" type="datetimeFigureOut">
               <a:rPr lang="es-AR" smtClean="0"/>
               <a:pPr/>
-              <a:t>31/08/2010</a:t>
+              <a:t>01/09/2010</a:t>
             </a:fld>
             <a:endParaRPr lang="es-AR"/>
           </a:p>
@@ -19379,7 +19379,7 @@
             <a:fld id="{7396B977-6251-41DE-9CF2-59811A3624F8}" type="datetimeFigureOut">
               <a:rPr lang="es-AR" smtClean="0"/>
               <a:pPr/>
-              <a:t>31/08/2010</a:t>
+              <a:t>01/09/2010</a:t>
             </a:fld>
             <a:endParaRPr lang="es-AR"/>
           </a:p>
@@ -19687,7 +19687,7 @@
             <a:fld id="{7396B977-6251-41DE-9CF2-59811A3624F8}" type="datetimeFigureOut">
               <a:rPr lang="es-AR" smtClean="0"/>
               <a:pPr/>
-              <a:t>31/08/2010</a:t>
+              <a:t>01/09/2010</a:t>
             </a:fld>
             <a:endParaRPr lang="es-AR"/>
           </a:p>
@@ -20046,7 +20046,7 @@
             <a:fld id="{7396B977-6251-41DE-9CF2-59811A3624F8}" type="datetimeFigureOut">
               <a:rPr lang="es-AR" smtClean="0"/>
               <a:pPr/>
-              <a:t>31/08/2010</a:t>
+              <a:t>01/09/2010</a:t>
             </a:fld>
             <a:endParaRPr lang="es-AR"/>
           </a:p>
@@ -20409,7 +20409,7 @@
             <a:fld id="{7396B977-6251-41DE-9CF2-59811A3624F8}" type="datetimeFigureOut">
               <a:rPr lang="es-AR" smtClean="0"/>
               <a:pPr/>
-              <a:t>31/08/2010</a:t>
+              <a:t>01/09/2010</a:t>
             </a:fld>
             <a:endParaRPr lang="es-AR"/>
           </a:p>
@@ -20701,7 +20701,7 @@
             <a:fld id="{7396B977-6251-41DE-9CF2-59811A3624F8}" type="datetimeFigureOut">
               <a:rPr lang="es-AR" smtClean="0"/>
               <a:pPr/>
-              <a:t>31/08/2010</a:t>
+              <a:t>01/09/2010</a:t>
             </a:fld>
             <a:endParaRPr lang="es-AR"/>
           </a:p>
@@ -21128,7 +21128,7 @@
             <a:fld id="{7396B977-6251-41DE-9CF2-59811A3624F8}" type="datetimeFigureOut">
               <a:rPr lang="es-AR" smtClean="0"/>
               <a:pPr/>
-              <a:t>31/08/2010</a:t>
+              <a:t>01/09/2010</a:t>
             </a:fld>
             <a:endParaRPr lang="es-AR"/>
           </a:p>
@@ -21248,7 +21248,7 @@
             <a:fld id="{7396B977-6251-41DE-9CF2-59811A3624F8}" type="datetimeFigureOut">
               <a:rPr lang="es-AR" smtClean="0"/>
               <a:pPr/>
-              <a:t>31/08/2010</a:t>
+              <a:t>01/09/2010</a:t>
             </a:fld>
             <a:endParaRPr lang="es-AR"/>
           </a:p>
@@ -21343,7 +21343,7 @@
             <a:fld id="{7396B977-6251-41DE-9CF2-59811A3624F8}" type="datetimeFigureOut">
               <a:rPr lang="es-AR" smtClean="0"/>
               <a:pPr/>
-              <a:t>31/08/2010</a:t>
+              <a:t>01/09/2010</a:t>
             </a:fld>
             <a:endParaRPr lang="es-AR"/>
           </a:p>
@@ -21626,7 +21626,7 @@
             <a:fld id="{7396B977-6251-41DE-9CF2-59811A3624F8}" type="datetimeFigureOut">
               <a:rPr lang="es-AR" smtClean="0"/>
               <a:pPr/>
-              <a:t>31/08/2010</a:t>
+              <a:t>01/09/2010</a:t>
             </a:fld>
             <a:endParaRPr lang="es-AR"/>
           </a:p>
@@ -21997,7 +21997,7 @@
             <a:fld id="{7396B977-6251-41DE-9CF2-59811A3624F8}" type="datetimeFigureOut">
               <a:rPr lang="es-AR" smtClean="0"/>
               <a:pPr/>
-              <a:t>31/08/2010</a:t>
+              <a:t>01/09/2010</a:t>
             </a:fld>
             <a:endParaRPr lang="es-AR"/>
           </a:p>
@@ -22439,7 +22439,7 @@
             <a:fld id="{7396B977-6251-41DE-9CF2-59811A3624F8}" type="datetimeFigureOut">
               <a:rPr lang="es-AR" smtClean="0"/>
               <a:pPr/>
-              <a:t>31/08/2010</a:t>
+              <a:t>01/09/2010</a:t>
             </a:fld>
             <a:endParaRPr lang="es-AR"/>
           </a:p>
@@ -22993,11 +22993,7 @@
           <a:p>
             <a:r>
               <a:rPr lang="es-AR" dirty="0" smtClean="0"/>
-              <a:t>DISEÑO: </a:t>
-            </a:r>
-            <a:r>
-              <a:rPr lang="es-AR" dirty="0" smtClean="0"/>
-              <a:t>Comparador</a:t>
+              <a:t>DISEÑO: Comparador</a:t>
             </a:r>
             <a:endParaRPr lang="es-AR" dirty="0"/>
           </a:p>
@@ -23071,30 +23067,14 @@
             </a:r>
             <a:r>
               <a:rPr lang="en-US" dirty="0" smtClean="0"/>
-              <a:t> &gt; 24.500</a:t>
-            </a:r>
+              <a:t> &gt; 24.500. </a:t>
+            </a:r>
+          </a:p>
+          <a:p>
+            <a:pPr lvl="1"/>
             <a:r>
               <a:rPr lang="en-US" dirty="0" smtClean="0"/>
-              <a:t>.</a:t>
-            </a:r>
-            <a:r>
-              <a:rPr lang="en-US" dirty="0" smtClean="0"/>
-              <a:t> </a:t>
-            </a:r>
-          </a:p>
-          <a:p>
-            <a:pPr lvl="1"/>
-            <a:r>
-              <a:rPr lang="en-US" dirty="0" smtClean="0"/>
-              <a:t>Corrientes de </a:t>
-            </a:r>
-            <a:r>
-              <a:rPr lang="en-US" dirty="0" smtClean="0"/>
-              <a:t>Bias: </a:t>
-            </a:r>
-            <a:r>
-              <a:rPr lang="en-US" dirty="0" smtClean="0"/>
-              <a:t>105uA.</a:t>
+              <a:t>Corrientes de Bias: 105uA.</a:t>
             </a:r>
           </a:p>
           <a:p>
@@ -23123,21 +23103,12 @@
               <a:rPr lang="en-US" dirty="0" smtClean="0"/>
               <a:t>: 1.05mA.</a:t>
             </a:r>
-            <a:endParaRPr lang="en-US" dirty="0" smtClean="0"/>
           </a:p>
           <a:p>
             <a:pPr lvl="1"/>
             <a:r>
               <a:rPr lang="en-US" dirty="0" smtClean="0"/>
-              <a:t>Tension de </a:t>
-            </a:r>
-            <a:r>
-              <a:rPr lang="en-US" dirty="0" smtClean="0"/>
-              <a:t>Bias: 1V</a:t>
-            </a:r>
-            <a:r>
-              <a:rPr lang="en-US" dirty="0" smtClean="0"/>
-              <a:t>.</a:t>
+              <a:t>Tension de Bias: 1V.</a:t>
             </a:r>
           </a:p>
           <a:p>
@@ -23158,7 +23129,6 @@
               <a:rPr lang="en-US" dirty="0" smtClean="0"/>
               <a:t>: </a:t>
             </a:r>
-            <a:endParaRPr lang="en-US" dirty="0" smtClean="0"/>
           </a:p>
           <a:p>
             <a:pPr lvl="1" algn="ctr">
@@ -23166,11 +23136,7 @@
             </a:pPr>
             <a:r>
               <a:rPr lang="en-US" dirty="0" smtClean="0"/>
-              <a:t>1V </a:t>
-            </a:r>
-            <a:r>
-              <a:rPr lang="en-US" dirty="0" smtClean="0"/>
-              <a:t>&lt; </a:t>
+              <a:t>1V &lt; </a:t>
             </a:r>
             <a:r>
               <a:rPr lang="en-US" dirty="0" err="1" smtClean="0"/>
@@ -23261,7 +23227,6 @@
               <a:rPr lang="en-US" dirty="0" smtClean="0"/>
               <a:t> </a:t>
             </a:r>
-            <a:endParaRPr lang="en-US" dirty="0" smtClean="0"/>
           </a:p>
           <a:p>
             <a:pPr lvl="1" algn="ctr">
@@ -23273,17 +23238,8 @@
             </a:r>
             <a:r>
               <a:rPr lang="en-US" dirty="0" smtClean="0"/>
-              <a:t> </a:t>
-            </a:r>
-            <a:r>
-              <a:rPr lang="en-US" dirty="0" smtClean="0"/>
-              <a:t>&lt; 3.5uS</a:t>
-            </a:r>
-            <a:r>
-              <a:rPr lang="en-US" dirty="0" smtClean="0"/>
-              <a:t>.</a:t>
-            </a:r>
-            <a:endParaRPr lang="en-US" dirty="0" smtClean="0"/>
+              <a:t> &lt; 3.5uS.</a:t>
+            </a:r>
           </a:p>
           <a:p>
             <a:pPr lvl="1"/>
@@ -23301,11 +23257,7 @@
             </a:r>
             <a:r>
               <a:rPr lang="en-US" dirty="0" smtClean="0"/>
-              <a:t>  </a:t>
-            </a:r>
-            <a:r>
-              <a:rPr lang="en-US" dirty="0" smtClean="0"/>
-              <a:t>entre:</a:t>
+              <a:t>  entre:</a:t>
             </a:r>
           </a:p>
           <a:p>
@@ -23314,11 +23266,7 @@
             </a:pPr>
             <a:r>
               <a:rPr lang="en-US" dirty="0" smtClean="0"/>
-              <a:t>-</a:t>
-            </a:r>
-            <a:r>
-              <a:rPr lang="en-US" dirty="0" smtClean="0"/>
-              <a:t>0.1mV y 0.2mV</a:t>
+              <a:t>-0.1mV y 0.2mV</a:t>
             </a:r>
           </a:p>
           <a:p>
@@ -23624,11 +23572,7 @@
           <a:p>
             <a:r>
               <a:rPr lang="es-AR" dirty="0" smtClean="0"/>
-              <a:t>DISEÑO: </a:t>
-            </a:r>
-            <a:r>
-              <a:rPr lang="es-AR" dirty="0" smtClean="0"/>
-              <a:t>Compuertas</a:t>
+              <a:t>DISEÑO: Compuertas</a:t>
             </a:r>
             <a:endParaRPr lang="es-AR" dirty="0"/>
           </a:p>
@@ -23665,27 +23609,7 @@
             <a:pPr lvl="1"/>
             <a:r>
               <a:rPr lang="es-AR" dirty="0" smtClean="0"/>
-              <a:t>Lógica </a:t>
-            </a:r>
-            <a:r>
-              <a:rPr lang="es-AR" dirty="0" smtClean="0"/>
-              <a:t>NAND de 2</a:t>
-            </a:r>
-            <a:r>
-              <a:rPr lang="es-AR" dirty="0" smtClean="0"/>
-              <a:t>, 3, 4, y 8 </a:t>
-            </a:r>
-            <a:r>
-              <a:rPr lang="es-AR" dirty="0" smtClean="0"/>
-              <a:t>entradas </a:t>
-            </a:r>
-            <a:r>
-              <a:rPr lang="es-AR" dirty="0" smtClean="0"/>
-              <a:t>y l</a:t>
-            </a:r>
-            <a:r>
-              <a:rPr lang="es-AR" dirty="0" smtClean="0"/>
-              <a:t>ógica INVERSORA.</a:t>
+              <a:t>Lógica NAND de 2, 3, 4, y 8 entradas y lógica INVERSORA.</a:t>
             </a:r>
           </a:p>
           <a:p>
@@ -24023,11 +23947,7 @@
           <a:p>
             <a:r>
               <a:rPr lang="es-AR" dirty="0" smtClean="0"/>
-              <a:t>DISEÑO: </a:t>
-            </a:r>
-            <a:r>
-              <a:rPr lang="es-AR" dirty="0" smtClean="0"/>
-              <a:t>Decodificador</a:t>
+              <a:t>DISEÑO: Decodificador</a:t>
             </a:r>
             <a:endParaRPr lang="es-AR" dirty="0"/>
           </a:p>
@@ -24076,25 +23996,6 @@
               <a:t>Tecnología: CMOS 0.18</a:t>
             </a:r>
             <a:endParaRPr lang="es-AR" dirty="0"/>
-          </a:p>
-        </p:txBody>
-      </p:sp>
-      <p:sp>
-        <p:nvSpPr>
-          <p:cNvPr id="13" name="12 Marcador de contenido"/>
-          <p:cNvSpPr>
-            <a:spLocks noGrp="1"/>
-          </p:cNvSpPr>
-          <p:nvPr>
-            <p:ph sz="half" idx="14"/>
-          </p:nvPr>
-        </p:nvSpPr>
-        <p:spPr/>
-        <p:txBody>
-          <a:bodyPr/>
-          <a:lstStyle/>
-          <a:p>
-            <a:endParaRPr lang="es-AR"/>
           </a:p>
         </p:txBody>
       </p:sp>
@@ -24157,6 +24058,25 @@
           </a:graphicData>
         </a:graphic>
       </p:graphicFrame>
+      <p:sp>
+        <p:nvSpPr>
+          <p:cNvPr id="8" name="7 Marcador de contenido"/>
+          <p:cNvSpPr>
+            <a:spLocks noGrp="1"/>
+          </p:cNvSpPr>
+          <p:nvPr>
+            <p:ph sz="half" idx="14"/>
+          </p:nvPr>
+        </p:nvSpPr>
+        <p:spPr/>
+        <p:txBody>
+          <a:bodyPr/>
+          <a:lstStyle/>
+          <a:p>
+            <a:endParaRPr lang="es-AR"/>
+          </a:p>
+        </p:txBody>
+      </p:sp>
     </p:spTree>
   </p:cSld>
   <p:clrMapOvr>
@@ -24564,6 +24484,14 @@
 <file path=ppt/slides/slide4.xml><?xml version="1.0" encoding="utf-8"?>
 <p:sld xmlns:a="http://schemas.openxmlformats.org/drawingml/2006/main" xmlns:r="http://schemas.openxmlformats.org/officeDocument/2006/relationships" xmlns:p="http://schemas.openxmlformats.org/presentationml/2006/main">
   <p:cSld>
+    <p:bg>
+      <p:bgPr>
+        <a:solidFill>
+          <a:schemeClr val="tx1"/>
+        </a:solidFill>
+        <a:effectLst/>
+      </p:bgPr>
+    </p:bg>
     <p:spTree>
       <p:nvGrpSpPr>
         <p:cNvPr id="1" name=""/>
@@ -24603,32 +24531,6 @@
       </p:sp>
       <p:pic>
         <p:nvPicPr>
-          <p:cNvPr id="1030" name="Picture 6" descr="C:\Users\FABRICIO\Desktop\solar-wind-NASA.jpg"/>
-          <p:cNvPicPr>
-            <a:picLocks noChangeAspect="1" noChangeArrowheads="1"/>
-          </p:cNvPicPr>
-          <p:nvPr/>
-        </p:nvPicPr>
-        <p:blipFill>
-          <a:blip r:embed="rId2" cstate="print"/>
-          <a:srcRect r="398"/>
-          <a:stretch>
-            <a:fillRect/>
-          </a:stretch>
-        </p:blipFill>
-        <p:spPr bwMode="auto">
-          <a:xfrm>
-            <a:off x="-1" y="1484784"/>
-            <a:ext cx="9144001" cy="5373216"/>
-          </a:xfrm>
-          <a:prstGeom prst="rect">
-            <a:avLst/>
-          </a:prstGeom>
-          <a:noFill/>
-        </p:spPr>
-      </p:pic>
-      <p:pic>
-        <p:nvPicPr>
           <p:cNvPr id="2050" name="Picture 2"/>
           <p:cNvPicPr>
             <a:picLocks noGrp="1" noChangeAspect="1" noChangeArrowheads="1"/>
@@ -24638,7 +24540,7 @@
           </p:nvPr>
         </p:nvPicPr>
         <p:blipFill>
-          <a:blip r:embed="rId3" cstate="print"/>
+          <a:blip r:embed="rId2" cstate="print"/>
           <a:srcRect l="1047" t="1096" b="2335"/>
           <a:stretch>
             <a:fillRect/>
@@ -24646,7 +24548,7 @@
         </p:blipFill>
         <p:spPr bwMode="auto">
           <a:xfrm>
-            <a:off x="2339752" y="1484784"/>
+            <a:off x="1187624" y="1484784"/>
             <a:ext cx="6804248" cy="5373216"/>
           </a:xfrm>
           <a:prstGeom prst="rect">
@@ -24670,7 +24572,7 @@
           <p:nvPr/>
         </p:nvPicPr>
         <p:blipFill>
-          <a:blip r:embed="rId4" cstate="print"/>
+          <a:blip r:embed="rId3" cstate="print"/>
           <a:srcRect/>
           <a:stretch>
             <a:fillRect/>
@@ -24696,7 +24598,7 @@
           <p:nvPr/>
         </p:nvPicPr>
         <p:blipFill>
-          <a:blip r:embed="rId5" cstate="print"/>
+          <a:blip r:embed="rId4" cstate="print"/>
           <a:srcRect/>
           <a:stretch>
             <a:fillRect/>
@@ -24742,7 +24644,7 @@
                             </p:stCondLst>
                             <p:childTnLst>
                               <p:par>
-                                <p:cTn id="5" presetID="10" presetClass="entr" presetSubtype="0" fill="hold" nodeType="clickEffect">
+                                <p:cTn id="5" presetID="4" presetClass="entr" presetSubtype="16" fill="hold" nodeType="clickEffect">
                                   <p:stCondLst>
                                     <p:cond delay="0"/>
                                   </p:stCondLst>
@@ -24765,9 +24667,9 @@
                                         <p:strVal val="visible"/>
                                       </p:to>
                                     </p:set>
-                                    <p:animEffect transition="in" filter="fade">
+                                    <p:animEffect transition="in" filter="box(in)">
                                       <p:cBhvr>
-                                        <p:cTn id="7" dur="2000"/>
+                                        <p:cTn id="7" dur="500"/>
                                         <p:tgtEl>
                                           <p:spTgt spid="2050"/>
                                         </p:tgtEl>
@@ -24795,7 +24697,7 @@
                             </p:stCondLst>
                             <p:childTnLst>
                               <p:par>
-                                <p:cTn id="10" presetID="10" presetClass="entr" presetSubtype="0" fill="hold" nodeType="clickEffect">
+                                <p:cTn id="10" presetID="4" presetClass="entr" presetSubtype="16" fill="hold" nodeType="clickEffect">
                                   <p:stCondLst>
                                     <p:cond delay="0"/>
                                   </p:stCondLst>
@@ -24818,9 +24720,9 @@
                                         <p:strVal val="visible"/>
                                       </p:to>
                                     </p:set>
-                                    <p:animEffect transition="in" filter="fade">
+                                    <p:animEffect transition="in" filter="box(in)">
                                       <p:cBhvr>
-                                        <p:cTn id="12" dur="2000"/>
+                                        <p:cTn id="12" dur="500"/>
                                         <p:tgtEl>
                                           <p:spTgt spid="1027"/>
                                         </p:tgtEl>
@@ -24902,6 +24804,129 @@
       </p:sp>
       <p:pic>
         <p:nvPicPr>
+          <p:cNvPr id="2053" name="Picture 5"/>
+          <p:cNvPicPr>
+            <a:picLocks noGrp="1" noChangeAspect="1" noChangeArrowheads="1"/>
+          </p:cNvPicPr>
+          <p:nvPr>
+            <p:ph sz="half" idx="2"/>
+          </p:nvPr>
+        </p:nvPicPr>
+        <p:blipFill>
+          <a:blip r:embed="rId2" cstate="print"/>
+          <a:srcRect/>
+          <a:stretch>
+            <a:fillRect/>
+          </a:stretch>
+        </p:blipFill>
+        <p:spPr bwMode="auto">
+          <a:xfrm>
+            <a:off x="3635896" y="1556792"/>
+            <a:ext cx="2857277" cy="2304256"/>
+          </a:xfrm>
+          <a:prstGeom prst="rect">
+            <a:avLst/>
+          </a:prstGeom>
+          <a:noFill/>
+          <a:ln w="9525">
+            <a:noFill/>
+            <a:miter lim="800000"/>
+            <a:headEnd/>
+            <a:tailEnd/>
+          </a:ln>
+        </p:spPr>
+      </p:pic>
+      <p:pic>
+        <p:nvPicPr>
+          <p:cNvPr id="8" name="7 Imagen"/>
+          <p:cNvPicPr/>
+          <p:nvPr/>
+        </p:nvPicPr>
+        <p:blipFill>
+          <a:blip r:embed="rId3" cstate="print"/>
+          <a:srcRect t="3125" r="2631"/>
+          <a:stretch>
+            <a:fillRect/>
+          </a:stretch>
+        </p:blipFill>
+        <p:spPr bwMode="auto">
+          <a:xfrm>
+            <a:off x="6479704" y="1628800"/>
+            <a:ext cx="2664296" cy="2232248"/>
+          </a:xfrm>
+          <a:prstGeom prst="rect">
+            <a:avLst/>
+          </a:prstGeom>
+          <a:noFill/>
+          <a:ln w="9525">
+            <a:noFill/>
+            <a:miter lim="800000"/>
+            <a:headEnd/>
+            <a:tailEnd/>
+          </a:ln>
+        </p:spPr>
+      </p:pic>
+      <p:pic>
+        <p:nvPicPr>
+          <p:cNvPr id="2050" name="Picture 2" descr="C:\Users\FABRICIO\Desktop\iStock_000002553581XSmall.jpg"/>
+          <p:cNvPicPr>
+            <a:picLocks noChangeAspect="1" noChangeArrowheads="1"/>
+          </p:cNvPicPr>
+          <p:nvPr/>
+        </p:nvPicPr>
+        <p:blipFill>
+          <a:blip r:embed="rId4" cstate="print"/>
+          <a:srcRect r="21541" b="7039"/>
+          <a:stretch>
+            <a:fillRect/>
+          </a:stretch>
+        </p:blipFill>
+        <p:spPr bwMode="auto">
+          <a:xfrm>
+            <a:off x="-1" y="3933056"/>
+            <a:ext cx="3727668" cy="2924945"/>
+          </a:xfrm>
+          <a:prstGeom prst="rect">
+            <a:avLst/>
+          </a:prstGeom>
+          <a:ln>
+            <a:noFill/>
+          </a:ln>
+          <a:effectLst>
+            <a:softEdge rad="112500"/>
+          </a:effectLst>
+        </p:spPr>
+      </p:pic>
+      <p:pic>
+        <p:nvPicPr>
+          <p:cNvPr id="7" name="Picture 2" descr="C:\Users\FABRICIO\Desktop\03_01.gif"/>
+          <p:cNvPicPr>
+            <a:picLocks noGrp="1" noChangeAspect="1" noChangeArrowheads="1"/>
+          </p:cNvPicPr>
+          <p:nvPr>
+            <p:ph sz="half" idx="2"/>
+          </p:nvPr>
+        </p:nvPicPr>
+        <p:blipFill>
+          <a:blip r:embed="rId5" cstate="print"/>
+          <a:srcRect/>
+          <a:stretch>
+            <a:fillRect/>
+          </a:stretch>
+        </p:blipFill>
+        <p:spPr bwMode="auto">
+          <a:xfrm>
+            <a:off x="251520" y="1484784"/>
+            <a:ext cx="3096344" cy="2408267"/>
+          </a:xfrm>
+          <a:prstGeom prst="rect">
+            <a:avLst/>
+          </a:prstGeom>
+          <a:noFill/>
+        </p:spPr>
+      </p:pic>
+      <p:pic>
+        <p:nvPicPr>
           <p:cNvPr id="2051" name="Picture 3"/>
           <p:cNvPicPr>
             <a:picLocks noGrp="1" noChangeAspect="1" noChangeArrowheads="1"/>
@@ -24911,7 +24936,7 @@
           </p:nvPr>
         </p:nvPicPr>
         <p:blipFill>
-          <a:blip r:embed="rId2" cstate="print"/>
+          <a:blip r:embed="rId6" cstate="print"/>
           <a:srcRect l="4969" t="10488" r="4339" b="7703"/>
           <a:stretch>
             <a:fillRect/>
@@ -24919,7 +24944,7 @@
         </p:blipFill>
         <p:spPr bwMode="auto">
           <a:xfrm>
-            <a:off x="3779912" y="1556792"/>
+            <a:off x="3779912" y="3933056"/>
             <a:ext cx="5256584" cy="2808312"/>
           </a:xfrm>
           <a:prstGeom prst="rect">
@@ -24955,96 +24980,6 @@
               <a:srgbClr val="FFFFFF"/>
             </a:contourClr>
           </a:sp3d>
-        </p:spPr>
-      </p:pic>
-      <p:pic>
-        <p:nvPicPr>
-          <p:cNvPr id="2053" name="Picture 5"/>
-          <p:cNvPicPr>
-            <a:picLocks noGrp="1" noChangeAspect="1" noChangeArrowheads="1"/>
-          </p:cNvPicPr>
-          <p:nvPr>
-            <p:ph sz="half" idx="2"/>
-          </p:nvPr>
-        </p:nvPicPr>
-        <p:blipFill>
-          <a:blip r:embed="rId3" cstate="print"/>
-          <a:srcRect/>
-          <a:stretch>
-            <a:fillRect/>
-          </a:stretch>
-        </p:blipFill>
-        <p:spPr bwMode="auto">
-          <a:xfrm>
-            <a:off x="6286723" y="4553744"/>
-            <a:ext cx="2857277" cy="2304256"/>
-          </a:xfrm>
-          <a:prstGeom prst="rect">
-            <a:avLst/>
-          </a:prstGeom>
-          <a:noFill/>
-          <a:ln w="9525">
-            <a:noFill/>
-            <a:miter lim="800000"/>
-            <a:headEnd/>
-            <a:tailEnd/>
-          </a:ln>
-        </p:spPr>
-      </p:pic>
-      <p:pic>
-        <p:nvPicPr>
-          <p:cNvPr id="8" name="7 Imagen"/>
-          <p:cNvPicPr/>
-          <p:nvPr/>
-        </p:nvPicPr>
-        <p:blipFill>
-          <a:blip r:embed="rId4" cstate="print"/>
-          <a:srcRect t="3125"/>
-          <a:stretch>
-            <a:fillRect/>
-          </a:stretch>
-        </p:blipFill>
-        <p:spPr bwMode="auto">
-          <a:xfrm>
-            <a:off x="3419872" y="4625752"/>
-            <a:ext cx="2736304" cy="2232248"/>
-          </a:xfrm>
-          <a:prstGeom prst="rect">
-            <a:avLst/>
-          </a:prstGeom>
-          <a:noFill/>
-          <a:ln w="9525">
-            <a:noFill/>
-            <a:miter lim="800000"/>
-            <a:headEnd/>
-            <a:tailEnd/>
-          </a:ln>
-        </p:spPr>
-      </p:pic>
-      <p:pic>
-        <p:nvPicPr>
-          <p:cNvPr id="2050" name="Picture 2" descr="C:\Users\FABRICIO\Desktop\iStock_000002553581XSmall.jpg"/>
-          <p:cNvPicPr>
-            <a:picLocks noChangeAspect="1" noChangeArrowheads="1"/>
-          </p:cNvPicPr>
-          <p:nvPr/>
-        </p:nvPicPr>
-        <p:blipFill>
-          <a:blip r:embed="rId5" cstate="print"/>
-          <a:srcRect r="21541"/>
-          <a:stretch>
-            <a:fillRect/>
-          </a:stretch>
-        </p:blipFill>
-        <p:spPr bwMode="auto">
-          <a:xfrm>
-            <a:off x="0" y="1512168"/>
-            <a:ext cx="3419872" cy="5345832"/>
-          </a:xfrm>
-          <a:prstGeom prst="rect">
-            <a:avLst/>
-          </a:prstGeom>
-          <a:noFill/>
         </p:spPr>
       </p:pic>
     </p:spTree>
@@ -25634,11 +25569,7 @@
             </a:r>
             <a:r>
               <a:rPr lang="es-AR" dirty="0" smtClean="0"/>
-              <a:t> en dispositivos digitales se encuentra ampliamente cubierto en comparación con los analógicos</a:t>
-            </a:r>
-            <a:r>
-              <a:rPr lang="es-AR" dirty="0" smtClean="0"/>
-              <a:t>.</a:t>
+              <a:t> en dispositivos digitales se encuentra ampliamente cubierto en comparación con los analógicos.</a:t>
             </a:r>
           </a:p>
           <a:p>
@@ -26331,18 +26262,7 @@
                 <a:ea typeface="Calibri"/>
                 <a:cs typeface="Times New Roman"/>
               </a:rPr>
-              <a:t>7RF </a:t>
-            </a:r>
-            <a:r>
-              <a:rPr lang="en-US" sz="2000" b="1" dirty="0" smtClean="0">
-                <a:solidFill>
-                  <a:srgbClr val="333399"/>
-                </a:solidFill>
-                <a:latin typeface="Calibri"/>
-                <a:ea typeface="Calibri"/>
-                <a:cs typeface="Times New Roman"/>
-              </a:rPr>
-              <a:t>CMOS Process</a:t>
+              <a:t>7RF CMOS Process</a:t>
             </a:r>
             <a:endParaRPr lang="es-AR" sz="2000" dirty="0" smtClean="0">
               <a:latin typeface="Calibri"/>

--- a/Documentation/Documentacion/PRESENTACION_FABRI.pptx
+++ b/Documentation/Documentacion/PRESENTACION_FABRI.pptx
@@ -4581,7 +4581,7 @@
   <dgm:whole/>
   <dgm:extLst>
     <a:ext uri="http://schemas.microsoft.com/office/drawing/2008/diagram">
-      <dsp:dataModelExt xmlns:dsp="http://schemas.microsoft.com/office/drawing/2008/diagram" xmlns="" relId="rId10" minVer="http://schemas.openxmlformats.org/drawingml/2006/diagram"/>
+      <dsp:dataModelExt xmlns:dsp="http://schemas.microsoft.com/office/drawing/2008/diagram" xmlns="" relId="rId9" minVer="http://schemas.openxmlformats.org/drawingml/2006/diagram"/>
     </a:ext>
   </dgm:extLst>
 </dgm:dataModel>
@@ -5371,7 +5371,7 @@
   <dgm:whole/>
   <dgm:extLst>
     <a:ext uri="http://schemas.microsoft.com/office/drawing/2008/diagram">
-      <dsp:dataModelExt xmlns:dsp="http://schemas.microsoft.com/office/drawing/2008/diagram" xmlns="" relId="rId8" minVer="http://schemas.openxmlformats.org/drawingml/2006/diagram"/>
+      <dsp:dataModelExt xmlns:dsp="http://schemas.microsoft.com/office/drawing/2008/diagram" xmlns="" relId="rId7" minVer="http://schemas.openxmlformats.org/drawingml/2006/diagram"/>
     </a:ext>
   </dgm:extLst>
 </dgm:dataModel>
@@ -15754,7 +15754,7 @@
             <a:fld id="{C4912EAB-2DF2-4EA7-9A3C-081666E7F61D}" type="datetimeFigureOut">
               <a:rPr lang="es-AR" smtClean="0"/>
               <a:pPr/>
-              <a:t>01/09/2010</a:t>
+              <a:t>03/09/2010</a:t>
             </a:fld>
             <a:endParaRPr lang="es-AR"/>
           </a:p>
@@ -15916,7 +15916,7 @@
             <a:fld id="{320C0146-0920-4890-94B5-4EE8DB66AAB2}" type="datetimeFigureOut">
               <a:rPr lang="es-AR" smtClean="0"/>
               <a:pPr/>
-              <a:t>01/09/2010</a:t>
+              <a:t>03/09/2010</a:t>
             </a:fld>
             <a:endParaRPr lang="es-AR"/>
           </a:p>
@@ -16513,7 +16513,7 @@
             <a:fld id="{7396B977-6251-41DE-9CF2-59811A3624F8}" type="datetimeFigureOut">
               <a:rPr lang="es-AR" smtClean="0"/>
               <a:pPr/>
-              <a:t>01/09/2010</a:t>
+              <a:t>03/09/2010</a:t>
             </a:fld>
             <a:endParaRPr lang="es-AR"/>
           </a:p>
@@ -16741,7 +16741,7 @@
             <a:fld id="{7396B977-6251-41DE-9CF2-59811A3624F8}" type="datetimeFigureOut">
               <a:rPr lang="es-AR" smtClean="0"/>
               <a:pPr/>
-              <a:t>01/09/2010</a:t>
+              <a:t>03/09/2010</a:t>
             </a:fld>
             <a:endParaRPr lang="es-AR"/>
           </a:p>
@@ -17026,7 +17026,7 @@
             <a:fld id="{7396B977-6251-41DE-9CF2-59811A3624F8}" type="datetimeFigureOut">
               <a:rPr lang="es-AR" smtClean="0"/>
               <a:pPr/>
-              <a:t>01/09/2010</a:t>
+              <a:t>03/09/2010</a:t>
             </a:fld>
             <a:endParaRPr lang="es-AR"/>
           </a:p>
@@ -17329,7 +17329,7 @@
             <a:fld id="{7396B977-6251-41DE-9CF2-59811A3624F8}" type="datetimeFigureOut">
               <a:rPr lang="es-AR" smtClean="0"/>
               <a:pPr/>
-              <a:t>01/09/2010</a:t>
+              <a:t>03/09/2010</a:t>
             </a:fld>
             <a:endParaRPr lang="es-AR"/>
           </a:p>
@@ -17637,7 +17637,7 @@
             <a:fld id="{7396B977-6251-41DE-9CF2-59811A3624F8}" type="datetimeFigureOut">
               <a:rPr lang="es-AR" smtClean="0"/>
               <a:pPr/>
-              <a:t>01/09/2010</a:t>
+              <a:t>03/09/2010</a:t>
             </a:fld>
             <a:endParaRPr lang="es-AR"/>
           </a:p>
@@ -18115,7 +18115,7 @@
             <a:fld id="{7396B977-6251-41DE-9CF2-59811A3624F8}" type="datetimeFigureOut">
               <a:rPr lang="es-AR" smtClean="0"/>
               <a:pPr/>
-              <a:t>01/09/2010</a:t>
+              <a:t>03/09/2010</a:t>
             </a:fld>
             <a:endParaRPr lang="es-AR"/>
           </a:p>
@@ -18508,7 +18508,7 @@
             <a:fld id="{7396B977-6251-41DE-9CF2-59811A3624F8}" type="datetimeFigureOut">
               <a:rPr lang="es-AR" smtClean="0"/>
               <a:pPr/>
-              <a:t>01/09/2010</a:t>
+              <a:t>03/09/2010</a:t>
             </a:fld>
             <a:endParaRPr lang="es-AR"/>
           </a:p>
@@ -18901,7 +18901,7 @@
             <a:fld id="{7396B977-6251-41DE-9CF2-59811A3624F8}" type="datetimeFigureOut">
               <a:rPr lang="es-AR" smtClean="0"/>
               <a:pPr/>
-              <a:t>01/09/2010</a:t>
+              <a:t>03/09/2010</a:t>
             </a:fld>
             <a:endParaRPr lang="es-AR"/>
           </a:p>
@@ -19379,7 +19379,7 @@
             <a:fld id="{7396B977-6251-41DE-9CF2-59811A3624F8}" type="datetimeFigureOut">
               <a:rPr lang="es-AR" smtClean="0"/>
               <a:pPr/>
-              <a:t>01/09/2010</a:t>
+              <a:t>03/09/2010</a:t>
             </a:fld>
             <a:endParaRPr lang="es-AR"/>
           </a:p>
@@ -19687,7 +19687,7 @@
             <a:fld id="{7396B977-6251-41DE-9CF2-59811A3624F8}" type="datetimeFigureOut">
               <a:rPr lang="es-AR" smtClean="0"/>
               <a:pPr/>
-              <a:t>01/09/2010</a:t>
+              <a:t>03/09/2010</a:t>
             </a:fld>
             <a:endParaRPr lang="es-AR"/>
           </a:p>
@@ -20046,7 +20046,7 @@
             <a:fld id="{7396B977-6251-41DE-9CF2-59811A3624F8}" type="datetimeFigureOut">
               <a:rPr lang="es-AR" smtClean="0"/>
               <a:pPr/>
-              <a:t>01/09/2010</a:t>
+              <a:t>03/09/2010</a:t>
             </a:fld>
             <a:endParaRPr lang="es-AR"/>
           </a:p>
@@ -20409,7 +20409,7 @@
             <a:fld id="{7396B977-6251-41DE-9CF2-59811A3624F8}" type="datetimeFigureOut">
               <a:rPr lang="es-AR" smtClean="0"/>
               <a:pPr/>
-              <a:t>01/09/2010</a:t>
+              <a:t>03/09/2010</a:t>
             </a:fld>
             <a:endParaRPr lang="es-AR"/>
           </a:p>
@@ -20701,7 +20701,7 @@
             <a:fld id="{7396B977-6251-41DE-9CF2-59811A3624F8}" type="datetimeFigureOut">
               <a:rPr lang="es-AR" smtClean="0"/>
               <a:pPr/>
-              <a:t>01/09/2010</a:t>
+              <a:t>03/09/2010</a:t>
             </a:fld>
             <a:endParaRPr lang="es-AR"/>
           </a:p>
@@ -21128,7 +21128,7 @@
             <a:fld id="{7396B977-6251-41DE-9CF2-59811A3624F8}" type="datetimeFigureOut">
               <a:rPr lang="es-AR" smtClean="0"/>
               <a:pPr/>
-              <a:t>01/09/2010</a:t>
+              <a:t>03/09/2010</a:t>
             </a:fld>
             <a:endParaRPr lang="es-AR"/>
           </a:p>
@@ -21248,7 +21248,7 @@
             <a:fld id="{7396B977-6251-41DE-9CF2-59811A3624F8}" type="datetimeFigureOut">
               <a:rPr lang="es-AR" smtClean="0"/>
               <a:pPr/>
-              <a:t>01/09/2010</a:t>
+              <a:t>03/09/2010</a:t>
             </a:fld>
             <a:endParaRPr lang="es-AR"/>
           </a:p>
@@ -21343,7 +21343,7 @@
             <a:fld id="{7396B977-6251-41DE-9CF2-59811A3624F8}" type="datetimeFigureOut">
               <a:rPr lang="es-AR" smtClean="0"/>
               <a:pPr/>
-              <a:t>01/09/2010</a:t>
+              <a:t>03/09/2010</a:t>
             </a:fld>
             <a:endParaRPr lang="es-AR"/>
           </a:p>
@@ -21626,7 +21626,7 @@
             <a:fld id="{7396B977-6251-41DE-9CF2-59811A3624F8}" type="datetimeFigureOut">
               <a:rPr lang="es-AR" smtClean="0"/>
               <a:pPr/>
-              <a:t>01/09/2010</a:t>
+              <a:t>03/09/2010</a:t>
             </a:fld>
             <a:endParaRPr lang="es-AR"/>
           </a:p>
@@ -21997,7 +21997,7 @@
             <a:fld id="{7396B977-6251-41DE-9CF2-59811A3624F8}" type="datetimeFigureOut">
               <a:rPr lang="es-AR" smtClean="0"/>
               <a:pPr/>
-              <a:t>01/09/2010</a:t>
+              <a:t>03/09/2010</a:t>
             </a:fld>
             <a:endParaRPr lang="es-AR"/>
           </a:p>
@@ -22439,7 +22439,7 @@
             <a:fld id="{7396B977-6251-41DE-9CF2-59811A3624F8}" type="datetimeFigureOut">
               <a:rPr lang="es-AR" smtClean="0"/>
               <a:pPr/>
-              <a:t>01/09/2010</a:t>
+              <a:t>03/09/2010</a:t>
             </a:fld>
             <a:endParaRPr lang="es-AR"/>
           </a:p>
@@ -23281,46 +23281,12 @@
       </p:sp>
       <p:pic>
         <p:nvPicPr>
-          <p:cNvPr id="5124" name="Picture 4"/>
-          <p:cNvPicPr>
-            <a:picLocks noGrp="1" noChangeAspect="1" noChangeArrowheads="1"/>
-          </p:cNvPicPr>
-          <p:nvPr>
-            <p:ph sz="half" idx="2"/>
-          </p:nvPr>
-        </p:nvPicPr>
-        <p:blipFill>
-          <a:blip r:embed="rId3" cstate="print"/>
-          <a:srcRect/>
-          <a:stretch>
-            <a:fillRect/>
-          </a:stretch>
-        </p:blipFill>
-        <p:spPr bwMode="auto">
-          <a:xfrm rot="16200000">
-            <a:off x="6182139" y="4987213"/>
-            <a:ext cx="1368152" cy="1852126"/>
-          </a:xfrm>
-          <a:prstGeom prst="rect">
-            <a:avLst/>
-          </a:prstGeom>
-          <a:noFill/>
-          <a:ln w="9525">
-            <a:noFill/>
-            <a:miter lim="800000"/>
-            <a:headEnd/>
-            <a:tailEnd/>
-          </a:ln>
-        </p:spPr>
-      </p:pic>
-      <p:pic>
-        <p:nvPicPr>
           <p:cNvPr id="11" name="10 Imagen"/>
           <p:cNvPicPr/>
           <p:nvPr/>
         </p:nvPicPr>
         <p:blipFill>
-          <a:blip r:embed="rId4" cstate="print"/>
+          <a:blip r:embed="rId3" cstate="print"/>
           <a:srcRect/>
           <a:stretch>
             <a:fillRect/>
@@ -23350,7 +23316,7 @@
           <p:nvPr/>
         </p:nvPicPr>
         <p:blipFill>
-          <a:blip r:embed="rId5" cstate="print"/>
+          <a:blip r:embed="rId4" cstate="print"/>
           <a:srcRect/>
           <a:stretch>
             <a:fillRect/>
@@ -23358,7 +23324,7 @@
         </p:blipFill>
         <p:spPr bwMode="auto">
           <a:xfrm>
-            <a:off x="9144000" y="1484784"/>
+            <a:off x="9144000" y="908720"/>
             <a:ext cx="9144000" cy="5373216"/>
           </a:xfrm>
           <a:prstGeom prst="rect">
@@ -23387,10 +23353,44 @@
         </p:xfrm>
         <a:graphic>
           <a:graphicData uri="http://schemas.openxmlformats.org/drawingml/2006/diagram">
-            <dgm:relIds xmlns:dgm="http://schemas.openxmlformats.org/drawingml/2006/diagram" xmlns:r="http://schemas.openxmlformats.org/officeDocument/2006/relationships" r:dm="rId6" r:lo="rId7" r:qs="rId8" r:cs="rId9"/>
+            <dgm:relIds xmlns:dgm="http://schemas.openxmlformats.org/drawingml/2006/diagram" xmlns:r="http://schemas.openxmlformats.org/officeDocument/2006/relationships" r:dm="rId5" r:lo="rId6" r:qs="rId7" r:cs="rId8"/>
           </a:graphicData>
         </a:graphic>
       </p:graphicFrame>
+      <p:pic>
+        <p:nvPicPr>
+          <p:cNvPr id="12" name="11 Marcador de contenido"/>
+          <p:cNvPicPr>
+            <a:picLocks noGrp="1"/>
+          </p:cNvPicPr>
+          <p:nvPr>
+            <p:ph sz="half" idx="2"/>
+          </p:nvPr>
+        </p:nvPicPr>
+        <p:blipFill>
+          <a:blip r:embed="rId10" cstate="print"/>
+          <a:srcRect/>
+          <a:stretch>
+            <a:fillRect/>
+          </a:stretch>
+        </p:blipFill>
+        <p:spPr bwMode="auto">
+          <a:xfrm>
+            <a:off x="4860032" y="5301208"/>
+            <a:ext cx="4043362" cy="1355800"/>
+          </a:xfrm>
+          <a:prstGeom prst="rect">
+            <a:avLst/>
+          </a:prstGeom>
+          <a:noFill/>
+          <a:ln w="9525">
+            <a:noFill/>
+            <a:miter lim="800000"/>
+            <a:headEnd/>
+            <a:tailEnd/>
+          </a:ln>
+        </p:spPr>
+      </p:pic>
     </p:spTree>
   </p:cSld>
   <p:clrMapOvr>
@@ -23734,40 +23734,8 @@
         </p:blipFill>
         <p:spPr bwMode="auto">
           <a:xfrm>
-            <a:off x="4283968" y="1556792"/>
-            <a:ext cx="4680520" cy="5112568"/>
-          </a:xfrm>
-          <a:prstGeom prst="rect">
-            <a:avLst/>
-          </a:prstGeom>
-          <a:noFill/>
-          <a:ln w="9525">
-            <a:noFill/>
-            <a:miter lim="800000"/>
-            <a:headEnd/>
-            <a:tailEnd/>
-          </a:ln>
-        </p:spPr>
-      </p:pic>
-      <p:pic>
-        <p:nvPicPr>
-          <p:cNvPr id="7171" name="Picture 3"/>
-          <p:cNvPicPr>
-            <a:picLocks noChangeAspect="1" noChangeArrowheads="1"/>
-          </p:cNvPicPr>
-          <p:nvPr/>
-        </p:nvPicPr>
-        <p:blipFill>
-          <a:blip r:embed="rId3" cstate="print"/>
-          <a:srcRect/>
-          <a:stretch>
-            <a:fillRect/>
-          </a:stretch>
-        </p:blipFill>
-        <p:spPr bwMode="auto">
-          <a:xfrm rot="16200000">
-            <a:off x="830373" y="4002275"/>
-            <a:ext cx="1043608" cy="1913281"/>
+            <a:off x="4427984" y="1556792"/>
+            <a:ext cx="4536504" cy="5112568"/>
           </a:xfrm>
           <a:prstGeom prst="rect">
             <a:avLst/>
@@ -23795,7 +23763,7 @@
         </p:xfrm>
         <a:graphic>
           <a:graphicData uri="http://schemas.openxmlformats.org/drawingml/2006/diagram">
-            <dgm:relIds xmlns:dgm="http://schemas.openxmlformats.org/drawingml/2006/diagram" xmlns:r="http://schemas.openxmlformats.org/officeDocument/2006/relationships" r:dm="rId4" r:lo="rId5" r:qs="rId6" r:cs="rId7"/>
+            <dgm:relIds xmlns:dgm="http://schemas.openxmlformats.org/drawingml/2006/diagram" xmlns:r="http://schemas.openxmlformats.org/officeDocument/2006/relationships" r:dm="rId3" r:lo="rId4" r:qs="rId5" r:cs="rId6"/>
           </a:graphicData>
         </a:graphic>
       </p:graphicFrame>
@@ -23808,7 +23776,7 @@
           <p:nvPr/>
         </p:nvPicPr>
         <p:blipFill>
-          <a:blip r:embed="rId9" cstate="print"/>
+          <a:blip r:embed="rId8" cstate="print"/>
           <a:srcRect/>
           <a:stretch>
             <a:fillRect/>
@@ -23816,8 +23784,8 @@
         </p:blipFill>
         <p:spPr bwMode="auto">
           <a:xfrm>
-            <a:off x="1475656" y="5661248"/>
-            <a:ext cx="981075" cy="971550"/>
+            <a:off x="3635896" y="4437112"/>
+            <a:ext cx="617505" cy="611510"/>
           </a:xfrm>
           <a:prstGeom prst="rect">
             <a:avLst/>
@@ -23840,7 +23808,7 @@
           <p:nvPr/>
         </p:nvPicPr>
         <p:blipFill>
-          <a:blip r:embed="rId10" cstate="print"/>
+          <a:blip r:embed="rId9" cstate="print"/>
           <a:srcRect/>
           <a:stretch>
             <a:fillRect/>
@@ -23848,8 +23816,8 @@
         </p:blipFill>
         <p:spPr bwMode="auto">
           <a:xfrm>
-            <a:off x="179512" y="5805264"/>
-            <a:ext cx="1028700" cy="809625"/>
+            <a:off x="2699792" y="4509120"/>
+            <a:ext cx="648072" cy="510057"/>
           </a:xfrm>
           <a:prstGeom prst="rect">
             <a:avLst/>
@@ -23872,6 +23840,36 @@
           <p:nvPr/>
         </p:nvPicPr>
         <p:blipFill>
+          <a:blip r:embed="rId10" cstate="print"/>
+          <a:srcRect/>
+          <a:stretch>
+            <a:fillRect/>
+          </a:stretch>
+        </p:blipFill>
+        <p:spPr bwMode="auto">
+          <a:xfrm>
+            <a:off x="3131840" y="5229200"/>
+            <a:ext cx="1351296" cy="1556792"/>
+          </a:xfrm>
+          <a:prstGeom prst="rect">
+            <a:avLst/>
+          </a:prstGeom>
+          <a:noFill/>
+          <a:ln w="9525">
+            <a:noFill/>
+            <a:miter lim="800000"/>
+            <a:headEnd/>
+            <a:tailEnd/>
+          </a:ln>
+        </p:spPr>
+      </p:pic>
+      <p:pic>
+        <p:nvPicPr>
+          <p:cNvPr id="11" name="10 Imagen"/>
+          <p:cNvPicPr/>
+          <p:nvPr/>
+        </p:nvPicPr>
+        <p:blipFill>
           <a:blip r:embed="rId11" cstate="print"/>
           <a:srcRect/>
           <a:stretch>
@@ -23880,8 +23878,68 @@
         </p:blipFill>
         <p:spPr bwMode="auto">
           <a:xfrm>
-            <a:off x="2555776" y="4365104"/>
-            <a:ext cx="1879416" cy="2165226"/>
+            <a:off x="107504" y="5229200"/>
+            <a:ext cx="2952328" cy="1556792"/>
+          </a:xfrm>
+          <a:prstGeom prst="rect">
+            <a:avLst/>
+          </a:prstGeom>
+          <a:noFill/>
+          <a:ln w="9525">
+            <a:noFill/>
+            <a:miter lim="800000"/>
+            <a:headEnd/>
+            <a:tailEnd/>
+          </a:ln>
+        </p:spPr>
+      </p:pic>
+      <p:pic>
+        <p:nvPicPr>
+          <p:cNvPr id="13" name="12 Imagen"/>
+          <p:cNvPicPr/>
+          <p:nvPr/>
+        </p:nvPicPr>
+        <p:blipFill>
+          <a:blip r:embed="rId12" cstate="print"/>
+          <a:srcRect/>
+          <a:stretch>
+            <a:fillRect/>
+          </a:stretch>
+        </p:blipFill>
+        <p:spPr bwMode="auto">
+          <a:xfrm>
+            <a:off x="9144000" y="3437096"/>
+            <a:ext cx="5390674" cy="3420904"/>
+          </a:xfrm>
+          <a:prstGeom prst="rect">
+            <a:avLst/>
+          </a:prstGeom>
+          <a:noFill/>
+          <a:ln w="9525">
+            <a:noFill/>
+            <a:miter lim="800000"/>
+            <a:headEnd/>
+            <a:tailEnd/>
+          </a:ln>
+        </p:spPr>
+      </p:pic>
+      <p:pic>
+        <p:nvPicPr>
+          <p:cNvPr id="14" name="13 Imagen"/>
+          <p:cNvPicPr/>
+          <p:nvPr/>
+        </p:nvPicPr>
+        <p:blipFill>
+          <a:blip r:embed="rId13" cstate="print"/>
+          <a:srcRect/>
+          <a:stretch>
+            <a:fillRect/>
+          </a:stretch>
+        </p:blipFill>
+        <p:spPr bwMode="auto">
+          <a:xfrm>
+            <a:off x="9324528" y="1412776"/>
+            <a:ext cx="5641975" cy="3600000"/>
           </a:xfrm>
           <a:prstGeom prst="rect">
             <a:avLst/>
@@ -24077,6 +24135,126 @@
           </a:p>
         </p:txBody>
       </p:sp>
+      <p:pic>
+        <p:nvPicPr>
+          <p:cNvPr id="7" name="6 Imagen"/>
+          <p:cNvPicPr/>
+          <p:nvPr/>
+        </p:nvPicPr>
+        <p:blipFill>
+          <a:blip r:embed="rId8" cstate="print"/>
+          <a:srcRect/>
+          <a:stretch>
+            <a:fillRect/>
+          </a:stretch>
+        </p:blipFill>
+        <p:spPr bwMode="auto">
+          <a:xfrm>
+            <a:off x="1995274" y="1541777"/>
+            <a:ext cx="5153452" cy="3774445"/>
+          </a:xfrm>
+          <a:prstGeom prst="rect">
+            <a:avLst/>
+          </a:prstGeom>
+          <a:noFill/>
+          <a:ln w="9525">
+            <a:noFill/>
+            <a:miter lim="800000"/>
+            <a:headEnd/>
+            <a:tailEnd/>
+          </a:ln>
+        </p:spPr>
+      </p:pic>
+      <p:pic>
+        <p:nvPicPr>
+          <p:cNvPr id="9" name="8 Imagen"/>
+          <p:cNvPicPr/>
+          <p:nvPr/>
+        </p:nvPicPr>
+        <p:blipFill>
+          <a:blip r:embed="rId9" cstate="print"/>
+          <a:srcRect/>
+          <a:stretch>
+            <a:fillRect/>
+          </a:stretch>
+        </p:blipFill>
+        <p:spPr bwMode="auto">
+          <a:xfrm>
+            <a:off x="6084168" y="1556792"/>
+            <a:ext cx="5390674" cy="3420904"/>
+          </a:xfrm>
+          <a:prstGeom prst="rect">
+            <a:avLst/>
+          </a:prstGeom>
+          <a:noFill/>
+          <a:ln w="9525">
+            <a:noFill/>
+            <a:miter lim="800000"/>
+            <a:headEnd/>
+            <a:tailEnd/>
+          </a:ln>
+        </p:spPr>
+      </p:pic>
+      <p:pic>
+        <p:nvPicPr>
+          <p:cNvPr id="10" name="9 Imagen"/>
+          <p:cNvPicPr/>
+          <p:nvPr/>
+        </p:nvPicPr>
+        <p:blipFill>
+          <a:blip r:embed="rId10" cstate="print"/>
+          <a:srcRect/>
+          <a:stretch>
+            <a:fillRect/>
+          </a:stretch>
+        </p:blipFill>
+        <p:spPr bwMode="auto">
+          <a:xfrm>
+            <a:off x="1949558" y="2522551"/>
+            <a:ext cx="5244884" cy="1812898"/>
+          </a:xfrm>
+          <a:prstGeom prst="rect">
+            <a:avLst/>
+          </a:prstGeom>
+          <a:noFill/>
+          <a:ln w="9525">
+            <a:noFill/>
+            <a:miter lim="800000"/>
+            <a:headEnd/>
+            <a:tailEnd/>
+          </a:ln>
+        </p:spPr>
+      </p:pic>
+      <p:pic>
+        <p:nvPicPr>
+          <p:cNvPr id="12" name="11 Imagen"/>
+          <p:cNvPicPr/>
+          <p:nvPr/>
+        </p:nvPicPr>
+        <p:blipFill>
+          <a:blip r:embed="rId11" cstate="print"/>
+          <a:srcRect/>
+          <a:stretch>
+            <a:fillRect/>
+          </a:stretch>
+        </p:blipFill>
+        <p:spPr bwMode="auto">
+          <a:xfrm>
+            <a:off x="3097802" y="1707542"/>
+            <a:ext cx="2948396" cy="3442915"/>
+          </a:xfrm>
+          <a:prstGeom prst="rect">
+            <a:avLst/>
+          </a:prstGeom>
+          <a:noFill/>
+          <a:ln w="9525">
+            <a:noFill/>
+            <a:miter lim="800000"/>
+            <a:headEnd/>
+            <a:tailEnd/>
+          </a:ln>
+        </p:spPr>
+      </p:pic>
     </p:spTree>
   </p:cSld>
   <p:clrMapOvr>

--- a/Documentation/Documentacion/PRESENTACION_FABRI.pptx
+++ b/Documentation/Documentacion/PRESENTACION_FABRI.pptx
@@ -5,24 +5,27 @@
     <p:sldMasterId id="2147483662" r:id="rId1"/>
   </p:sldMasterIdLst>
   <p:notesMasterIdLst>
-    <p:notesMasterId r:id="rId14"/>
+    <p:notesMasterId r:id="rId17"/>
   </p:notesMasterIdLst>
   <p:handoutMasterIdLst>
-    <p:handoutMasterId r:id="rId15"/>
+    <p:handoutMasterId r:id="rId18"/>
   </p:handoutMasterIdLst>
   <p:sldIdLst>
     <p:sldId id="256" r:id="rId2"/>
-    <p:sldId id="257" r:id="rId3"/>
-    <p:sldId id="258" r:id="rId4"/>
-    <p:sldId id="259" r:id="rId5"/>
-    <p:sldId id="271" r:id="rId6"/>
-    <p:sldId id="272" r:id="rId7"/>
-    <p:sldId id="260" r:id="rId8"/>
-    <p:sldId id="261" r:id="rId9"/>
-    <p:sldId id="262" r:id="rId10"/>
-    <p:sldId id="265" r:id="rId11"/>
-    <p:sldId id="267" r:id="rId12"/>
-    <p:sldId id="266" r:id="rId13"/>
+    <p:sldId id="273" r:id="rId3"/>
+    <p:sldId id="257" r:id="rId4"/>
+    <p:sldId id="258" r:id="rId5"/>
+    <p:sldId id="259" r:id="rId6"/>
+    <p:sldId id="271" r:id="rId7"/>
+    <p:sldId id="272" r:id="rId8"/>
+    <p:sldId id="260" r:id="rId9"/>
+    <p:sldId id="261" r:id="rId10"/>
+    <p:sldId id="262" r:id="rId11"/>
+    <p:sldId id="274" r:id="rId12"/>
+    <p:sldId id="265" r:id="rId13"/>
+    <p:sldId id="267" r:id="rId14"/>
+    <p:sldId id="266" r:id="rId15"/>
+    <p:sldId id="275" r:id="rId16"/>
   </p:sldIdLst>
   <p:sldSz cx="9144000" cy="6858000" type="screen4x3"/>
   <p:notesSz cx="6858000" cy="9144000"/>
@@ -2366,6 +2369,753 @@
 </file>
 
 <file path=ppt/diagrams/colors4.xml><?xml version="1.0" encoding="utf-8"?>
+<dgm:colorsDef xmlns:dgm="http://schemas.openxmlformats.org/drawingml/2006/diagram" xmlns:a="http://schemas.openxmlformats.org/drawingml/2006/main" uniqueId="urn:microsoft.com/office/officeart/2005/8/colors/accent1_2">
+  <dgm:title val=""/>
+  <dgm:desc val=""/>
+  <dgm:catLst>
+    <dgm:cat type="accent1" pri="11200"/>
+  </dgm:catLst>
+  <dgm:styleLbl name="node0">
+    <dgm:fillClrLst meth="repeat">
+      <a:schemeClr val="accent1"/>
+    </dgm:fillClrLst>
+    <dgm:linClrLst meth="repeat">
+      <a:schemeClr val="lt1"/>
+    </dgm:linClrLst>
+    <dgm:effectClrLst/>
+    <dgm:txLinClrLst/>
+    <dgm:txFillClrLst/>
+    <dgm:txEffectClrLst/>
+  </dgm:styleLbl>
+  <dgm:styleLbl name="alignNode1">
+    <dgm:fillClrLst meth="repeat">
+      <a:schemeClr val="accent1"/>
+    </dgm:fillClrLst>
+    <dgm:linClrLst meth="repeat">
+      <a:schemeClr val="accent1"/>
+    </dgm:linClrLst>
+    <dgm:effectClrLst/>
+    <dgm:txLinClrLst/>
+    <dgm:txFillClrLst/>
+    <dgm:txEffectClrLst/>
+  </dgm:styleLbl>
+  <dgm:styleLbl name="node1">
+    <dgm:fillClrLst meth="repeat">
+      <a:schemeClr val="accent1"/>
+    </dgm:fillClrLst>
+    <dgm:linClrLst meth="repeat">
+      <a:schemeClr val="lt1"/>
+    </dgm:linClrLst>
+    <dgm:effectClrLst/>
+    <dgm:txLinClrLst/>
+    <dgm:txFillClrLst/>
+    <dgm:txEffectClrLst/>
+  </dgm:styleLbl>
+  <dgm:styleLbl name="lnNode1">
+    <dgm:fillClrLst meth="repeat">
+      <a:schemeClr val="accent1"/>
+    </dgm:fillClrLst>
+    <dgm:linClrLst meth="repeat">
+      <a:schemeClr val="lt1"/>
+    </dgm:linClrLst>
+    <dgm:effectClrLst/>
+    <dgm:txLinClrLst/>
+    <dgm:txFillClrLst/>
+    <dgm:txEffectClrLst/>
+  </dgm:styleLbl>
+  <dgm:styleLbl name="vennNode1">
+    <dgm:fillClrLst meth="repeat">
+      <a:schemeClr val="accent1">
+        <a:alpha val="50000"/>
+      </a:schemeClr>
+    </dgm:fillClrLst>
+    <dgm:linClrLst meth="repeat">
+      <a:schemeClr val="lt1"/>
+    </dgm:linClrLst>
+    <dgm:effectClrLst/>
+    <dgm:txLinClrLst/>
+    <dgm:txFillClrLst/>
+    <dgm:txEffectClrLst/>
+  </dgm:styleLbl>
+  <dgm:styleLbl name="node2">
+    <dgm:fillClrLst meth="repeat">
+      <a:schemeClr val="accent1"/>
+    </dgm:fillClrLst>
+    <dgm:linClrLst meth="repeat">
+      <a:schemeClr val="lt1"/>
+    </dgm:linClrLst>
+    <dgm:effectClrLst/>
+    <dgm:txLinClrLst/>
+    <dgm:txFillClrLst/>
+    <dgm:txEffectClrLst/>
+  </dgm:styleLbl>
+  <dgm:styleLbl name="node3">
+    <dgm:fillClrLst meth="repeat">
+      <a:schemeClr val="accent1"/>
+    </dgm:fillClrLst>
+    <dgm:linClrLst meth="repeat">
+      <a:schemeClr val="lt1"/>
+    </dgm:linClrLst>
+    <dgm:effectClrLst/>
+    <dgm:txLinClrLst/>
+    <dgm:txFillClrLst/>
+    <dgm:txEffectClrLst/>
+  </dgm:styleLbl>
+  <dgm:styleLbl name="node4">
+    <dgm:fillClrLst meth="repeat">
+      <a:schemeClr val="accent1"/>
+    </dgm:fillClrLst>
+    <dgm:linClrLst meth="repeat">
+      <a:schemeClr val="lt1"/>
+    </dgm:linClrLst>
+    <dgm:effectClrLst/>
+    <dgm:txLinClrLst/>
+    <dgm:txFillClrLst/>
+    <dgm:txEffectClrLst/>
+  </dgm:styleLbl>
+  <dgm:styleLbl name="fgImgPlace1">
+    <dgm:fillClrLst meth="repeat">
+      <a:schemeClr val="accent1">
+        <a:tint val="50000"/>
+      </a:schemeClr>
+    </dgm:fillClrLst>
+    <dgm:linClrLst meth="repeat">
+      <a:schemeClr val="lt1"/>
+    </dgm:linClrLst>
+    <dgm:effectClrLst/>
+    <dgm:txLinClrLst/>
+    <dgm:txFillClrLst meth="repeat">
+      <a:schemeClr val="lt1"/>
+    </dgm:txFillClrLst>
+    <dgm:txEffectClrLst/>
+  </dgm:styleLbl>
+  <dgm:styleLbl name="alignImgPlace1">
+    <dgm:fillClrLst meth="repeat">
+      <a:schemeClr val="accent1">
+        <a:tint val="50000"/>
+      </a:schemeClr>
+    </dgm:fillClrLst>
+    <dgm:linClrLst meth="repeat">
+      <a:schemeClr val="lt1"/>
+    </dgm:linClrLst>
+    <dgm:effectClrLst/>
+    <dgm:txLinClrLst/>
+    <dgm:txFillClrLst meth="repeat">
+      <a:schemeClr val="lt1"/>
+    </dgm:txFillClrLst>
+    <dgm:txEffectClrLst/>
+  </dgm:styleLbl>
+  <dgm:styleLbl name="bgImgPlace1">
+    <dgm:fillClrLst meth="repeat">
+      <a:schemeClr val="accent1">
+        <a:tint val="50000"/>
+      </a:schemeClr>
+    </dgm:fillClrLst>
+    <dgm:linClrLst meth="repeat">
+      <a:schemeClr val="lt1"/>
+    </dgm:linClrLst>
+    <dgm:effectClrLst/>
+    <dgm:txLinClrLst/>
+    <dgm:txFillClrLst meth="repeat">
+      <a:schemeClr val="lt1"/>
+    </dgm:txFillClrLst>
+    <dgm:txEffectClrLst/>
+  </dgm:styleLbl>
+  <dgm:styleLbl name="sibTrans2D1">
+    <dgm:fillClrLst meth="repeat">
+      <a:schemeClr val="accent1">
+        <a:tint val="60000"/>
+      </a:schemeClr>
+    </dgm:fillClrLst>
+    <dgm:linClrLst meth="repeat">
+      <a:schemeClr val="accent1">
+        <a:tint val="60000"/>
+      </a:schemeClr>
+    </dgm:linClrLst>
+    <dgm:effectClrLst/>
+    <dgm:txLinClrLst/>
+    <dgm:txFillClrLst/>
+    <dgm:txEffectClrLst/>
+  </dgm:styleLbl>
+  <dgm:styleLbl name="fgSibTrans2D1">
+    <dgm:fillClrLst meth="repeat">
+      <a:schemeClr val="accent1">
+        <a:tint val="60000"/>
+      </a:schemeClr>
+    </dgm:fillClrLst>
+    <dgm:linClrLst meth="repeat">
+      <a:schemeClr val="accent1">
+        <a:tint val="60000"/>
+      </a:schemeClr>
+    </dgm:linClrLst>
+    <dgm:effectClrLst/>
+    <dgm:txLinClrLst/>
+    <dgm:txFillClrLst/>
+    <dgm:txEffectClrLst/>
+  </dgm:styleLbl>
+  <dgm:styleLbl name="bgSibTrans2D1">
+    <dgm:fillClrLst meth="repeat">
+      <a:schemeClr val="accent1">
+        <a:tint val="60000"/>
+      </a:schemeClr>
+    </dgm:fillClrLst>
+    <dgm:linClrLst meth="repeat">
+      <a:schemeClr val="accent1">
+        <a:tint val="60000"/>
+      </a:schemeClr>
+    </dgm:linClrLst>
+    <dgm:effectClrLst/>
+    <dgm:txLinClrLst/>
+    <dgm:txFillClrLst/>
+    <dgm:txEffectClrLst/>
+  </dgm:styleLbl>
+  <dgm:styleLbl name="sibTrans1D1">
+    <dgm:fillClrLst meth="repeat">
+      <a:schemeClr val="accent1"/>
+    </dgm:fillClrLst>
+    <dgm:linClrLst meth="repeat">
+      <a:schemeClr val="accent1"/>
+    </dgm:linClrLst>
+    <dgm:effectClrLst/>
+    <dgm:txLinClrLst/>
+    <dgm:txFillClrLst meth="repeat">
+      <a:schemeClr val="tx1"/>
+    </dgm:txFillClrLst>
+    <dgm:txEffectClrLst/>
+  </dgm:styleLbl>
+  <dgm:styleLbl name="callout">
+    <dgm:fillClrLst meth="repeat">
+      <a:schemeClr val="accent1"/>
+    </dgm:fillClrLst>
+    <dgm:linClrLst meth="repeat">
+      <a:schemeClr val="accent1">
+        <a:tint val="50000"/>
+      </a:schemeClr>
+    </dgm:linClrLst>
+    <dgm:effectClrLst/>
+    <dgm:txLinClrLst/>
+    <dgm:txFillClrLst meth="repeat">
+      <a:schemeClr val="tx1"/>
+    </dgm:txFillClrLst>
+    <dgm:txEffectClrLst/>
+  </dgm:styleLbl>
+  <dgm:styleLbl name="asst0">
+    <dgm:fillClrLst meth="repeat">
+      <a:schemeClr val="accent1"/>
+    </dgm:fillClrLst>
+    <dgm:linClrLst meth="repeat">
+      <a:schemeClr val="lt1"/>
+    </dgm:linClrLst>
+    <dgm:effectClrLst/>
+    <dgm:txLinClrLst/>
+    <dgm:txFillClrLst/>
+    <dgm:txEffectClrLst/>
+  </dgm:styleLbl>
+  <dgm:styleLbl name="asst1">
+    <dgm:fillClrLst meth="repeat">
+      <a:schemeClr val="accent1"/>
+    </dgm:fillClrLst>
+    <dgm:linClrLst meth="repeat">
+      <a:schemeClr val="lt1"/>
+    </dgm:linClrLst>
+    <dgm:effectClrLst/>
+    <dgm:txLinClrLst/>
+    <dgm:txFillClrLst/>
+    <dgm:txEffectClrLst/>
+  </dgm:styleLbl>
+  <dgm:styleLbl name="asst2">
+    <dgm:fillClrLst meth="repeat">
+      <a:schemeClr val="accent1"/>
+    </dgm:fillClrLst>
+    <dgm:linClrLst meth="repeat">
+      <a:schemeClr val="lt1"/>
+    </dgm:linClrLst>
+    <dgm:effectClrLst/>
+    <dgm:txLinClrLst/>
+    <dgm:txFillClrLst/>
+    <dgm:txEffectClrLst/>
+  </dgm:styleLbl>
+  <dgm:styleLbl name="asst3">
+    <dgm:fillClrLst meth="repeat">
+      <a:schemeClr val="accent1"/>
+    </dgm:fillClrLst>
+    <dgm:linClrLst meth="repeat">
+      <a:schemeClr val="lt1"/>
+    </dgm:linClrLst>
+    <dgm:effectClrLst/>
+    <dgm:txLinClrLst/>
+    <dgm:txFillClrLst/>
+    <dgm:txEffectClrLst/>
+  </dgm:styleLbl>
+  <dgm:styleLbl name="asst4">
+    <dgm:fillClrLst meth="repeat">
+      <a:schemeClr val="accent1"/>
+    </dgm:fillClrLst>
+    <dgm:linClrLst meth="repeat">
+      <a:schemeClr val="lt1"/>
+    </dgm:linClrLst>
+    <dgm:effectClrLst/>
+    <dgm:txLinClrLst/>
+    <dgm:txFillClrLst/>
+    <dgm:txEffectClrLst/>
+  </dgm:styleLbl>
+  <dgm:styleLbl name="parChTrans2D1">
+    <dgm:fillClrLst meth="repeat">
+      <a:schemeClr val="accent1">
+        <a:tint val="60000"/>
+      </a:schemeClr>
+    </dgm:fillClrLst>
+    <dgm:linClrLst meth="repeat">
+      <a:schemeClr val="accent1">
+        <a:tint val="60000"/>
+      </a:schemeClr>
+    </dgm:linClrLst>
+    <dgm:effectClrLst/>
+    <dgm:txLinClrLst/>
+    <dgm:txFillClrLst meth="repeat">
+      <a:schemeClr val="lt1"/>
+    </dgm:txFillClrLst>
+    <dgm:txEffectClrLst/>
+  </dgm:styleLbl>
+  <dgm:styleLbl name="parChTrans2D2">
+    <dgm:fillClrLst meth="repeat">
+      <a:schemeClr val="accent1"/>
+    </dgm:fillClrLst>
+    <dgm:linClrLst meth="repeat">
+      <a:schemeClr val="accent1"/>
+    </dgm:linClrLst>
+    <dgm:effectClrLst/>
+    <dgm:txLinClrLst/>
+    <dgm:txFillClrLst meth="repeat">
+      <a:schemeClr val="lt1"/>
+    </dgm:txFillClrLst>
+    <dgm:txEffectClrLst/>
+  </dgm:styleLbl>
+  <dgm:styleLbl name="parChTrans2D3">
+    <dgm:fillClrLst meth="repeat">
+      <a:schemeClr val="accent1"/>
+    </dgm:fillClrLst>
+    <dgm:linClrLst meth="repeat">
+      <a:schemeClr val="accent1"/>
+    </dgm:linClrLst>
+    <dgm:effectClrLst/>
+    <dgm:txLinClrLst/>
+    <dgm:txFillClrLst meth="repeat">
+      <a:schemeClr val="lt1"/>
+    </dgm:txFillClrLst>
+    <dgm:txEffectClrLst/>
+  </dgm:styleLbl>
+  <dgm:styleLbl name="parChTrans2D4">
+    <dgm:fillClrLst meth="repeat">
+      <a:schemeClr val="accent1"/>
+    </dgm:fillClrLst>
+    <dgm:linClrLst meth="repeat">
+      <a:schemeClr val="accent1"/>
+    </dgm:linClrLst>
+    <dgm:effectClrLst/>
+    <dgm:txLinClrLst/>
+    <dgm:txFillClrLst meth="repeat">
+      <a:schemeClr val="lt1"/>
+    </dgm:txFillClrLst>
+    <dgm:txEffectClrLst/>
+  </dgm:styleLbl>
+  <dgm:styleLbl name="parChTrans1D1">
+    <dgm:fillClrLst meth="repeat">
+      <a:schemeClr val="accent1"/>
+    </dgm:fillClrLst>
+    <dgm:linClrLst meth="repeat">
+      <a:schemeClr val="accent1">
+        <a:shade val="60000"/>
+      </a:schemeClr>
+    </dgm:linClrLst>
+    <dgm:effectClrLst/>
+    <dgm:txLinClrLst/>
+    <dgm:txFillClrLst meth="repeat">
+      <a:schemeClr val="tx1"/>
+    </dgm:txFillClrLst>
+    <dgm:txEffectClrLst/>
+  </dgm:styleLbl>
+  <dgm:styleLbl name="parChTrans1D2">
+    <dgm:fillClrLst meth="repeat">
+      <a:schemeClr val="accent1"/>
+    </dgm:fillClrLst>
+    <dgm:linClrLst meth="repeat">
+      <a:schemeClr val="accent1">
+        <a:shade val="60000"/>
+      </a:schemeClr>
+    </dgm:linClrLst>
+    <dgm:effectClrLst/>
+    <dgm:txLinClrLst/>
+    <dgm:txFillClrLst meth="repeat">
+      <a:schemeClr val="tx1"/>
+    </dgm:txFillClrLst>
+    <dgm:txEffectClrLst/>
+  </dgm:styleLbl>
+  <dgm:styleLbl name="parChTrans1D3">
+    <dgm:fillClrLst meth="repeat">
+      <a:schemeClr val="accent1"/>
+    </dgm:fillClrLst>
+    <dgm:linClrLst meth="repeat">
+      <a:schemeClr val="accent1">
+        <a:shade val="80000"/>
+      </a:schemeClr>
+    </dgm:linClrLst>
+    <dgm:effectClrLst/>
+    <dgm:txLinClrLst/>
+    <dgm:txFillClrLst meth="repeat">
+      <a:schemeClr val="tx1"/>
+    </dgm:txFillClrLst>
+    <dgm:txEffectClrLst/>
+  </dgm:styleLbl>
+  <dgm:styleLbl name="parChTrans1D4">
+    <dgm:fillClrLst meth="repeat">
+      <a:schemeClr val="accent1"/>
+    </dgm:fillClrLst>
+    <dgm:linClrLst meth="repeat">
+      <a:schemeClr val="accent1">
+        <a:shade val="80000"/>
+      </a:schemeClr>
+    </dgm:linClrLst>
+    <dgm:effectClrLst/>
+    <dgm:txLinClrLst/>
+    <dgm:txFillClrLst meth="repeat">
+      <a:schemeClr val="tx1"/>
+    </dgm:txFillClrLst>
+    <dgm:txEffectClrLst/>
+  </dgm:styleLbl>
+  <dgm:styleLbl name="fgAcc1">
+    <dgm:fillClrLst meth="repeat">
+      <a:schemeClr val="lt1">
+        <a:alpha val="90000"/>
+      </a:schemeClr>
+    </dgm:fillClrLst>
+    <dgm:linClrLst meth="repeat">
+      <a:schemeClr val="accent1"/>
+    </dgm:linClrLst>
+    <dgm:effectClrLst/>
+    <dgm:txLinClrLst/>
+    <dgm:txFillClrLst meth="repeat">
+      <a:schemeClr val="dk1"/>
+    </dgm:txFillClrLst>
+    <dgm:txEffectClrLst/>
+  </dgm:styleLbl>
+  <dgm:styleLbl name="conFgAcc1">
+    <dgm:fillClrLst meth="repeat">
+      <a:schemeClr val="lt1">
+        <a:alpha val="90000"/>
+      </a:schemeClr>
+    </dgm:fillClrLst>
+    <dgm:linClrLst meth="repeat">
+      <a:schemeClr val="accent1"/>
+    </dgm:linClrLst>
+    <dgm:effectClrLst/>
+    <dgm:txLinClrLst/>
+    <dgm:txFillClrLst meth="repeat">
+      <a:schemeClr val="dk1"/>
+    </dgm:txFillClrLst>
+    <dgm:txEffectClrLst/>
+  </dgm:styleLbl>
+  <dgm:styleLbl name="alignAcc1">
+    <dgm:fillClrLst meth="repeat">
+      <a:schemeClr val="lt1">
+        <a:alpha val="90000"/>
+      </a:schemeClr>
+    </dgm:fillClrLst>
+    <dgm:linClrLst meth="repeat">
+      <a:schemeClr val="accent1"/>
+    </dgm:linClrLst>
+    <dgm:effectClrLst/>
+    <dgm:txLinClrLst/>
+    <dgm:txFillClrLst meth="repeat">
+      <a:schemeClr val="dk1"/>
+    </dgm:txFillClrLst>
+    <dgm:txEffectClrLst/>
+  </dgm:styleLbl>
+  <dgm:styleLbl name="trAlignAcc1">
+    <dgm:fillClrLst meth="repeat">
+      <a:schemeClr val="lt1">
+        <a:alpha val="40000"/>
+      </a:schemeClr>
+    </dgm:fillClrLst>
+    <dgm:linClrLst meth="repeat">
+      <a:schemeClr val="accent1"/>
+    </dgm:linClrLst>
+    <dgm:effectClrLst/>
+    <dgm:txLinClrLst/>
+    <dgm:txFillClrLst meth="repeat">
+      <a:schemeClr val="dk1"/>
+    </dgm:txFillClrLst>
+    <dgm:txEffectClrLst/>
+  </dgm:styleLbl>
+  <dgm:styleLbl name="bgAcc1">
+    <dgm:fillClrLst meth="repeat">
+      <a:schemeClr val="lt1">
+        <a:alpha val="90000"/>
+      </a:schemeClr>
+    </dgm:fillClrLst>
+    <dgm:linClrLst meth="repeat">
+      <a:schemeClr val="accent1"/>
+    </dgm:linClrLst>
+    <dgm:effectClrLst/>
+    <dgm:txLinClrLst/>
+    <dgm:txFillClrLst meth="repeat">
+      <a:schemeClr val="dk1"/>
+    </dgm:txFillClrLst>
+    <dgm:txEffectClrLst/>
+  </dgm:styleLbl>
+  <dgm:styleLbl name="solidFgAcc1">
+    <dgm:fillClrLst meth="repeat">
+      <a:schemeClr val="lt1"/>
+    </dgm:fillClrLst>
+    <dgm:linClrLst meth="repeat">
+      <a:schemeClr val="accent1"/>
+    </dgm:linClrLst>
+    <dgm:effectClrLst/>
+    <dgm:txLinClrLst/>
+    <dgm:txFillClrLst meth="repeat">
+      <a:schemeClr val="dk1"/>
+    </dgm:txFillClrLst>
+    <dgm:txEffectClrLst/>
+  </dgm:styleLbl>
+  <dgm:styleLbl name="solidAlignAcc1">
+    <dgm:fillClrLst meth="repeat">
+      <a:schemeClr val="lt1"/>
+    </dgm:fillClrLst>
+    <dgm:linClrLst meth="repeat">
+      <a:schemeClr val="accent1"/>
+    </dgm:linClrLst>
+    <dgm:effectClrLst/>
+    <dgm:txLinClrLst/>
+    <dgm:txFillClrLst meth="repeat">
+      <a:schemeClr val="dk1"/>
+    </dgm:txFillClrLst>
+    <dgm:txEffectClrLst/>
+  </dgm:styleLbl>
+  <dgm:styleLbl name="solidBgAcc1">
+    <dgm:fillClrLst meth="repeat">
+      <a:schemeClr val="lt1"/>
+    </dgm:fillClrLst>
+    <dgm:linClrLst meth="repeat">
+      <a:schemeClr val="accent1"/>
+    </dgm:linClrLst>
+    <dgm:effectClrLst/>
+    <dgm:txLinClrLst/>
+    <dgm:txFillClrLst meth="repeat">
+      <a:schemeClr val="dk1"/>
+    </dgm:txFillClrLst>
+    <dgm:txEffectClrLst/>
+  </dgm:styleLbl>
+  <dgm:styleLbl name="fgAccFollowNode1">
+    <dgm:fillClrLst meth="repeat">
+      <a:schemeClr val="accent1">
+        <a:alpha val="90000"/>
+        <a:tint val="40000"/>
+      </a:schemeClr>
+    </dgm:fillClrLst>
+    <dgm:linClrLst meth="repeat">
+      <a:schemeClr val="accent1">
+        <a:alpha val="90000"/>
+        <a:tint val="40000"/>
+      </a:schemeClr>
+    </dgm:linClrLst>
+    <dgm:effectClrLst/>
+    <dgm:txLinClrLst/>
+    <dgm:txFillClrLst meth="repeat">
+      <a:schemeClr val="dk1"/>
+    </dgm:txFillClrLst>
+    <dgm:txEffectClrLst/>
+  </dgm:styleLbl>
+  <dgm:styleLbl name="alignAccFollowNode1">
+    <dgm:fillClrLst meth="repeat">
+      <a:schemeClr val="accent1">
+        <a:alpha val="90000"/>
+        <a:tint val="40000"/>
+      </a:schemeClr>
+    </dgm:fillClrLst>
+    <dgm:linClrLst meth="repeat">
+      <a:schemeClr val="accent1">
+        <a:alpha val="90000"/>
+        <a:tint val="40000"/>
+      </a:schemeClr>
+    </dgm:linClrLst>
+    <dgm:effectClrLst/>
+    <dgm:txLinClrLst/>
+    <dgm:txFillClrLst meth="repeat">
+      <a:schemeClr val="dk1"/>
+    </dgm:txFillClrLst>
+    <dgm:txEffectClrLst/>
+  </dgm:styleLbl>
+  <dgm:styleLbl name="bgAccFollowNode1">
+    <dgm:fillClrLst meth="repeat">
+      <a:schemeClr val="accent1">
+        <a:alpha val="90000"/>
+        <a:tint val="40000"/>
+      </a:schemeClr>
+    </dgm:fillClrLst>
+    <dgm:linClrLst meth="repeat">
+      <a:schemeClr val="accent1">
+        <a:alpha val="90000"/>
+        <a:tint val="40000"/>
+      </a:schemeClr>
+    </dgm:linClrLst>
+    <dgm:effectClrLst/>
+    <dgm:txLinClrLst/>
+    <dgm:txFillClrLst meth="repeat">
+      <a:schemeClr val="dk1"/>
+    </dgm:txFillClrLst>
+    <dgm:txEffectClrLst/>
+  </dgm:styleLbl>
+  <dgm:styleLbl name="fgAcc0">
+    <dgm:fillClrLst meth="repeat">
+      <a:schemeClr val="lt1">
+        <a:alpha val="90000"/>
+      </a:schemeClr>
+    </dgm:fillClrLst>
+    <dgm:linClrLst meth="repeat">
+      <a:schemeClr val="accent1"/>
+    </dgm:linClrLst>
+    <dgm:effectClrLst/>
+    <dgm:txLinClrLst/>
+    <dgm:txFillClrLst meth="repeat">
+      <a:schemeClr val="dk1"/>
+    </dgm:txFillClrLst>
+    <dgm:txEffectClrLst/>
+  </dgm:styleLbl>
+  <dgm:styleLbl name="fgAcc2">
+    <dgm:fillClrLst meth="repeat">
+      <a:schemeClr val="lt1">
+        <a:alpha val="90000"/>
+      </a:schemeClr>
+    </dgm:fillClrLst>
+    <dgm:linClrLst meth="repeat">
+      <a:schemeClr val="accent1"/>
+    </dgm:linClrLst>
+    <dgm:effectClrLst/>
+    <dgm:txLinClrLst/>
+    <dgm:txFillClrLst meth="repeat">
+      <a:schemeClr val="dk1"/>
+    </dgm:txFillClrLst>
+    <dgm:txEffectClrLst/>
+  </dgm:styleLbl>
+  <dgm:styleLbl name="fgAcc3">
+    <dgm:fillClrLst meth="repeat">
+      <a:schemeClr val="lt1">
+        <a:alpha val="90000"/>
+      </a:schemeClr>
+    </dgm:fillClrLst>
+    <dgm:linClrLst meth="repeat">
+      <a:schemeClr val="accent1"/>
+    </dgm:linClrLst>
+    <dgm:effectClrLst/>
+    <dgm:txLinClrLst/>
+    <dgm:txFillClrLst meth="repeat">
+      <a:schemeClr val="dk1"/>
+    </dgm:txFillClrLst>
+    <dgm:txEffectClrLst/>
+  </dgm:styleLbl>
+  <dgm:styleLbl name="fgAcc4">
+    <dgm:fillClrLst meth="repeat">
+      <a:schemeClr val="lt1">
+        <a:alpha val="90000"/>
+      </a:schemeClr>
+    </dgm:fillClrLst>
+    <dgm:linClrLst meth="repeat">
+      <a:schemeClr val="accent1"/>
+    </dgm:linClrLst>
+    <dgm:effectClrLst/>
+    <dgm:txLinClrLst/>
+    <dgm:txFillClrLst meth="repeat">
+      <a:schemeClr val="dk1"/>
+    </dgm:txFillClrLst>
+    <dgm:txEffectClrLst/>
+  </dgm:styleLbl>
+  <dgm:styleLbl name="bgShp">
+    <dgm:fillClrLst meth="repeat">
+      <a:schemeClr val="accent1">
+        <a:tint val="40000"/>
+      </a:schemeClr>
+    </dgm:fillClrLst>
+    <dgm:linClrLst meth="repeat">
+      <a:schemeClr val="accent1"/>
+    </dgm:linClrLst>
+    <dgm:effectClrLst/>
+    <dgm:txLinClrLst/>
+    <dgm:txFillClrLst meth="repeat">
+      <a:schemeClr val="dk1"/>
+    </dgm:txFillClrLst>
+    <dgm:txEffectClrLst/>
+  </dgm:styleLbl>
+  <dgm:styleLbl name="dkBgShp">
+    <dgm:fillClrLst meth="repeat">
+      <a:schemeClr val="accent1">
+        <a:shade val="80000"/>
+      </a:schemeClr>
+    </dgm:fillClrLst>
+    <dgm:linClrLst meth="repeat">
+      <a:schemeClr val="accent1"/>
+    </dgm:linClrLst>
+    <dgm:effectClrLst/>
+    <dgm:txLinClrLst/>
+    <dgm:txFillClrLst meth="repeat">
+      <a:schemeClr val="lt1"/>
+    </dgm:txFillClrLst>
+    <dgm:txEffectClrLst/>
+  </dgm:styleLbl>
+  <dgm:styleLbl name="trBgShp">
+    <dgm:fillClrLst meth="repeat">
+      <a:schemeClr val="accent1">
+        <a:tint val="50000"/>
+        <a:alpha val="40000"/>
+      </a:schemeClr>
+    </dgm:fillClrLst>
+    <dgm:linClrLst meth="repeat">
+      <a:schemeClr val="accent1"/>
+    </dgm:linClrLst>
+    <dgm:effectClrLst/>
+    <dgm:txLinClrLst/>
+    <dgm:txFillClrLst meth="repeat">
+      <a:schemeClr val="lt1"/>
+    </dgm:txFillClrLst>
+    <dgm:txEffectClrLst/>
+  </dgm:styleLbl>
+  <dgm:styleLbl name="fgShp">
+    <dgm:fillClrLst meth="repeat">
+      <a:schemeClr val="accent1">
+        <a:tint val="60000"/>
+      </a:schemeClr>
+    </dgm:fillClrLst>
+    <dgm:linClrLst meth="repeat">
+      <a:schemeClr val="lt1"/>
+    </dgm:linClrLst>
+    <dgm:effectClrLst/>
+    <dgm:txLinClrLst/>
+    <dgm:txFillClrLst meth="repeat">
+      <a:schemeClr val="dk1"/>
+    </dgm:txFillClrLst>
+    <dgm:txEffectClrLst/>
+  </dgm:styleLbl>
+  <dgm:styleLbl name="revTx">
+    <dgm:fillClrLst meth="repeat">
+      <a:schemeClr val="lt1">
+        <a:alpha val="0"/>
+      </a:schemeClr>
+    </dgm:fillClrLst>
+    <dgm:linClrLst meth="repeat">
+      <a:schemeClr val="dk1">
+        <a:alpha val="0"/>
+      </a:schemeClr>
+    </dgm:linClrLst>
+    <dgm:effectClrLst/>
+    <dgm:txLinClrLst/>
+    <dgm:txFillClrLst meth="repeat">
+      <a:schemeClr val="tx1"/>
+    </dgm:txFillClrLst>
+    <dgm:txEffectClrLst/>
+  </dgm:styleLbl>
+</dgm:colorsDef>
+</file>
+
+<file path=ppt/diagrams/colors5.xml><?xml version="1.0" encoding="utf-8"?>
 <dgm:colorsDef xmlns:dgm="http://schemas.openxmlformats.org/drawingml/2006/diagram" xmlns:a="http://schemas.openxmlformats.org/drawingml/2006/main" uniqueId="urn:microsoft.com/office/officeart/2005/8/colors/accent1_2">
   <dgm:title val=""/>
   <dgm:desc val=""/>
@@ -3929,14 +4679,14 @@
       </dgm:t>
     </dgm:pt>
     <dgm:pt modelId="{1AE98F1E-E277-4E7C-B37B-2DD87C237351}">
-      <dgm:prSet phldrT="[Texto]"/>
+      <dgm:prSet phldrT="[Texto]" custT="1"/>
       <dgm:spPr/>
       <dgm:t>
         <a:bodyPr/>
         <a:lstStyle/>
         <a:p>
           <a:r>
-            <a:rPr lang="es-AR" dirty="0"/>
+            <a:rPr lang="es-AR" sz="700" dirty="0"/>
             <a:t>DECODIFICADOR</a:t>
           </a:r>
         </a:p>
@@ -4073,17 +4823,32 @@
       </dgm:t>
     </dgm:pt>
     <dgm:pt modelId="{CA68773C-599B-4C02-82AD-F37CD983A29A}">
-      <dgm:prSet phldrT="[Texto]"/>
+      <dgm:prSet phldrT="[Texto]" custT="1">
+        <dgm:style>
+          <a:lnRef idx="1">
+            <a:schemeClr val="accent1"/>
+          </a:lnRef>
+          <a:fillRef idx="3">
+            <a:schemeClr val="accent1"/>
+          </a:fillRef>
+          <a:effectRef idx="2">
+            <a:schemeClr val="accent1"/>
+          </a:effectRef>
+          <a:fontRef idx="minor">
+            <a:schemeClr val="lt1"/>
+          </a:fontRef>
+        </dgm:style>
+      </dgm:prSet>
       <dgm:spPr/>
       <dgm:t>
         <a:bodyPr/>
         <a:lstStyle/>
         <a:p>
           <a:r>
-            <a:rPr lang="en-US" dirty="0" smtClean="0"/>
+            <a:rPr lang="en-US" sz="700" dirty="0" smtClean="0"/>
             <a:t>DIVISOR RESISTIVO</a:t>
           </a:r>
-          <a:endParaRPr lang="es-AR" dirty="0"/>
+          <a:endParaRPr lang="es-AR" sz="700" dirty="0"/>
         </a:p>
       </dgm:t>
     </dgm:pt>
@@ -4110,7 +4875,7 @@
       </dgm:t>
     </dgm:pt>
     <dgm:pt modelId="{051DCF9C-9DAE-4C67-91DA-C9913344FDDA}">
-      <dgm:prSet phldrT="[Texto]">
+      <dgm:prSet phldrT="[Texto]" custT="1">
         <dgm:style>
           <a:lnRef idx="1">
             <a:schemeClr val="accent3"/>
@@ -4132,10 +4897,10 @@
         <a:lstStyle/>
         <a:p>
           <a:r>
-            <a:rPr lang="en-US" dirty="0" smtClean="0"/>
+            <a:rPr lang="en-US" sz="900" b="1" dirty="0" smtClean="0"/>
             <a:t>COMPARADOR</a:t>
           </a:r>
-          <a:endParaRPr lang="es-AR" dirty="0"/>
+          <a:endParaRPr lang="es-AR" sz="900" b="1" dirty="0"/>
         </a:p>
       </dgm:t>
     </dgm:pt>
@@ -4281,7 +5046,7 @@
       <dgm:spPr/>
     </dgm:pt>
     <dgm:pt modelId="{77AF4231-0E06-4D67-9726-0A13A07A304E}" type="pres">
-      <dgm:prSet presAssocID="{CA68773C-599B-4C02-82AD-F37CD983A29A}" presName="txThree" presStyleLbl="node3" presStyleIdx="0" presStyleCnt="3" custScaleY="60170">
+      <dgm:prSet presAssocID="{CA68773C-599B-4C02-82AD-F37CD983A29A}" presName="txThree" presStyleLbl="node3" presStyleIdx="0" presStyleCnt="3" custScaleX="86796" custScaleY="60170">
         <dgm:presLayoutVars>
           <dgm:chPref val="3"/>
         </dgm:presLayoutVars>
@@ -4308,7 +5073,7 @@
       <dgm:spPr/>
     </dgm:pt>
     <dgm:pt modelId="{176A0B6E-F600-4993-8313-3DB59B4E75DA}" type="pres">
-      <dgm:prSet presAssocID="{051DCF9C-9DAE-4C67-91DA-C9913344FDDA}" presName="txThree" presStyleLbl="node3" presStyleIdx="1" presStyleCnt="3" custScaleY="60170">
+      <dgm:prSet presAssocID="{051DCF9C-9DAE-4C67-91DA-C9913344FDDA}" presName="txThree" presStyleLbl="node3" presStyleIdx="1" presStyleCnt="3" custScaleX="136672" custScaleY="60170">
         <dgm:presLayoutVars>
           <dgm:chPref val="3"/>
         </dgm:presLayoutVars>
@@ -4397,7 +5162,7 @@
       </dgm:t>
     </dgm:pt>
     <dgm:pt modelId="{2D0BEDD2-93E1-444F-B15D-F8AE6E00B684}" type="pres">
-      <dgm:prSet presAssocID="{1AE98F1E-E277-4E7C-B37B-2DD87C237351}" presName="txThree" presStyleLbl="node3" presStyleIdx="2" presStyleCnt="3" custScaleY="42550">
+      <dgm:prSet presAssocID="{1AE98F1E-E277-4E7C-B37B-2DD87C237351}" presName="txThree" presStyleLbl="node3" presStyleIdx="2" presStyleCnt="3" custScaleX="102395" custScaleY="42550">
         <dgm:presLayoutVars>
           <dgm:chPref val="3"/>
         </dgm:presLayoutVars>
@@ -4449,7 +5214,7 @@
       </dgm:t>
     </dgm:pt>
     <dgm:pt modelId="{85EB828F-C976-4C4B-BA1A-17244ACF076A}" type="pres">
-      <dgm:prSet presAssocID="{82005FC4-939D-4ACF-8C2F-E6C9501F71E5}" presName="txFour" presStyleLbl="node4" presStyleIdx="0" presStyleCnt="2" custScaleY="38464">
+      <dgm:prSet presAssocID="{82005FC4-939D-4ACF-8C2F-E6C9501F71E5}" presName="txFour" presStyleLbl="node4" presStyleIdx="0" presStyleCnt="2" custScaleX="71104" custScaleY="38464">
         <dgm:presLayoutVars>
           <dgm:chPref val="3"/>
         </dgm:presLayoutVars>
@@ -4761,7 +5526,7 @@
       </dgm:t>
     </dgm:pt>
     <dgm:pt modelId="{82005FC4-939D-4ACF-8C2F-E6C9501F71E5}">
-      <dgm:prSet phldrT="[Texto]">
+      <dgm:prSet phldrT="[Texto]" custT="1">
         <dgm:style>
           <a:lnRef idx="1">
             <a:schemeClr val="accent3"/>
@@ -4783,9 +5548,10 @@
         <a:lstStyle/>
         <a:p>
           <a:r>
-            <a:rPr lang="es-AR" dirty="0"/>
+            <a:rPr lang="es-AR" sz="700" b="1" dirty="0"/>
             <a:t>NEGADOR</a:t>
           </a:r>
+          <a:endParaRPr lang="es-AR" sz="500" b="1" dirty="0"/>
         </a:p>
       </dgm:t>
     </dgm:pt>
@@ -4812,7 +5578,7 @@
       </dgm:t>
     </dgm:pt>
     <dgm:pt modelId="{44146284-82FF-4A1A-87EA-B2772AC5BFBB}">
-      <dgm:prSet phldrT="[Texto]">
+      <dgm:prSet phldrT="[Texto]" custT="1">
         <dgm:style>
           <a:lnRef idx="1">
             <a:schemeClr val="accent3"/>
@@ -4834,7 +5600,7 @@
         <a:lstStyle/>
         <a:p>
           <a:r>
-            <a:rPr lang="es-AR" dirty="0"/>
+            <a:rPr lang="es-AR" sz="700" b="1" dirty="0"/>
             <a:t>COMPUERTAS NAND</a:t>
           </a:r>
         </a:p>
@@ -5071,7 +5837,7 @@
       <dgm:spPr/>
     </dgm:pt>
     <dgm:pt modelId="{77AF4231-0E06-4D67-9726-0A13A07A304E}" type="pres">
-      <dgm:prSet presAssocID="{CA68773C-599B-4C02-82AD-F37CD983A29A}" presName="txThree" presStyleLbl="node3" presStyleIdx="0" presStyleCnt="3" custScaleY="60170">
+      <dgm:prSet presAssocID="{CA68773C-599B-4C02-82AD-F37CD983A29A}" presName="txThree" presStyleLbl="node3" presStyleIdx="0" presStyleCnt="3" custScaleX="73064" custScaleY="60170">
         <dgm:presLayoutVars>
           <dgm:chPref val="3"/>
         </dgm:presLayoutVars>
@@ -5098,7 +5864,7 @@
       <dgm:spPr/>
     </dgm:pt>
     <dgm:pt modelId="{176A0B6E-F600-4993-8313-3DB59B4E75DA}" type="pres">
-      <dgm:prSet presAssocID="{051DCF9C-9DAE-4C67-91DA-C9913344FDDA}" presName="txThree" presStyleLbl="node3" presStyleIdx="1" presStyleCnt="3" custScaleY="60170">
+      <dgm:prSet presAssocID="{051DCF9C-9DAE-4C67-91DA-C9913344FDDA}" presName="txThree" presStyleLbl="node3" presStyleIdx="1" presStyleCnt="3" custScaleX="82295" custScaleY="60170">
         <dgm:presLayoutVars>
           <dgm:chPref val="3"/>
         </dgm:presLayoutVars>
@@ -5239,7 +6005,7 @@
       </dgm:t>
     </dgm:pt>
     <dgm:pt modelId="{85EB828F-C976-4C4B-BA1A-17244ACF076A}" type="pres">
-      <dgm:prSet presAssocID="{82005FC4-939D-4ACF-8C2F-E6C9501F71E5}" presName="txFour" presStyleLbl="node4" presStyleIdx="0" presStyleCnt="2" custScaleX="94220" custScaleY="52684">
+      <dgm:prSet presAssocID="{82005FC4-939D-4ACF-8C2F-E6C9501F71E5}" presName="txFour" presStyleLbl="node4" presStyleIdx="0" presStyleCnt="2" custScaleX="99047" custScaleY="52684">
         <dgm:presLayoutVars>
           <dgm:chPref val="3"/>
         </dgm:presLayoutVars>
@@ -5464,7 +6230,7 @@
       </dgm:t>
     </dgm:pt>
     <dgm:pt modelId="{1AE98F1E-E277-4E7C-B37B-2DD87C237351}">
-      <dgm:prSet phldrT="[Texto]">
+      <dgm:prSet phldrT="[Texto]" custT="1">
         <dgm:style>
           <a:lnRef idx="1">
             <a:schemeClr val="accent3"/>
@@ -5486,9 +6252,10 @@
         <a:lstStyle/>
         <a:p>
           <a:r>
-            <a:rPr lang="es-AR" dirty="0"/>
+            <a:rPr lang="es-AR" sz="1200" b="1" dirty="0"/>
             <a:t>DECODIFICADOR</a:t>
           </a:r>
+          <a:endParaRPr lang="es-AR" sz="600" b="1" dirty="0"/>
         </a:p>
       </dgm:t>
     </dgm:pt>
@@ -6131,7 +6898,767 @@
   <dgm:whole/>
   <dgm:extLst>
     <a:ext uri="http://schemas.microsoft.com/office/drawing/2008/diagram">
-      <dsp:dataModelExt xmlns:dsp="http://schemas.microsoft.com/office/drawing/2008/diagram" xmlns="" relId="rId7" minVer="http://schemas.openxmlformats.org/drawingml/2006/diagram"/>
+      <dsp:dataModelExt xmlns:dsp="http://schemas.microsoft.com/office/drawing/2008/diagram" xmlns="" relId="rId6" minVer="http://schemas.openxmlformats.org/drawingml/2006/diagram"/>
+    </a:ext>
+  </dgm:extLst>
+</dgm:dataModel>
+</file>
+
+<file path=ppt/diagrams/data5.xml><?xml version="1.0" encoding="utf-8"?>
+<dgm:dataModel xmlns:dgm="http://schemas.openxmlformats.org/drawingml/2006/diagram" xmlns:a="http://schemas.openxmlformats.org/drawingml/2006/main">
+  <dgm:ptLst>
+    <dgm:pt modelId="{90A3BE77-B47D-4CC3-A02C-EF397079DAB2}" type="doc">
+      <dgm:prSet loTypeId="urn:microsoft.com/office/officeart/2005/8/layout/hierarchy4" loCatId="hierarchy" qsTypeId="urn:microsoft.com/office/officeart/2005/8/quickstyle/simple4" qsCatId="simple" csTypeId="urn:microsoft.com/office/officeart/2005/8/colors/accent1_2" csCatId="accent1" phldr="1"/>
+      <dgm:spPr/>
+      <dgm:t>
+        <a:bodyPr/>
+        <a:lstStyle/>
+        <a:p>
+          <a:endParaRPr lang="es-AR"/>
+        </a:p>
+      </dgm:t>
+    </dgm:pt>
+    <dgm:pt modelId="{5F3697D6-9B8A-4FC8-875A-409E783CBA6C}">
+      <dgm:prSet phldrT="[Texto]">
+        <dgm:style>
+          <a:lnRef idx="1">
+            <a:schemeClr val="accent3"/>
+          </a:lnRef>
+          <a:fillRef idx="3">
+            <a:schemeClr val="accent3"/>
+          </a:fillRef>
+          <a:effectRef idx="2">
+            <a:schemeClr val="accent3"/>
+          </a:effectRef>
+          <a:fontRef idx="minor">
+            <a:schemeClr val="lt1"/>
+          </a:fontRef>
+        </dgm:style>
+      </dgm:prSet>
+      <dgm:spPr/>
+      <dgm:t>
+        <a:bodyPr/>
+        <a:lstStyle/>
+        <a:p>
+          <a:r>
+            <a:rPr lang="es-AR" b="1" dirty="0"/>
+            <a:t>CONVERSOR FLASH</a:t>
+          </a:r>
+        </a:p>
+      </dgm:t>
+    </dgm:pt>
+    <dgm:pt modelId="{56AD3C1C-E682-4322-A76F-D20B4983137C}" type="parTrans" cxnId="{A7DF1C9A-32FD-48AD-ADE7-24611E04D2F6}">
+      <dgm:prSet/>
+      <dgm:spPr/>
+      <dgm:t>
+        <a:bodyPr/>
+        <a:lstStyle/>
+        <a:p>
+          <a:endParaRPr lang="es-AR"/>
+        </a:p>
+      </dgm:t>
+    </dgm:pt>
+    <dgm:pt modelId="{A68F4CB2-851B-4EDC-BA10-B7B65E8EA7E1}" type="sibTrans" cxnId="{A7DF1C9A-32FD-48AD-ADE7-24611E04D2F6}">
+      <dgm:prSet/>
+      <dgm:spPr/>
+      <dgm:t>
+        <a:bodyPr/>
+        <a:lstStyle/>
+        <a:p>
+          <a:endParaRPr lang="es-AR"/>
+        </a:p>
+      </dgm:t>
+    </dgm:pt>
+    <dgm:pt modelId="{82FC5F13-03F2-42B0-8FC5-91B3F7D20E41}">
+      <dgm:prSet phldrT="[Texto]"/>
+      <dgm:spPr/>
+      <dgm:t>
+        <a:bodyPr/>
+        <a:lstStyle/>
+        <a:p>
+          <a:r>
+            <a:rPr lang="es-AR" dirty="0"/>
+            <a:t>Analógico</a:t>
+          </a:r>
+        </a:p>
+      </dgm:t>
+    </dgm:pt>
+    <dgm:pt modelId="{146CDF79-601C-4526-9AB5-99805A249A0C}" type="parTrans" cxnId="{AF8C70B8-50F8-4A74-AB33-FB89D5FDDC50}">
+      <dgm:prSet/>
+      <dgm:spPr/>
+      <dgm:t>
+        <a:bodyPr/>
+        <a:lstStyle/>
+        <a:p>
+          <a:endParaRPr lang="es-AR"/>
+        </a:p>
+      </dgm:t>
+    </dgm:pt>
+    <dgm:pt modelId="{23DF92AB-531C-4065-8F05-6999A4C59A7F}" type="sibTrans" cxnId="{AF8C70B8-50F8-4A74-AB33-FB89D5FDDC50}">
+      <dgm:prSet/>
+      <dgm:spPr/>
+      <dgm:t>
+        <a:bodyPr/>
+        <a:lstStyle/>
+        <a:p>
+          <a:endParaRPr lang="es-AR"/>
+        </a:p>
+      </dgm:t>
+    </dgm:pt>
+    <dgm:pt modelId="{1AE98F1E-E277-4E7C-B37B-2DD87C237351}">
+      <dgm:prSet phldrT="[Texto]"/>
+      <dgm:spPr/>
+      <dgm:t>
+        <a:bodyPr/>
+        <a:lstStyle/>
+        <a:p>
+          <a:r>
+            <a:rPr lang="es-AR" dirty="0"/>
+            <a:t>DECODIFICADOR</a:t>
+          </a:r>
+        </a:p>
+      </dgm:t>
+    </dgm:pt>
+    <dgm:pt modelId="{6087DDA3-3EE4-4A37-88E0-1B1A5DB6F32A}" type="parTrans" cxnId="{BF59E181-D274-452E-BFE9-AE043F25446A}">
+      <dgm:prSet/>
+      <dgm:spPr/>
+      <dgm:t>
+        <a:bodyPr/>
+        <a:lstStyle/>
+        <a:p>
+          <a:endParaRPr lang="es-AR"/>
+        </a:p>
+      </dgm:t>
+    </dgm:pt>
+    <dgm:pt modelId="{025C4CC2-BEED-4875-A644-3F5157E4C048}" type="sibTrans" cxnId="{BF59E181-D274-452E-BFE9-AE043F25446A}">
+      <dgm:prSet/>
+      <dgm:spPr/>
+      <dgm:t>
+        <a:bodyPr/>
+        <a:lstStyle/>
+        <a:p>
+          <a:endParaRPr lang="es-AR"/>
+        </a:p>
+      </dgm:t>
+    </dgm:pt>
+    <dgm:pt modelId="{C24630A2-AF00-4F3D-8CCD-40A466DD1268}">
+      <dgm:prSet phldrT="[Texto]"/>
+      <dgm:spPr/>
+      <dgm:t>
+        <a:bodyPr/>
+        <a:lstStyle/>
+        <a:p>
+          <a:r>
+            <a:rPr lang="es-AR" dirty="0"/>
+            <a:t>Digital</a:t>
+          </a:r>
+        </a:p>
+      </dgm:t>
+    </dgm:pt>
+    <dgm:pt modelId="{86201C60-7D9F-43FA-921C-29BB372F5F25}" type="parTrans" cxnId="{3F88198C-B42A-4444-98BD-04A7185995A8}">
+      <dgm:prSet/>
+      <dgm:spPr/>
+      <dgm:t>
+        <a:bodyPr/>
+        <a:lstStyle/>
+        <a:p>
+          <a:endParaRPr lang="es-AR"/>
+        </a:p>
+      </dgm:t>
+    </dgm:pt>
+    <dgm:pt modelId="{F28E80F6-41CD-44CF-8B7E-BBF3DAA33845}" type="sibTrans" cxnId="{3F88198C-B42A-4444-98BD-04A7185995A8}">
+      <dgm:prSet/>
+      <dgm:spPr/>
+      <dgm:t>
+        <a:bodyPr/>
+        <a:lstStyle/>
+        <a:p>
+          <a:endParaRPr lang="es-AR"/>
+        </a:p>
+      </dgm:t>
+    </dgm:pt>
+    <dgm:pt modelId="{82005FC4-939D-4ACF-8C2F-E6C9501F71E5}">
+      <dgm:prSet phldrT="[Texto]"/>
+      <dgm:spPr/>
+      <dgm:t>
+        <a:bodyPr/>
+        <a:lstStyle/>
+        <a:p>
+          <a:r>
+            <a:rPr lang="es-AR" dirty="0"/>
+            <a:t>NEGADOR</a:t>
+          </a:r>
+        </a:p>
+      </dgm:t>
+    </dgm:pt>
+    <dgm:pt modelId="{51768AA2-CC1B-4302-9F5A-E6B43554C8D3}" type="parTrans" cxnId="{CCA872C4-41F8-48D5-A3CB-DEB651A4CDBB}">
+      <dgm:prSet/>
+      <dgm:spPr/>
+      <dgm:t>
+        <a:bodyPr/>
+        <a:lstStyle/>
+        <a:p>
+          <a:endParaRPr lang="es-AR"/>
+        </a:p>
+      </dgm:t>
+    </dgm:pt>
+    <dgm:pt modelId="{F063F031-5075-4751-AAF0-C7653BB77026}" type="sibTrans" cxnId="{CCA872C4-41F8-48D5-A3CB-DEB651A4CDBB}">
+      <dgm:prSet/>
+      <dgm:spPr/>
+      <dgm:t>
+        <a:bodyPr/>
+        <a:lstStyle/>
+        <a:p>
+          <a:endParaRPr lang="es-AR"/>
+        </a:p>
+      </dgm:t>
+    </dgm:pt>
+    <dgm:pt modelId="{44146284-82FF-4A1A-87EA-B2772AC5BFBB}">
+      <dgm:prSet phldrT="[Texto]"/>
+      <dgm:spPr/>
+      <dgm:t>
+        <a:bodyPr/>
+        <a:lstStyle/>
+        <a:p>
+          <a:r>
+            <a:rPr lang="es-AR" dirty="0"/>
+            <a:t>COMPUERTAS NAND</a:t>
+          </a:r>
+        </a:p>
+      </dgm:t>
+    </dgm:pt>
+    <dgm:pt modelId="{B534DC48-4245-4607-8BFE-FE7C9ECDC6CA}" type="parTrans" cxnId="{21254E01-C081-4565-9110-213FE39E1C5E}">
+      <dgm:prSet/>
+      <dgm:spPr/>
+      <dgm:t>
+        <a:bodyPr/>
+        <a:lstStyle/>
+        <a:p>
+          <a:endParaRPr lang="es-AR"/>
+        </a:p>
+      </dgm:t>
+    </dgm:pt>
+    <dgm:pt modelId="{0D28F18E-3F51-44B7-90A9-E24095DE5D32}" type="sibTrans" cxnId="{21254E01-C081-4565-9110-213FE39E1C5E}">
+      <dgm:prSet/>
+      <dgm:spPr/>
+      <dgm:t>
+        <a:bodyPr/>
+        <a:lstStyle/>
+        <a:p>
+          <a:endParaRPr lang="es-AR"/>
+        </a:p>
+      </dgm:t>
+    </dgm:pt>
+    <dgm:pt modelId="{CA68773C-599B-4C02-82AD-F37CD983A29A}">
+      <dgm:prSet phldrT="[Texto]"/>
+      <dgm:spPr/>
+      <dgm:t>
+        <a:bodyPr/>
+        <a:lstStyle/>
+        <a:p>
+          <a:r>
+            <a:rPr lang="en-US" dirty="0" smtClean="0"/>
+            <a:t>DIVISOR RESISTIVO</a:t>
+          </a:r>
+          <a:endParaRPr lang="es-AR" dirty="0"/>
+        </a:p>
+      </dgm:t>
+    </dgm:pt>
+    <dgm:pt modelId="{EAF90292-AFEF-459A-92A1-465EE668E753}" type="parTrans" cxnId="{155803CF-D7ED-4258-975C-44220E8FF260}">
+      <dgm:prSet/>
+      <dgm:spPr/>
+      <dgm:t>
+        <a:bodyPr/>
+        <a:lstStyle/>
+        <a:p>
+          <a:endParaRPr lang="es-AR"/>
+        </a:p>
+      </dgm:t>
+    </dgm:pt>
+    <dgm:pt modelId="{DBB0D9B8-2E2C-43E9-9D81-4F2142FFCB8C}" type="sibTrans" cxnId="{155803CF-D7ED-4258-975C-44220E8FF260}">
+      <dgm:prSet/>
+      <dgm:spPr/>
+      <dgm:t>
+        <a:bodyPr/>
+        <a:lstStyle/>
+        <a:p>
+          <a:endParaRPr lang="es-AR"/>
+        </a:p>
+      </dgm:t>
+    </dgm:pt>
+    <dgm:pt modelId="{051DCF9C-9DAE-4C67-91DA-C9913344FDDA}">
+      <dgm:prSet phldrT="[Texto]">
+        <dgm:style>
+          <a:lnRef idx="1">
+            <a:schemeClr val="accent1"/>
+          </a:lnRef>
+          <a:fillRef idx="3">
+            <a:schemeClr val="accent1"/>
+          </a:fillRef>
+          <a:effectRef idx="2">
+            <a:schemeClr val="accent1"/>
+          </a:effectRef>
+          <a:fontRef idx="minor">
+            <a:schemeClr val="lt1"/>
+          </a:fontRef>
+        </dgm:style>
+      </dgm:prSet>
+      <dgm:spPr/>
+      <dgm:t>
+        <a:bodyPr/>
+        <a:lstStyle/>
+        <a:p>
+          <a:r>
+            <a:rPr lang="en-US" dirty="0" smtClean="0"/>
+            <a:t>COMPARADOR</a:t>
+          </a:r>
+          <a:endParaRPr lang="es-AR" dirty="0"/>
+        </a:p>
+      </dgm:t>
+    </dgm:pt>
+    <dgm:pt modelId="{2994485D-EAFA-4387-AFF9-B1C3D467CB8F}" type="parTrans" cxnId="{FB800A8C-B86D-4374-9129-328835CC2047}">
+      <dgm:prSet/>
+      <dgm:spPr/>
+      <dgm:t>
+        <a:bodyPr/>
+        <a:lstStyle/>
+        <a:p>
+          <a:endParaRPr lang="es-AR"/>
+        </a:p>
+      </dgm:t>
+    </dgm:pt>
+    <dgm:pt modelId="{7FF31442-6893-4C25-A61F-D4430D1D6065}" type="sibTrans" cxnId="{FB800A8C-B86D-4374-9129-328835CC2047}">
+      <dgm:prSet/>
+      <dgm:spPr/>
+      <dgm:t>
+        <a:bodyPr/>
+        <a:lstStyle/>
+        <a:p>
+          <a:endParaRPr lang="es-AR"/>
+        </a:p>
+      </dgm:t>
+    </dgm:pt>
+    <dgm:pt modelId="{B1C17C2D-F409-45D5-A195-A101C16AA97D}" type="pres">
+      <dgm:prSet presAssocID="{90A3BE77-B47D-4CC3-A02C-EF397079DAB2}" presName="Name0" presStyleCnt="0">
+        <dgm:presLayoutVars>
+          <dgm:chPref val="1"/>
+          <dgm:dir/>
+          <dgm:animOne val="branch"/>
+          <dgm:animLvl val="lvl"/>
+          <dgm:resizeHandles/>
+        </dgm:presLayoutVars>
+      </dgm:prSet>
+      <dgm:spPr/>
+      <dgm:t>
+        <a:bodyPr/>
+        <a:lstStyle/>
+        <a:p>
+          <a:endParaRPr lang="es-AR"/>
+        </a:p>
+      </dgm:t>
+    </dgm:pt>
+    <dgm:pt modelId="{B90077B6-671E-4BA7-B629-993157133A77}" type="pres">
+      <dgm:prSet presAssocID="{5F3697D6-9B8A-4FC8-875A-409E783CBA6C}" presName="vertOne" presStyleCnt="0"/>
+      <dgm:spPr/>
+      <dgm:t>
+        <a:bodyPr/>
+        <a:lstStyle/>
+        <a:p>
+          <a:endParaRPr lang="es-AR"/>
+        </a:p>
+      </dgm:t>
+    </dgm:pt>
+    <dgm:pt modelId="{AA8642CE-076F-4E21-9169-AEFC3A7958DB}" type="pres">
+      <dgm:prSet presAssocID="{5F3697D6-9B8A-4FC8-875A-409E783CBA6C}" presName="txOne" presStyleLbl="node0" presStyleIdx="0" presStyleCnt="1" custScaleY="64974" custLinFactNeighborY="-586">
+        <dgm:presLayoutVars>
+          <dgm:chPref val="3"/>
+        </dgm:presLayoutVars>
+      </dgm:prSet>
+      <dgm:spPr/>
+      <dgm:t>
+        <a:bodyPr/>
+        <a:lstStyle/>
+        <a:p>
+          <a:endParaRPr lang="es-AR"/>
+        </a:p>
+      </dgm:t>
+    </dgm:pt>
+    <dgm:pt modelId="{3CA64998-79C4-4E5F-87C9-ABEFFE89D737}" type="pres">
+      <dgm:prSet presAssocID="{5F3697D6-9B8A-4FC8-875A-409E783CBA6C}" presName="parTransOne" presStyleCnt="0"/>
+      <dgm:spPr/>
+      <dgm:t>
+        <a:bodyPr/>
+        <a:lstStyle/>
+        <a:p>
+          <a:endParaRPr lang="es-AR"/>
+        </a:p>
+      </dgm:t>
+    </dgm:pt>
+    <dgm:pt modelId="{2245D860-2C6B-412B-8027-65E0B19ACFF2}" type="pres">
+      <dgm:prSet presAssocID="{5F3697D6-9B8A-4FC8-875A-409E783CBA6C}" presName="horzOne" presStyleCnt="0"/>
+      <dgm:spPr/>
+      <dgm:t>
+        <a:bodyPr/>
+        <a:lstStyle/>
+        <a:p>
+          <a:endParaRPr lang="es-AR"/>
+        </a:p>
+      </dgm:t>
+    </dgm:pt>
+    <dgm:pt modelId="{3E20A8BE-133A-47CF-83B9-9AE978690938}" type="pres">
+      <dgm:prSet presAssocID="{82FC5F13-03F2-42B0-8FC5-91B3F7D20E41}" presName="vertTwo" presStyleCnt="0"/>
+      <dgm:spPr/>
+      <dgm:t>
+        <a:bodyPr/>
+        <a:lstStyle/>
+        <a:p>
+          <a:endParaRPr lang="es-AR"/>
+        </a:p>
+      </dgm:t>
+    </dgm:pt>
+    <dgm:pt modelId="{A3022894-5017-4BFC-92F1-859D2AB0615B}" type="pres">
+      <dgm:prSet presAssocID="{82FC5F13-03F2-42B0-8FC5-91B3F7D20E41}" presName="txTwo" presStyleLbl="node2" presStyleIdx="0" presStyleCnt="2" custScaleY="29747">
+        <dgm:presLayoutVars>
+          <dgm:chPref val="3"/>
+        </dgm:presLayoutVars>
+      </dgm:prSet>
+      <dgm:spPr/>
+      <dgm:t>
+        <a:bodyPr/>
+        <a:lstStyle/>
+        <a:p>
+          <a:endParaRPr lang="es-AR"/>
+        </a:p>
+      </dgm:t>
+    </dgm:pt>
+    <dgm:pt modelId="{581D0262-5E39-4AA9-A6DF-9F899A9331C4}" type="pres">
+      <dgm:prSet presAssocID="{82FC5F13-03F2-42B0-8FC5-91B3F7D20E41}" presName="parTransTwo" presStyleCnt="0"/>
+      <dgm:spPr/>
+      <dgm:t>
+        <a:bodyPr/>
+        <a:lstStyle/>
+        <a:p>
+          <a:endParaRPr lang="es-AR"/>
+        </a:p>
+      </dgm:t>
+    </dgm:pt>
+    <dgm:pt modelId="{A254B675-E461-46D8-BA04-AF1DCBCD2D3B}" type="pres">
+      <dgm:prSet presAssocID="{82FC5F13-03F2-42B0-8FC5-91B3F7D20E41}" presName="horzTwo" presStyleCnt="0"/>
+      <dgm:spPr/>
+      <dgm:t>
+        <a:bodyPr/>
+        <a:lstStyle/>
+        <a:p>
+          <a:endParaRPr lang="es-AR"/>
+        </a:p>
+      </dgm:t>
+    </dgm:pt>
+    <dgm:pt modelId="{5EB12E8D-7B7F-4A30-99E7-5B64609CFD2E}" type="pres">
+      <dgm:prSet presAssocID="{CA68773C-599B-4C02-82AD-F37CD983A29A}" presName="vertThree" presStyleCnt="0"/>
+      <dgm:spPr/>
+    </dgm:pt>
+    <dgm:pt modelId="{77AF4231-0E06-4D67-9726-0A13A07A304E}" type="pres">
+      <dgm:prSet presAssocID="{CA68773C-599B-4C02-82AD-F37CD983A29A}" presName="txThree" presStyleLbl="node3" presStyleIdx="0" presStyleCnt="3" custScaleY="60170">
+        <dgm:presLayoutVars>
+          <dgm:chPref val="3"/>
+        </dgm:presLayoutVars>
+      </dgm:prSet>
+      <dgm:spPr/>
+      <dgm:t>
+        <a:bodyPr/>
+        <a:lstStyle/>
+        <a:p>
+          <a:endParaRPr lang="es-AR"/>
+        </a:p>
+      </dgm:t>
+    </dgm:pt>
+    <dgm:pt modelId="{9F769287-E1D9-4AE4-8142-95E4B654FD88}" type="pres">
+      <dgm:prSet presAssocID="{CA68773C-599B-4C02-82AD-F37CD983A29A}" presName="horzThree" presStyleCnt="0"/>
+      <dgm:spPr/>
+    </dgm:pt>
+    <dgm:pt modelId="{60654D6E-F3E5-48E3-9135-98DD43B98BCE}" type="pres">
+      <dgm:prSet presAssocID="{DBB0D9B8-2E2C-43E9-9D81-4F2142FFCB8C}" presName="sibSpaceThree" presStyleCnt="0"/>
+      <dgm:spPr/>
+    </dgm:pt>
+    <dgm:pt modelId="{48D51404-4B48-42D5-951F-822A52842F92}" type="pres">
+      <dgm:prSet presAssocID="{051DCF9C-9DAE-4C67-91DA-C9913344FDDA}" presName="vertThree" presStyleCnt="0"/>
+      <dgm:spPr/>
+    </dgm:pt>
+    <dgm:pt modelId="{176A0B6E-F600-4993-8313-3DB59B4E75DA}" type="pres">
+      <dgm:prSet presAssocID="{051DCF9C-9DAE-4C67-91DA-C9913344FDDA}" presName="txThree" presStyleLbl="node3" presStyleIdx="1" presStyleCnt="3" custScaleY="60170">
+        <dgm:presLayoutVars>
+          <dgm:chPref val="3"/>
+        </dgm:presLayoutVars>
+      </dgm:prSet>
+      <dgm:spPr/>
+      <dgm:t>
+        <a:bodyPr/>
+        <a:lstStyle/>
+        <a:p>
+          <a:endParaRPr lang="es-AR"/>
+        </a:p>
+      </dgm:t>
+    </dgm:pt>
+    <dgm:pt modelId="{D2621789-C5C7-4290-AFE3-CBFDB0BE6A1A}" type="pres">
+      <dgm:prSet presAssocID="{051DCF9C-9DAE-4C67-91DA-C9913344FDDA}" presName="horzThree" presStyleCnt="0"/>
+      <dgm:spPr/>
+    </dgm:pt>
+    <dgm:pt modelId="{848AA526-DCBE-4DF9-A9A0-34DD96DA419D}" type="pres">
+      <dgm:prSet presAssocID="{23DF92AB-531C-4065-8F05-6999A4C59A7F}" presName="sibSpaceTwo" presStyleCnt="0"/>
+      <dgm:spPr/>
+      <dgm:t>
+        <a:bodyPr/>
+        <a:lstStyle/>
+        <a:p>
+          <a:endParaRPr lang="es-AR"/>
+        </a:p>
+      </dgm:t>
+    </dgm:pt>
+    <dgm:pt modelId="{5E976C85-575B-42E3-B0E3-9197FD7E04F1}" type="pres">
+      <dgm:prSet presAssocID="{C24630A2-AF00-4F3D-8CCD-40A466DD1268}" presName="vertTwo" presStyleCnt="0"/>
+      <dgm:spPr/>
+      <dgm:t>
+        <a:bodyPr/>
+        <a:lstStyle/>
+        <a:p>
+          <a:endParaRPr lang="es-AR"/>
+        </a:p>
+      </dgm:t>
+    </dgm:pt>
+    <dgm:pt modelId="{27A8E2C9-ACC0-4C1C-A1B4-FC5118E4D3CD}" type="pres">
+      <dgm:prSet presAssocID="{C24630A2-AF00-4F3D-8CCD-40A466DD1268}" presName="txTwo" presStyleLbl="node2" presStyleIdx="1" presStyleCnt="2" custScaleY="27873">
+        <dgm:presLayoutVars>
+          <dgm:chPref val="3"/>
+        </dgm:presLayoutVars>
+      </dgm:prSet>
+      <dgm:spPr/>
+      <dgm:t>
+        <a:bodyPr/>
+        <a:lstStyle/>
+        <a:p>
+          <a:endParaRPr lang="es-AR"/>
+        </a:p>
+      </dgm:t>
+    </dgm:pt>
+    <dgm:pt modelId="{BD134D29-993D-49E0-9AD3-8DF9ACCD229B}" type="pres">
+      <dgm:prSet presAssocID="{C24630A2-AF00-4F3D-8CCD-40A466DD1268}" presName="parTransTwo" presStyleCnt="0"/>
+      <dgm:spPr/>
+      <dgm:t>
+        <a:bodyPr/>
+        <a:lstStyle/>
+        <a:p>
+          <a:endParaRPr lang="es-AR"/>
+        </a:p>
+      </dgm:t>
+    </dgm:pt>
+    <dgm:pt modelId="{950D962F-98D4-4E2E-9EDC-622CA1859D92}" type="pres">
+      <dgm:prSet presAssocID="{C24630A2-AF00-4F3D-8CCD-40A466DD1268}" presName="horzTwo" presStyleCnt="0"/>
+      <dgm:spPr/>
+      <dgm:t>
+        <a:bodyPr/>
+        <a:lstStyle/>
+        <a:p>
+          <a:endParaRPr lang="es-AR"/>
+        </a:p>
+      </dgm:t>
+    </dgm:pt>
+    <dgm:pt modelId="{4E773025-6A56-4DAE-B09F-CD5EB51D8CF5}" type="pres">
+      <dgm:prSet presAssocID="{1AE98F1E-E277-4E7C-B37B-2DD87C237351}" presName="vertThree" presStyleCnt="0"/>
+      <dgm:spPr/>
+      <dgm:t>
+        <a:bodyPr/>
+        <a:lstStyle/>
+        <a:p>
+          <a:endParaRPr lang="es-AR"/>
+        </a:p>
+      </dgm:t>
+    </dgm:pt>
+    <dgm:pt modelId="{2D0BEDD2-93E1-444F-B15D-F8AE6E00B684}" type="pres">
+      <dgm:prSet presAssocID="{1AE98F1E-E277-4E7C-B37B-2DD87C237351}" presName="txThree" presStyleLbl="node3" presStyleIdx="2" presStyleCnt="3" custScaleY="42550">
+        <dgm:presLayoutVars>
+          <dgm:chPref val="3"/>
+        </dgm:presLayoutVars>
+      </dgm:prSet>
+      <dgm:spPr/>
+      <dgm:t>
+        <a:bodyPr/>
+        <a:lstStyle/>
+        <a:p>
+          <a:endParaRPr lang="es-AR"/>
+        </a:p>
+      </dgm:t>
+    </dgm:pt>
+    <dgm:pt modelId="{99975524-9E7C-4C02-BE74-E33345EC6DF1}" type="pres">
+      <dgm:prSet presAssocID="{1AE98F1E-E277-4E7C-B37B-2DD87C237351}" presName="parTransThree" presStyleCnt="0"/>
+      <dgm:spPr/>
+      <dgm:t>
+        <a:bodyPr/>
+        <a:lstStyle/>
+        <a:p>
+          <a:endParaRPr lang="es-AR"/>
+        </a:p>
+      </dgm:t>
+    </dgm:pt>
+    <dgm:pt modelId="{EF09C306-775A-4B24-9CF9-41380976B8D0}" type="pres">
+      <dgm:prSet presAssocID="{1AE98F1E-E277-4E7C-B37B-2DD87C237351}" presName="horzThree" presStyleCnt="0"/>
+      <dgm:spPr/>
+      <dgm:t>
+        <a:bodyPr/>
+        <a:lstStyle/>
+        <a:p>
+          <a:endParaRPr lang="es-AR"/>
+        </a:p>
+      </dgm:t>
+    </dgm:pt>
+    <dgm:pt modelId="{B8369508-1C3E-42EA-B911-EB12B31ABE89}" type="pres">
+      <dgm:prSet presAssocID="{82005FC4-939D-4ACF-8C2F-E6C9501F71E5}" presName="vertFour" presStyleCnt="0">
+        <dgm:presLayoutVars>
+          <dgm:chPref val="3"/>
+        </dgm:presLayoutVars>
+      </dgm:prSet>
+      <dgm:spPr/>
+      <dgm:t>
+        <a:bodyPr/>
+        <a:lstStyle/>
+        <a:p>
+          <a:endParaRPr lang="es-AR"/>
+        </a:p>
+      </dgm:t>
+    </dgm:pt>
+    <dgm:pt modelId="{85EB828F-C976-4C4B-BA1A-17244ACF076A}" type="pres">
+      <dgm:prSet presAssocID="{82005FC4-939D-4ACF-8C2F-E6C9501F71E5}" presName="txFour" presStyleLbl="node4" presStyleIdx="0" presStyleCnt="2" custScaleY="38464">
+        <dgm:presLayoutVars>
+          <dgm:chPref val="3"/>
+        </dgm:presLayoutVars>
+      </dgm:prSet>
+      <dgm:spPr/>
+      <dgm:t>
+        <a:bodyPr/>
+        <a:lstStyle/>
+        <a:p>
+          <a:endParaRPr lang="es-AR"/>
+        </a:p>
+      </dgm:t>
+    </dgm:pt>
+    <dgm:pt modelId="{7CA51DFC-9AB6-431C-9C1B-E07D82D66B4E}" type="pres">
+      <dgm:prSet presAssocID="{82005FC4-939D-4ACF-8C2F-E6C9501F71E5}" presName="horzFour" presStyleCnt="0"/>
+      <dgm:spPr/>
+      <dgm:t>
+        <a:bodyPr/>
+        <a:lstStyle/>
+        <a:p>
+          <a:endParaRPr lang="es-AR"/>
+        </a:p>
+      </dgm:t>
+    </dgm:pt>
+    <dgm:pt modelId="{A06018AF-59A4-4F09-8D5B-385DBB3F666A}" type="pres">
+      <dgm:prSet presAssocID="{F063F031-5075-4751-AAF0-C7653BB77026}" presName="sibSpaceFour" presStyleCnt="0"/>
+      <dgm:spPr/>
+      <dgm:t>
+        <a:bodyPr/>
+        <a:lstStyle/>
+        <a:p>
+          <a:endParaRPr lang="es-AR"/>
+        </a:p>
+      </dgm:t>
+    </dgm:pt>
+    <dgm:pt modelId="{B03E35B3-9816-47C8-815A-2E40261CE97F}" type="pres">
+      <dgm:prSet presAssocID="{44146284-82FF-4A1A-87EA-B2772AC5BFBB}" presName="vertFour" presStyleCnt="0">
+        <dgm:presLayoutVars>
+          <dgm:chPref val="3"/>
+        </dgm:presLayoutVars>
+      </dgm:prSet>
+      <dgm:spPr/>
+      <dgm:t>
+        <a:bodyPr/>
+        <a:lstStyle/>
+        <a:p>
+          <a:endParaRPr lang="es-AR"/>
+        </a:p>
+      </dgm:t>
+    </dgm:pt>
+    <dgm:pt modelId="{9DF2C459-4115-4E2B-AE4B-636AE7505F85}" type="pres">
+      <dgm:prSet presAssocID="{44146284-82FF-4A1A-87EA-B2772AC5BFBB}" presName="txFour" presStyleLbl="node4" presStyleIdx="1" presStyleCnt="2" custScaleY="39205">
+        <dgm:presLayoutVars>
+          <dgm:chPref val="3"/>
+        </dgm:presLayoutVars>
+      </dgm:prSet>
+      <dgm:spPr/>
+      <dgm:t>
+        <a:bodyPr/>
+        <a:lstStyle/>
+        <a:p>
+          <a:endParaRPr lang="es-AR"/>
+        </a:p>
+      </dgm:t>
+    </dgm:pt>
+    <dgm:pt modelId="{F2A14732-42DC-4D56-BA90-F09457335866}" type="pres">
+      <dgm:prSet presAssocID="{44146284-82FF-4A1A-87EA-B2772AC5BFBB}" presName="horzFour" presStyleCnt="0"/>
+      <dgm:spPr/>
+      <dgm:t>
+        <a:bodyPr/>
+        <a:lstStyle/>
+        <a:p>
+          <a:endParaRPr lang="es-AR"/>
+        </a:p>
+      </dgm:t>
+    </dgm:pt>
+  </dgm:ptLst>
+  <dgm:cxnLst>
+    <dgm:cxn modelId="{FB800A8C-B86D-4374-9129-328835CC2047}" srcId="{82FC5F13-03F2-42B0-8FC5-91B3F7D20E41}" destId="{051DCF9C-9DAE-4C67-91DA-C9913344FDDA}" srcOrd="1" destOrd="0" parTransId="{2994485D-EAFA-4387-AFF9-B1C3D467CB8F}" sibTransId="{7FF31442-6893-4C25-A61F-D4430D1D6065}"/>
+    <dgm:cxn modelId="{60C6CF31-620F-4B48-82DA-ACC02F00847A}" type="presOf" srcId="{051DCF9C-9DAE-4C67-91DA-C9913344FDDA}" destId="{176A0B6E-F600-4993-8313-3DB59B4E75DA}" srcOrd="0" destOrd="0" presId="urn:microsoft.com/office/officeart/2005/8/layout/hierarchy4"/>
+    <dgm:cxn modelId="{B85C4C8D-5B3B-433C-95E3-0CE4B25240E5}" type="presOf" srcId="{82005FC4-939D-4ACF-8C2F-E6C9501F71E5}" destId="{85EB828F-C976-4C4B-BA1A-17244ACF076A}" srcOrd="0" destOrd="0" presId="urn:microsoft.com/office/officeart/2005/8/layout/hierarchy4"/>
+    <dgm:cxn modelId="{853922A2-EAD3-40D8-93F1-E6AB8BBF7897}" type="presOf" srcId="{1AE98F1E-E277-4E7C-B37B-2DD87C237351}" destId="{2D0BEDD2-93E1-444F-B15D-F8AE6E00B684}" srcOrd="0" destOrd="0" presId="urn:microsoft.com/office/officeart/2005/8/layout/hierarchy4"/>
+    <dgm:cxn modelId="{21254E01-C081-4565-9110-213FE39E1C5E}" srcId="{1AE98F1E-E277-4E7C-B37B-2DD87C237351}" destId="{44146284-82FF-4A1A-87EA-B2772AC5BFBB}" srcOrd="1" destOrd="0" parTransId="{B534DC48-4245-4607-8BFE-FE7C9ECDC6CA}" sibTransId="{0D28F18E-3F51-44B7-90A9-E24095DE5D32}"/>
+    <dgm:cxn modelId="{213467DC-889A-4E68-9040-596E3A42D5E6}" type="presOf" srcId="{44146284-82FF-4A1A-87EA-B2772AC5BFBB}" destId="{9DF2C459-4115-4E2B-AE4B-636AE7505F85}" srcOrd="0" destOrd="0" presId="urn:microsoft.com/office/officeart/2005/8/layout/hierarchy4"/>
+    <dgm:cxn modelId="{AA7261FD-FFB0-4125-9A1C-F349833AC44E}" type="presOf" srcId="{90A3BE77-B47D-4CC3-A02C-EF397079DAB2}" destId="{B1C17C2D-F409-45D5-A195-A101C16AA97D}" srcOrd="0" destOrd="0" presId="urn:microsoft.com/office/officeart/2005/8/layout/hierarchy4"/>
+    <dgm:cxn modelId="{92522841-1F2D-4CD0-BBC1-9EEAC76482E2}" type="presOf" srcId="{5F3697D6-9B8A-4FC8-875A-409E783CBA6C}" destId="{AA8642CE-076F-4E21-9169-AEFC3A7958DB}" srcOrd="0" destOrd="0" presId="urn:microsoft.com/office/officeart/2005/8/layout/hierarchy4"/>
+    <dgm:cxn modelId="{AF8C70B8-50F8-4A74-AB33-FB89D5FDDC50}" srcId="{5F3697D6-9B8A-4FC8-875A-409E783CBA6C}" destId="{82FC5F13-03F2-42B0-8FC5-91B3F7D20E41}" srcOrd="0" destOrd="0" parTransId="{146CDF79-601C-4526-9AB5-99805A249A0C}" sibTransId="{23DF92AB-531C-4065-8F05-6999A4C59A7F}"/>
+    <dgm:cxn modelId="{155803CF-D7ED-4258-975C-44220E8FF260}" srcId="{82FC5F13-03F2-42B0-8FC5-91B3F7D20E41}" destId="{CA68773C-599B-4C02-82AD-F37CD983A29A}" srcOrd="0" destOrd="0" parTransId="{EAF90292-AFEF-459A-92A1-465EE668E753}" sibTransId="{DBB0D9B8-2E2C-43E9-9D81-4F2142FFCB8C}"/>
+    <dgm:cxn modelId="{BF59E181-D274-452E-BFE9-AE043F25446A}" srcId="{C24630A2-AF00-4F3D-8CCD-40A466DD1268}" destId="{1AE98F1E-E277-4E7C-B37B-2DD87C237351}" srcOrd="0" destOrd="0" parTransId="{6087DDA3-3EE4-4A37-88E0-1B1A5DB6F32A}" sibTransId="{025C4CC2-BEED-4875-A644-3F5157E4C048}"/>
+    <dgm:cxn modelId="{A7DF1C9A-32FD-48AD-ADE7-24611E04D2F6}" srcId="{90A3BE77-B47D-4CC3-A02C-EF397079DAB2}" destId="{5F3697D6-9B8A-4FC8-875A-409E783CBA6C}" srcOrd="0" destOrd="0" parTransId="{56AD3C1C-E682-4322-A76F-D20B4983137C}" sibTransId="{A68F4CB2-851B-4EDC-BA10-B7B65E8EA7E1}"/>
+    <dgm:cxn modelId="{3F88198C-B42A-4444-98BD-04A7185995A8}" srcId="{5F3697D6-9B8A-4FC8-875A-409E783CBA6C}" destId="{C24630A2-AF00-4F3D-8CCD-40A466DD1268}" srcOrd="1" destOrd="0" parTransId="{86201C60-7D9F-43FA-921C-29BB372F5F25}" sibTransId="{F28E80F6-41CD-44CF-8B7E-BBF3DAA33845}"/>
+    <dgm:cxn modelId="{0FEFDECD-EAAD-49C2-9292-BA111B59069E}" type="presOf" srcId="{CA68773C-599B-4C02-82AD-F37CD983A29A}" destId="{77AF4231-0E06-4D67-9726-0A13A07A304E}" srcOrd="0" destOrd="0" presId="urn:microsoft.com/office/officeart/2005/8/layout/hierarchy4"/>
+    <dgm:cxn modelId="{6557F1BA-4A64-4690-A042-CD90C8F0C805}" type="presOf" srcId="{82FC5F13-03F2-42B0-8FC5-91B3F7D20E41}" destId="{A3022894-5017-4BFC-92F1-859D2AB0615B}" srcOrd="0" destOrd="0" presId="urn:microsoft.com/office/officeart/2005/8/layout/hierarchy4"/>
+    <dgm:cxn modelId="{CCA872C4-41F8-48D5-A3CB-DEB651A4CDBB}" srcId="{1AE98F1E-E277-4E7C-B37B-2DD87C237351}" destId="{82005FC4-939D-4ACF-8C2F-E6C9501F71E5}" srcOrd="0" destOrd="0" parTransId="{51768AA2-CC1B-4302-9F5A-E6B43554C8D3}" sibTransId="{F063F031-5075-4751-AAF0-C7653BB77026}"/>
+    <dgm:cxn modelId="{32E53E21-2497-41C5-8AD8-E51E22D69770}" type="presOf" srcId="{C24630A2-AF00-4F3D-8CCD-40A466DD1268}" destId="{27A8E2C9-ACC0-4C1C-A1B4-FC5118E4D3CD}" srcOrd="0" destOrd="0" presId="urn:microsoft.com/office/officeart/2005/8/layout/hierarchy4"/>
+    <dgm:cxn modelId="{9B14F084-CE68-4DA4-8D63-A2EB8BFE370F}" type="presParOf" srcId="{B1C17C2D-F409-45D5-A195-A101C16AA97D}" destId="{B90077B6-671E-4BA7-B629-993157133A77}" srcOrd="0" destOrd="0" presId="urn:microsoft.com/office/officeart/2005/8/layout/hierarchy4"/>
+    <dgm:cxn modelId="{ED436E18-5036-4852-8E45-15D49B297970}" type="presParOf" srcId="{B90077B6-671E-4BA7-B629-993157133A77}" destId="{AA8642CE-076F-4E21-9169-AEFC3A7958DB}" srcOrd="0" destOrd="0" presId="urn:microsoft.com/office/officeart/2005/8/layout/hierarchy4"/>
+    <dgm:cxn modelId="{C0DED411-586D-4594-B91B-5622C2EE5543}" type="presParOf" srcId="{B90077B6-671E-4BA7-B629-993157133A77}" destId="{3CA64998-79C4-4E5F-87C9-ABEFFE89D737}" srcOrd="1" destOrd="0" presId="urn:microsoft.com/office/officeart/2005/8/layout/hierarchy4"/>
+    <dgm:cxn modelId="{899C047F-8125-4E4F-AFD2-16EC551E8DAB}" type="presParOf" srcId="{B90077B6-671E-4BA7-B629-993157133A77}" destId="{2245D860-2C6B-412B-8027-65E0B19ACFF2}" srcOrd="2" destOrd="0" presId="urn:microsoft.com/office/officeart/2005/8/layout/hierarchy4"/>
+    <dgm:cxn modelId="{76B059A4-5178-47DD-BE1D-D376DC113073}" type="presParOf" srcId="{2245D860-2C6B-412B-8027-65E0B19ACFF2}" destId="{3E20A8BE-133A-47CF-83B9-9AE978690938}" srcOrd="0" destOrd="0" presId="urn:microsoft.com/office/officeart/2005/8/layout/hierarchy4"/>
+    <dgm:cxn modelId="{D797344C-F387-444D-9B88-21FE2E1D1070}" type="presParOf" srcId="{3E20A8BE-133A-47CF-83B9-9AE978690938}" destId="{A3022894-5017-4BFC-92F1-859D2AB0615B}" srcOrd="0" destOrd="0" presId="urn:microsoft.com/office/officeart/2005/8/layout/hierarchy4"/>
+    <dgm:cxn modelId="{B717130E-9484-4B16-9482-04329EDE23E8}" type="presParOf" srcId="{3E20A8BE-133A-47CF-83B9-9AE978690938}" destId="{581D0262-5E39-4AA9-A6DF-9F899A9331C4}" srcOrd="1" destOrd="0" presId="urn:microsoft.com/office/officeart/2005/8/layout/hierarchy4"/>
+    <dgm:cxn modelId="{13B0C845-66F5-4D93-AE13-779B903157BF}" type="presParOf" srcId="{3E20A8BE-133A-47CF-83B9-9AE978690938}" destId="{A254B675-E461-46D8-BA04-AF1DCBCD2D3B}" srcOrd="2" destOrd="0" presId="urn:microsoft.com/office/officeart/2005/8/layout/hierarchy4"/>
+    <dgm:cxn modelId="{21D1140E-CD72-499F-8D33-A7384BBF64EA}" type="presParOf" srcId="{A254B675-E461-46D8-BA04-AF1DCBCD2D3B}" destId="{5EB12E8D-7B7F-4A30-99E7-5B64609CFD2E}" srcOrd="0" destOrd="0" presId="urn:microsoft.com/office/officeart/2005/8/layout/hierarchy4"/>
+    <dgm:cxn modelId="{F35F64B5-E20D-4592-8C56-1998F8047974}" type="presParOf" srcId="{5EB12E8D-7B7F-4A30-99E7-5B64609CFD2E}" destId="{77AF4231-0E06-4D67-9726-0A13A07A304E}" srcOrd="0" destOrd="0" presId="urn:microsoft.com/office/officeart/2005/8/layout/hierarchy4"/>
+    <dgm:cxn modelId="{D0C4493C-585F-461E-BD87-C872A7B13D7E}" type="presParOf" srcId="{5EB12E8D-7B7F-4A30-99E7-5B64609CFD2E}" destId="{9F769287-E1D9-4AE4-8142-95E4B654FD88}" srcOrd="1" destOrd="0" presId="urn:microsoft.com/office/officeart/2005/8/layout/hierarchy4"/>
+    <dgm:cxn modelId="{5DB515CE-0707-4849-894C-60E5345B4653}" type="presParOf" srcId="{A254B675-E461-46D8-BA04-AF1DCBCD2D3B}" destId="{60654D6E-F3E5-48E3-9135-98DD43B98BCE}" srcOrd="1" destOrd="0" presId="urn:microsoft.com/office/officeart/2005/8/layout/hierarchy4"/>
+    <dgm:cxn modelId="{153686A4-0154-41F2-8706-E4708DCB612D}" type="presParOf" srcId="{A254B675-E461-46D8-BA04-AF1DCBCD2D3B}" destId="{48D51404-4B48-42D5-951F-822A52842F92}" srcOrd="2" destOrd="0" presId="urn:microsoft.com/office/officeart/2005/8/layout/hierarchy4"/>
+    <dgm:cxn modelId="{213E1470-17C4-4042-B94F-89CF97AC5717}" type="presParOf" srcId="{48D51404-4B48-42D5-951F-822A52842F92}" destId="{176A0B6E-F600-4993-8313-3DB59B4E75DA}" srcOrd="0" destOrd="0" presId="urn:microsoft.com/office/officeart/2005/8/layout/hierarchy4"/>
+    <dgm:cxn modelId="{95966924-D777-4875-84CF-BE471459631F}" type="presParOf" srcId="{48D51404-4B48-42D5-951F-822A52842F92}" destId="{D2621789-C5C7-4290-AFE3-CBFDB0BE6A1A}" srcOrd="1" destOrd="0" presId="urn:microsoft.com/office/officeart/2005/8/layout/hierarchy4"/>
+    <dgm:cxn modelId="{EF1649B0-0B88-41B4-89BA-E7D6067E93BA}" type="presParOf" srcId="{2245D860-2C6B-412B-8027-65E0B19ACFF2}" destId="{848AA526-DCBE-4DF9-A9A0-34DD96DA419D}" srcOrd="1" destOrd="0" presId="urn:microsoft.com/office/officeart/2005/8/layout/hierarchy4"/>
+    <dgm:cxn modelId="{91059940-C35A-47C5-B744-5C5A8DF12DDE}" type="presParOf" srcId="{2245D860-2C6B-412B-8027-65E0B19ACFF2}" destId="{5E976C85-575B-42E3-B0E3-9197FD7E04F1}" srcOrd="2" destOrd="0" presId="urn:microsoft.com/office/officeart/2005/8/layout/hierarchy4"/>
+    <dgm:cxn modelId="{9DBE9391-72DE-4397-A653-6AAFCA6F2031}" type="presParOf" srcId="{5E976C85-575B-42E3-B0E3-9197FD7E04F1}" destId="{27A8E2C9-ACC0-4C1C-A1B4-FC5118E4D3CD}" srcOrd="0" destOrd="0" presId="urn:microsoft.com/office/officeart/2005/8/layout/hierarchy4"/>
+    <dgm:cxn modelId="{B911359B-2055-416F-9726-48A5122925D0}" type="presParOf" srcId="{5E976C85-575B-42E3-B0E3-9197FD7E04F1}" destId="{BD134D29-993D-49E0-9AD3-8DF9ACCD229B}" srcOrd="1" destOrd="0" presId="urn:microsoft.com/office/officeart/2005/8/layout/hierarchy4"/>
+    <dgm:cxn modelId="{B624480C-C2EE-4F94-BE55-F55AE7AD1804}" type="presParOf" srcId="{5E976C85-575B-42E3-B0E3-9197FD7E04F1}" destId="{950D962F-98D4-4E2E-9EDC-622CA1859D92}" srcOrd="2" destOrd="0" presId="urn:microsoft.com/office/officeart/2005/8/layout/hierarchy4"/>
+    <dgm:cxn modelId="{020E67D0-8B9E-49CD-884A-4982EC16D0A3}" type="presParOf" srcId="{950D962F-98D4-4E2E-9EDC-622CA1859D92}" destId="{4E773025-6A56-4DAE-B09F-CD5EB51D8CF5}" srcOrd="0" destOrd="0" presId="urn:microsoft.com/office/officeart/2005/8/layout/hierarchy4"/>
+    <dgm:cxn modelId="{674F863B-41F9-4A61-8366-AD88A626448A}" type="presParOf" srcId="{4E773025-6A56-4DAE-B09F-CD5EB51D8CF5}" destId="{2D0BEDD2-93E1-444F-B15D-F8AE6E00B684}" srcOrd="0" destOrd="0" presId="urn:microsoft.com/office/officeart/2005/8/layout/hierarchy4"/>
+    <dgm:cxn modelId="{856DF405-B811-4A0C-ABD6-9C6EAEF524A7}" type="presParOf" srcId="{4E773025-6A56-4DAE-B09F-CD5EB51D8CF5}" destId="{99975524-9E7C-4C02-BE74-E33345EC6DF1}" srcOrd="1" destOrd="0" presId="urn:microsoft.com/office/officeart/2005/8/layout/hierarchy4"/>
+    <dgm:cxn modelId="{EE4A4934-5E5B-4BE8-829C-D921D0DAFE92}" type="presParOf" srcId="{4E773025-6A56-4DAE-B09F-CD5EB51D8CF5}" destId="{EF09C306-775A-4B24-9CF9-41380976B8D0}" srcOrd="2" destOrd="0" presId="urn:microsoft.com/office/officeart/2005/8/layout/hierarchy4"/>
+    <dgm:cxn modelId="{396B5F24-7B91-47B3-9803-698DD5C1C87F}" type="presParOf" srcId="{EF09C306-775A-4B24-9CF9-41380976B8D0}" destId="{B8369508-1C3E-42EA-B911-EB12B31ABE89}" srcOrd="0" destOrd="0" presId="urn:microsoft.com/office/officeart/2005/8/layout/hierarchy4"/>
+    <dgm:cxn modelId="{34D3E99C-10EA-4436-A4A1-F1CB2B05E633}" type="presParOf" srcId="{B8369508-1C3E-42EA-B911-EB12B31ABE89}" destId="{85EB828F-C976-4C4B-BA1A-17244ACF076A}" srcOrd="0" destOrd="0" presId="urn:microsoft.com/office/officeart/2005/8/layout/hierarchy4"/>
+    <dgm:cxn modelId="{3A47C821-0F34-446F-AAE2-F295ECFBE9BD}" type="presParOf" srcId="{B8369508-1C3E-42EA-B911-EB12B31ABE89}" destId="{7CA51DFC-9AB6-431C-9C1B-E07D82D66B4E}" srcOrd="1" destOrd="0" presId="urn:microsoft.com/office/officeart/2005/8/layout/hierarchy4"/>
+    <dgm:cxn modelId="{6711AAC1-44BA-4F95-AD37-11B8587BE599}" type="presParOf" srcId="{EF09C306-775A-4B24-9CF9-41380976B8D0}" destId="{A06018AF-59A4-4F09-8D5B-385DBB3F666A}" srcOrd="1" destOrd="0" presId="urn:microsoft.com/office/officeart/2005/8/layout/hierarchy4"/>
+    <dgm:cxn modelId="{5275F078-CFC1-4DCA-AC92-9672B40F203B}" type="presParOf" srcId="{EF09C306-775A-4B24-9CF9-41380976B8D0}" destId="{B03E35B3-9816-47C8-815A-2E40261CE97F}" srcOrd="2" destOrd="0" presId="urn:microsoft.com/office/officeart/2005/8/layout/hierarchy4"/>
+    <dgm:cxn modelId="{14547EFB-ABF3-4780-AF0A-B1260844104B}" type="presParOf" srcId="{B03E35B3-9816-47C8-815A-2E40261CE97F}" destId="{9DF2C459-4115-4E2B-AE4B-636AE7505F85}" srcOrd="0" destOrd="0" presId="urn:microsoft.com/office/officeart/2005/8/layout/hierarchy4"/>
+    <dgm:cxn modelId="{DAE5F7A1-919B-474F-901F-C9C1F74BA84F}" type="presParOf" srcId="{B03E35B3-9816-47C8-815A-2E40261CE97F}" destId="{F2A14732-42DC-4D56-BA90-F09457335866}" srcOrd="1" destOrd="0" presId="urn:microsoft.com/office/officeart/2005/8/layout/hierarchy4"/>
+  </dgm:cxnLst>
+  <dgm:bg/>
+  <dgm:whole/>
+  <dgm:extLst>
+    <a:ext uri="http://schemas.microsoft.com/office/drawing/2008/diagram">
+      <dsp:dataModelExt xmlns:dsp="http://schemas.microsoft.com/office/drawing/2008/diagram" xmlns="" relId="rId6" minVer="http://schemas.openxmlformats.org/drawingml/2006/diagram"/>
     </a:ext>
   </dgm:extLst>
 </dgm:dataModel>
@@ -6990,8 +8517,8 @@
       </dsp:nvSpPr>
       <dsp:spPr>
         <a:xfrm>
-          <a:off x="984" y="0"/>
-          <a:ext cx="2769830" cy="304641"/>
+          <a:off x="1062" y="0"/>
+          <a:ext cx="2769675" cy="304641"/>
         </a:xfrm>
         <a:prstGeom prst="roundRect">
           <a:avLst>
@@ -7082,8 +8609,8 @@
         </a:p>
       </dsp:txBody>
       <dsp:txXfrm>
-        <a:off x="984" y="0"/>
-        <a:ext cx="2769830" cy="304641"/>
+        <a:off x="1062" y="0"/>
+        <a:ext cx="2769675" cy="304641"/>
       </dsp:txXfrm>
     </dsp:sp>
     <dsp:sp modelId="{A3022894-5017-4BFC-92F1-859D2AB0615B}">
@@ -7093,8 +8620,8 @@
       </dsp:nvSpPr>
       <dsp:spPr>
         <a:xfrm>
-          <a:off x="3688" y="390270"/>
-          <a:ext cx="1361213" cy="231060"/>
+          <a:off x="3765" y="390270"/>
+          <a:ext cx="1522265" cy="231060"/>
         </a:xfrm>
         <a:prstGeom prst="roundRect">
           <a:avLst>
@@ -7185,8 +8712,8 @@
         </a:p>
       </dsp:txBody>
       <dsp:txXfrm>
-        <a:off x="3688" y="390270"/>
-        <a:ext cx="1361213" cy="231060"/>
+        <a:off x="3765" y="390270"/>
+        <a:ext cx="1522265" cy="231060"/>
       </dsp:txXfrm>
     </dsp:sp>
     <dsp:sp modelId="{77AF4231-0E06-4D67-9726-0A13A07A304E}">
@@ -7196,8 +8723,834 @@
       </dsp:nvSpPr>
       <dsp:spPr>
         <a:xfrm>
-          <a:off x="3688" y="706671"/>
-          <a:ext cx="666607" cy="467370"/>
+          <a:off x="3765" y="706671"/>
+          <a:ext cx="580347" cy="467370"/>
+        </a:xfrm>
+        <a:prstGeom prst="roundRect">
+          <a:avLst>
+            <a:gd name="adj" fmla="val 10000"/>
+          </a:avLst>
+        </a:prstGeom>
+        <a:gradFill rotWithShape="1">
+          <a:gsLst>
+            <a:gs pos="0">
+              <a:schemeClr val="accent1">
+                <a:shade val="47500"/>
+                <a:satMod val="137000"/>
+              </a:schemeClr>
+            </a:gs>
+            <a:gs pos="55000">
+              <a:schemeClr val="accent1">
+                <a:shade val="69000"/>
+                <a:satMod val="137000"/>
+              </a:schemeClr>
+            </a:gs>
+            <a:gs pos="100000">
+              <a:schemeClr val="accent1">
+                <a:shade val="98000"/>
+                <a:satMod val="137000"/>
+              </a:schemeClr>
+            </a:gs>
+          </a:gsLst>
+          <a:lin ang="16200000" scaled="0"/>
+        </a:gradFill>
+        <a:ln w="6350" cap="rnd" cmpd="sng" algn="ctr">
+          <a:solidFill>
+            <a:schemeClr val="accent1">
+              <a:shade val="95000"/>
+              <a:satMod val="105000"/>
+            </a:schemeClr>
+          </a:solidFill>
+          <a:prstDash val="solid"/>
+        </a:ln>
+        <a:effectLst>
+          <a:outerShdw blurRad="39000" dist="25400" dir="5400000" rotWithShape="0">
+            <a:srgbClr val="000000">
+              <a:alpha val="38000"/>
+            </a:srgbClr>
+          </a:outerShdw>
+        </a:effectLst>
+      </dsp:spPr>
+      <dsp:style>
+        <a:lnRef idx="1">
+          <a:schemeClr val="accent1"/>
+        </a:lnRef>
+        <a:fillRef idx="3">
+          <a:schemeClr val="accent1"/>
+        </a:fillRef>
+        <a:effectRef idx="2">
+          <a:schemeClr val="accent1"/>
+        </a:effectRef>
+        <a:fontRef idx="minor">
+          <a:schemeClr val="lt1"/>
+        </a:fontRef>
+      </dsp:style>
+      <dsp:txBody>
+        <a:bodyPr spcFirstLastPara="0" vert="horz" wrap="square" lIns="26670" tIns="26670" rIns="26670" bIns="26670" numCol="1" spcCol="1270" anchor="ctr" anchorCtr="0">
+          <a:noAutofit/>
+        </a:bodyPr>
+        <a:lstStyle/>
+        <a:p>
+          <a:pPr lvl="0" algn="ctr" defTabSz="311150">
+            <a:lnSpc>
+              <a:spcPct val="90000"/>
+            </a:lnSpc>
+            <a:spcBef>
+              <a:spcPct val="0"/>
+            </a:spcBef>
+            <a:spcAft>
+              <a:spcPct val="35000"/>
+            </a:spcAft>
+          </a:pPr>
+          <a:r>
+            <a:rPr lang="en-US" sz="700" kern="1200" dirty="0" smtClean="0"/>
+            <a:t>DIVISOR RESISTIVO</a:t>
+          </a:r>
+          <a:endParaRPr lang="es-AR" sz="700" kern="1200" dirty="0"/>
+        </a:p>
+      </dsp:txBody>
+      <dsp:txXfrm>
+        <a:off x="3765" y="706671"/>
+        <a:ext cx="580347" cy="467370"/>
+      </dsp:txXfrm>
+    </dsp:sp>
+    <dsp:sp modelId="{176A0B6E-F600-4993-8313-3DB59B4E75DA}">
+      <dsp:nvSpPr>
+        <dsp:cNvPr id="0" name=""/>
+        <dsp:cNvSpPr/>
+      </dsp:nvSpPr>
+      <dsp:spPr>
+        <a:xfrm>
+          <a:off x="612196" y="706671"/>
+          <a:ext cx="913835" cy="467370"/>
+        </a:xfrm>
+        <a:prstGeom prst="roundRect">
+          <a:avLst>
+            <a:gd name="adj" fmla="val 10000"/>
+          </a:avLst>
+        </a:prstGeom>
+        <a:gradFill rotWithShape="1">
+          <a:gsLst>
+            <a:gs pos="0">
+              <a:schemeClr val="accent3">
+                <a:shade val="47500"/>
+                <a:satMod val="137000"/>
+              </a:schemeClr>
+            </a:gs>
+            <a:gs pos="55000">
+              <a:schemeClr val="accent3">
+                <a:shade val="69000"/>
+                <a:satMod val="137000"/>
+              </a:schemeClr>
+            </a:gs>
+            <a:gs pos="100000">
+              <a:schemeClr val="accent3">
+                <a:shade val="98000"/>
+                <a:satMod val="137000"/>
+              </a:schemeClr>
+            </a:gs>
+          </a:gsLst>
+          <a:lin ang="16200000" scaled="0"/>
+        </a:gradFill>
+        <a:ln w="6350" cap="rnd" cmpd="sng" algn="ctr">
+          <a:solidFill>
+            <a:schemeClr val="accent3">
+              <a:shade val="95000"/>
+              <a:satMod val="105000"/>
+            </a:schemeClr>
+          </a:solidFill>
+          <a:prstDash val="solid"/>
+        </a:ln>
+        <a:effectLst>
+          <a:outerShdw blurRad="39000" dist="25400" dir="5400000" rotWithShape="0">
+            <a:srgbClr val="000000">
+              <a:alpha val="38000"/>
+            </a:srgbClr>
+          </a:outerShdw>
+        </a:effectLst>
+      </dsp:spPr>
+      <dsp:style>
+        <a:lnRef idx="1">
+          <a:schemeClr val="accent3"/>
+        </a:lnRef>
+        <a:fillRef idx="3">
+          <a:schemeClr val="accent3"/>
+        </a:fillRef>
+        <a:effectRef idx="2">
+          <a:schemeClr val="accent3"/>
+        </a:effectRef>
+        <a:fontRef idx="minor">
+          <a:schemeClr val="lt1"/>
+        </a:fontRef>
+      </dsp:style>
+      <dsp:txBody>
+        <a:bodyPr spcFirstLastPara="0" vert="horz" wrap="square" lIns="34290" tIns="34290" rIns="34290" bIns="34290" numCol="1" spcCol="1270" anchor="ctr" anchorCtr="0">
+          <a:noAutofit/>
+        </a:bodyPr>
+        <a:lstStyle/>
+        <a:p>
+          <a:pPr lvl="0" algn="ctr" defTabSz="400050">
+            <a:lnSpc>
+              <a:spcPct val="90000"/>
+            </a:lnSpc>
+            <a:spcBef>
+              <a:spcPct val="0"/>
+            </a:spcBef>
+            <a:spcAft>
+              <a:spcPct val="35000"/>
+            </a:spcAft>
+          </a:pPr>
+          <a:r>
+            <a:rPr lang="en-US" sz="900" b="1" kern="1200" dirty="0" smtClean="0"/>
+            <a:t>COMPARADOR</a:t>
+          </a:r>
+          <a:endParaRPr lang="es-AR" sz="900" b="1" kern="1200" dirty="0"/>
+        </a:p>
+      </dsp:txBody>
+      <dsp:txXfrm>
+        <a:off x="612196" y="706671"/>
+        <a:ext cx="913835" cy="467370"/>
+      </dsp:txXfrm>
+    </dsp:sp>
+    <dsp:sp modelId="{27A8E2C9-ACC0-4C1C-A1B4-FC5118E4D3CD}">
+      <dsp:nvSpPr>
+        <dsp:cNvPr id="0" name=""/>
+        <dsp:cNvSpPr/>
+      </dsp:nvSpPr>
+      <dsp:spPr>
+        <a:xfrm>
+          <a:off x="1582196" y="390270"/>
+          <a:ext cx="1185837" cy="216503"/>
+        </a:xfrm>
+        <a:prstGeom prst="roundRect">
+          <a:avLst>
+            <a:gd name="adj" fmla="val 10000"/>
+          </a:avLst>
+        </a:prstGeom>
+        <a:gradFill rotWithShape="0">
+          <a:gsLst>
+            <a:gs pos="0">
+              <a:schemeClr val="accent1">
+                <a:hueOff val="0"/>
+                <a:satOff val="0"/>
+                <a:lumOff val="0"/>
+                <a:alphaOff val="0"/>
+                <a:shade val="47500"/>
+                <a:satMod val="137000"/>
+              </a:schemeClr>
+            </a:gs>
+            <a:gs pos="55000">
+              <a:schemeClr val="accent1">
+                <a:hueOff val="0"/>
+                <a:satOff val="0"/>
+                <a:lumOff val="0"/>
+                <a:alphaOff val="0"/>
+                <a:shade val="69000"/>
+                <a:satMod val="137000"/>
+              </a:schemeClr>
+            </a:gs>
+            <a:gs pos="100000">
+              <a:schemeClr val="accent1">
+                <a:hueOff val="0"/>
+                <a:satOff val="0"/>
+                <a:lumOff val="0"/>
+                <a:alphaOff val="0"/>
+                <a:shade val="98000"/>
+                <a:satMod val="137000"/>
+              </a:schemeClr>
+            </a:gs>
+          </a:gsLst>
+          <a:lin ang="16200000" scaled="0"/>
+        </a:gradFill>
+        <a:ln>
+          <a:noFill/>
+        </a:ln>
+        <a:effectLst>
+          <a:outerShdw blurRad="39000" dist="25400" dir="5400000" rotWithShape="0">
+            <a:srgbClr val="000000">
+              <a:alpha val="38000"/>
+            </a:srgbClr>
+          </a:outerShdw>
+        </a:effectLst>
+      </dsp:spPr>
+      <dsp:style>
+        <a:lnRef idx="0">
+          <a:scrgbClr r="0" g="0" b="0"/>
+        </a:lnRef>
+        <a:fillRef idx="3">
+          <a:scrgbClr r="0" g="0" b="0"/>
+        </a:fillRef>
+        <a:effectRef idx="2">
+          <a:scrgbClr r="0" g="0" b="0"/>
+        </a:effectRef>
+        <a:fontRef idx="minor">
+          <a:schemeClr val="lt1"/>
+        </a:fontRef>
+      </dsp:style>
+      <dsp:txBody>
+        <a:bodyPr spcFirstLastPara="0" vert="horz" wrap="square" lIns="34290" tIns="34290" rIns="34290" bIns="34290" numCol="1" spcCol="1270" anchor="ctr" anchorCtr="0">
+          <a:noAutofit/>
+        </a:bodyPr>
+        <a:lstStyle/>
+        <a:p>
+          <a:pPr lvl="0" algn="ctr" defTabSz="400050">
+            <a:lnSpc>
+              <a:spcPct val="90000"/>
+            </a:lnSpc>
+            <a:spcBef>
+              <a:spcPct val="0"/>
+            </a:spcBef>
+            <a:spcAft>
+              <a:spcPct val="35000"/>
+            </a:spcAft>
+          </a:pPr>
+          <a:r>
+            <a:rPr lang="es-AR" sz="900" kern="1200" dirty="0"/>
+            <a:t>Digital</a:t>
+          </a:r>
+        </a:p>
+      </dsp:txBody>
+      <dsp:txXfrm>
+        <a:off x="1582196" y="390270"/>
+        <a:ext cx="1185837" cy="216503"/>
+      </dsp:txXfrm>
+    </dsp:sp>
+    <dsp:sp modelId="{2D0BEDD2-93E1-444F-B15D-F8AE6E00B684}">
+      <dsp:nvSpPr>
+        <dsp:cNvPr id="0" name=""/>
+        <dsp:cNvSpPr/>
+      </dsp:nvSpPr>
+      <dsp:spPr>
+        <a:xfrm>
+          <a:off x="1582196" y="692114"/>
+          <a:ext cx="1185837" cy="330507"/>
+        </a:xfrm>
+        <a:prstGeom prst="roundRect">
+          <a:avLst>
+            <a:gd name="adj" fmla="val 10000"/>
+          </a:avLst>
+        </a:prstGeom>
+        <a:gradFill rotWithShape="0">
+          <a:gsLst>
+            <a:gs pos="0">
+              <a:schemeClr val="accent1">
+                <a:hueOff val="0"/>
+                <a:satOff val="0"/>
+                <a:lumOff val="0"/>
+                <a:alphaOff val="0"/>
+                <a:shade val="47500"/>
+                <a:satMod val="137000"/>
+              </a:schemeClr>
+            </a:gs>
+            <a:gs pos="55000">
+              <a:schemeClr val="accent1">
+                <a:hueOff val="0"/>
+                <a:satOff val="0"/>
+                <a:lumOff val="0"/>
+                <a:alphaOff val="0"/>
+                <a:shade val="69000"/>
+                <a:satMod val="137000"/>
+              </a:schemeClr>
+            </a:gs>
+            <a:gs pos="100000">
+              <a:schemeClr val="accent1">
+                <a:hueOff val="0"/>
+                <a:satOff val="0"/>
+                <a:lumOff val="0"/>
+                <a:alphaOff val="0"/>
+                <a:shade val="98000"/>
+                <a:satMod val="137000"/>
+              </a:schemeClr>
+            </a:gs>
+          </a:gsLst>
+          <a:lin ang="16200000" scaled="0"/>
+        </a:gradFill>
+        <a:ln>
+          <a:noFill/>
+        </a:ln>
+        <a:effectLst>
+          <a:outerShdw blurRad="39000" dist="25400" dir="5400000" rotWithShape="0">
+            <a:srgbClr val="000000">
+              <a:alpha val="38000"/>
+            </a:srgbClr>
+          </a:outerShdw>
+        </a:effectLst>
+      </dsp:spPr>
+      <dsp:style>
+        <a:lnRef idx="0">
+          <a:scrgbClr r="0" g="0" b="0"/>
+        </a:lnRef>
+        <a:fillRef idx="3">
+          <a:scrgbClr r="0" g="0" b="0"/>
+        </a:fillRef>
+        <a:effectRef idx="2">
+          <a:scrgbClr r="0" g="0" b="0"/>
+        </a:effectRef>
+        <a:fontRef idx="minor">
+          <a:schemeClr val="lt1"/>
+        </a:fontRef>
+      </dsp:style>
+      <dsp:txBody>
+        <a:bodyPr spcFirstLastPara="0" vert="horz" wrap="square" lIns="26670" tIns="26670" rIns="26670" bIns="26670" numCol="1" spcCol="1270" anchor="ctr" anchorCtr="0">
+          <a:noAutofit/>
+        </a:bodyPr>
+        <a:lstStyle/>
+        <a:p>
+          <a:pPr lvl="0" algn="ctr" defTabSz="311150">
+            <a:lnSpc>
+              <a:spcPct val="90000"/>
+            </a:lnSpc>
+            <a:spcBef>
+              <a:spcPct val="0"/>
+            </a:spcBef>
+            <a:spcAft>
+              <a:spcPct val="35000"/>
+            </a:spcAft>
+          </a:pPr>
+          <a:r>
+            <a:rPr lang="es-AR" sz="700" kern="1200" dirty="0"/>
+            <a:t>DECODIFICADOR</a:t>
+          </a:r>
+        </a:p>
+      </dsp:txBody>
+      <dsp:txXfrm>
+        <a:off x="1582196" y="692114"/>
+        <a:ext cx="1185837" cy="330507"/>
+      </dsp:txXfrm>
+    </dsp:sp>
+    <dsp:sp modelId="{85EB828F-C976-4C4B-BA1A-17244ACF076A}">
+      <dsp:nvSpPr>
+        <dsp:cNvPr id="0" name=""/>
+        <dsp:cNvSpPr/>
+      </dsp:nvSpPr>
+      <dsp:spPr>
+        <a:xfrm>
+          <a:off x="1596065" y="1107963"/>
+          <a:ext cx="475425" cy="298769"/>
+        </a:xfrm>
+        <a:prstGeom prst="roundRect">
+          <a:avLst>
+            <a:gd name="adj" fmla="val 10000"/>
+          </a:avLst>
+        </a:prstGeom>
+        <a:gradFill rotWithShape="0">
+          <a:gsLst>
+            <a:gs pos="0">
+              <a:schemeClr val="accent1">
+                <a:hueOff val="0"/>
+                <a:satOff val="0"/>
+                <a:lumOff val="0"/>
+                <a:alphaOff val="0"/>
+                <a:shade val="47500"/>
+                <a:satMod val="137000"/>
+              </a:schemeClr>
+            </a:gs>
+            <a:gs pos="55000">
+              <a:schemeClr val="accent1">
+                <a:hueOff val="0"/>
+                <a:satOff val="0"/>
+                <a:lumOff val="0"/>
+                <a:alphaOff val="0"/>
+                <a:shade val="69000"/>
+                <a:satMod val="137000"/>
+              </a:schemeClr>
+            </a:gs>
+            <a:gs pos="100000">
+              <a:schemeClr val="accent1">
+                <a:hueOff val="0"/>
+                <a:satOff val="0"/>
+                <a:lumOff val="0"/>
+                <a:alphaOff val="0"/>
+                <a:shade val="98000"/>
+                <a:satMod val="137000"/>
+              </a:schemeClr>
+            </a:gs>
+          </a:gsLst>
+          <a:lin ang="16200000" scaled="0"/>
+        </a:gradFill>
+        <a:ln>
+          <a:noFill/>
+        </a:ln>
+        <a:effectLst>
+          <a:outerShdw blurRad="39000" dist="25400" dir="5400000" rotWithShape="0">
+            <a:srgbClr val="000000">
+              <a:alpha val="38000"/>
+            </a:srgbClr>
+          </a:outerShdw>
+        </a:effectLst>
+      </dsp:spPr>
+      <dsp:style>
+        <a:lnRef idx="0">
+          <a:scrgbClr r="0" g="0" b="0"/>
+        </a:lnRef>
+        <a:fillRef idx="3">
+          <a:scrgbClr r="0" g="0" b="0"/>
+        </a:fillRef>
+        <a:effectRef idx="2">
+          <a:scrgbClr r="0" g="0" b="0"/>
+        </a:effectRef>
+        <a:fontRef idx="minor">
+          <a:schemeClr val="lt1"/>
+        </a:fontRef>
+      </dsp:style>
+      <dsp:txBody>
+        <a:bodyPr spcFirstLastPara="0" vert="horz" wrap="square" lIns="22860" tIns="22860" rIns="22860" bIns="22860" numCol="1" spcCol="1270" anchor="ctr" anchorCtr="0">
+          <a:noAutofit/>
+        </a:bodyPr>
+        <a:lstStyle/>
+        <a:p>
+          <a:pPr lvl="0" algn="ctr" defTabSz="266700">
+            <a:lnSpc>
+              <a:spcPct val="90000"/>
+            </a:lnSpc>
+            <a:spcBef>
+              <a:spcPct val="0"/>
+            </a:spcBef>
+            <a:spcAft>
+              <a:spcPct val="35000"/>
+            </a:spcAft>
+          </a:pPr>
+          <a:r>
+            <a:rPr lang="es-AR" sz="600" kern="1200" dirty="0"/>
+            <a:t>NEGADOR</a:t>
+          </a:r>
+        </a:p>
+      </dsp:txBody>
+      <dsp:txXfrm>
+        <a:off x="1596065" y="1107963"/>
+        <a:ext cx="475425" cy="298769"/>
+      </dsp:txXfrm>
+    </dsp:sp>
+    <dsp:sp modelId="{9DF2C459-4115-4E2B-AE4B-636AE7505F85}">
+      <dsp:nvSpPr>
+        <dsp:cNvPr id="0" name=""/>
+        <dsp:cNvSpPr/>
+      </dsp:nvSpPr>
+      <dsp:spPr>
+        <a:xfrm>
+          <a:off x="2085531" y="1107963"/>
+          <a:ext cx="668634" cy="304525"/>
+        </a:xfrm>
+        <a:prstGeom prst="roundRect">
+          <a:avLst>
+            <a:gd name="adj" fmla="val 10000"/>
+          </a:avLst>
+        </a:prstGeom>
+        <a:gradFill rotWithShape="0">
+          <a:gsLst>
+            <a:gs pos="0">
+              <a:schemeClr val="accent1">
+                <a:hueOff val="0"/>
+                <a:satOff val="0"/>
+                <a:lumOff val="0"/>
+                <a:alphaOff val="0"/>
+                <a:shade val="47500"/>
+                <a:satMod val="137000"/>
+              </a:schemeClr>
+            </a:gs>
+            <a:gs pos="55000">
+              <a:schemeClr val="accent1">
+                <a:hueOff val="0"/>
+                <a:satOff val="0"/>
+                <a:lumOff val="0"/>
+                <a:alphaOff val="0"/>
+                <a:shade val="69000"/>
+                <a:satMod val="137000"/>
+              </a:schemeClr>
+            </a:gs>
+            <a:gs pos="100000">
+              <a:schemeClr val="accent1">
+                <a:hueOff val="0"/>
+                <a:satOff val="0"/>
+                <a:lumOff val="0"/>
+                <a:alphaOff val="0"/>
+                <a:shade val="98000"/>
+                <a:satMod val="137000"/>
+              </a:schemeClr>
+            </a:gs>
+          </a:gsLst>
+          <a:lin ang="16200000" scaled="0"/>
+        </a:gradFill>
+        <a:ln>
+          <a:noFill/>
+        </a:ln>
+        <a:effectLst>
+          <a:outerShdw blurRad="39000" dist="25400" dir="5400000" rotWithShape="0">
+            <a:srgbClr val="000000">
+              <a:alpha val="38000"/>
+            </a:srgbClr>
+          </a:outerShdw>
+        </a:effectLst>
+      </dsp:spPr>
+      <dsp:style>
+        <a:lnRef idx="0">
+          <a:scrgbClr r="0" g="0" b="0"/>
+        </a:lnRef>
+        <a:fillRef idx="3">
+          <a:scrgbClr r="0" g="0" b="0"/>
+        </a:fillRef>
+        <a:effectRef idx="2">
+          <a:scrgbClr r="0" g="0" b="0"/>
+        </a:effectRef>
+        <a:fontRef idx="minor">
+          <a:schemeClr val="lt1"/>
+        </a:fontRef>
+      </dsp:style>
+      <dsp:txBody>
+        <a:bodyPr spcFirstLastPara="0" vert="horz" wrap="square" lIns="22860" tIns="22860" rIns="22860" bIns="22860" numCol="1" spcCol="1270" anchor="ctr" anchorCtr="0">
+          <a:noAutofit/>
+        </a:bodyPr>
+        <a:lstStyle/>
+        <a:p>
+          <a:pPr lvl="0" algn="ctr" defTabSz="266700">
+            <a:lnSpc>
+              <a:spcPct val="90000"/>
+            </a:lnSpc>
+            <a:spcBef>
+              <a:spcPct val="0"/>
+            </a:spcBef>
+            <a:spcAft>
+              <a:spcPct val="35000"/>
+            </a:spcAft>
+          </a:pPr>
+          <a:r>
+            <a:rPr lang="es-AR" sz="600" kern="1200" dirty="0"/>
+            <a:t>COMPUERTAS NAND</a:t>
+          </a:r>
+        </a:p>
+      </dsp:txBody>
+      <dsp:txXfrm>
+        <a:off x="2085531" y="1107963"/>
+        <a:ext cx="668634" cy="304525"/>
+      </dsp:txXfrm>
+    </dsp:sp>
+  </dsp:spTree>
+</dsp:drawing>
+</file>
+
+<file path=ppt/diagrams/drawing3.xml><?xml version="1.0" encoding="utf-8"?>
+<dsp:drawing xmlns:dgm="http://schemas.openxmlformats.org/drawingml/2006/diagram" xmlns:a="http://schemas.openxmlformats.org/drawingml/2006/main" xmlns:dsp="http://schemas.microsoft.com/office/drawing/2008/diagram">
+  <dsp:spTree>
+    <dsp:nvGrpSpPr>
+      <dsp:cNvPr id="0" name=""/>
+      <dsp:cNvGrpSpPr/>
+    </dsp:nvGrpSpPr>
+    <dsp:grpSpPr/>
+    <dsp:sp modelId="{AA8642CE-076F-4E21-9169-AEFC3A7958DB}">
+      <dsp:nvSpPr>
+        <dsp:cNvPr id="0" name=""/>
+        <dsp:cNvSpPr/>
+      </dsp:nvSpPr>
+      <dsp:spPr>
+        <a:xfrm>
+          <a:off x="324" y="745"/>
+          <a:ext cx="2771150" cy="282456"/>
+        </a:xfrm>
+        <a:prstGeom prst="roundRect">
+          <a:avLst>
+            <a:gd name="adj" fmla="val 10000"/>
+          </a:avLst>
+        </a:prstGeom>
+        <a:gradFill rotWithShape="0">
+          <a:gsLst>
+            <a:gs pos="0">
+              <a:schemeClr val="accent1">
+                <a:hueOff val="0"/>
+                <a:satOff val="0"/>
+                <a:lumOff val="0"/>
+                <a:alphaOff val="0"/>
+                <a:shade val="47500"/>
+                <a:satMod val="137000"/>
+              </a:schemeClr>
+            </a:gs>
+            <a:gs pos="55000">
+              <a:schemeClr val="accent1">
+                <a:hueOff val="0"/>
+                <a:satOff val="0"/>
+                <a:lumOff val="0"/>
+                <a:alphaOff val="0"/>
+                <a:shade val="69000"/>
+                <a:satMod val="137000"/>
+              </a:schemeClr>
+            </a:gs>
+            <a:gs pos="100000">
+              <a:schemeClr val="accent1">
+                <a:hueOff val="0"/>
+                <a:satOff val="0"/>
+                <a:lumOff val="0"/>
+                <a:alphaOff val="0"/>
+                <a:shade val="98000"/>
+                <a:satMod val="137000"/>
+              </a:schemeClr>
+            </a:gs>
+          </a:gsLst>
+          <a:lin ang="16200000" scaled="0"/>
+        </a:gradFill>
+        <a:ln>
+          <a:noFill/>
+        </a:ln>
+        <a:effectLst>
+          <a:outerShdw blurRad="39000" dist="25400" dir="5400000" rotWithShape="0">
+            <a:srgbClr val="000000">
+              <a:alpha val="38000"/>
+            </a:srgbClr>
+          </a:outerShdw>
+        </a:effectLst>
+      </dsp:spPr>
+      <dsp:style>
+        <a:lnRef idx="0">
+          <a:scrgbClr r="0" g="0" b="0"/>
+        </a:lnRef>
+        <a:fillRef idx="3">
+          <a:scrgbClr r="0" g="0" b="0"/>
+        </a:fillRef>
+        <a:effectRef idx="2">
+          <a:scrgbClr r="0" g="0" b="0"/>
+        </a:effectRef>
+        <a:fontRef idx="minor">
+          <a:schemeClr val="lt1"/>
+        </a:fontRef>
+      </dsp:style>
+      <dsp:txBody>
+        <a:bodyPr spcFirstLastPara="0" vert="horz" wrap="square" lIns="45720" tIns="45720" rIns="45720" bIns="45720" numCol="1" spcCol="1270" anchor="ctr" anchorCtr="0">
+          <a:noAutofit/>
+        </a:bodyPr>
+        <a:lstStyle/>
+        <a:p>
+          <a:pPr lvl="0" algn="ctr" defTabSz="533400">
+            <a:lnSpc>
+              <a:spcPct val="90000"/>
+            </a:lnSpc>
+            <a:spcBef>
+              <a:spcPct val="0"/>
+            </a:spcBef>
+            <a:spcAft>
+              <a:spcPct val="35000"/>
+            </a:spcAft>
+          </a:pPr>
+          <a:r>
+            <a:rPr lang="es-AR" sz="1200" kern="1200" dirty="0"/>
+            <a:t>CONVERSOR FLASH</a:t>
+          </a:r>
+        </a:p>
+      </dsp:txBody>
+      <dsp:txXfrm>
+        <a:off x="324" y="745"/>
+        <a:ext cx="2771150" cy="282456"/>
+      </dsp:txXfrm>
+    </dsp:sp>
+    <dsp:sp modelId="{A3022894-5017-4BFC-92F1-859D2AB0615B}">
+      <dsp:nvSpPr>
+        <dsp:cNvPr id="0" name=""/>
+        <dsp:cNvSpPr/>
+      </dsp:nvSpPr>
+      <dsp:spPr>
+        <a:xfrm>
+          <a:off x="3029" y="362791"/>
+          <a:ext cx="1191872" cy="214233"/>
+        </a:xfrm>
+        <a:prstGeom prst="roundRect">
+          <a:avLst>
+            <a:gd name="adj" fmla="val 10000"/>
+          </a:avLst>
+        </a:prstGeom>
+        <a:gradFill rotWithShape="0">
+          <a:gsLst>
+            <a:gs pos="0">
+              <a:schemeClr val="accent1">
+                <a:hueOff val="0"/>
+                <a:satOff val="0"/>
+                <a:lumOff val="0"/>
+                <a:alphaOff val="0"/>
+                <a:shade val="47500"/>
+                <a:satMod val="137000"/>
+              </a:schemeClr>
+            </a:gs>
+            <a:gs pos="55000">
+              <a:schemeClr val="accent1">
+                <a:hueOff val="0"/>
+                <a:satOff val="0"/>
+                <a:lumOff val="0"/>
+                <a:alphaOff val="0"/>
+                <a:shade val="69000"/>
+                <a:satMod val="137000"/>
+              </a:schemeClr>
+            </a:gs>
+            <a:gs pos="100000">
+              <a:schemeClr val="accent1">
+                <a:hueOff val="0"/>
+                <a:satOff val="0"/>
+                <a:lumOff val="0"/>
+                <a:alphaOff val="0"/>
+                <a:shade val="98000"/>
+                <a:satMod val="137000"/>
+              </a:schemeClr>
+            </a:gs>
+          </a:gsLst>
+          <a:lin ang="16200000" scaled="0"/>
+        </a:gradFill>
+        <a:ln>
+          <a:noFill/>
+        </a:ln>
+        <a:effectLst>
+          <a:outerShdw blurRad="39000" dist="25400" dir="5400000" rotWithShape="0">
+            <a:srgbClr val="000000">
+              <a:alpha val="38000"/>
+            </a:srgbClr>
+          </a:outerShdw>
+        </a:effectLst>
+      </dsp:spPr>
+      <dsp:style>
+        <a:lnRef idx="0">
+          <a:scrgbClr r="0" g="0" b="0"/>
+        </a:lnRef>
+        <a:fillRef idx="3">
+          <a:scrgbClr r="0" g="0" b="0"/>
+        </a:fillRef>
+        <a:effectRef idx="2">
+          <a:scrgbClr r="0" g="0" b="0"/>
+        </a:effectRef>
+        <a:fontRef idx="minor">
+          <a:schemeClr val="lt1"/>
+        </a:fontRef>
+      </dsp:style>
+      <dsp:txBody>
+        <a:bodyPr spcFirstLastPara="0" vert="horz" wrap="square" lIns="30480" tIns="30480" rIns="30480" bIns="30480" numCol="1" spcCol="1270" anchor="ctr" anchorCtr="0">
+          <a:noAutofit/>
+        </a:bodyPr>
+        <a:lstStyle/>
+        <a:p>
+          <a:pPr lvl="0" algn="ctr" defTabSz="355600">
+            <a:lnSpc>
+              <a:spcPct val="90000"/>
+            </a:lnSpc>
+            <a:spcBef>
+              <a:spcPct val="0"/>
+            </a:spcBef>
+            <a:spcAft>
+              <a:spcPct val="35000"/>
+            </a:spcAft>
+          </a:pPr>
+          <a:r>
+            <a:rPr lang="es-AR" sz="800" kern="1200" dirty="0"/>
+            <a:t>Analógico</a:t>
+          </a:r>
+        </a:p>
+      </dsp:txBody>
+      <dsp:txXfrm>
+        <a:off x="3029" y="362791"/>
+        <a:ext cx="1191872" cy="214233"/>
+      </dsp:txXfrm>
+    </dsp:sp>
+    <dsp:sp modelId="{77AF4231-0E06-4D67-9726-0A13A07A304E}">
+      <dsp:nvSpPr>
+        <dsp:cNvPr id="0" name=""/>
+        <dsp:cNvSpPr/>
+      </dsp:nvSpPr>
+      <dsp:spPr>
+        <a:xfrm>
+          <a:off x="3044" y="656151"/>
+          <a:ext cx="545772" cy="433335"/>
         </a:xfrm>
         <a:prstGeom prst="roundRect">
           <a:avLst>
@@ -7289,8 +9642,8 @@
         </a:p>
       </dsp:txBody>
       <dsp:txXfrm>
-        <a:off x="3688" y="706671"/>
-        <a:ext cx="666607" cy="467370"/>
+        <a:off x="3044" y="656151"/>
+        <a:ext cx="545772" cy="433335"/>
       </dsp:txXfrm>
     </dsp:sp>
     <dsp:sp modelId="{176A0B6E-F600-4993-8313-3DB59B4E75DA}">
@@ -7300,8 +9653,8 @@
       </dsp:nvSpPr>
       <dsp:spPr>
         <a:xfrm>
-          <a:off x="698293" y="706671"/>
-          <a:ext cx="666607" cy="467370"/>
+          <a:off x="580160" y="656151"/>
+          <a:ext cx="614726" cy="433335"/>
         </a:xfrm>
         <a:prstGeom prst="roundRect">
           <a:avLst>
@@ -7311,19 +9664,19 @@
         <a:gradFill rotWithShape="1">
           <a:gsLst>
             <a:gs pos="0">
-              <a:schemeClr val="accent3">
+              <a:schemeClr val="accent1">
                 <a:shade val="47500"/>
                 <a:satMod val="137000"/>
               </a:schemeClr>
             </a:gs>
             <a:gs pos="55000">
-              <a:schemeClr val="accent3">
+              <a:schemeClr val="accent1">
                 <a:shade val="69000"/>
                 <a:satMod val="137000"/>
               </a:schemeClr>
             </a:gs>
             <a:gs pos="100000">
-              <a:schemeClr val="accent3">
+              <a:schemeClr val="accent1">
                 <a:shade val="98000"/>
                 <a:satMod val="137000"/>
               </a:schemeClr>
@@ -7333,7 +9686,7 @@
         </a:gradFill>
         <a:ln w="6350" cap="rnd" cmpd="sng" algn="ctr">
           <a:solidFill>
-            <a:schemeClr val="accent3">
+            <a:schemeClr val="accent1">
               <a:shade val="95000"/>
               <a:satMod val="105000"/>
             </a:schemeClr>
@@ -7350,13 +9703,13 @@
       </dsp:spPr>
       <dsp:style>
         <a:lnRef idx="1">
-          <a:schemeClr val="accent3"/>
+          <a:schemeClr val="accent1"/>
         </a:lnRef>
         <a:fillRef idx="3">
-          <a:schemeClr val="accent3"/>
+          <a:schemeClr val="accent1"/>
         </a:fillRef>
         <a:effectRef idx="2">
-          <a:schemeClr val="accent3"/>
+          <a:schemeClr val="accent1"/>
         </a:effectRef>
         <a:fontRef idx="minor">
           <a:schemeClr val="lt1"/>
@@ -7387,8 +9740,8 @@
         </a:p>
       </dsp:txBody>
       <dsp:txXfrm>
-        <a:off x="698293" y="706671"/>
-        <a:ext cx="666607" cy="467370"/>
+        <a:off x="580160" y="656151"/>
+        <a:ext cx="614726" cy="433335"/>
       </dsp:txXfrm>
     </dsp:sp>
     <dsp:sp modelId="{27A8E2C9-ACC0-4C1C-A1B4-FC5118E4D3CD}">
@@ -7398,42 +9751,30 @@
       </dsp:nvSpPr>
       <dsp:spPr>
         <a:xfrm>
-          <a:off x="1420896" y="390270"/>
-          <a:ext cx="1347214" cy="216503"/>
+          <a:off x="1257586" y="362791"/>
+          <a:ext cx="1511183" cy="200737"/>
         </a:xfrm>
         <a:prstGeom prst="roundRect">
           <a:avLst>
             <a:gd name="adj" fmla="val 10000"/>
           </a:avLst>
         </a:prstGeom>
-        <a:gradFill rotWithShape="0">
+        <a:gradFill rotWithShape="1">
           <a:gsLst>
             <a:gs pos="0">
               <a:schemeClr val="accent1">
-                <a:hueOff val="0"/>
-                <a:satOff val="0"/>
-                <a:lumOff val="0"/>
-                <a:alphaOff val="0"/>
                 <a:shade val="47500"/>
                 <a:satMod val="137000"/>
               </a:schemeClr>
             </a:gs>
             <a:gs pos="55000">
               <a:schemeClr val="accent1">
-                <a:hueOff val="0"/>
-                <a:satOff val="0"/>
-                <a:lumOff val="0"/>
-                <a:alphaOff val="0"/>
                 <a:shade val="69000"/>
                 <a:satMod val="137000"/>
               </a:schemeClr>
             </a:gs>
             <a:gs pos="100000">
               <a:schemeClr val="accent1">
-                <a:hueOff val="0"/>
-                <a:satOff val="0"/>
-                <a:lumOff val="0"/>
-                <a:alphaOff val="0"/>
                 <a:shade val="98000"/>
                 <a:satMod val="137000"/>
               </a:schemeClr>
@@ -7441,8 +9782,14 @@
           </a:gsLst>
           <a:lin ang="16200000" scaled="0"/>
         </a:gradFill>
-        <a:ln>
-          <a:noFill/>
+        <a:ln w="6350" cap="rnd" cmpd="sng" algn="ctr">
+          <a:solidFill>
+            <a:schemeClr val="accent1">
+              <a:shade val="95000"/>
+              <a:satMod val="105000"/>
+            </a:schemeClr>
+          </a:solidFill>
+          <a:prstDash val="solid"/>
         </a:ln>
         <a:effectLst>
           <a:outerShdw blurRad="39000" dist="25400" dir="5400000" rotWithShape="0">
@@ -7453,26 +9800,26 @@
         </a:effectLst>
       </dsp:spPr>
       <dsp:style>
-        <a:lnRef idx="0">
-          <a:scrgbClr r="0" g="0" b="0"/>
+        <a:lnRef idx="1">
+          <a:schemeClr val="accent1"/>
         </a:lnRef>
         <a:fillRef idx="3">
-          <a:scrgbClr r="0" g="0" b="0"/>
+          <a:schemeClr val="accent1"/>
         </a:fillRef>
         <a:effectRef idx="2">
-          <a:scrgbClr r="0" g="0" b="0"/>
+          <a:schemeClr val="accent1"/>
         </a:effectRef>
         <a:fontRef idx="minor">
           <a:schemeClr val="lt1"/>
         </a:fontRef>
       </dsp:style>
       <dsp:txBody>
-        <a:bodyPr spcFirstLastPara="0" vert="horz" wrap="square" lIns="34290" tIns="34290" rIns="34290" bIns="34290" numCol="1" spcCol="1270" anchor="ctr" anchorCtr="0">
+        <a:bodyPr spcFirstLastPara="0" vert="horz" wrap="square" lIns="30480" tIns="30480" rIns="30480" bIns="30480" numCol="1" spcCol="1270" anchor="ctr" anchorCtr="0">
           <a:noAutofit/>
         </a:bodyPr>
         <a:lstStyle/>
         <a:p>
-          <a:pPr lvl="0" algn="ctr" defTabSz="400050">
+          <a:pPr lvl="0" algn="ctr" defTabSz="355600">
             <a:lnSpc>
               <a:spcPct val="90000"/>
             </a:lnSpc>
@@ -7484,14 +9831,14 @@
             </a:spcAft>
           </a:pPr>
           <a:r>
-            <a:rPr lang="es-AR" sz="900" kern="1200" dirty="0"/>
+            <a:rPr lang="es-AR" sz="800" kern="1200" dirty="0"/>
             <a:t>Digital</a:t>
           </a:r>
         </a:p>
       </dsp:txBody>
       <dsp:txXfrm>
-        <a:off x="1420896" y="390270"/>
-        <a:ext cx="1347214" cy="216503"/>
+        <a:off x="1257586" y="362791"/>
+        <a:ext cx="1511183" cy="200737"/>
       </dsp:txXfrm>
     </dsp:sp>
     <dsp:sp modelId="{2D0BEDD2-93E1-444F-B15D-F8AE6E00B684}">
@@ -7501,8 +9848,8 @@
       </dsp:nvSpPr>
       <dsp:spPr>
         <a:xfrm>
-          <a:off x="1420896" y="692114"/>
-          <a:ext cx="1347214" cy="330507"/>
+          <a:off x="1260534" y="642655"/>
+          <a:ext cx="1505289" cy="306438"/>
         </a:xfrm>
         <a:prstGeom prst="roundRect">
           <a:avLst>
@@ -7593,8 +9940,8 @@
         </a:p>
       </dsp:txBody>
       <dsp:txXfrm>
-        <a:off x="1420896" y="692114"/>
-        <a:ext cx="1347214" cy="330507"/>
+        <a:off x="1260534" y="642655"/>
+        <a:ext cx="1505289" cy="306438"/>
       </dsp:txXfrm>
     </dsp:sp>
     <dsp:sp modelId="{85EB828F-C976-4C4B-BA1A-17244ACF076A}">
@@ -7604,834 +9951,8 @@
       </dsp:nvSpPr>
       <dsp:spPr>
         <a:xfrm>
-          <a:off x="1420896" y="1107963"/>
-          <a:ext cx="666607" cy="298769"/>
-        </a:xfrm>
-        <a:prstGeom prst="roundRect">
-          <a:avLst>
-            <a:gd name="adj" fmla="val 10000"/>
-          </a:avLst>
-        </a:prstGeom>
-        <a:gradFill rotWithShape="0">
-          <a:gsLst>
-            <a:gs pos="0">
-              <a:schemeClr val="accent1">
-                <a:hueOff val="0"/>
-                <a:satOff val="0"/>
-                <a:lumOff val="0"/>
-                <a:alphaOff val="0"/>
-                <a:shade val="47500"/>
-                <a:satMod val="137000"/>
-              </a:schemeClr>
-            </a:gs>
-            <a:gs pos="55000">
-              <a:schemeClr val="accent1">
-                <a:hueOff val="0"/>
-                <a:satOff val="0"/>
-                <a:lumOff val="0"/>
-                <a:alphaOff val="0"/>
-                <a:shade val="69000"/>
-                <a:satMod val="137000"/>
-              </a:schemeClr>
-            </a:gs>
-            <a:gs pos="100000">
-              <a:schemeClr val="accent1">
-                <a:hueOff val="0"/>
-                <a:satOff val="0"/>
-                <a:lumOff val="0"/>
-                <a:alphaOff val="0"/>
-                <a:shade val="98000"/>
-                <a:satMod val="137000"/>
-              </a:schemeClr>
-            </a:gs>
-          </a:gsLst>
-          <a:lin ang="16200000" scaled="0"/>
-        </a:gradFill>
-        <a:ln>
-          <a:noFill/>
-        </a:ln>
-        <a:effectLst>
-          <a:outerShdw blurRad="39000" dist="25400" dir="5400000" rotWithShape="0">
-            <a:srgbClr val="000000">
-              <a:alpha val="38000"/>
-            </a:srgbClr>
-          </a:outerShdw>
-        </a:effectLst>
-      </dsp:spPr>
-      <dsp:style>
-        <a:lnRef idx="0">
-          <a:scrgbClr r="0" g="0" b="0"/>
-        </a:lnRef>
-        <a:fillRef idx="3">
-          <a:scrgbClr r="0" g="0" b="0"/>
-        </a:fillRef>
-        <a:effectRef idx="2">
-          <a:scrgbClr r="0" g="0" b="0"/>
-        </a:effectRef>
-        <a:fontRef idx="minor">
-          <a:schemeClr val="lt1"/>
-        </a:fontRef>
-      </dsp:style>
-      <dsp:txBody>
-        <a:bodyPr spcFirstLastPara="0" vert="horz" wrap="square" lIns="22860" tIns="22860" rIns="22860" bIns="22860" numCol="1" spcCol="1270" anchor="ctr" anchorCtr="0">
-          <a:noAutofit/>
-        </a:bodyPr>
-        <a:lstStyle/>
-        <a:p>
-          <a:pPr lvl="0" algn="ctr" defTabSz="266700">
-            <a:lnSpc>
-              <a:spcPct val="90000"/>
-            </a:lnSpc>
-            <a:spcBef>
-              <a:spcPct val="0"/>
-            </a:spcBef>
-            <a:spcAft>
-              <a:spcPct val="35000"/>
-            </a:spcAft>
-          </a:pPr>
-          <a:r>
-            <a:rPr lang="es-AR" sz="600" kern="1200" dirty="0"/>
-            <a:t>NEGADOR</a:t>
-          </a:r>
-        </a:p>
-      </dsp:txBody>
-      <dsp:txXfrm>
-        <a:off x="1420896" y="1107963"/>
-        <a:ext cx="666607" cy="298769"/>
-      </dsp:txXfrm>
-    </dsp:sp>
-    <dsp:sp modelId="{9DF2C459-4115-4E2B-AE4B-636AE7505F85}">
-      <dsp:nvSpPr>
-        <dsp:cNvPr id="0" name=""/>
-        <dsp:cNvSpPr/>
-      </dsp:nvSpPr>
-      <dsp:spPr>
-        <a:xfrm>
-          <a:off x="2101503" y="1107963"/>
-          <a:ext cx="666607" cy="304525"/>
-        </a:xfrm>
-        <a:prstGeom prst="roundRect">
-          <a:avLst>
-            <a:gd name="adj" fmla="val 10000"/>
-          </a:avLst>
-        </a:prstGeom>
-        <a:gradFill rotWithShape="0">
-          <a:gsLst>
-            <a:gs pos="0">
-              <a:schemeClr val="accent1">
-                <a:hueOff val="0"/>
-                <a:satOff val="0"/>
-                <a:lumOff val="0"/>
-                <a:alphaOff val="0"/>
-                <a:shade val="47500"/>
-                <a:satMod val="137000"/>
-              </a:schemeClr>
-            </a:gs>
-            <a:gs pos="55000">
-              <a:schemeClr val="accent1">
-                <a:hueOff val="0"/>
-                <a:satOff val="0"/>
-                <a:lumOff val="0"/>
-                <a:alphaOff val="0"/>
-                <a:shade val="69000"/>
-                <a:satMod val="137000"/>
-              </a:schemeClr>
-            </a:gs>
-            <a:gs pos="100000">
-              <a:schemeClr val="accent1">
-                <a:hueOff val="0"/>
-                <a:satOff val="0"/>
-                <a:lumOff val="0"/>
-                <a:alphaOff val="0"/>
-                <a:shade val="98000"/>
-                <a:satMod val="137000"/>
-              </a:schemeClr>
-            </a:gs>
-          </a:gsLst>
-          <a:lin ang="16200000" scaled="0"/>
-        </a:gradFill>
-        <a:ln>
-          <a:noFill/>
-        </a:ln>
-        <a:effectLst>
-          <a:outerShdw blurRad="39000" dist="25400" dir="5400000" rotWithShape="0">
-            <a:srgbClr val="000000">
-              <a:alpha val="38000"/>
-            </a:srgbClr>
-          </a:outerShdw>
-        </a:effectLst>
-      </dsp:spPr>
-      <dsp:style>
-        <a:lnRef idx="0">
-          <a:scrgbClr r="0" g="0" b="0"/>
-        </a:lnRef>
-        <a:fillRef idx="3">
-          <a:scrgbClr r="0" g="0" b="0"/>
-        </a:fillRef>
-        <a:effectRef idx="2">
-          <a:scrgbClr r="0" g="0" b="0"/>
-        </a:effectRef>
-        <a:fontRef idx="minor">
-          <a:schemeClr val="lt1"/>
-        </a:fontRef>
-      </dsp:style>
-      <dsp:txBody>
-        <a:bodyPr spcFirstLastPara="0" vert="horz" wrap="square" lIns="22860" tIns="22860" rIns="22860" bIns="22860" numCol="1" spcCol="1270" anchor="ctr" anchorCtr="0">
-          <a:noAutofit/>
-        </a:bodyPr>
-        <a:lstStyle/>
-        <a:p>
-          <a:pPr lvl="0" algn="ctr" defTabSz="266700">
-            <a:lnSpc>
-              <a:spcPct val="90000"/>
-            </a:lnSpc>
-            <a:spcBef>
-              <a:spcPct val="0"/>
-            </a:spcBef>
-            <a:spcAft>
-              <a:spcPct val="35000"/>
-            </a:spcAft>
-          </a:pPr>
-          <a:r>
-            <a:rPr lang="es-AR" sz="600" kern="1200" dirty="0"/>
-            <a:t>COMPUERTAS NAND</a:t>
-          </a:r>
-        </a:p>
-      </dsp:txBody>
-      <dsp:txXfrm>
-        <a:off x="2101503" y="1107963"/>
-        <a:ext cx="666607" cy="304525"/>
-      </dsp:txXfrm>
-    </dsp:sp>
-  </dsp:spTree>
-</dsp:drawing>
-</file>
-
-<file path=ppt/diagrams/drawing3.xml><?xml version="1.0" encoding="utf-8"?>
-<dsp:drawing xmlns:dgm="http://schemas.openxmlformats.org/drawingml/2006/diagram" xmlns:a="http://schemas.openxmlformats.org/drawingml/2006/main" xmlns:dsp="http://schemas.microsoft.com/office/drawing/2008/diagram">
-  <dsp:spTree>
-    <dsp:nvGrpSpPr>
-      <dsp:cNvPr id="0" name=""/>
-      <dsp:cNvGrpSpPr/>
-    </dsp:nvGrpSpPr>
-    <dsp:grpSpPr/>
-    <dsp:sp modelId="{AA8642CE-076F-4E21-9169-AEFC3A7958DB}">
-      <dsp:nvSpPr>
-        <dsp:cNvPr id="0" name=""/>
-        <dsp:cNvSpPr/>
-      </dsp:nvSpPr>
-      <dsp:spPr>
-        <a:xfrm>
-          <a:off x="1182" y="745"/>
-          <a:ext cx="2769435" cy="282456"/>
-        </a:xfrm>
-        <a:prstGeom prst="roundRect">
-          <a:avLst>
-            <a:gd name="adj" fmla="val 10000"/>
-          </a:avLst>
-        </a:prstGeom>
-        <a:gradFill rotWithShape="0">
-          <a:gsLst>
-            <a:gs pos="0">
-              <a:schemeClr val="accent1">
-                <a:hueOff val="0"/>
-                <a:satOff val="0"/>
-                <a:lumOff val="0"/>
-                <a:alphaOff val="0"/>
-                <a:shade val="47500"/>
-                <a:satMod val="137000"/>
-              </a:schemeClr>
-            </a:gs>
-            <a:gs pos="55000">
-              <a:schemeClr val="accent1">
-                <a:hueOff val="0"/>
-                <a:satOff val="0"/>
-                <a:lumOff val="0"/>
-                <a:alphaOff val="0"/>
-                <a:shade val="69000"/>
-                <a:satMod val="137000"/>
-              </a:schemeClr>
-            </a:gs>
-            <a:gs pos="100000">
-              <a:schemeClr val="accent1">
-                <a:hueOff val="0"/>
-                <a:satOff val="0"/>
-                <a:lumOff val="0"/>
-                <a:alphaOff val="0"/>
-                <a:shade val="98000"/>
-                <a:satMod val="137000"/>
-              </a:schemeClr>
-            </a:gs>
-          </a:gsLst>
-          <a:lin ang="16200000" scaled="0"/>
-        </a:gradFill>
-        <a:ln>
-          <a:noFill/>
-        </a:ln>
-        <a:effectLst>
-          <a:outerShdw blurRad="39000" dist="25400" dir="5400000" rotWithShape="0">
-            <a:srgbClr val="000000">
-              <a:alpha val="38000"/>
-            </a:srgbClr>
-          </a:outerShdw>
-        </a:effectLst>
-      </dsp:spPr>
-      <dsp:style>
-        <a:lnRef idx="0">
-          <a:scrgbClr r="0" g="0" b="0"/>
-        </a:lnRef>
-        <a:fillRef idx="3">
-          <a:scrgbClr r="0" g="0" b="0"/>
-        </a:fillRef>
-        <a:effectRef idx="2">
-          <a:scrgbClr r="0" g="0" b="0"/>
-        </a:effectRef>
-        <a:fontRef idx="minor">
-          <a:schemeClr val="lt1"/>
-        </a:fontRef>
-      </dsp:style>
-      <dsp:txBody>
-        <a:bodyPr spcFirstLastPara="0" vert="horz" wrap="square" lIns="45720" tIns="45720" rIns="45720" bIns="45720" numCol="1" spcCol="1270" anchor="ctr" anchorCtr="0">
-          <a:noAutofit/>
-        </a:bodyPr>
-        <a:lstStyle/>
-        <a:p>
-          <a:pPr lvl="0" algn="ctr" defTabSz="533400">
-            <a:lnSpc>
-              <a:spcPct val="90000"/>
-            </a:lnSpc>
-            <a:spcBef>
-              <a:spcPct val="0"/>
-            </a:spcBef>
-            <a:spcAft>
-              <a:spcPct val="35000"/>
-            </a:spcAft>
-          </a:pPr>
-          <a:r>
-            <a:rPr lang="es-AR" sz="1200" kern="1200" dirty="0"/>
-            <a:t>CONVERSOR FLASH</a:t>
-          </a:r>
-        </a:p>
-      </dsp:txBody>
-      <dsp:txXfrm>
-        <a:off x="1182" y="745"/>
-        <a:ext cx="2769435" cy="282456"/>
-      </dsp:txXfrm>
-    </dsp:sp>
-    <dsp:sp modelId="{A3022894-5017-4BFC-92F1-859D2AB0615B}">
-      <dsp:nvSpPr>
-        <dsp:cNvPr id="0" name=""/>
-        <dsp:cNvSpPr/>
-      </dsp:nvSpPr>
-      <dsp:spPr>
-        <a:xfrm>
-          <a:off x="3885" y="362791"/>
-          <a:ext cx="1376383" cy="214233"/>
-        </a:xfrm>
-        <a:prstGeom prst="roundRect">
-          <a:avLst>
-            <a:gd name="adj" fmla="val 10000"/>
-          </a:avLst>
-        </a:prstGeom>
-        <a:gradFill rotWithShape="0">
-          <a:gsLst>
-            <a:gs pos="0">
-              <a:schemeClr val="accent1">
-                <a:hueOff val="0"/>
-                <a:satOff val="0"/>
-                <a:lumOff val="0"/>
-                <a:alphaOff val="0"/>
-                <a:shade val="47500"/>
-                <a:satMod val="137000"/>
-              </a:schemeClr>
-            </a:gs>
-            <a:gs pos="55000">
-              <a:schemeClr val="accent1">
-                <a:hueOff val="0"/>
-                <a:satOff val="0"/>
-                <a:lumOff val="0"/>
-                <a:alphaOff val="0"/>
-                <a:shade val="69000"/>
-                <a:satMod val="137000"/>
-              </a:schemeClr>
-            </a:gs>
-            <a:gs pos="100000">
-              <a:schemeClr val="accent1">
-                <a:hueOff val="0"/>
-                <a:satOff val="0"/>
-                <a:lumOff val="0"/>
-                <a:alphaOff val="0"/>
-                <a:shade val="98000"/>
-                <a:satMod val="137000"/>
-              </a:schemeClr>
-            </a:gs>
-          </a:gsLst>
-          <a:lin ang="16200000" scaled="0"/>
-        </a:gradFill>
-        <a:ln>
-          <a:noFill/>
-        </a:ln>
-        <a:effectLst>
-          <a:outerShdw blurRad="39000" dist="25400" dir="5400000" rotWithShape="0">
-            <a:srgbClr val="000000">
-              <a:alpha val="38000"/>
-            </a:srgbClr>
-          </a:outerShdw>
-        </a:effectLst>
-      </dsp:spPr>
-      <dsp:style>
-        <a:lnRef idx="0">
-          <a:scrgbClr r="0" g="0" b="0"/>
-        </a:lnRef>
-        <a:fillRef idx="3">
-          <a:scrgbClr r="0" g="0" b="0"/>
-        </a:fillRef>
-        <a:effectRef idx="2">
-          <a:scrgbClr r="0" g="0" b="0"/>
-        </a:effectRef>
-        <a:fontRef idx="minor">
-          <a:schemeClr val="lt1"/>
-        </a:fontRef>
-      </dsp:style>
-      <dsp:txBody>
-        <a:bodyPr spcFirstLastPara="0" vert="horz" wrap="square" lIns="30480" tIns="30480" rIns="30480" bIns="30480" numCol="1" spcCol="1270" anchor="ctr" anchorCtr="0">
-          <a:noAutofit/>
-        </a:bodyPr>
-        <a:lstStyle/>
-        <a:p>
-          <a:pPr lvl="0" algn="ctr" defTabSz="355600">
-            <a:lnSpc>
-              <a:spcPct val="90000"/>
-            </a:lnSpc>
-            <a:spcBef>
-              <a:spcPct val="0"/>
-            </a:spcBef>
-            <a:spcAft>
-              <a:spcPct val="35000"/>
-            </a:spcAft>
-          </a:pPr>
-          <a:r>
-            <a:rPr lang="es-AR" sz="800" kern="1200" dirty="0"/>
-            <a:t>Analógico</a:t>
-          </a:r>
-        </a:p>
-      </dsp:txBody>
-      <dsp:txXfrm>
-        <a:off x="3885" y="362791"/>
-        <a:ext cx="1376383" cy="214233"/>
-      </dsp:txXfrm>
-    </dsp:sp>
-    <dsp:sp modelId="{77AF4231-0E06-4D67-9726-0A13A07A304E}">
-      <dsp:nvSpPr>
-        <dsp:cNvPr id="0" name=""/>
-        <dsp:cNvSpPr/>
-      </dsp:nvSpPr>
-      <dsp:spPr>
-        <a:xfrm>
-          <a:off x="3899" y="656151"/>
-          <a:ext cx="674037" cy="433335"/>
-        </a:xfrm>
-        <a:prstGeom prst="roundRect">
-          <a:avLst>
-            <a:gd name="adj" fmla="val 10000"/>
-          </a:avLst>
-        </a:prstGeom>
-        <a:gradFill rotWithShape="0">
-          <a:gsLst>
-            <a:gs pos="0">
-              <a:schemeClr val="accent1">
-                <a:hueOff val="0"/>
-                <a:satOff val="0"/>
-                <a:lumOff val="0"/>
-                <a:alphaOff val="0"/>
-                <a:shade val="47500"/>
-                <a:satMod val="137000"/>
-              </a:schemeClr>
-            </a:gs>
-            <a:gs pos="55000">
-              <a:schemeClr val="accent1">
-                <a:hueOff val="0"/>
-                <a:satOff val="0"/>
-                <a:lumOff val="0"/>
-                <a:alphaOff val="0"/>
-                <a:shade val="69000"/>
-                <a:satMod val="137000"/>
-              </a:schemeClr>
-            </a:gs>
-            <a:gs pos="100000">
-              <a:schemeClr val="accent1">
-                <a:hueOff val="0"/>
-                <a:satOff val="0"/>
-                <a:lumOff val="0"/>
-                <a:alphaOff val="0"/>
-                <a:shade val="98000"/>
-                <a:satMod val="137000"/>
-              </a:schemeClr>
-            </a:gs>
-          </a:gsLst>
-          <a:lin ang="16200000" scaled="0"/>
-        </a:gradFill>
-        <a:ln>
-          <a:noFill/>
-        </a:ln>
-        <a:effectLst>
-          <a:outerShdw blurRad="39000" dist="25400" dir="5400000" rotWithShape="0">
-            <a:srgbClr val="000000">
-              <a:alpha val="38000"/>
-            </a:srgbClr>
-          </a:outerShdw>
-        </a:effectLst>
-      </dsp:spPr>
-      <dsp:style>
-        <a:lnRef idx="0">
-          <a:scrgbClr r="0" g="0" b="0"/>
-        </a:lnRef>
-        <a:fillRef idx="3">
-          <a:scrgbClr r="0" g="0" b="0"/>
-        </a:fillRef>
-        <a:effectRef idx="2">
-          <a:scrgbClr r="0" g="0" b="0"/>
-        </a:effectRef>
-        <a:fontRef idx="minor">
-          <a:schemeClr val="lt1"/>
-        </a:fontRef>
-      </dsp:style>
-      <dsp:txBody>
-        <a:bodyPr spcFirstLastPara="0" vert="horz" wrap="square" lIns="22860" tIns="22860" rIns="22860" bIns="22860" numCol="1" spcCol="1270" anchor="ctr" anchorCtr="0">
-          <a:noAutofit/>
-        </a:bodyPr>
-        <a:lstStyle/>
-        <a:p>
-          <a:pPr lvl="0" algn="ctr" defTabSz="266700">
-            <a:lnSpc>
-              <a:spcPct val="90000"/>
-            </a:lnSpc>
-            <a:spcBef>
-              <a:spcPct val="0"/>
-            </a:spcBef>
-            <a:spcAft>
-              <a:spcPct val="35000"/>
-            </a:spcAft>
-          </a:pPr>
-          <a:r>
-            <a:rPr lang="en-US" sz="600" kern="1200" dirty="0" smtClean="0"/>
-            <a:t>DIVISOR RESISTIVO</a:t>
-          </a:r>
-          <a:endParaRPr lang="es-AR" sz="600" kern="1200" dirty="0"/>
-        </a:p>
-      </dsp:txBody>
-      <dsp:txXfrm>
-        <a:off x="3899" y="656151"/>
-        <a:ext cx="674037" cy="433335"/>
-      </dsp:txXfrm>
-    </dsp:sp>
-    <dsp:sp modelId="{176A0B6E-F600-4993-8313-3DB59B4E75DA}">
-      <dsp:nvSpPr>
-        <dsp:cNvPr id="0" name=""/>
-        <dsp:cNvSpPr/>
-      </dsp:nvSpPr>
-      <dsp:spPr>
-        <a:xfrm>
-          <a:off x="706218" y="656151"/>
-          <a:ext cx="674037" cy="433335"/>
-        </a:xfrm>
-        <a:prstGeom prst="roundRect">
-          <a:avLst>
-            <a:gd name="adj" fmla="val 10000"/>
-          </a:avLst>
-        </a:prstGeom>
-        <a:gradFill rotWithShape="1">
-          <a:gsLst>
-            <a:gs pos="0">
-              <a:schemeClr val="accent1">
-                <a:shade val="47500"/>
-                <a:satMod val="137000"/>
-              </a:schemeClr>
-            </a:gs>
-            <a:gs pos="55000">
-              <a:schemeClr val="accent1">
-                <a:shade val="69000"/>
-                <a:satMod val="137000"/>
-              </a:schemeClr>
-            </a:gs>
-            <a:gs pos="100000">
-              <a:schemeClr val="accent1">
-                <a:shade val="98000"/>
-                <a:satMod val="137000"/>
-              </a:schemeClr>
-            </a:gs>
-          </a:gsLst>
-          <a:lin ang="16200000" scaled="0"/>
-        </a:gradFill>
-        <a:ln w="6350" cap="rnd" cmpd="sng" algn="ctr">
-          <a:solidFill>
-            <a:schemeClr val="accent1">
-              <a:shade val="95000"/>
-              <a:satMod val="105000"/>
-            </a:schemeClr>
-          </a:solidFill>
-          <a:prstDash val="solid"/>
-        </a:ln>
-        <a:effectLst>
-          <a:outerShdw blurRad="39000" dist="25400" dir="5400000" rotWithShape="0">
-            <a:srgbClr val="000000">
-              <a:alpha val="38000"/>
-            </a:srgbClr>
-          </a:outerShdw>
-        </a:effectLst>
-      </dsp:spPr>
-      <dsp:style>
-        <a:lnRef idx="1">
-          <a:schemeClr val="accent1"/>
-        </a:lnRef>
-        <a:fillRef idx="3">
-          <a:schemeClr val="accent1"/>
-        </a:fillRef>
-        <a:effectRef idx="2">
-          <a:schemeClr val="accent1"/>
-        </a:effectRef>
-        <a:fontRef idx="minor">
-          <a:schemeClr val="lt1"/>
-        </a:fontRef>
-      </dsp:style>
-      <dsp:txBody>
-        <a:bodyPr spcFirstLastPara="0" vert="horz" wrap="square" lIns="22860" tIns="22860" rIns="22860" bIns="22860" numCol="1" spcCol="1270" anchor="ctr" anchorCtr="0">
-          <a:noAutofit/>
-        </a:bodyPr>
-        <a:lstStyle/>
-        <a:p>
-          <a:pPr lvl="0" algn="ctr" defTabSz="266700">
-            <a:lnSpc>
-              <a:spcPct val="90000"/>
-            </a:lnSpc>
-            <a:spcBef>
-              <a:spcPct val="0"/>
-            </a:spcBef>
-            <a:spcAft>
-              <a:spcPct val="35000"/>
-            </a:spcAft>
-          </a:pPr>
-          <a:r>
-            <a:rPr lang="en-US" sz="600" kern="1200" dirty="0" smtClean="0"/>
-            <a:t>COMPARADOR</a:t>
-          </a:r>
-          <a:endParaRPr lang="es-AR" sz="600" kern="1200" dirty="0"/>
-        </a:p>
-      </dsp:txBody>
-      <dsp:txXfrm>
-        <a:off x="706218" y="656151"/>
-        <a:ext cx="674037" cy="433335"/>
-      </dsp:txXfrm>
-    </dsp:sp>
-    <dsp:sp modelId="{27A8E2C9-ACC0-4C1C-A1B4-FC5118E4D3CD}">
-      <dsp:nvSpPr>
-        <dsp:cNvPr id="0" name=""/>
-        <dsp:cNvSpPr/>
-      </dsp:nvSpPr>
-      <dsp:spPr>
-        <a:xfrm>
-          <a:off x="1436832" y="362791"/>
-          <a:ext cx="1331081" cy="200737"/>
-        </a:xfrm>
-        <a:prstGeom prst="roundRect">
-          <a:avLst>
-            <a:gd name="adj" fmla="val 10000"/>
-          </a:avLst>
-        </a:prstGeom>
-        <a:gradFill rotWithShape="1">
-          <a:gsLst>
-            <a:gs pos="0">
-              <a:schemeClr val="accent1">
-                <a:shade val="47500"/>
-                <a:satMod val="137000"/>
-              </a:schemeClr>
-            </a:gs>
-            <a:gs pos="55000">
-              <a:schemeClr val="accent1">
-                <a:shade val="69000"/>
-                <a:satMod val="137000"/>
-              </a:schemeClr>
-            </a:gs>
-            <a:gs pos="100000">
-              <a:schemeClr val="accent1">
-                <a:shade val="98000"/>
-                <a:satMod val="137000"/>
-              </a:schemeClr>
-            </a:gs>
-          </a:gsLst>
-          <a:lin ang="16200000" scaled="0"/>
-        </a:gradFill>
-        <a:ln w="6350" cap="rnd" cmpd="sng" algn="ctr">
-          <a:solidFill>
-            <a:schemeClr val="accent1">
-              <a:shade val="95000"/>
-              <a:satMod val="105000"/>
-            </a:schemeClr>
-          </a:solidFill>
-          <a:prstDash val="solid"/>
-        </a:ln>
-        <a:effectLst>
-          <a:outerShdw blurRad="39000" dist="25400" dir="5400000" rotWithShape="0">
-            <a:srgbClr val="000000">
-              <a:alpha val="38000"/>
-            </a:srgbClr>
-          </a:outerShdw>
-        </a:effectLst>
-      </dsp:spPr>
-      <dsp:style>
-        <a:lnRef idx="1">
-          <a:schemeClr val="accent1"/>
-        </a:lnRef>
-        <a:fillRef idx="3">
-          <a:schemeClr val="accent1"/>
-        </a:fillRef>
-        <a:effectRef idx="2">
-          <a:schemeClr val="accent1"/>
-        </a:effectRef>
-        <a:fontRef idx="minor">
-          <a:schemeClr val="lt1"/>
-        </a:fontRef>
-      </dsp:style>
-      <dsp:txBody>
-        <a:bodyPr spcFirstLastPara="0" vert="horz" wrap="square" lIns="30480" tIns="30480" rIns="30480" bIns="30480" numCol="1" spcCol="1270" anchor="ctr" anchorCtr="0">
-          <a:noAutofit/>
-        </a:bodyPr>
-        <a:lstStyle/>
-        <a:p>
-          <a:pPr lvl="0" algn="ctr" defTabSz="355600">
-            <a:lnSpc>
-              <a:spcPct val="90000"/>
-            </a:lnSpc>
-            <a:spcBef>
-              <a:spcPct val="0"/>
-            </a:spcBef>
-            <a:spcAft>
-              <a:spcPct val="35000"/>
-            </a:spcAft>
-          </a:pPr>
-          <a:r>
-            <a:rPr lang="es-AR" sz="800" kern="1200" dirty="0"/>
-            <a:t>Digital</a:t>
-          </a:r>
-        </a:p>
-      </dsp:txBody>
-      <dsp:txXfrm>
-        <a:off x="1436832" y="362791"/>
-        <a:ext cx="1331081" cy="200737"/>
-      </dsp:txXfrm>
-    </dsp:sp>
-    <dsp:sp modelId="{2D0BEDD2-93E1-444F-B15D-F8AE6E00B684}">
-      <dsp:nvSpPr>
-        <dsp:cNvPr id="0" name=""/>
-        <dsp:cNvSpPr/>
-      </dsp:nvSpPr>
-      <dsp:spPr>
-        <a:xfrm>
-          <a:off x="1439428" y="642655"/>
-          <a:ext cx="1325889" cy="306438"/>
-        </a:xfrm>
-        <a:prstGeom prst="roundRect">
-          <a:avLst>
-            <a:gd name="adj" fmla="val 10000"/>
-          </a:avLst>
-        </a:prstGeom>
-        <a:gradFill rotWithShape="0">
-          <a:gsLst>
-            <a:gs pos="0">
-              <a:schemeClr val="accent1">
-                <a:hueOff val="0"/>
-                <a:satOff val="0"/>
-                <a:lumOff val="0"/>
-                <a:alphaOff val="0"/>
-                <a:shade val="47500"/>
-                <a:satMod val="137000"/>
-              </a:schemeClr>
-            </a:gs>
-            <a:gs pos="55000">
-              <a:schemeClr val="accent1">
-                <a:hueOff val="0"/>
-                <a:satOff val="0"/>
-                <a:lumOff val="0"/>
-                <a:alphaOff val="0"/>
-                <a:shade val="69000"/>
-                <a:satMod val="137000"/>
-              </a:schemeClr>
-            </a:gs>
-            <a:gs pos="100000">
-              <a:schemeClr val="accent1">
-                <a:hueOff val="0"/>
-                <a:satOff val="0"/>
-                <a:lumOff val="0"/>
-                <a:alphaOff val="0"/>
-                <a:shade val="98000"/>
-                <a:satMod val="137000"/>
-              </a:schemeClr>
-            </a:gs>
-          </a:gsLst>
-          <a:lin ang="16200000" scaled="0"/>
-        </a:gradFill>
-        <a:ln>
-          <a:noFill/>
-        </a:ln>
-        <a:effectLst>
-          <a:outerShdw blurRad="39000" dist="25400" dir="5400000" rotWithShape="0">
-            <a:srgbClr val="000000">
-              <a:alpha val="38000"/>
-            </a:srgbClr>
-          </a:outerShdw>
-        </a:effectLst>
-      </dsp:spPr>
-      <dsp:style>
-        <a:lnRef idx="0">
-          <a:scrgbClr r="0" g="0" b="0"/>
-        </a:lnRef>
-        <a:fillRef idx="3">
-          <a:scrgbClr r="0" g="0" b="0"/>
-        </a:fillRef>
-        <a:effectRef idx="2">
-          <a:scrgbClr r="0" g="0" b="0"/>
-        </a:effectRef>
-        <a:fontRef idx="minor">
-          <a:schemeClr val="lt1"/>
-        </a:fontRef>
-      </dsp:style>
-      <dsp:txBody>
-        <a:bodyPr spcFirstLastPara="0" vert="horz" wrap="square" lIns="22860" tIns="22860" rIns="22860" bIns="22860" numCol="1" spcCol="1270" anchor="ctr" anchorCtr="0">
-          <a:noAutofit/>
-        </a:bodyPr>
-        <a:lstStyle/>
-        <a:p>
-          <a:pPr lvl="0" algn="ctr" defTabSz="266700">
-            <a:lnSpc>
-              <a:spcPct val="90000"/>
-            </a:lnSpc>
-            <a:spcBef>
-              <a:spcPct val="0"/>
-            </a:spcBef>
-            <a:spcAft>
-              <a:spcPct val="35000"/>
-            </a:spcAft>
-          </a:pPr>
-          <a:r>
-            <a:rPr lang="es-AR" sz="600" kern="1200" dirty="0"/>
-            <a:t>DECODIFICADOR</a:t>
-          </a:r>
-        </a:p>
-      </dsp:txBody>
-      <dsp:txXfrm>
-        <a:off x="1439428" y="642655"/>
-        <a:ext cx="1325889" cy="306438"/>
-      </dsp:txXfrm>
-    </dsp:sp>
-    <dsp:sp modelId="{85EB828F-C976-4C4B-BA1A-17244ACF076A}">
-      <dsp:nvSpPr>
-        <dsp:cNvPr id="0" name=""/>
-        <dsp:cNvSpPr/>
-      </dsp:nvSpPr>
-      <dsp:spPr>
-        <a:xfrm>
-          <a:off x="1439428" y="1028219"/>
-          <a:ext cx="632600" cy="379422"/>
+          <a:off x="1260534" y="1028219"/>
+          <a:ext cx="736974" cy="379422"/>
         </a:xfrm>
         <a:prstGeom prst="roundRect">
           <a:avLst>
@@ -8493,12 +10014,12 @@
         </a:fontRef>
       </dsp:style>
       <dsp:txBody>
-        <a:bodyPr spcFirstLastPara="0" vert="horz" wrap="square" lIns="22860" tIns="22860" rIns="22860" bIns="22860" numCol="1" spcCol="1270" anchor="ctr" anchorCtr="0">
+        <a:bodyPr spcFirstLastPara="0" vert="horz" wrap="square" lIns="26670" tIns="26670" rIns="26670" bIns="26670" numCol="1" spcCol="1270" anchor="ctr" anchorCtr="0">
           <a:noAutofit/>
         </a:bodyPr>
         <a:lstStyle/>
         <a:p>
-          <a:pPr lvl="0" algn="ctr" defTabSz="266700">
+          <a:pPr lvl="0" algn="ctr" defTabSz="311150">
             <a:lnSpc>
               <a:spcPct val="90000"/>
             </a:lnSpc>
@@ -8510,14 +10031,15 @@
             </a:spcAft>
           </a:pPr>
           <a:r>
-            <a:rPr lang="es-AR" sz="600" kern="1200" dirty="0"/>
+            <a:rPr lang="es-AR" sz="700" b="1" kern="1200" dirty="0"/>
             <a:t>NEGADOR</a:t>
           </a:r>
+          <a:endParaRPr lang="es-AR" sz="500" b="1" kern="1200" dirty="0"/>
         </a:p>
       </dsp:txBody>
       <dsp:txXfrm>
-        <a:off x="1439428" y="1028219"/>
-        <a:ext cx="632600" cy="379422"/>
+        <a:off x="1260534" y="1028219"/>
+        <a:ext cx="736974" cy="379422"/>
       </dsp:txXfrm>
     </dsp:sp>
     <dsp:sp modelId="{9DF2C459-4115-4E2B-AE4B-636AE7505F85}">
@@ -8527,8 +10049,8 @@
       </dsp:nvSpPr>
       <dsp:spPr>
         <a:xfrm>
-          <a:off x="2086129" y="1028219"/>
-          <a:ext cx="679189" cy="383347"/>
+          <a:off x="2013133" y="1028219"/>
+          <a:ext cx="752689" cy="383347"/>
         </a:xfrm>
         <a:prstGeom prst="roundRect">
           <a:avLst>
@@ -8590,12 +10112,12 @@
         </a:fontRef>
       </dsp:style>
       <dsp:txBody>
-        <a:bodyPr spcFirstLastPara="0" vert="horz" wrap="square" lIns="22860" tIns="22860" rIns="22860" bIns="22860" numCol="1" spcCol="1270" anchor="ctr" anchorCtr="0">
+        <a:bodyPr spcFirstLastPara="0" vert="horz" wrap="square" lIns="26670" tIns="26670" rIns="26670" bIns="26670" numCol="1" spcCol="1270" anchor="ctr" anchorCtr="0">
           <a:noAutofit/>
         </a:bodyPr>
         <a:lstStyle/>
         <a:p>
-          <a:pPr lvl="0" algn="ctr" defTabSz="266700">
+          <a:pPr lvl="0" algn="ctr" defTabSz="311150">
             <a:lnSpc>
               <a:spcPct val="90000"/>
             </a:lnSpc>
@@ -8607,14 +10129,14 @@
             </a:spcAft>
           </a:pPr>
           <a:r>
-            <a:rPr lang="es-AR" sz="600" kern="1200" dirty="0"/>
+            <a:rPr lang="es-AR" sz="700" b="1" kern="1200" dirty="0"/>
             <a:t>COMPUERTAS NAND</a:t>
           </a:r>
         </a:p>
       </dsp:txBody>
       <dsp:txXfrm>
-        <a:off x="2086129" y="1028219"/>
-        <a:ext cx="679189" cy="383347"/>
+        <a:off x="2013133" y="1028219"/>
+        <a:ext cx="752689" cy="383347"/>
       </dsp:txXfrm>
     </dsp:sp>
   </dsp:spTree>
@@ -9210,12 +10732,12 @@
         </a:fontRef>
       </dsp:style>
       <dsp:txBody>
-        <a:bodyPr spcFirstLastPara="0" vert="horz" wrap="square" lIns="22860" tIns="22860" rIns="22860" bIns="22860" numCol="1" spcCol="1270" anchor="ctr" anchorCtr="0">
+        <a:bodyPr spcFirstLastPara="0" vert="horz" wrap="square" lIns="45720" tIns="45720" rIns="45720" bIns="45720" numCol="1" spcCol="1270" anchor="ctr" anchorCtr="0">
           <a:noAutofit/>
         </a:bodyPr>
         <a:lstStyle/>
         <a:p>
-          <a:pPr lvl="0" algn="ctr" defTabSz="266700">
+          <a:pPr lvl="0" algn="ctr" defTabSz="533400">
             <a:lnSpc>
               <a:spcPct val="90000"/>
             </a:lnSpc>
@@ -9227,9 +10749,10 @@
             </a:spcAft>
           </a:pPr>
           <a:r>
-            <a:rPr lang="es-AR" sz="600" kern="1200" dirty="0"/>
+            <a:rPr lang="es-AR" sz="1200" b="1" kern="1200" dirty="0"/>
             <a:t>DECODIFICADOR</a:t>
           </a:r>
+          <a:endParaRPr lang="es-AR" sz="600" b="1" kern="1200" dirty="0"/>
         </a:p>
       </dsp:txBody>
       <dsp:txXfrm>
@@ -9441,6 +10964,832 @@
       <dsp:txXfrm>
         <a:off x="2046855" y="1133895"/>
         <a:ext cx="646757" cy="278021"/>
+      </dsp:txXfrm>
+    </dsp:sp>
+  </dsp:spTree>
+</dsp:drawing>
+</file>
+
+<file path=ppt/diagrams/drawing5.xml><?xml version="1.0" encoding="utf-8"?>
+<dsp:drawing xmlns:dgm="http://schemas.openxmlformats.org/drawingml/2006/diagram" xmlns:a="http://schemas.openxmlformats.org/drawingml/2006/main" xmlns:dsp="http://schemas.microsoft.com/office/drawing/2008/diagram">
+  <dsp:spTree>
+    <dsp:nvGrpSpPr>
+      <dsp:cNvPr id="0" name=""/>
+      <dsp:cNvGrpSpPr/>
+    </dsp:nvGrpSpPr>
+    <dsp:grpSpPr/>
+    <dsp:sp modelId="{AA8642CE-076F-4E21-9169-AEFC3A7958DB}">
+      <dsp:nvSpPr>
+        <dsp:cNvPr id="0" name=""/>
+        <dsp:cNvSpPr/>
+      </dsp:nvSpPr>
+      <dsp:spPr>
+        <a:xfrm>
+          <a:off x="984" y="55"/>
+          <a:ext cx="2769830" cy="441936"/>
+        </a:xfrm>
+        <a:prstGeom prst="roundRect">
+          <a:avLst>
+            <a:gd name="adj" fmla="val 10000"/>
+          </a:avLst>
+        </a:prstGeom>
+        <a:gradFill rotWithShape="1">
+          <a:gsLst>
+            <a:gs pos="0">
+              <a:schemeClr val="accent3">
+                <a:shade val="47500"/>
+                <a:satMod val="137000"/>
+              </a:schemeClr>
+            </a:gs>
+            <a:gs pos="55000">
+              <a:schemeClr val="accent3">
+                <a:shade val="69000"/>
+                <a:satMod val="137000"/>
+              </a:schemeClr>
+            </a:gs>
+            <a:gs pos="100000">
+              <a:schemeClr val="accent3">
+                <a:shade val="98000"/>
+                <a:satMod val="137000"/>
+              </a:schemeClr>
+            </a:gs>
+          </a:gsLst>
+          <a:lin ang="16200000" scaled="0"/>
+        </a:gradFill>
+        <a:ln w="6350" cap="rnd" cmpd="sng" algn="ctr">
+          <a:solidFill>
+            <a:schemeClr val="accent3">
+              <a:shade val="95000"/>
+              <a:satMod val="105000"/>
+            </a:schemeClr>
+          </a:solidFill>
+          <a:prstDash val="solid"/>
+        </a:ln>
+        <a:effectLst>
+          <a:outerShdw blurRad="39000" dist="25400" dir="5400000" rotWithShape="0">
+            <a:srgbClr val="000000">
+              <a:alpha val="38000"/>
+            </a:srgbClr>
+          </a:outerShdw>
+        </a:effectLst>
+      </dsp:spPr>
+      <dsp:style>
+        <a:lnRef idx="1">
+          <a:schemeClr val="accent3"/>
+        </a:lnRef>
+        <a:fillRef idx="3">
+          <a:schemeClr val="accent3"/>
+        </a:fillRef>
+        <a:effectRef idx="2">
+          <a:schemeClr val="accent3"/>
+        </a:effectRef>
+        <a:fontRef idx="minor">
+          <a:schemeClr val="lt1"/>
+        </a:fontRef>
+      </dsp:style>
+      <dsp:txBody>
+        <a:bodyPr spcFirstLastPara="0" vert="horz" wrap="square" lIns="72390" tIns="72390" rIns="72390" bIns="72390" numCol="1" spcCol="1270" anchor="ctr" anchorCtr="0">
+          <a:noAutofit/>
+        </a:bodyPr>
+        <a:lstStyle/>
+        <a:p>
+          <a:pPr lvl="0" algn="ctr" defTabSz="844550">
+            <a:lnSpc>
+              <a:spcPct val="90000"/>
+            </a:lnSpc>
+            <a:spcBef>
+              <a:spcPct val="0"/>
+            </a:spcBef>
+            <a:spcAft>
+              <a:spcPct val="35000"/>
+            </a:spcAft>
+          </a:pPr>
+          <a:r>
+            <a:rPr lang="es-AR" sz="1900" b="1" kern="1200" dirty="0"/>
+            <a:t>CONVERSOR FLASH</a:t>
+          </a:r>
+        </a:p>
+      </dsp:txBody>
+      <dsp:txXfrm>
+        <a:off x="984" y="55"/>
+        <a:ext cx="2769830" cy="441936"/>
+      </dsp:txXfrm>
+    </dsp:sp>
+    <dsp:sp modelId="{A3022894-5017-4BFC-92F1-859D2AB0615B}">
+      <dsp:nvSpPr>
+        <dsp:cNvPr id="0" name=""/>
+        <dsp:cNvSpPr/>
+      </dsp:nvSpPr>
+      <dsp:spPr>
+        <a:xfrm>
+          <a:off x="3688" y="517160"/>
+          <a:ext cx="1361213" cy="202331"/>
+        </a:xfrm>
+        <a:prstGeom prst="roundRect">
+          <a:avLst>
+            <a:gd name="adj" fmla="val 10000"/>
+          </a:avLst>
+        </a:prstGeom>
+        <a:gradFill rotWithShape="0">
+          <a:gsLst>
+            <a:gs pos="0">
+              <a:schemeClr val="accent1">
+                <a:hueOff val="0"/>
+                <a:satOff val="0"/>
+                <a:lumOff val="0"/>
+                <a:alphaOff val="0"/>
+                <a:shade val="47500"/>
+                <a:satMod val="137000"/>
+              </a:schemeClr>
+            </a:gs>
+            <a:gs pos="55000">
+              <a:schemeClr val="accent1">
+                <a:hueOff val="0"/>
+                <a:satOff val="0"/>
+                <a:lumOff val="0"/>
+                <a:alphaOff val="0"/>
+                <a:shade val="69000"/>
+                <a:satMod val="137000"/>
+              </a:schemeClr>
+            </a:gs>
+            <a:gs pos="100000">
+              <a:schemeClr val="accent1">
+                <a:hueOff val="0"/>
+                <a:satOff val="0"/>
+                <a:lumOff val="0"/>
+                <a:alphaOff val="0"/>
+                <a:shade val="98000"/>
+                <a:satMod val="137000"/>
+              </a:schemeClr>
+            </a:gs>
+          </a:gsLst>
+          <a:lin ang="16200000" scaled="0"/>
+        </a:gradFill>
+        <a:ln>
+          <a:noFill/>
+        </a:ln>
+        <a:effectLst>
+          <a:outerShdw blurRad="39000" dist="25400" dir="5400000" rotWithShape="0">
+            <a:srgbClr val="000000">
+              <a:alpha val="38000"/>
+            </a:srgbClr>
+          </a:outerShdw>
+        </a:effectLst>
+      </dsp:spPr>
+      <dsp:style>
+        <a:lnRef idx="0">
+          <a:scrgbClr r="0" g="0" b="0"/>
+        </a:lnRef>
+        <a:fillRef idx="3">
+          <a:scrgbClr r="0" g="0" b="0"/>
+        </a:fillRef>
+        <a:effectRef idx="2">
+          <a:scrgbClr r="0" g="0" b="0"/>
+        </a:effectRef>
+        <a:fontRef idx="minor">
+          <a:schemeClr val="lt1"/>
+        </a:fontRef>
+      </dsp:style>
+      <dsp:txBody>
+        <a:bodyPr spcFirstLastPara="0" vert="horz" wrap="square" lIns="30480" tIns="30480" rIns="30480" bIns="30480" numCol="1" spcCol="1270" anchor="ctr" anchorCtr="0">
+          <a:noAutofit/>
+        </a:bodyPr>
+        <a:lstStyle/>
+        <a:p>
+          <a:pPr lvl="0" algn="ctr" defTabSz="355600">
+            <a:lnSpc>
+              <a:spcPct val="90000"/>
+            </a:lnSpc>
+            <a:spcBef>
+              <a:spcPct val="0"/>
+            </a:spcBef>
+            <a:spcAft>
+              <a:spcPct val="35000"/>
+            </a:spcAft>
+          </a:pPr>
+          <a:r>
+            <a:rPr lang="es-AR" sz="800" kern="1200" dirty="0"/>
+            <a:t>Analógico</a:t>
+          </a:r>
+        </a:p>
+      </dsp:txBody>
+      <dsp:txXfrm>
+        <a:off x="3688" y="517160"/>
+        <a:ext cx="1361213" cy="202331"/>
+      </dsp:txXfrm>
+    </dsp:sp>
+    <dsp:sp modelId="{77AF4231-0E06-4D67-9726-0A13A07A304E}">
+      <dsp:nvSpPr>
+        <dsp:cNvPr id="0" name=""/>
+        <dsp:cNvSpPr/>
+      </dsp:nvSpPr>
+      <dsp:spPr>
+        <a:xfrm>
+          <a:off x="3688" y="794222"/>
+          <a:ext cx="666607" cy="409260"/>
+        </a:xfrm>
+        <a:prstGeom prst="roundRect">
+          <a:avLst>
+            <a:gd name="adj" fmla="val 10000"/>
+          </a:avLst>
+        </a:prstGeom>
+        <a:gradFill rotWithShape="0">
+          <a:gsLst>
+            <a:gs pos="0">
+              <a:schemeClr val="accent1">
+                <a:hueOff val="0"/>
+                <a:satOff val="0"/>
+                <a:lumOff val="0"/>
+                <a:alphaOff val="0"/>
+                <a:shade val="47500"/>
+                <a:satMod val="137000"/>
+              </a:schemeClr>
+            </a:gs>
+            <a:gs pos="55000">
+              <a:schemeClr val="accent1">
+                <a:hueOff val="0"/>
+                <a:satOff val="0"/>
+                <a:lumOff val="0"/>
+                <a:alphaOff val="0"/>
+                <a:shade val="69000"/>
+                <a:satMod val="137000"/>
+              </a:schemeClr>
+            </a:gs>
+            <a:gs pos="100000">
+              <a:schemeClr val="accent1">
+                <a:hueOff val="0"/>
+                <a:satOff val="0"/>
+                <a:lumOff val="0"/>
+                <a:alphaOff val="0"/>
+                <a:shade val="98000"/>
+                <a:satMod val="137000"/>
+              </a:schemeClr>
+            </a:gs>
+          </a:gsLst>
+          <a:lin ang="16200000" scaled="0"/>
+        </a:gradFill>
+        <a:ln>
+          <a:noFill/>
+        </a:ln>
+        <a:effectLst>
+          <a:outerShdw blurRad="39000" dist="25400" dir="5400000" rotWithShape="0">
+            <a:srgbClr val="000000">
+              <a:alpha val="38000"/>
+            </a:srgbClr>
+          </a:outerShdw>
+        </a:effectLst>
+      </dsp:spPr>
+      <dsp:style>
+        <a:lnRef idx="0">
+          <a:scrgbClr r="0" g="0" b="0"/>
+        </a:lnRef>
+        <a:fillRef idx="3">
+          <a:scrgbClr r="0" g="0" b="0"/>
+        </a:fillRef>
+        <a:effectRef idx="2">
+          <a:scrgbClr r="0" g="0" b="0"/>
+        </a:effectRef>
+        <a:fontRef idx="minor">
+          <a:schemeClr val="lt1"/>
+        </a:fontRef>
+      </dsp:style>
+      <dsp:txBody>
+        <a:bodyPr spcFirstLastPara="0" vert="horz" wrap="square" lIns="22860" tIns="22860" rIns="22860" bIns="22860" numCol="1" spcCol="1270" anchor="ctr" anchorCtr="0">
+          <a:noAutofit/>
+        </a:bodyPr>
+        <a:lstStyle/>
+        <a:p>
+          <a:pPr lvl="0" algn="ctr" defTabSz="266700">
+            <a:lnSpc>
+              <a:spcPct val="90000"/>
+            </a:lnSpc>
+            <a:spcBef>
+              <a:spcPct val="0"/>
+            </a:spcBef>
+            <a:spcAft>
+              <a:spcPct val="35000"/>
+            </a:spcAft>
+          </a:pPr>
+          <a:r>
+            <a:rPr lang="en-US" sz="600" kern="1200" dirty="0" smtClean="0"/>
+            <a:t>DIVISOR RESISTIVO</a:t>
+          </a:r>
+          <a:endParaRPr lang="es-AR" sz="600" kern="1200" dirty="0"/>
+        </a:p>
+      </dsp:txBody>
+      <dsp:txXfrm>
+        <a:off x="3688" y="794222"/>
+        <a:ext cx="666607" cy="409260"/>
+      </dsp:txXfrm>
+    </dsp:sp>
+    <dsp:sp modelId="{176A0B6E-F600-4993-8313-3DB59B4E75DA}">
+      <dsp:nvSpPr>
+        <dsp:cNvPr id="0" name=""/>
+        <dsp:cNvSpPr/>
+      </dsp:nvSpPr>
+      <dsp:spPr>
+        <a:xfrm>
+          <a:off x="698293" y="794222"/>
+          <a:ext cx="666607" cy="409260"/>
+        </a:xfrm>
+        <a:prstGeom prst="roundRect">
+          <a:avLst>
+            <a:gd name="adj" fmla="val 10000"/>
+          </a:avLst>
+        </a:prstGeom>
+        <a:gradFill rotWithShape="1">
+          <a:gsLst>
+            <a:gs pos="0">
+              <a:schemeClr val="accent1">
+                <a:shade val="47500"/>
+                <a:satMod val="137000"/>
+              </a:schemeClr>
+            </a:gs>
+            <a:gs pos="55000">
+              <a:schemeClr val="accent1">
+                <a:shade val="69000"/>
+                <a:satMod val="137000"/>
+              </a:schemeClr>
+            </a:gs>
+            <a:gs pos="100000">
+              <a:schemeClr val="accent1">
+                <a:shade val="98000"/>
+                <a:satMod val="137000"/>
+              </a:schemeClr>
+            </a:gs>
+          </a:gsLst>
+          <a:lin ang="16200000" scaled="0"/>
+        </a:gradFill>
+        <a:ln w="6350" cap="rnd" cmpd="sng" algn="ctr">
+          <a:solidFill>
+            <a:schemeClr val="accent1">
+              <a:shade val="95000"/>
+              <a:satMod val="105000"/>
+            </a:schemeClr>
+          </a:solidFill>
+          <a:prstDash val="solid"/>
+        </a:ln>
+        <a:effectLst>
+          <a:outerShdw blurRad="39000" dist="25400" dir="5400000" rotWithShape="0">
+            <a:srgbClr val="000000">
+              <a:alpha val="38000"/>
+            </a:srgbClr>
+          </a:outerShdw>
+        </a:effectLst>
+      </dsp:spPr>
+      <dsp:style>
+        <a:lnRef idx="1">
+          <a:schemeClr val="accent1"/>
+        </a:lnRef>
+        <a:fillRef idx="3">
+          <a:schemeClr val="accent1"/>
+        </a:fillRef>
+        <a:effectRef idx="2">
+          <a:schemeClr val="accent1"/>
+        </a:effectRef>
+        <a:fontRef idx="minor">
+          <a:schemeClr val="lt1"/>
+        </a:fontRef>
+      </dsp:style>
+      <dsp:txBody>
+        <a:bodyPr spcFirstLastPara="0" vert="horz" wrap="square" lIns="22860" tIns="22860" rIns="22860" bIns="22860" numCol="1" spcCol="1270" anchor="ctr" anchorCtr="0">
+          <a:noAutofit/>
+        </a:bodyPr>
+        <a:lstStyle/>
+        <a:p>
+          <a:pPr lvl="0" algn="ctr" defTabSz="266700">
+            <a:lnSpc>
+              <a:spcPct val="90000"/>
+            </a:lnSpc>
+            <a:spcBef>
+              <a:spcPct val="0"/>
+            </a:spcBef>
+            <a:spcAft>
+              <a:spcPct val="35000"/>
+            </a:spcAft>
+          </a:pPr>
+          <a:r>
+            <a:rPr lang="en-US" sz="600" kern="1200" dirty="0" smtClean="0"/>
+            <a:t>COMPARADOR</a:t>
+          </a:r>
+          <a:endParaRPr lang="es-AR" sz="600" kern="1200" dirty="0"/>
+        </a:p>
+      </dsp:txBody>
+      <dsp:txXfrm>
+        <a:off x="698293" y="794222"/>
+        <a:ext cx="666607" cy="409260"/>
+      </dsp:txXfrm>
+    </dsp:sp>
+    <dsp:sp modelId="{27A8E2C9-ACC0-4C1C-A1B4-FC5118E4D3CD}">
+      <dsp:nvSpPr>
+        <dsp:cNvPr id="0" name=""/>
+        <dsp:cNvSpPr/>
+      </dsp:nvSpPr>
+      <dsp:spPr>
+        <a:xfrm>
+          <a:off x="1420896" y="517160"/>
+          <a:ext cx="1347214" cy="189585"/>
+        </a:xfrm>
+        <a:prstGeom prst="roundRect">
+          <a:avLst>
+            <a:gd name="adj" fmla="val 10000"/>
+          </a:avLst>
+        </a:prstGeom>
+        <a:gradFill rotWithShape="0">
+          <a:gsLst>
+            <a:gs pos="0">
+              <a:schemeClr val="accent1">
+                <a:hueOff val="0"/>
+                <a:satOff val="0"/>
+                <a:lumOff val="0"/>
+                <a:alphaOff val="0"/>
+                <a:shade val="47500"/>
+                <a:satMod val="137000"/>
+              </a:schemeClr>
+            </a:gs>
+            <a:gs pos="55000">
+              <a:schemeClr val="accent1">
+                <a:hueOff val="0"/>
+                <a:satOff val="0"/>
+                <a:lumOff val="0"/>
+                <a:alphaOff val="0"/>
+                <a:shade val="69000"/>
+                <a:satMod val="137000"/>
+              </a:schemeClr>
+            </a:gs>
+            <a:gs pos="100000">
+              <a:schemeClr val="accent1">
+                <a:hueOff val="0"/>
+                <a:satOff val="0"/>
+                <a:lumOff val="0"/>
+                <a:alphaOff val="0"/>
+                <a:shade val="98000"/>
+                <a:satMod val="137000"/>
+              </a:schemeClr>
+            </a:gs>
+          </a:gsLst>
+          <a:lin ang="16200000" scaled="0"/>
+        </a:gradFill>
+        <a:ln>
+          <a:noFill/>
+        </a:ln>
+        <a:effectLst>
+          <a:outerShdw blurRad="39000" dist="25400" dir="5400000" rotWithShape="0">
+            <a:srgbClr val="000000">
+              <a:alpha val="38000"/>
+            </a:srgbClr>
+          </a:outerShdw>
+        </a:effectLst>
+      </dsp:spPr>
+      <dsp:style>
+        <a:lnRef idx="0">
+          <a:scrgbClr r="0" g="0" b="0"/>
+        </a:lnRef>
+        <a:fillRef idx="3">
+          <a:scrgbClr r="0" g="0" b="0"/>
+        </a:fillRef>
+        <a:effectRef idx="2">
+          <a:scrgbClr r="0" g="0" b="0"/>
+        </a:effectRef>
+        <a:fontRef idx="minor">
+          <a:schemeClr val="lt1"/>
+        </a:fontRef>
+      </dsp:style>
+      <dsp:txBody>
+        <a:bodyPr spcFirstLastPara="0" vert="horz" wrap="square" lIns="30480" tIns="30480" rIns="30480" bIns="30480" numCol="1" spcCol="1270" anchor="ctr" anchorCtr="0">
+          <a:noAutofit/>
+        </a:bodyPr>
+        <a:lstStyle/>
+        <a:p>
+          <a:pPr lvl="0" algn="ctr" defTabSz="355600">
+            <a:lnSpc>
+              <a:spcPct val="90000"/>
+            </a:lnSpc>
+            <a:spcBef>
+              <a:spcPct val="0"/>
+            </a:spcBef>
+            <a:spcAft>
+              <a:spcPct val="35000"/>
+            </a:spcAft>
+          </a:pPr>
+          <a:r>
+            <a:rPr lang="es-AR" sz="800" kern="1200" dirty="0"/>
+            <a:t>Digital</a:t>
+          </a:r>
+        </a:p>
+      </dsp:txBody>
+      <dsp:txXfrm>
+        <a:off x="1420896" y="517160"/>
+        <a:ext cx="1347214" cy="189585"/>
+      </dsp:txXfrm>
+    </dsp:sp>
+    <dsp:sp modelId="{2D0BEDD2-93E1-444F-B15D-F8AE6E00B684}">
+      <dsp:nvSpPr>
+        <dsp:cNvPr id="0" name=""/>
+        <dsp:cNvSpPr/>
+      </dsp:nvSpPr>
+      <dsp:spPr>
+        <a:xfrm>
+          <a:off x="1420896" y="781475"/>
+          <a:ext cx="1347214" cy="289414"/>
+        </a:xfrm>
+        <a:prstGeom prst="roundRect">
+          <a:avLst>
+            <a:gd name="adj" fmla="val 10000"/>
+          </a:avLst>
+        </a:prstGeom>
+        <a:gradFill rotWithShape="0">
+          <a:gsLst>
+            <a:gs pos="0">
+              <a:schemeClr val="accent1">
+                <a:hueOff val="0"/>
+                <a:satOff val="0"/>
+                <a:lumOff val="0"/>
+                <a:alphaOff val="0"/>
+                <a:shade val="47500"/>
+                <a:satMod val="137000"/>
+              </a:schemeClr>
+            </a:gs>
+            <a:gs pos="55000">
+              <a:schemeClr val="accent1">
+                <a:hueOff val="0"/>
+                <a:satOff val="0"/>
+                <a:lumOff val="0"/>
+                <a:alphaOff val="0"/>
+                <a:shade val="69000"/>
+                <a:satMod val="137000"/>
+              </a:schemeClr>
+            </a:gs>
+            <a:gs pos="100000">
+              <a:schemeClr val="accent1">
+                <a:hueOff val="0"/>
+                <a:satOff val="0"/>
+                <a:lumOff val="0"/>
+                <a:alphaOff val="0"/>
+                <a:shade val="98000"/>
+                <a:satMod val="137000"/>
+              </a:schemeClr>
+            </a:gs>
+          </a:gsLst>
+          <a:lin ang="16200000" scaled="0"/>
+        </a:gradFill>
+        <a:ln>
+          <a:noFill/>
+        </a:ln>
+        <a:effectLst>
+          <a:outerShdw blurRad="39000" dist="25400" dir="5400000" rotWithShape="0">
+            <a:srgbClr val="000000">
+              <a:alpha val="38000"/>
+            </a:srgbClr>
+          </a:outerShdw>
+        </a:effectLst>
+      </dsp:spPr>
+      <dsp:style>
+        <a:lnRef idx="0">
+          <a:scrgbClr r="0" g="0" b="0"/>
+        </a:lnRef>
+        <a:fillRef idx="3">
+          <a:scrgbClr r="0" g="0" b="0"/>
+        </a:fillRef>
+        <a:effectRef idx="2">
+          <a:scrgbClr r="0" g="0" b="0"/>
+        </a:effectRef>
+        <a:fontRef idx="minor">
+          <a:schemeClr val="lt1"/>
+        </a:fontRef>
+      </dsp:style>
+      <dsp:txBody>
+        <a:bodyPr spcFirstLastPara="0" vert="horz" wrap="square" lIns="22860" tIns="22860" rIns="22860" bIns="22860" numCol="1" spcCol="1270" anchor="ctr" anchorCtr="0">
+          <a:noAutofit/>
+        </a:bodyPr>
+        <a:lstStyle/>
+        <a:p>
+          <a:pPr lvl="0" algn="ctr" defTabSz="266700">
+            <a:lnSpc>
+              <a:spcPct val="90000"/>
+            </a:lnSpc>
+            <a:spcBef>
+              <a:spcPct val="0"/>
+            </a:spcBef>
+            <a:spcAft>
+              <a:spcPct val="35000"/>
+            </a:spcAft>
+          </a:pPr>
+          <a:r>
+            <a:rPr lang="es-AR" sz="600" kern="1200" dirty="0"/>
+            <a:t>DECODIFICADOR</a:t>
+          </a:r>
+        </a:p>
+      </dsp:txBody>
+      <dsp:txXfrm>
+        <a:off x="1420896" y="781475"/>
+        <a:ext cx="1347214" cy="289414"/>
+      </dsp:txXfrm>
+    </dsp:sp>
+    <dsp:sp modelId="{85EB828F-C976-4C4B-BA1A-17244ACF076A}">
+      <dsp:nvSpPr>
+        <dsp:cNvPr id="0" name=""/>
+        <dsp:cNvSpPr/>
+      </dsp:nvSpPr>
+      <dsp:spPr>
+        <a:xfrm>
+          <a:off x="1420896" y="1145620"/>
+          <a:ext cx="666607" cy="261622"/>
+        </a:xfrm>
+        <a:prstGeom prst="roundRect">
+          <a:avLst>
+            <a:gd name="adj" fmla="val 10000"/>
+          </a:avLst>
+        </a:prstGeom>
+        <a:gradFill rotWithShape="0">
+          <a:gsLst>
+            <a:gs pos="0">
+              <a:schemeClr val="accent1">
+                <a:hueOff val="0"/>
+                <a:satOff val="0"/>
+                <a:lumOff val="0"/>
+                <a:alphaOff val="0"/>
+                <a:shade val="47500"/>
+                <a:satMod val="137000"/>
+              </a:schemeClr>
+            </a:gs>
+            <a:gs pos="55000">
+              <a:schemeClr val="accent1">
+                <a:hueOff val="0"/>
+                <a:satOff val="0"/>
+                <a:lumOff val="0"/>
+                <a:alphaOff val="0"/>
+                <a:shade val="69000"/>
+                <a:satMod val="137000"/>
+              </a:schemeClr>
+            </a:gs>
+            <a:gs pos="100000">
+              <a:schemeClr val="accent1">
+                <a:hueOff val="0"/>
+                <a:satOff val="0"/>
+                <a:lumOff val="0"/>
+                <a:alphaOff val="0"/>
+                <a:shade val="98000"/>
+                <a:satMod val="137000"/>
+              </a:schemeClr>
+            </a:gs>
+          </a:gsLst>
+          <a:lin ang="16200000" scaled="0"/>
+        </a:gradFill>
+        <a:ln>
+          <a:noFill/>
+        </a:ln>
+        <a:effectLst>
+          <a:outerShdw blurRad="39000" dist="25400" dir="5400000" rotWithShape="0">
+            <a:srgbClr val="000000">
+              <a:alpha val="38000"/>
+            </a:srgbClr>
+          </a:outerShdw>
+        </a:effectLst>
+      </dsp:spPr>
+      <dsp:style>
+        <a:lnRef idx="0">
+          <a:scrgbClr r="0" g="0" b="0"/>
+        </a:lnRef>
+        <a:fillRef idx="3">
+          <a:scrgbClr r="0" g="0" b="0"/>
+        </a:fillRef>
+        <a:effectRef idx="2">
+          <a:scrgbClr r="0" g="0" b="0"/>
+        </a:effectRef>
+        <a:fontRef idx="minor">
+          <a:schemeClr val="lt1"/>
+        </a:fontRef>
+      </dsp:style>
+      <dsp:txBody>
+        <a:bodyPr spcFirstLastPara="0" vert="horz" wrap="square" lIns="22860" tIns="22860" rIns="22860" bIns="22860" numCol="1" spcCol="1270" anchor="ctr" anchorCtr="0">
+          <a:noAutofit/>
+        </a:bodyPr>
+        <a:lstStyle/>
+        <a:p>
+          <a:pPr lvl="0" algn="ctr" defTabSz="266700">
+            <a:lnSpc>
+              <a:spcPct val="90000"/>
+            </a:lnSpc>
+            <a:spcBef>
+              <a:spcPct val="0"/>
+            </a:spcBef>
+            <a:spcAft>
+              <a:spcPct val="35000"/>
+            </a:spcAft>
+          </a:pPr>
+          <a:r>
+            <a:rPr lang="es-AR" sz="600" kern="1200" dirty="0"/>
+            <a:t>NEGADOR</a:t>
+          </a:r>
+        </a:p>
+      </dsp:txBody>
+      <dsp:txXfrm>
+        <a:off x="1420896" y="1145620"/>
+        <a:ext cx="666607" cy="261622"/>
+      </dsp:txXfrm>
+    </dsp:sp>
+    <dsp:sp modelId="{9DF2C459-4115-4E2B-AE4B-636AE7505F85}">
+      <dsp:nvSpPr>
+        <dsp:cNvPr id="0" name=""/>
+        <dsp:cNvSpPr/>
+      </dsp:nvSpPr>
+      <dsp:spPr>
+        <a:xfrm>
+          <a:off x="2101503" y="1145620"/>
+          <a:ext cx="666607" cy="266662"/>
+        </a:xfrm>
+        <a:prstGeom prst="roundRect">
+          <a:avLst>
+            <a:gd name="adj" fmla="val 10000"/>
+          </a:avLst>
+        </a:prstGeom>
+        <a:gradFill rotWithShape="0">
+          <a:gsLst>
+            <a:gs pos="0">
+              <a:schemeClr val="accent1">
+                <a:hueOff val="0"/>
+                <a:satOff val="0"/>
+                <a:lumOff val="0"/>
+                <a:alphaOff val="0"/>
+                <a:shade val="47500"/>
+                <a:satMod val="137000"/>
+              </a:schemeClr>
+            </a:gs>
+            <a:gs pos="55000">
+              <a:schemeClr val="accent1">
+                <a:hueOff val="0"/>
+                <a:satOff val="0"/>
+                <a:lumOff val="0"/>
+                <a:alphaOff val="0"/>
+                <a:shade val="69000"/>
+                <a:satMod val="137000"/>
+              </a:schemeClr>
+            </a:gs>
+            <a:gs pos="100000">
+              <a:schemeClr val="accent1">
+                <a:hueOff val="0"/>
+                <a:satOff val="0"/>
+                <a:lumOff val="0"/>
+                <a:alphaOff val="0"/>
+                <a:shade val="98000"/>
+                <a:satMod val="137000"/>
+              </a:schemeClr>
+            </a:gs>
+          </a:gsLst>
+          <a:lin ang="16200000" scaled="0"/>
+        </a:gradFill>
+        <a:ln>
+          <a:noFill/>
+        </a:ln>
+        <a:effectLst>
+          <a:outerShdw blurRad="39000" dist="25400" dir="5400000" rotWithShape="0">
+            <a:srgbClr val="000000">
+              <a:alpha val="38000"/>
+            </a:srgbClr>
+          </a:outerShdw>
+        </a:effectLst>
+      </dsp:spPr>
+      <dsp:style>
+        <a:lnRef idx="0">
+          <a:scrgbClr r="0" g="0" b="0"/>
+        </a:lnRef>
+        <a:fillRef idx="3">
+          <a:scrgbClr r="0" g="0" b="0"/>
+        </a:fillRef>
+        <a:effectRef idx="2">
+          <a:scrgbClr r="0" g="0" b="0"/>
+        </a:effectRef>
+        <a:fontRef idx="minor">
+          <a:schemeClr val="lt1"/>
+        </a:fontRef>
+      </dsp:style>
+      <dsp:txBody>
+        <a:bodyPr spcFirstLastPara="0" vert="horz" wrap="square" lIns="22860" tIns="22860" rIns="22860" bIns="22860" numCol="1" spcCol="1270" anchor="ctr" anchorCtr="0">
+          <a:noAutofit/>
+        </a:bodyPr>
+        <a:lstStyle/>
+        <a:p>
+          <a:pPr lvl="0" algn="ctr" defTabSz="266700">
+            <a:lnSpc>
+              <a:spcPct val="90000"/>
+            </a:lnSpc>
+            <a:spcBef>
+              <a:spcPct val="0"/>
+            </a:spcBef>
+            <a:spcAft>
+              <a:spcPct val="35000"/>
+            </a:spcAft>
+          </a:pPr>
+          <a:r>
+            <a:rPr lang="es-AR" sz="600" kern="1200" dirty="0"/>
+            <a:t>COMPUERTAS NAND</a:t>
+          </a:r>
+        </a:p>
+      </dsp:txBody>
+      <dsp:txXfrm>
+        <a:off x="2101503" y="1145620"/>
+        <a:ext cx="666607" cy="266662"/>
       </dsp:txXfrm>
     </dsp:sp>
   </dsp:spTree>
@@ -11535,6 +13884,528 @@
 </dgm:layoutDef>
 </file>
 
+<file path=ppt/diagrams/layout5.xml><?xml version="1.0" encoding="utf-8"?>
+<dgm:layoutDef xmlns:dgm="http://schemas.openxmlformats.org/drawingml/2006/diagram" xmlns:a="http://schemas.openxmlformats.org/drawingml/2006/main" uniqueId="urn:microsoft.com/office/officeart/2005/8/layout/hierarchy4">
+  <dgm:title val=""/>
+  <dgm:desc val=""/>
+  <dgm:catLst>
+    <dgm:cat type="hierarchy" pri="4000"/>
+    <dgm:cat type="list" pri="24000"/>
+    <dgm:cat type="relationship" pri="10000"/>
+  </dgm:catLst>
+  <dgm:sampData>
+    <dgm:dataModel>
+      <dgm:ptLst>
+        <dgm:pt modelId="0" type="doc"/>
+        <dgm:pt modelId="1">
+          <dgm:prSet phldr="1"/>
+        </dgm:pt>
+        <dgm:pt modelId="2">
+          <dgm:prSet phldr="1"/>
+        </dgm:pt>
+        <dgm:pt modelId="21">
+          <dgm:prSet phldr="1"/>
+        </dgm:pt>
+        <dgm:pt modelId="22">
+          <dgm:prSet phldr="1"/>
+        </dgm:pt>
+        <dgm:pt modelId="3">
+          <dgm:prSet phldr="1"/>
+        </dgm:pt>
+        <dgm:pt modelId="31">
+          <dgm:prSet phldr="1"/>
+        </dgm:pt>
+      </dgm:ptLst>
+      <dgm:cxnLst>
+        <dgm:cxn modelId="4" srcId="0" destId="1" srcOrd="0" destOrd="0"/>
+        <dgm:cxn modelId="5" srcId="1" destId="2" srcOrd="0" destOrd="0"/>
+        <dgm:cxn modelId="6" srcId="1" destId="3" srcOrd="1" destOrd="0"/>
+        <dgm:cxn modelId="23" srcId="2" destId="21" srcOrd="0" destOrd="0"/>
+        <dgm:cxn modelId="24" srcId="2" destId="22" srcOrd="1" destOrd="0"/>
+        <dgm:cxn modelId="33" srcId="3" destId="31" srcOrd="0" destOrd="0"/>
+      </dgm:cxnLst>
+      <dgm:bg/>
+      <dgm:whole/>
+    </dgm:dataModel>
+  </dgm:sampData>
+  <dgm:styleData>
+    <dgm:dataModel>
+      <dgm:ptLst>
+        <dgm:pt modelId="0" type="doc"/>
+        <dgm:pt modelId="1"/>
+        <dgm:pt modelId="11"/>
+        <dgm:pt modelId="12"/>
+      </dgm:ptLst>
+      <dgm:cxnLst>
+        <dgm:cxn modelId="2" srcId="0" destId="1" srcOrd="0" destOrd="0"/>
+        <dgm:cxn modelId="13" srcId="1" destId="11" srcOrd="0" destOrd="0"/>
+        <dgm:cxn modelId="14" srcId="1" destId="12" srcOrd="1" destOrd="0"/>
+      </dgm:cxnLst>
+      <dgm:bg/>
+      <dgm:whole/>
+    </dgm:dataModel>
+  </dgm:styleData>
+  <dgm:clrData>
+    <dgm:dataModel>
+      <dgm:ptLst>
+        <dgm:pt modelId="0" type="doc"/>
+        <dgm:pt modelId="1"/>
+        <dgm:pt modelId="2"/>
+        <dgm:pt modelId="21"/>
+        <dgm:pt modelId="211"/>
+        <dgm:pt modelId="3"/>
+        <dgm:pt modelId="31"/>
+        <dgm:pt modelId="311"/>
+      </dgm:ptLst>
+      <dgm:cxnLst>
+        <dgm:cxn modelId="4" srcId="0" destId="1" srcOrd="0" destOrd="0"/>
+        <dgm:cxn modelId="5" srcId="1" destId="2" srcOrd="0" destOrd="0"/>
+        <dgm:cxn modelId="6" srcId="1" destId="3" srcOrd="1" destOrd="0"/>
+        <dgm:cxn modelId="23" srcId="2" destId="21" srcOrd="0" destOrd="0"/>
+        <dgm:cxn modelId="24" srcId="21" destId="211" srcOrd="0" destOrd="0"/>
+        <dgm:cxn modelId="33" srcId="3" destId="31" srcOrd="0" destOrd="0"/>
+        <dgm:cxn modelId="34" srcId="31" destId="311" srcOrd="0" destOrd="0"/>
+      </dgm:cxnLst>
+      <dgm:bg/>
+      <dgm:whole/>
+    </dgm:dataModel>
+  </dgm:clrData>
+  <dgm:layoutNode name="Name0">
+    <dgm:varLst>
+      <dgm:chPref val="1"/>
+      <dgm:dir/>
+      <dgm:animOne val="branch"/>
+      <dgm:animLvl val="lvl"/>
+      <dgm:resizeHandles/>
+    </dgm:varLst>
+    <dgm:choose name="Name1">
+      <dgm:if name="Name2" func="var" arg="dir" op="equ" val="norm">
+        <dgm:alg type="lin">
+          <dgm:param type="linDir" val="fromL"/>
+          <dgm:param type="nodeVertAlign" val="t"/>
+        </dgm:alg>
+      </dgm:if>
+      <dgm:else name="Name3">
+        <dgm:alg type="lin">
+          <dgm:param type="linDir" val="fromR"/>
+          <dgm:param type="nodeVertAlign" val="t"/>
+        </dgm:alg>
+      </dgm:else>
+    </dgm:choose>
+    <dgm:shape xmlns:r="http://schemas.openxmlformats.org/officeDocument/2006/relationships" r:blip="">
+      <dgm:adjLst/>
+    </dgm:shape>
+    <dgm:presOf/>
+    <dgm:constrLst>
+      <dgm:constr type="w" for="ch" forName="vertOne" refType="w"/>
+      <dgm:constr type="w" for="des" forName="horzOne" refType="w"/>
+      <dgm:constr type="w" for="des" forName="txOne" refType="w"/>
+      <dgm:constr type="w" for="des" forName="vertTwo" refType="w"/>
+      <dgm:constr type="w" for="des" forName="horzTwo" refType="w"/>
+      <dgm:constr type="w" for="des" forName="txTwo" refType="w"/>
+      <dgm:constr type="w" for="des" forName="vertThree" refType="w"/>
+      <dgm:constr type="w" for="des" forName="horzThree" refType="w"/>
+      <dgm:constr type="w" for="des" forName="txThree" refType="w"/>
+      <dgm:constr type="w" for="des" forName="vertFour" refType="w"/>
+      <dgm:constr type="w" for="des" forName="horzFour" refType="w"/>
+      <dgm:constr type="w" for="des" forName="txFour" refType="w"/>
+      <dgm:constr type="h" for="des" ptType="node" op="equ"/>
+      <dgm:constr type="h" for="des" forName="txOne" refType="h"/>
+      <dgm:constr type="userH" for="des" ptType="node" refType="h" refFor="des" refForName="txOne"/>
+      <dgm:constr type="primFontSz" for="des" forName="txOne" val="65"/>
+      <dgm:constr type="primFontSz" for="des" forName="txTwo" val="65"/>
+      <dgm:constr type="primFontSz" for="des" forName="txTwo" refType="primFontSz" refFor="des" refForName="txOne" op="lte"/>
+      <dgm:constr type="primFontSz" for="des" forName="txThree" val="65"/>
+      <dgm:constr type="primFontSz" for="des" forName="txThree" refType="primFontSz" refFor="des" refForName="txOne" op="lte"/>
+      <dgm:constr type="primFontSz" for="des" forName="txThree" refType="primFontSz" refFor="des" refForName="txTwo" op="lte"/>
+      <dgm:constr type="primFontSz" for="des" forName="txFour" val="65"/>
+      <dgm:constr type="primFontSz" for="des" forName="txFour" refType="primFontSz" refFor="des" refForName="txOne" op="lte"/>
+      <dgm:constr type="primFontSz" for="des" forName="txFour" refType="primFontSz" refFor="des" refForName="txTwo" op="lte"/>
+      <dgm:constr type="primFontSz" for="des" forName="txFour" refType="primFontSz" refFor="des" refForName="txThree" op="lte"/>
+      <dgm:constr type="w" for="des" forName="sibSpaceOne" refType="w" fact="0.168"/>
+      <dgm:constr type="w" for="des" forName="sibSpaceTwo" refType="w" refFor="des" refForName="sibSpaceOne" op="equ" fact="0.5"/>
+      <dgm:constr type="w" for="des" forName="sibSpaceThree" refType="w" refFor="des" refForName="sibSpaceTwo" op="equ" fact="0.5"/>
+      <dgm:constr type="w" for="des" forName="sibSpaceFour" refType="w" refFor="des" refForName="sibSpaceThree" op="equ" fact="0.5"/>
+      <dgm:constr type="h" for="des" forName="parTransOne" refType="w" fact="0.056"/>
+      <dgm:constr type="h" for="des" forName="parTransTwo" refType="h" refFor="des" refForName="parTransOne" op="equ"/>
+      <dgm:constr type="h" for="des" forName="parTransThree" refType="h" refFor="des" refForName="parTransTwo" op="equ"/>
+      <dgm:constr type="h" for="des" forName="parTransFour" refType="h" refFor="des" refForName="parTransThree" op="equ"/>
+    </dgm:constrLst>
+    <dgm:ruleLst/>
+    <dgm:forEach name="Name4" axis="ch" ptType="node">
+      <dgm:layoutNode name="vertOne">
+        <dgm:alg type="lin">
+          <dgm:param type="linDir" val="fromT"/>
+        </dgm:alg>
+        <dgm:shape xmlns:r="http://schemas.openxmlformats.org/officeDocument/2006/relationships" r:blip="">
+          <dgm:adjLst/>
+        </dgm:shape>
+        <dgm:presOf/>
+        <dgm:constrLst>
+          <dgm:constr type="w" for="ch" forName="txOne" refType="w" refFor="ch" refForName="horzOne" op="gte"/>
+        </dgm:constrLst>
+        <dgm:ruleLst/>
+        <dgm:layoutNode name="txOne" styleLbl="node0">
+          <dgm:varLst>
+            <dgm:chPref val="3"/>
+          </dgm:varLst>
+          <dgm:alg type="tx"/>
+          <dgm:shape xmlns:r="http://schemas.openxmlformats.org/officeDocument/2006/relationships" type="roundRect" r:blip="">
+            <dgm:adjLst>
+              <dgm:adj idx="1" val="0.1"/>
+            </dgm:adjLst>
+          </dgm:shape>
+          <dgm:presOf axis="self"/>
+          <dgm:constrLst>
+            <dgm:constr type="tMarg" refType="primFontSz" fact="0.3"/>
+            <dgm:constr type="bMarg" refType="primFontSz" fact="0.3"/>
+            <dgm:constr type="lMarg" refType="primFontSz" fact="0.3"/>
+            <dgm:constr type="rMarg" refType="primFontSz" fact="0.3"/>
+          </dgm:constrLst>
+          <dgm:ruleLst>
+            <dgm:rule type="primFontSz" val="5" fact="NaN" max="NaN"/>
+          </dgm:ruleLst>
+        </dgm:layoutNode>
+        <dgm:choose name="Name5">
+          <dgm:if name="Name6" axis="des" ptType="node" func="cnt" op="gt" val="0">
+            <dgm:layoutNode name="parTransOne">
+              <dgm:alg type="sp"/>
+              <dgm:shape xmlns:r="http://schemas.openxmlformats.org/officeDocument/2006/relationships" r:blip="">
+                <dgm:adjLst/>
+              </dgm:shape>
+              <dgm:presOf/>
+              <dgm:constrLst/>
+              <dgm:ruleLst/>
+            </dgm:layoutNode>
+          </dgm:if>
+          <dgm:else name="Name7"/>
+        </dgm:choose>
+        <dgm:layoutNode name="horzOne">
+          <dgm:choose name="Name8">
+            <dgm:if name="Name9" func="var" arg="dir" op="equ" val="norm">
+              <dgm:alg type="lin">
+                <dgm:param type="linDir" val="fromL"/>
+                <dgm:param type="nodeVertAlign" val="t"/>
+              </dgm:alg>
+            </dgm:if>
+            <dgm:else name="Name10">
+              <dgm:alg type="lin">
+                <dgm:param type="linDir" val="fromR"/>
+                <dgm:param type="nodeVertAlign" val="t"/>
+              </dgm:alg>
+            </dgm:else>
+          </dgm:choose>
+          <dgm:shape xmlns:r="http://schemas.openxmlformats.org/officeDocument/2006/relationships" r:blip="">
+            <dgm:adjLst/>
+          </dgm:shape>
+          <dgm:presOf/>
+          <dgm:constrLst/>
+          <dgm:ruleLst>
+            <dgm:rule type="w" val="INF" fact="NaN" max="NaN"/>
+          </dgm:ruleLst>
+          <dgm:forEach name="Name11" axis="ch" ptType="node">
+            <dgm:layoutNode name="vertTwo">
+              <dgm:alg type="lin">
+                <dgm:param type="linDir" val="fromT"/>
+              </dgm:alg>
+              <dgm:shape xmlns:r="http://schemas.openxmlformats.org/officeDocument/2006/relationships" r:blip="">
+                <dgm:adjLst/>
+              </dgm:shape>
+              <dgm:presOf/>
+              <dgm:constrLst>
+                <dgm:constr type="w" for="ch" forName="txTwo" refType="w" refFor="ch" refForName="horzTwo" op="gte"/>
+              </dgm:constrLst>
+              <dgm:ruleLst/>
+              <dgm:layoutNode name="txTwo">
+                <dgm:varLst>
+                  <dgm:chPref val="3"/>
+                </dgm:varLst>
+                <dgm:alg type="tx"/>
+                <dgm:shape xmlns:r="http://schemas.openxmlformats.org/officeDocument/2006/relationships" type="roundRect" r:blip="">
+                  <dgm:adjLst>
+                    <dgm:adj idx="1" val="0.1"/>
+                  </dgm:adjLst>
+                </dgm:shape>
+                <dgm:presOf axis="self"/>
+                <dgm:constrLst>
+                  <dgm:constr type="userH"/>
+                  <dgm:constr type="h" refType="userH"/>
+                  <dgm:constr type="tMarg" refType="primFontSz" fact="0.3"/>
+                  <dgm:constr type="bMarg" refType="primFontSz" fact="0.3"/>
+                  <dgm:constr type="lMarg" refType="primFontSz" fact="0.3"/>
+                  <dgm:constr type="rMarg" refType="primFontSz" fact="0.3"/>
+                </dgm:constrLst>
+                <dgm:ruleLst>
+                  <dgm:rule type="primFontSz" val="5" fact="NaN" max="NaN"/>
+                </dgm:ruleLst>
+              </dgm:layoutNode>
+              <dgm:choose name="Name12">
+                <dgm:if name="Name13" axis="des" ptType="node" func="cnt" op="gt" val="0">
+                  <dgm:layoutNode name="parTransTwo">
+                    <dgm:alg type="sp"/>
+                    <dgm:shape xmlns:r="http://schemas.openxmlformats.org/officeDocument/2006/relationships" r:blip="">
+                      <dgm:adjLst/>
+                    </dgm:shape>
+                    <dgm:presOf/>
+                    <dgm:constrLst/>
+                    <dgm:ruleLst/>
+                  </dgm:layoutNode>
+                </dgm:if>
+                <dgm:else name="Name14"/>
+              </dgm:choose>
+              <dgm:layoutNode name="horzTwo">
+                <dgm:choose name="Name15">
+                  <dgm:if name="Name16" func="var" arg="dir" op="equ" val="norm">
+                    <dgm:alg type="lin">
+                      <dgm:param type="linDir" val="fromL"/>
+                      <dgm:param type="nodeVertAlign" val="t"/>
+                    </dgm:alg>
+                  </dgm:if>
+                  <dgm:else name="Name17">
+                    <dgm:alg type="lin">
+                      <dgm:param type="linDir" val="fromR"/>
+                      <dgm:param type="nodeVertAlign" val="t"/>
+                    </dgm:alg>
+                  </dgm:else>
+                </dgm:choose>
+                <dgm:shape xmlns:r="http://schemas.openxmlformats.org/officeDocument/2006/relationships" r:blip="">
+                  <dgm:adjLst/>
+                </dgm:shape>
+                <dgm:presOf/>
+                <dgm:constrLst/>
+                <dgm:ruleLst>
+                  <dgm:rule type="w" val="INF" fact="NaN" max="NaN"/>
+                </dgm:ruleLst>
+                <dgm:forEach name="Name18" axis="ch" ptType="node">
+                  <dgm:layoutNode name="vertThree">
+                    <dgm:alg type="lin">
+                      <dgm:param type="linDir" val="fromT"/>
+                    </dgm:alg>
+                    <dgm:shape xmlns:r="http://schemas.openxmlformats.org/officeDocument/2006/relationships" r:blip="">
+                      <dgm:adjLst/>
+                    </dgm:shape>
+                    <dgm:presOf/>
+                    <dgm:constrLst>
+                      <dgm:constr type="w" for="ch" forName="txThree" refType="w" refFor="ch" refForName="horzThree" op="gte"/>
+                    </dgm:constrLst>
+                    <dgm:ruleLst/>
+                    <dgm:layoutNode name="txThree">
+                      <dgm:varLst>
+                        <dgm:chPref val="3"/>
+                      </dgm:varLst>
+                      <dgm:alg type="tx"/>
+                      <dgm:shape xmlns:r="http://schemas.openxmlformats.org/officeDocument/2006/relationships" type="roundRect" r:blip="">
+                        <dgm:adjLst>
+                          <dgm:adj idx="1" val="0.1"/>
+                        </dgm:adjLst>
+                      </dgm:shape>
+                      <dgm:presOf axis="self"/>
+                      <dgm:constrLst>
+                        <dgm:constr type="userH"/>
+                        <dgm:constr type="h" refType="userH"/>
+                        <dgm:constr type="tMarg" refType="primFontSz" fact="0.3"/>
+                        <dgm:constr type="bMarg" refType="primFontSz" fact="0.3"/>
+                        <dgm:constr type="lMarg" refType="primFontSz" fact="0.3"/>
+                        <dgm:constr type="rMarg" refType="primFontSz" fact="0.3"/>
+                      </dgm:constrLst>
+                      <dgm:ruleLst>
+                        <dgm:rule type="primFontSz" val="5" fact="NaN" max="NaN"/>
+                      </dgm:ruleLst>
+                    </dgm:layoutNode>
+                    <dgm:choose name="Name19">
+                      <dgm:if name="Name20" axis="des" ptType="node" func="cnt" op="gt" val="0">
+                        <dgm:layoutNode name="parTransThree">
+                          <dgm:alg type="sp"/>
+                          <dgm:shape xmlns:r="http://schemas.openxmlformats.org/officeDocument/2006/relationships" r:blip="">
+                            <dgm:adjLst/>
+                          </dgm:shape>
+                          <dgm:presOf/>
+                          <dgm:constrLst/>
+                          <dgm:ruleLst/>
+                        </dgm:layoutNode>
+                      </dgm:if>
+                      <dgm:else name="Name21"/>
+                    </dgm:choose>
+                    <dgm:layoutNode name="horzThree">
+                      <dgm:choose name="Name22">
+                        <dgm:if name="Name23" func="var" arg="dir" op="equ" val="norm">
+                          <dgm:alg type="lin">
+                            <dgm:param type="linDir" val="fromL"/>
+                            <dgm:param type="nodeVertAlign" val="t"/>
+                          </dgm:alg>
+                        </dgm:if>
+                        <dgm:else name="Name24">
+                          <dgm:alg type="lin">
+                            <dgm:param type="linDir" val="fromR"/>
+                            <dgm:param type="nodeVertAlign" val="t"/>
+                          </dgm:alg>
+                        </dgm:else>
+                      </dgm:choose>
+                      <dgm:shape xmlns:r="http://schemas.openxmlformats.org/officeDocument/2006/relationships" r:blip="">
+                        <dgm:adjLst/>
+                      </dgm:shape>
+                      <dgm:presOf/>
+                      <dgm:constrLst/>
+                      <dgm:ruleLst>
+                        <dgm:rule type="w" val="INF" fact="NaN" max="NaN"/>
+                      </dgm:ruleLst>
+                      <dgm:forEach name="repeat" axis="ch" ptType="node">
+                        <dgm:layoutNode name="vertFour">
+                          <dgm:varLst>
+                            <dgm:chPref val="3"/>
+                          </dgm:varLst>
+                          <dgm:alg type="lin">
+                            <dgm:param type="linDir" val="fromT"/>
+                          </dgm:alg>
+                          <dgm:shape xmlns:r="http://schemas.openxmlformats.org/officeDocument/2006/relationships" r:blip="">
+                            <dgm:adjLst/>
+                          </dgm:shape>
+                          <dgm:presOf/>
+                          <dgm:constrLst>
+                            <dgm:constr type="w" for="ch" forName="txFour" refType="w" refFor="ch" refForName="horzFour" op="gte"/>
+                          </dgm:constrLst>
+                          <dgm:ruleLst/>
+                          <dgm:layoutNode name="txFour">
+                            <dgm:varLst>
+                              <dgm:chPref val="3"/>
+                            </dgm:varLst>
+                            <dgm:alg type="tx"/>
+                            <dgm:shape xmlns:r="http://schemas.openxmlformats.org/officeDocument/2006/relationships" type="roundRect" r:blip="">
+                              <dgm:adjLst>
+                                <dgm:adj idx="1" val="0.1"/>
+                              </dgm:adjLst>
+                            </dgm:shape>
+                            <dgm:presOf axis="self"/>
+                            <dgm:constrLst>
+                              <dgm:constr type="userH"/>
+                              <dgm:constr type="h" refType="userH"/>
+                              <dgm:constr type="tMarg" refType="primFontSz" fact="0.3"/>
+                              <dgm:constr type="bMarg" refType="primFontSz" fact="0.3"/>
+                              <dgm:constr type="lMarg" refType="primFontSz" fact="0.3"/>
+                              <dgm:constr type="rMarg" refType="primFontSz" fact="0.3"/>
+                            </dgm:constrLst>
+                            <dgm:ruleLst>
+                              <dgm:rule type="primFontSz" val="5" fact="NaN" max="NaN"/>
+                            </dgm:ruleLst>
+                          </dgm:layoutNode>
+                          <dgm:choose name="Name25">
+                            <dgm:if name="Name26" axis="des" ptType="node" func="cnt" op="gt" val="0">
+                              <dgm:layoutNode name="parTransFour">
+                                <dgm:alg type="sp"/>
+                                <dgm:shape xmlns:r="http://schemas.openxmlformats.org/officeDocument/2006/relationships" r:blip="">
+                                  <dgm:adjLst/>
+                                </dgm:shape>
+                                <dgm:presOf/>
+                                <dgm:constrLst/>
+                                <dgm:ruleLst/>
+                              </dgm:layoutNode>
+                            </dgm:if>
+                            <dgm:else name="Name27"/>
+                          </dgm:choose>
+                          <dgm:layoutNode name="horzFour">
+                            <dgm:choose name="Name28">
+                              <dgm:if name="Name29" func="var" arg="dir" op="equ" val="norm">
+                                <dgm:alg type="lin">
+                                  <dgm:param type="linDir" val="fromL"/>
+                                  <dgm:param type="nodeVertAlign" val="t"/>
+                                </dgm:alg>
+                              </dgm:if>
+                              <dgm:else name="Name30">
+                                <dgm:alg type="lin">
+                                  <dgm:param type="linDir" val="fromR"/>
+                                  <dgm:param type="nodeVertAlign" val="t"/>
+                                </dgm:alg>
+                              </dgm:else>
+                            </dgm:choose>
+                            <dgm:shape xmlns:r="http://schemas.openxmlformats.org/officeDocument/2006/relationships" r:blip="">
+                              <dgm:adjLst/>
+                            </dgm:shape>
+                            <dgm:presOf/>
+                            <dgm:constrLst/>
+                            <dgm:ruleLst>
+                              <dgm:rule type="w" val="INF" fact="NaN" max="NaN"/>
+                            </dgm:ruleLst>
+                            <dgm:forEach name="Name31" ref="repeat"/>
+                          </dgm:layoutNode>
+                        </dgm:layoutNode>
+                        <dgm:choose name="Name32">
+                          <dgm:if name="Name33" axis="self" ptType="node" func="revPos" op="gte" val="2">
+                            <dgm:forEach name="Name34" axis="followSib" ptType="sibTrans" cnt="1">
+                              <dgm:layoutNode name="sibSpaceFour">
+                                <dgm:alg type="sp"/>
+                                <dgm:shape xmlns:r="http://schemas.openxmlformats.org/officeDocument/2006/relationships" r:blip="">
+                                  <dgm:adjLst/>
+                                </dgm:shape>
+                                <dgm:presOf/>
+                                <dgm:constrLst/>
+                                <dgm:ruleLst/>
+                              </dgm:layoutNode>
+                            </dgm:forEach>
+                          </dgm:if>
+                          <dgm:else name="Name35"/>
+                        </dgm:choose>
+                      </dgm:forEach>
+                    </dgm:layoutNode>
+                  </dgm:layoutNode>
+                  <dgm:choose name="Name36">
+                    <dgm:if name="Name37" axis="self" ptType="node" func="revPos" op="gte" val="2">
+                      <dgm:forEach name="Name38" axis="followSib" ptType="sibTrans" cnt="1">
+                        <dgm:layoutNode name="sibSpaceThree">
+                          <dgm:alg type="sp"/>
+                          <dgm:shape xmlns:r="http://schemas.openxmlformats.org/officeDocument/2006/relationships" r:blip="">
+                            <dgm:adjLst/>
+                          </dgm:shape>
+                          <dgm:presOf/>
+                          <dgm:constrLst/>
+                          <dgm:ruleLst/>
+                        </dgm:layoutNode>
+                      </dgm:forEach>
+                    </dgm:if>
+                    <dgm:else name="Name39"/>
+                  </dgm:choose>
+                </dgm:forEach>
+              </dgm:layoutNode>
+            </dgm:layoutNode>
+            <dgm:choose name="Name40">
+              <dgm:if name="Name41" axis="self" ptType="node" func="revPos" op="gte" val="2">
+                <dgm:forEach name="Name42" axis="followSib" ptType="sibTrans" cnt="1">
+                  <dgm:layoutNode name="sibSpaceTwo">
+                    <dgm:alg type="sp"/>
+                    <dgm:shape xmlns:r="http://schemas.openxmlformats.org/officeDocument/2006/relationships" r:blip="">
+                      <dgm:adjLst/>
+                    </dgm:shape>
+                    <dgm:presOf/>
+                    <dgm:constrLst/>
+                    <dgm:ruleLst/>
+                  </dgm:layoutNode>
+                </dgm:forEach>
+              </dgm:if>
+              <dgm:else name="Name43"/>
+            </dgm:choose>
+          </dgm:forEach>
+        </dgm:layoutNode>
+      </dgm:layoutNode>
+      <dgm:choose name="Name44">
+        <dgm:if name="Name45" axis="self" ptType="node" func="revPos" op="gte" val="2">
+          <dgm:forEach name="Name46" axis="followSib" ptType="sibTrans" cnt="1">
+            <dgm:layoutNode name="sibSpaceOne">
+              <dgm:alg type="sp"/>
+              <dgm:shape xmlns:r="http://schemas.openxmlformats.org/officeDocument/2006/relationships" r:blip="">
+                <dgm:adjLst/>
+              </dgm:shape>
+              <dgm:presOf/>
+              <dgm:constrLst/>
+              <dgm:ruleLst/>
+            </dgm:layoutNode>
+          </dgm:forEach>
+        </dgm:if>
+        <dgm:else name="Name47"/>
+      </dgm:choose>
+    </dgm:forEach>
+  </dgm:layoutNode>
+</dgm:layoutDef>
+</file>
+
 <file path=ppt/diagrams/quickStyle1.xml><?xml version="1.0" encoding="utf-8"?>
 <dgm:styleDef xmlns:dgm="http://schemas.openxmlformats.org/drawingml/2006/diagram" xmlns:a="http://schemas.openxmlformats.org/drawingml/2006/main" uniqueId="urn:microsoft.com/office/officeart/2005/8/quickstyle/simple4">
   <dgm:title val=""/>
@@ -14638,6 +17509,1040 @@
 </file>
 
 <file path=ppt/diagrams/quickStyle4.xml><?xml version="1.0" encoding="utf-8"?>
+<dgm:styleDef xmlns:dgm="http://schemas.openxmlformats.org/drawingml/2006/diagram" xmlns:a="http://schemas.openxmlformats.org/drawingml/2006/main" uniqueId="urn:microsoft.com/office/officeart/2005/8/quickstyle/simple4">
+  <dgm:title val=""/>
+  <dgm:desc val=""/>
+  <dgm:catLst>
+    <dgm:cat type="simple" pri="10400"/>
+  </dgm:catLst>
+  <dgm:scene3d>
+    <a:camera prst="orthographicFront"/>
+    <a:lightRig rig="threePt" dir="t"/>
+  </dgm:scene3d>
+  <dgm:styleLbl name="node0">
+    <dgm:scene3d>
+      <a:camera prst="orthographicFront"/>
+      <a:lightRig rig="threePt" dir="t"/>
+    </dgm:scene3d>
+    <dgm:sp3d/>
+    <dgm:txPr/>
+    <dgm:style>
+      <a:lnRef idx="0">
+        <a:scrgbClr r="0" g="0" b="0"/>
+      </a:lnRef>
+      <a:fillRef idx="3">
+        <a:scrgbClr r="0" g="0" b="0"/>
+      </a:fillRef>
+      <a:effectRef idx="2">
+        <a:scrgbClr r="0" g="0" b="0"/>
+      </a:effectRef>
+      <a:fontRef idx="minor">
+        <a:schemeClr val="lt1"/>
+      </a:fontRef>
+    </dgm:style>
+  </dgm:styleLbl>
+  <dgm:styleLbl name="lnNode1">
+    <dgm:scene3d>
+      <a:camera prst="orthographicFront"/>
+      <a:lightRig rig="threePt" dir="t"/>
+    </dgm:scene3d>
+    <dgm:sp3d/>
+    <dgm:txPr/>
+    <dgm:style>
+      <a:lnRef idx="1">
+        <a:scrgbClr r="0" g="0" b="0"/>
+      </a:lnRef>
+      <a:fillRef idx="3">
+        <a:scrgbClr r="0" g="0" b="0"/>
+      </a:fillRef>
+      <a:effectRef idx="2">
+        <a:scrgbClr r="0" g="0" b="0"/>
+      </a:effectRef>
+      <a:fontRef idx="minor">
+        <a:schemeClr val="lt1"/>
+      </a:fontRef>
+    </dgm:style>
+  </dgm:styleLbl>
+  <dgm:styleLbl name="vennNode1">
+    <dgm:scene3d>
+      <a:camera prst="orthographicFront"/>
+      <a:lightRig rig="threePt" dir="t"/>
+    </dgm:scene3d>
+    <dgm:sp3d/>
+    <dgm:txPr/>
+    <dgm:style>
+      <a:lnRef idx="0">
+        <a:scrgbClr r="0" g="0" b="0"/>
+      </a:lnRef>
+      <a:fillRef idx="3">
+        <a:scrgbClr r="0" g="0" b="0"/>
+      </a:fillRef>
+      <a:effectRef idx="0">
+        <a:scrgbClr r="0" g="0" b="0"/>
+      </a:effectRef>
+      <a:fontRef idx="minor">
+        <a:schemeClr val="tx1"/>
+      </a:fontRef>
+    </dgm:style>
+  </dgm:styleLbl>
+  <dgm:styleLbl name="alignNode1">
+    <dgm:scene3d>
+      <a:camera prst="orthographicFront"/>
+      <a:lightRig rig="threePt" dir="t"/>
+    </dgm:scene3d>
+    <dgm:sp3d/>
+    <dgm:txPr/>
+    <dgm:style>
+      <a:lnRef idx="1">
+        <a:scrgbClr r="0" g="0" b="0"/>
+      </a:lnRef>
+      <a:fillRef idx="3">
+        <a:scrgbClr r="0" g="0" b="0"/>
+      </a:fillRef>
+      <a:effectRef idx="2">
+        <a:scrgbClr r="0" g="0" b="0"/>
+      </a:effectRef>
+      <a:fontRef idx="minor">
+        <a:schemeClr val="lt1"/>
+      </a:fontRef>
+    </dgm:style>
+  </dgm:styleLbl>
+  <dgm:styleLbl name="node1">
+    <dgm:scene3d>
+      <a:camera prst="orthographicFront"/>
+      <a:lightRig rig="threePt" dir="t"/>
+    </dgm:scene3d>
+    <dgm:sp3d/>
+    <dgm:txPr/>
+    <dgm:style>
+      <a:lnRef idx="0">
+        <a:scrgbClr r="0" g="0" b="0"/>
+      </a:lnRef>
+      <a:fillRef idx="3">
+        <a:scrgbClr r="0" g="0" b="0"/>
+      </a:fillRef>
+      <a:effectRef idx="2">
+        <a:scrgbClr r="0" g="0" b="0"/>
+      </a:effectRef>
+      <a:fontRef idx="minor">
+        <a:schemeClr val="lt1"/>
+      </a:fontRef>
+    </dgm:style>
+  </dgm:styleLbl>
+  <dgm:styleLbl name="node2">
+    <dgm:scene3d>
+      <a:camera prst="orthographicFront"/>
+      <a:lightRig rig="threePt" dir="t"/>
+    </dgm:scene3d>
+    <dgm:sp3d/>
+    <dgm:txPr/>
+    <dgm:style>
+      <a:lnRef idx="0">
+        <a:scrgbClr r="0" g="0" b="0"/>
+      </a:lnRef>
+      <a:fillRef idx="3">
+        <a:scrgbClr r="0" g="0" b="0"/>
+      </a:fillRef>
+      <a:effectRef idx="2">
+        <a:scrgbClr r="0" g="0" b="0"/>
+      </a:effectRef>
+      <a:fontRef idx="minor">
+        <a:schemeClr val="lt1"/>
+      </a:fontRef>
+    </dgm:style>
+  </dgm:styleLbl>
+  <dgm:styleLbl name="node3">
+    <dgm:scene3d>
+      <a:camera prst="orthographicFront"/>
+      <a:lightRig rig="threePt" dir="t"/>
+    </dgm:scene3d>
+    <dgm:sp3d/>
+    <dgm:txPr/>
+    <dgm:style>
+      <a:lnRef idx="0">
+        <a:scrgbClr r="0" g="0" b="0"/>
+      </a:lnRef>
+      <a:fillRef idx="3">
+        <a:scrgbClr r="0" g="0" b="0"/>
+      </a:fillRef>
+      <a:effectRef idx="2">
+        <a:scrgbClr r="0" g="0" b="0"/>
+      </a:effectRef>
+      <a:fontRef idx="minor">
+        <a:schemeClr val="lt1"/>
+      </a:fontRef>
+    </dgm:style>
+  </dgm:styleLbl>
+  <dgm:styleLbl name="node4">
+    <dgm:scene3d>
+      <a:camera prst="orthographicFront"/>
+      <a:lightRig rig="threePt" dir="t"/>
+    </dgm:scene3d>
+    <dgm:sp3d/>
+    <dgm:txPr/>
+    <dgm:style>
+      <a:lnRef idx="0">
+        <a:scrgbClr r="0" g="0" b="0"/>
+      </a:lnRef>
+      <a:fillRef idx="3">
+        <a:scrgbClr r="0" g="0" b="0"/>
+      </a:fillRef>
+      <a:effectRef idx="2">
+        <a:scrgbClr r="0" g="0" b="0"/>
+      </a:effectRef>
+      <a:fontRef idx="minor">
+        <a:schemeClr val="lt1"/>
+      </a:fontRef>
+    </dgm:style>
+  </dgm:styleLbl>
+  <dgm:styleLbl name="fgImgPlace1">
+    <dgm:scene3d>
+      <a:camera prst="orthographicFront"/>
+      <a:lightRig rig="threePt" dir="t"/>
+    </dgm:scene3d>
+    <dgm:sp3d/>
+    <dgm:txPr/>
+    <dgm:style>
+      <a:lnRef idx="0">
+        <a:scrgbClr r="0" g="0" b="0"/>
+      </a:lnRef>
+      <a:fillRef idx="1">
+        <a:scrgbClr r="0" g="0" b="0"/>
+      </a:fillRef>
+      <a:effectRef idx="2">
+        <a:scrgbClr r="0" g="0" b="0"/>
+      </a:effectRef>
+      <a:fontRef idx="minor"/>
+    </dgm:style>
+  </dgm:styleLbl>
+  <dgm:styleLbl name="alignImgPlace1">
+    <dgm:scene3d>
+      <a:camera prst="orthographicFront"/>
+      <a:lightRig rig="threePt" dir="t"/>
+    </dgm:scene3d>
+    <dgm:sp3d/>
+    <dgm:txPr/>
+    <dgm:style>
+      <a:lnRef idx="0">
+        <a:scrgbClr r="0" g="0" b="0"/>
+      </a:lnRef>
+      <a:fillRef idx="1">
+        <a:scrgbClr r="0" g="0" b="0"/>
+      </a:fillRef>
+      <a:effectRef idx="2">
+        <a:scrgbClr r="0" g="0" b="0"/>
+      </a:effectRef>
+      <a:fontRef idx="minor"/>
+    </dgm:style>
+  </dgm:styleLbl>
+  <dgm:styleLbl name="bgImgPlace1">
+    <dgm:scene3d>
+      <a:camera prst="orthographicFront"/>
+      <a:lightRig rig="threePt" dir="t"/>
+    </dgm:scene3d>
+    <dgm:sp3d/>
+    <dgm:txPr/>
+    <dgm:style>
+      <a:lnRef idx="0">
+        <a:scrgbClr r="0" g="0" b="0"/>
+      </a:lnRef>
+      <a:fillRef idx="1">
+        <a:scrgbClr r="0" g="0" b="0"/>
+      </a:fillRef>
+      <a:effectRef idx="2">
+        <a:scrgbClr r="0" g="0" b="0"/>
+      </a:effectRef>
+      <a:fontRef idx="minor"/>
+    </dgm:style>
+  </dgm:styleLbl>
+  <dgm:styleLbl name="sibTrans2D1">
+    <dgm:scene3d>
+      <a:camera prst="orthographicFront"/>
+      <a:lightRig rig="threePt" dir="t"/>
+    </dgm:scene3d>
+    <dgm:sp3d/>
+    <dgm:txPr/>
+    <dgm:style>
+      <a:lnRef idx="0">
+        <a:scrgbClr r="0" g="0" b="0"/>
+      </a:lnRef>
+      <a:fillRef idx="3">
+        <a:scrgbClr r="0" g="0" b="0"/>
+      </a:fillRef>
+      <a:effectRef idx="2">
+        <a:scrgbClr r="0" g="0" b="0"/>
+      </a:effectRef>
+      <a:fontRef idx="minor">
+        <a:schemeClr val="lt1"/>
+      </a:fontRef>
+    </dgm:style>
+  </dgm:styleLbl>
+  <dgm:styleLbl name="fgSibTrans2D1">
+    <dgm:scene3d>
+      <a:camera prst="orthographicFront"/>
+      <a:lightRig rig="threePt" dir="t"/>
+    </dgm:scene3d>
+    <dgm:sp3d/>
+    <dgm:txPr/>
+    <dgm:style>
+      <a:lnRef idx="0">
+        <a:scrgbClr r="0" g="0" b="0"/>
+      </a:lnRef>
+      <a:fillRef idx="3">
+        <a:scrgbClr r="0" g="0" b="0"/>
+      </a:fillRef>
+      <a:effectRef idx="2">
+        <a:scrgbClr r="0" g="0" b="0"/>
+      </a:effectRef>
+      <a:fontRef idx="minor">
+        <a:schemeClr val="lt1"/>
+      </a:fontRef>
+    </dgm:style>
+  </dgm:styleLbl>
+  <dgm:styleLbl name="bgSibTrans2D1">
+    <dgm:scene3d>
+      <a:camera prst="orthographicFront"/>
+      <a:lightRig rig="threePt" dir="t"/>
+    </dgm:scene3d>
+    <dgm:sp3d/>
+    <dgm:txPr/>
+    <dgm:style>
+      <a:lnRef idx="0">
+        <a:scrgbClr r="0" g="0" b="0"/>
+      </a:lnRef>
+      <a:fillRef idx="3">
+        <a:scrgbClr r="0" g="0" b="0"/>
+      </a:fillRef>
+      <a:effectRef idx="2">
+        <a:scrgbClr r="0" g="0" b="0"/>
+      </a:effectRef>
+      <a:fontRef idx="minor">
+        <a:schemeClr val="lt1"/>
+      </a:fontRef>
+    </dgm:style>
+  </dgm:styleLbl>
+  <dgm:styleLbl name="sibTrans1D1">
+    <dgm:scene3d>
+      <a:camera prst="orthographicFront"/>
+      <a:lightRig rig="threePt" dir="t"/>
+    </dgm:scene3d>
+    <dgm:sp3d/>
+    <dgm:txPr/>
+    <dgm:style>
+      <a:lnRef idx="1">
+        <a:scrgbClr r="0" g="0" b="0"/>
+      </a:lnRef>
+      <a:fillRef idx="0">
+        <a:scrgbClr r="0" g="0" b="0"/>
+      </a:fillRef>
+      <a:effectRef idx="0">
+        <a:scrgbClr r="0" g="0" b="0"/>
+      </a:effectRef>
+      <a:fontRef idx="minor"/>
+    </dgm:style>
+  </dgm:styleLbl>
+  <dgm:styleLbl name="callout">
+    <dgm:scene3d>
+      <a:camera prst="orthographicFront"/>
+      <a:lightRig rig="threePt" dir="t"/>
+    </dgm:scene3d>
+    <dgm:sp3d/>
+    <dgm:txPr/>
+    <dgm:style>
+      <a:lnRef idx="2">
+        <a:scrgbClr r="0" g="0" b="0"/>
+      </a:lnRef>
+      <a:fillRef idx="1">
+        <a:scrgbClr r="0" g="0" b="0"/>
+      </a:fillRef>
+      <a:effectRef idx="1">
+        <a:scrgbClr r="0" g="0" b="0"/>
+      </a:effectRef>
+      <a:fontRef idx="minor"/>
+    </dgm:style>
+  </dgm:styleLbl>
+  <dgm:styleLbl name="asst0">
+    <dgm:scene3d>
+      <a:camera prst="orthographicFront"/>
+      <a:lightRig rig="threePt" dir="t"/>
+    </dgm:scene3d>
+    <dgm:sp3d/>
+    <dgm:txPr/>
+    <dgm:style>
+      <a:lnRef idx="0">
+        <a:scrgbClr r="0" g="0" b="0"/>
+      </a:lnRef>
+      <a:fillRef idx="3">
+        <a:scrgbClr r="0" g="0" b="0"/>
+      </a:fillRef>
+      <a:effectRef idx="2">
+        <a:scrgbClr r="0" g="0" b="0"/>
+      </a:effectRef>
+      <a:fontRef idx="minor">
+        <a:schemeClr val="lt1"/>
+      </a:fontRef>
+    </dgm:style>
+  </dgm:styleLbl>
+  <dgm:styleLbl name="asst1">
+    <dgm:scene3d>
+      <a:camera prst="orthographicFront"/>
+      <a:lightRig rig="threePt" dir="t"/>
+    </dgm:scene3d>
+    <dgm:sp3d/>
+    <dgm:txPr/>
+    <dgm:style>
+      <a:lnRef idx="0">
+        <a:scrgbClr r="0" g="0" b="0"/>
+      </a:lnRef>
+      <a:fillRef idx="3">
+        <a:scrgbClr r="0" g="0" b="0"/>
+      </a:fillRef>
+      <a:effectRef idx="2">
+        <a:scrgbClr r="0" g="0" b="0"/>
+      </a:effectRef>
+      <a:fontRef idx="minor">
+        <a:schemeClr val="lt1"/>
+      </a:fontRef>
+    </dgm:style>
+  </dgm:styleLbl>
+  <dgm:styleLbl name="asst2">
+    <dgm:scene3d>
+      <a:camera prst="orthographicFront"/>
+      <a:lightRig rig="threePt" dir="t"/>
+    </dgm:scene3d>
+    <dgm:sp3d/>
+    <dgm:txPr/>
+    <dgm:style>
+      <a:lnRef idx="0">
+        <a:scrgbClr r="0" g="0" b="0"/>
+      </a:lnRef>
+      <a:fillRef idx="3">
+        <a:scrgbClr r="0" g="0" b="0"/>
+      </a:fillRef>
+      <a:effectRef idx="2">
+        <a:scrgbClr r="0" g="0" b="0"/>
+      </a:effectRef>
+      <a:fontRef idx="minor">
+        <a:schemeClr val="lt1"/>
+      </a:fontRef>
+    </dgm:style>
+  </dgm:styleLbl>
+  <dgm:styleLbl name="asst3">
+    <dgm:scene3d>
+      <a:camera prst="orthographicFront"/>
+      <a:lightRig rig="threePt" dir="t"/>
+    </dgm:scene3d>
+    <dgm:sp3d/>
+    <dgm:txPr/>
+    <dgm:style>
+      <a:lnRef idx="0">
+        <a:scrgbClr r="0" g="0" b="0"/>
+      </a:lnRef>
+      <a:fillRef idx="3">
+        <a:scrgbClr r="0" g="0" b="0"/>
+      </a:fillRef>
+      <a:effectRef idx="2">
+        <a:scrgbClr r="0" g="0" b="0"/>
+      </a:effectRef>
+      <a:fontRef idx="minor">
+        <a:schemeClr val="lt1"/>
+      </a:fontRef>
+    </dgm:style>
+  </dgm:styleLbl>
+  <dgm:styleLbl name="asst4">
+    <dgm:scene3d>
+      <a:camera prst="orthographicFront"/>
+      <a:lightRig rig="threePt" dir="t"/>
+    </dgm:scene3d>
+    <dgm:sp3d/>
+    <dgm:txPr/>
+    <dgm:style>
+      <a:lnRef idx="0">
+        <a:scrgbClr r="0" g="0" b="0"/>
+      </a:lnRef>
+      <a:fillRef idx="3">
+        <a:scrgbClr r="0" g="0" b="0"/>
+      </a:fillRef>
+      <a:effectRef idx="2">
+        <a:scrgbClr r="0" g="0" b="0"/>
+      </a:effectRef>
+      <a:fontRef idx="minor">
+        <a:schemeClr val="lt1"/>
+      </a:fontRef>
+    </dgm:style>
+  </dgm:styleLbl>
+  <dgm:styleLbl name="parChTrans2D1">
+    <dgm:scene3d>
+      <a:camera prst="orthographicFront"/>
+      <a:lightRig rig="threePt" dir="t"/>
+    </dgm:scene3d>
+    <dgm:sp3d/>
+    <dgm:txPr/>
+    <dgm:style>
+      <a:lnRef idx="0">
+        <a:scrgbClr r="0" g="0" b="0"/>
+      </a:lnRef>
+      <a:fillRef idx="3">
+        <a:scrgbClr r="0" g="0" b="0"/>
+      </a:fillRef>
+      <a:effectRef idx="2">
+        <a:scrgbClr r="0" g="0" b="0"/>
+      </a:effectRef>
+      <a:fontRef idx="minor">
+        <a:schemeClr val="lt1"/>
+      </a:fontRef>
+    </dgm:style>
+  </dgm:styleLbl>
+  <dgm:styleLbl name="parChTrans2D2">
+    <dgm:scene3d>
+      <a:camera prst="orthographicFront"/>
+      <a:lightRig rig="threePt" dir="t"/>
+    </dgm:scene3d>
+    <dgm:sp3d/>
+    <dgm:txPr/>
+    <dgm:style>
+      <a:lnRef idx="0">
+        <a:scrgbClr r="0" g="0" b="0"/>
+      </a:lnRef>
+      <a:fillRef idx="3">
+        <a:scrgbClr r="0" g="0" b="0"/>
+      </a:fillRef>
+      <a:effectRef idx="2">
+        <a:scrgbClr r="0" g="0" b="0"/>
+      </a:effectRef>
+      <a:fontRef idx="minor">
+        <a:schemeClr val="lt1"/>
+      </a:fontRef>
+    </dgm:style>
+  </dgm:styleLbl>
+  <dgm:styleLbl name="parChTrans2D3">
+    <dgm:scene3d>
+      <a:camera prst="orthographicFront"/>
+      <a:lightRig rig="threePt" dir="t"/>
+    </dgm:scene3d>
+    <dgm:sp3d/>
+    <dgm:txPr/>
+    <dgm:style>
+      <a:lnRef idx="1">
+        <a:scrgbClr r="0" g="0" b="0"/>
+      </a:lnRef>
+      <a:fillRef idx="3">
+        <a:scrgbClr r="0" g="0" b="0"/>
+      </a:fillRef>
+      <a:effectRef idx="2">
+        <a:scrgbClr r="0" g="0" b="0"/>
+      </a:effectRef>
+      <a:fontRef idx="minor">
+        <a:schemeClr val="lt1"/>
+      </a:fontRef>
+    </dgm:style>
+  </dgm:styleLbl>
+  <dgm:styleLbl name="parChTrans2D4">
+    <dgm:scene3d>
+      <a:camera prst="orthographicFront"/>
+      <a:lightRig rig="threePt" dir="t"/>
+    </dgm:scene3d>
+    <dgm:sp3d/>
+    <dgm:txPr/>
+    <dgm:style>
+      <a:lnRef idx="1">
+        <a:scrgbClr r="0" g="0" b="0"/>
+      </a:lnRef>
+      <a:fillRef idx="3">
+        <a:scrgbClr r="0" g="0" b="0"/>
+      </a:fillRef>
+      <a:effectRef idx="2">
+        <a:scrgbClr r="0" g="0" b="0"/>
+      </a:effectRef>
+      <a:fontRef idx="minor">
+        <a:schemeClr val="lt1"/>
+      </a:fontRef>
+    </dgm:style>
+  </dgm:styleLbl>
+  <dgm:styleLbl name="parChTrans1D1">
+    <dgm:scene3d>
+      <a:camera prst="orthographicFront"/>
+      <a:lightRig rig="threePt" dir="t"/>
+    </dgm:scene3d>
+    <dgm:sp3d/>
+    <dgm:txPr/>
+    <dgm:style>
+      <a:lnRef idx="1">
+        <a:scrgbClr r="0" g="0" b="0"/>
+      </a:lnRef>
+      <a:fillRef idx="0">
+        <a:scrgbClr r="0" g="0" b="0"/>
+      </a:fillRef>
+      <a:effectRef idx="0">
+        <a:scrgbClr r="0" g="0" b="0"/>
+      </a:effectRef>
+      <a:fontRef idx="minor"/>
+    </dgm:style>
+  </dgm:styleLbl>
+  <dgm:styleLbl name="parChTrans1D2">
+    <dgm:scene3d>
+      <a:camera prst="orthographicFront"/>
+      <a:lightRig rig="threePt" dir="t"/>
+    </dgm:scene3d>
+    <dgm:sp3d/>
+    <dgm:txPr/>
+    <dgm:style>
+      <a:lnRef idx="1">
+        <a:scrgbClr r="0" g="0" b="0"/>
+      </a:lnRef>
+      <a:fillRef idx="0">
+        <a:scrgbClr r="0" g="0" b="0"/>
+      </a:fillRef>
+      <a:effectRef idx="0">
+        <a:scrgbClr r="0" g="0" b="0"/>
+      </a:effectRef>
+      <a:fontRef idx="minor"/>
+    </dgm:style>
+  </dgm:styleLbl>
+  <dgm:styleLbl name="parChTrans1D3">
+    <dgm:scene3d>
+      <a:camera prst="orthographicFront"/>
+      <a:lightRig rig="threePt" dir="t"/>
+    </dgm:scene3d>
+    <dgm:sp3d/>
+    <dgm:txPr/>
+    <dgm:style>
+      <a:lnRef idx="1">
+        <a:scrgbClr r="0" g="0" b="0"/>
+      </a:lnRef>
+      <a:fillRef idx="0">
+        <a:scrgbClr r="0" g="0" b="0"/>
+      </a:fillRef>
+      <a:effectRef idx="0">
+        <a:scrgbClr r="0" g="0" b="0"/>
+      </a:effectRef>
+      <a:fontRef idx="minor"/>
+    </dgm:style>
+  </dgm:styleLbl>
+  <dgm:styleLbl name="parChTrans1D4">
+    <dgm:scene3d>
+      <a:camera prst="orthographicFront"/>
+      <a:lightRig rig="threePt" dir="t"/>
+    </dgm:scene3d>
+    <dgm:sp3d/>
+    <dgm:txPr/>
+    <dgm:style>
+      <a:lnRef idx="1">
+        <a:scrgbClr r="0" g="0" b="0"/>
+      </a:lnRef>
+      <a:fillRef idx="0">
+        <a:scrgbClr r="0" g="0" b="0"/>
+      </a:fillRef>
+      <a:effectRef idx="0">
+        <a:scrgbClr r="0" g="0" b="0"/>
+      </a:effectRef>
+      <a:fontRef idx="minor"/>
+    </dgm:style>
+  </dgm:styleLbl>
+  <dgm:styleLbl name="fgAcc1">
+    <dgm:scene3d>
+      <a:camera prst="orthographicFront"/>
+      <a:lightRig rig="threePt" dir="t"/>
+    </dgm:scene3d>
+    <dgm:sp3d/>
+    <dgm:txPr/>
+    <dgm:style>
+      <a:lnRef idx="1">
+        <a:scrgbClr r="0" g="0" b="0"/>
+      </a:lnRef>
+      <a:fillRef idx="1">
+        <a:scrgbClr r="0" g="0" b="0"/>
+      </a:fillRef>
+      <a:effectRef idx="0">
+        <a:scrgbClr r="0" g="0" b="0"/>
+      </a:effectRef>
+      <a:fontRef idx="minor"/>
+    </dgm:style>
+  </dgm:styleLbl>
+  <dgm:styleLbl name="conFgAcc1">
+    <dgm:scene3d>
+      <a:camera prst="orthographicFront"/>
+      <a:lightRig rig="threePt" dir="t"/>
+    </dgm:scene3d>
+    <dgm:sp3d/>
+    <dgm:txPr/>
+    <dgm:style>
+      <a:lnRef idx="1">
+        <a:scrgbClr r="0" g="0" b="0"/>
+      </a:lnRef>
+      <a:fillRef idx="1">
+        <a:scrgbClr r="0" g="0" b="0"/>
+      </a:fillRef>
+      <a:effectRef idx="0">
+        <a:scrgbClr r="0" g="0" b="0"/>
+      </a:effectRef>
+      <a:fontRef idx="minor"/>
+    </dgm:style>
+  </dgm:styleLbl>
+  <dgm:styleLbl name="alignAcc1">
+    <dgm:scene3d>
+      <a:camera prst="orthographicFront"/>
+      <a:lightRig rig="threePt" dir="t"/>
+    </dgm:scene3d>
+    <dgm:sp3d/>
+    <dgm:txPr/>
+    <dgm:style>
+      <a:lnRef idx="1">
+        <a:scrgbClr r="0" g="0" b="0"/>
+      </a:lnRef>
+      <a:fillRef idx="1">
+        <a:scrgbClr r="0" g="0" b="0"/>
+      </a:fillRef>
+      <a:effectRef idx="0">
+        <a:scrgbClr r="0" g="0" b="0"/>
+      </a:effectRef>
+      <a:fontRef idx="minor"/>
+    </dgm:style>
+  </dgm:styleLbl>
+  <dgm:styleLbl name="trAlignAcc1">
+    <dgm:scene3d>
+      <a:camera prst="orthographicFront"/>
+      <a:lightRig rig="threePt" dir="t"/>
+    </dgm:scene3d>
+    <dgm:sp3d/>
+    <dgm:txPr/>
+    <dgm:style>
+      <a:lnRef idx="1">
+        <a:scrgbClr r="0" g="0" b="0"/>
+      </a:lnRef>
+      <a:fillRef idx="1">
+        <a:scrgbClr r="0" g="0" b="0"/>
+      </a:fillRef>
+      <a:effectRef idx="0">
+        <a:scrgbClr r="0" g="0" b="0"/>
+      </a:effectRef>
+      <a:fontRef idx="minor"/>
+    </dgm:style>
+  </dgm:styleLbl>
+  <dgm:styleLbl name="bgAcc1">
+    <dgm:scene3d>
+      <a:camera prst="orthographicFront"/>
+      <a:lightRig rig="threePt" dir="t"/>
+    </dgm:scene3d>
+    <dgm:sp3d/>
+    <dgm:txPr/>
+    <dgm:style>
+      <a:lnRef idx="1">
+        <a:scrgbClr r="0" g="0" b="0"/>
+      </a:lnRef>
+      <a:fillRef idx="1">
+        <a:scrgbClr r="0" g="0" b="0"/>
+      </a:fillRef>
+      <a:effectRef idx="0">
+        <a:scrgbClr r="0" g="0" b="0"/>
+      </a:effectRef>
+      <a:fontRef idx="minor"/>
+    </dgm:style>
+  </dgm:styleLbl>
+  <dgm:styleLbl name="solidFgAcc1">
+    <dgm:scene3d>
+      <a:camera prst="orthographicFront"/>
+      <a:lightRig rig="threePt" dir="t"/>
+    </dgm:scene3d>
+    <dgm:sp3d/>
+    <dgm:txPr/>
+    <dgm:style>
+      <a:lnRef idx="1">
+        <a:scrgbClr r="0" g="0" b="0"/>
+      </a:lnRef>
+      <a:fillRef idx="1">
+        <a:scrgbClr r="0" g="0" b="0"/>
+      </a:fillRef>
+      <a:effectRef idx="0">
+        <a:scrgbClr r="0" g="0" b="0"/>
+      </a:effectRef>
+      <a:fontRef idx="minor"/>
+    </dgm:style>
+  </dgm:styleLbl>
+  <dgm:styleLbl name="solidAlignAcc1">
+    <dgm:scene3d>
+      <a:camera prst="orthographicFront"/>
+      <a:lightRig rig="threePt" dir="t"/>
+    </dgm:scene3d>
+    <dgm:sp3d/>
+    <dgm:txPr/>
+    <dgm:style>
+      <a:lnRef idx="1">
+        <a:scrgbClr r="0" g="0" b="0"/>
+      </a:lnRef>
+      <a:fillRef idx="1">
+        <a:scrgbClr r="0" g="0" b="0"/>
+      </a:fillRef>
+      <a:effectRef idx="0">
+        <a:scrgbClr r="0" g="0" b="0"/>
+      </a:effectRef>
+      <a:fontRef idx="minor"/>
+    </dgm:style>
+  </dgm:styleLbl>
+  <dgm:styleLbl name="solidBgAcc1">
+    <dgm:scene3d>
+      <a:camera prst="orthographicFront"/>
+      <a:lightRig rig="threePt" dir="t"/>
+    </dgm:scene3d>
+    <dgm:sp3d/>
+    <dgm:txPr/>
+    <dgm:style>
+      <a:lnRef idx="1">
+        <a:scrgbClr r="0" g="0" b="0"/>
+      </a:lnRef>
+      <a:fillRef idx="1">
+        <a:scrgbClr r="0" g="0" b="0"/>
+      </a:fillRef>
+      <a:effectRef idx="0">
+        <a:scrgbClr r="0" g="0" b="0"/>
+      </a:effectRef>
+      <a:fontRef idx="minor"/>
+    </dgm:style>
+  </dgm:styleLbl>
+  <dgm:styleLbl name="fgAccFollowNode1">
+    <dgm:scene3d>
+      <a:camera prst="orthographicFront"/>
+      <a:lightRig rig="threePt" dir="t"/>
+    </dgm:scene3d>
+    <dgm:sp3d/>
+    <dgm:txPr/>
+    <dgm:style>
+      <a:lnRef idx="1">
+        <a:scrgbClr r="0" g="0" b="0"/>
+      </a:lnRef>
+      <a:fillRef idx="1">
+        <a:scrgbClr r="0" g="0" b="0"/>
+      </a:fillRef>
+      <a:effectRef idx="0">
+        <a:scrgbClr r="0" g="0" b="0"/>
+      </a:effectRef>
+      <a:fontRef idx="minor"/>
+    </dgm:style>
+  </dgm:styleLbl>
+  <dgm:styleLbl name="alignAccFollowNode1">
+    <dgm:scene3d>
+      <a:camera prst="orthographicFront"/>
+      <a:lightRig rig="threePt" dir="t"/>
+    </dgm:scene3d>
+    <dgm:sp3d/>
+    <dgm:txPr/>
+    <dgm:style>
+      <a:lnRef idx="1">
+        <a:scrgbClr r="0" g="0" b="0"/>
+      </a:lnRef>
+      <a:fillRef idx="1">
+        <a:scrgbClr r="0" g="0" b="0"/>
+      </a:fillRef>
+      <a:effectRef idx="0">
+        <a:scrgbClr r="0" g="0" b="0"/>
+      </a:effectRef>
+      <a:fontRef idx="minor"/>
+    </dgm:style>
+  </dgm:styleLbl>
+  <dgm:styleLbl name="bgAccFollowNode1">
+    <dgm:scene3d>
+      <a:camera prst="orthographicFront"/>
+      <a:lightRig rig="threePt" dir="t"/>
+    </dgm:scene3d>
+    <dgm:sp3d/>
+    <dgm:txPr/>
+    <dgm:style>
+      <a:lnRef idx="1">
+        <a:scrgbClr r="0" g="0" b="0"/>
+      </a:lnRef>
+      <a:fillRef idx="1">
+        <a:scrgbClr r="0" g="0" b="0"/>
+      </a:fillRef>
+      <a:effectRef idx="0">
+        <a:scrgbClr r="0" g="0" b="0"/>
+      </a:effectRef>
+      <a:fontRef idx="minor"/>
+    </dgm:style>
+  </dgm:styleLbl>
+  <dgm:styleLbl name="fgAcc0">
+    <dgm:scene3d>
+      <a:camera prst="orthographicFront"/>
+      <a:lightRig rig="threePt" dir="t"/>
+    </dgm:scene3d>
+    <dgm:sp3d/>
+    <dgm:txPr/>
+    <dgm:style>
+      <a:lnRef idx="1">
+        <a:scrgbClr r="0" g="0" b="0"/>
+      </a:lnRef>
+      <a:fillRef idx="1">
+        <a:scrgbClr r="0" g="0" b="0"/>
+      </a:fillRef>
+      <a:effectRef idx="0">
+        <a:scrgbClr r="0" g="0" b="0"/>
+      </a:effectRef>
+      <a:fontRef idx="minor"/>
+    </dgm:style>
+  </dgm:styleLbl>
+  <dgm:styleLbl name="fgAcc2">
+    <dgm:scene3d>
+      <a:camera prst="orthographicFront"/>
+      <a:lightRig rig="threePt" dir="t"/>
+    </dgm:scene3d>
+    <dgm:sp3d/>
+    <dgm:txPr/>
+    <dgm:style>
+      <a:lnRef idx="1">
+        <a:scrgbClr r="0" g="0" b="0"/>
+      </a:lnRef>
+      <a:fillRef idx="1">
+        <a:scrgbClr r="0" g="0" b="0"/>
+      </a:fillRef>
+      <a:effectRef idx="0">
+        <a:scrgbClr r="0" g="0" b="0"/>
+      </a:effectRef>
+      <a:fontRef idx="minor"/>
+    </dgm:style>
+  </dgm:styleLbl>
+  <dgm:styleLbl name="fgAcc3">
+    <dgm:scene3d>
+      <a:camera prst="orthographicFront"/>
+      <a:lightRig rig="threePt" dir="t"/>
+    </dgm:scene3d>
+    <dgm:sp3d/>
+    <dgm:txPr/>
+    <dgm:style>
+      <a:lnRef idx="1">
+        <a:scrgbClr r="0" g="0" b="0"/>
+      </a:lnRef>
+      <a:fillRef idx="1">
+        <a:scrgbClr r="0" g="0" b="0"/>
+      </a:fillRef>
+      <a:effectRef idx="0">
+        <a:scrgbClr r="0" g="0" b="0"/>
+      </a:effectRef>
+      <a:fontRef idx="minor"/>
+    </dgm:style>
+  </dgm:styleLbl>
+  <dgm:styleLbl name="fgAcc4">
+    <dgm:scene3d>
+      <a:camera prst="orthographicFront"/>
+      <a:lightRig rig="threePt" dir="t"/>
+    </dgm:scene3d>
+    <dgm:sp3d/>
+    <dgm:txPr/>
+    <dgm:style>
+      <a:lnRef idx="1">
+        <a:scrgbClr r="0" g="0" b="0"/>
+      </a:lnRef>
+      <a:fillRef idx="1">
+        <a:scrgbClr r="0" g="0" b="0"/>
+      </a:fillRef>
+      <a:effectRef idx="0">
+        <a:scrgbClr r="0" g="0" b="0"/>
+      </a:effectRef>
+      <a:fontRef idx="minor"/>
+    </dgm:style>
+  </dgm:styleLbl>
+  <dgm:styleLbl name="bgShp">
+    <dgm:scene3d>
+      <a:camera prst="orthographicFront"/>
+      <a:lightRig rig="threePt" dir="t"/>
+    </dgm:scene3d>
+    <dgm:sp3d/>
+    <dgm:txPr/>
+    <dgm:style>
+      <a:lnRef idx="0">
+        <a:scrgbClr r="0" g="0" b="0"/>
+      </a:lnRef>
+      <a:fillRef idx="1">
+        <a:scrgbClr r="0" g="0" b="0"/>
+      </a:fillRef>
+      <a:effectRef idx="2">
+        <a:scrgbClr r="0" g="0" b="0"/>
+      </a:effectRef>
+      <a:fontRef idx="minor"/>
+    </dgm:style>
+  </dgm:styleLbl>
+  <dgm:styleLbl name="dkBgShp">
+    <dgm:scene3d>
+      <a:camera prst="orthographicFront"/>
+      <a:lightRig rig="threePt" dir="t"/>
+    </dgm:scene3d>
+    <dgm:sp3d/>
+    <dgm:txPr/>
+    <dgm:style>
+      <a:lnRef idx="0">
+        <a:scrgbClr r="0" g="0" b="0"/>
+      </a:lnRef>
+      <a:fillRef idx="1">
+        <a:scrgbClr r="0" g="0" b="0"/>
+      </a:fillRef>
+      <a:effectRef idx="2">
+        <a:scrgbClr r="0" g="0" b="0"/>
+      </a:effectRef>
+      <a:fontRef idx="minor"/>
+    </dgm:style>
+  </dgm:styleLbl>
+  <dgm:styleLbl name="trBgShp">
+    <dgm:scene3d>
+      <a:camera prst="orthographicFront"/>
+      <a:lightRig rig="threePt" dir="t"/>
+    </dgm:scene3d>
+    <dgm:sp3d/>
+    <dgm:txPr/>
+    <dgm:style>
+      <a:lnRef idx="0">
+        <a:scrgbClr r="0" g="0" b="0"/>
+      </a:lnRef>
+      <a:fillRef idx="1">
+        <a:scrgbClr r="0" g="0" b="0"/>
+      </a:fillRef>
+      <a:effectRef idx="0">
+        <a:scrgbClr r="0" g="0" b="0"/>
+      </a:effectRef>
+      <a:fontRef idx="minor"/>
+    </dgm:style>
+  </dgm:styleLbl>
+  <dgm:styleLbl name="fgShp">
+    <dgm:scene3d>
+      <a:camera prst="orthographicFront"/>
+      <a:lightRig rig="threePt" dir="t"/>
+    </dgm:scene3d>
+    <dgm:sp3d/>
+    <dgm:txPr/>
+    <dgm:style>
+      <a:lnRef idx="0">
+        <a:scrgbClr r="0" g="0" b="0"/>
+      </a:lnRef>
+      <a:fillRef idx="3">
+        <a:scrgbClr r="0" g="0" b="0"/>
+      </a:fillRef>
+      <a:effectRef idx="2">
+        <a:scrgbClr r="0" g="0" b="0"/>
+      </a:effectRef>
+      <a:fontRef idx="minor"/>
+    </dgm:style>
+  </dgm:styleLbl>
+  <dgm:styleLbl name="revTx">
+    <dgm:scene3d>
+      <a:camera prst="orthographicFront"/>
+      <a:lightRig rig="threePt" dir="t"/>
+    </dgm:scene3d>
+    <dgm:sp3d/>
+    <dgm:txPr/>
+    <dgm:style>
+      <a:lnRef idx="0">
+        <a:scrgbClr r="0" g="0" b="0"/>
+      </a:lnRef>
+      <a:fillRef idx="0">
+        <a:scrgbClr r="0" g="0" b="0"/>
+      </a:fillRef>
+      <a:effectRef idx="0">
+        <a:scrgbClr r="0" g="0" b="0"/>
+      </a:effectRef>
+      <a:fontRef idx="minor"/>
+    </dgm:style>
+  </dgm:styleLbl>
+</dgm:styleDef>
+</file>
+
+<file path=ppt/diagrams/quickStyle5.xml><?xml version="1.0" encoding="utf-8"?>
 <dgm:styleDef xmlns:dgm="http://schemas.openxmlformats.org/drawingml/2006/diagram" xmlns:a="http://schemas.openxmlformats.org/drawingml/2006/main" uniqueId="urn:microsoft.com/office/officeart/2005/8/quickstyle/simple4">
   <dgm:title val=""/>
   <dgm:desc val=""/>
@@ -15754,7 +19659,7 @@
             <a:fld id="{C4912EAB-2DF2-4EA7-9A3C-081666E7F61D}" type="datetimeFigureOut">
               <a:rPr lang="es-AR" smtClean="0"/>
               <a:pPr/>
-              <a:t>03/09/2010</a:t>
+              <a:t>06/09/2010</a:t>
             </a:fld>
             <a:endParaRPr lang="es-AR"/>
           </a:p>
@@ -15916,7 +19821,7 @@
             <a:fld id="{320C0146-0920-4890-94B5-4EE8DB66AAB2}" type="datetimeFigureOut">
               <a:rPr lang="es-AR" smtClean="0"/>
               <a:pPr/>
-              <a:t>03/09/2010</a:t>
+              <a:t>06/09/2010</a:t>
             </a:fld>
             <a:endParaRPr lang="es-AR"/>
           </a:p>
@@ -16513,7 +20418,7 @@
             <a:fld id="{7396B977-6251-41DE-9CF2-59811A3624F8}" type="datetimeFigureOut">
               <a:rPr lang="es-AR" smtClean="0"/>
               <a:pPr/>
-              <a:t>03/09/2010</a:t>
+              <a:t>06/09/2010</a:t>
             </a:fld>
             <a:endParaRPr lang="es-AR"/>
           </a:p>
@@ -16741,7 +20646,7 @@
             <a:fld id="{7396B977-6251-41DE-9CF2-59811A3624F8}" type="datetimeFigureOut">
               <a:rPr lang="es-AR" smtClean="0"/>
               <a:pPr/>
-              <a:t>03/09/2010</a:t>
+              <a:t>06/09/2010</a:t>
             </a:fld>
             <a:endParaRPr lang="es-AR"/>
           </a:p>
@@ -17026,7 +20931,7 @@
             <a:fld id="{7396B977-6251-41DE-9CF2-59811A3624F8}" type="datetimeFigureOut">
               <a:rPr lang="es-AR" smtClean="0"/>
               <a:pPr/>
-              <a:t>03/09/2010</a:t>
+              <a:t>06/09/2010</a:t>
             </a:fld>
             <a:endParaRPr lang="es-AR"/>
           </a:p>
@@ -17329,7 +21234,7 @@
             <a:fld id="{7396B977-6251-41DE-9CF2-59811A3624F8}" type="datetimeFigureOut">
               <a:rPr lang="es-AR" smtClean="0"/>
               <a:pPr/>
-              <a:t>03/09/2010</a:t>
+              <a:t>06/09/2010</a:t>
             </a:fld>
             <a:endParaRPr lang="es-AR"/>
           </a:p>
@@ -17637,7 +21542,7 @@
             <a:fld id="{7396B977-6251-41DE-9CF2-59811A3624F8}" type="datetimeFigureOut">
               <a:rPr lang="es-AR" smtClean="0"/>
               <a:pPr/>
-              <a:t>03/09/2010</a:t>
+              <a:t>06/09/2010</a:t>
             </a:fld>
             <a:endParaRPr lang="es-AR"/>
           </a:p>
@@ -18115,7 +22020,7 @@
             <a:fld id="{7396B977-6251-41DE-9CF2-59811A3624F8}" type="datetimeFigureOut">
               <a:rPr lang="es-AR" smtClean="0"/>
               <a:pPr/>
-              <a:t>03/09/2010</a:t>
+              <a:t>06/09/2010</a:t>
             </a:fld>
             <a:endParaRPr lang="es-AR"/>
           </a:p>
@@ -18508,7 +22413,7 @@
             <a:fld id="{7396B977-6251-41DE-9CF2-59811A3624F8}" type="datetimeFigureOut">
               <a:rPr lang="es-AR" smtClean="0"/>
               <a:pPr/>
-              <a:t>03/09/2010</a:t>
+              <a:t>06/09/2010</a:t>
             </a:fld>
             <a:endParaRPr lang="es-AR"/>
           </a:p>
@@ -18901,7 +22806,7 @@
             <a:fld id="{7396B977-6251-41DE-9CF2-59811A3624F8}" type="datetimeFigureOut">
               <a:rPr lang="es-AR" smtClean="0"/>
               <a:pPr/>
-              <a:t>03/09/2010</a:t>
+              <a:t>06/09/2010</a:t>
             </a:fld>
             <a:endParaRPr lang="es-AR"/>
           </a:p>
@@ -19379,7 +23284,7 @@
             <a:fld id="{7396B977-6251-41DE-9CF2-59811A3624F8}" type="datetimeFigureOut">
               <a:rPr lang="es-AR" smtClean="0"/>
               <a:pPr/>
-              <a:t>03/09/2010</a:t>
+              <a:t>06/09/2010</a:t>
             </a:fld>
             <a:endParaRPr lang="es-AR"/>
           </a:p>
@@ -19687,7 +23592,7 @@
             <a:fld id="{7396B977-6251-41DE-9CF2-59811A3624F8}" type="datetimeFigureOut">
               <a:rPr lang="es-AR" smtClean="0"/>
               <a:pPr/>
-              <a:t>03/09/2010</a:t>
+              <a:t>06/09/2010</a:t>
             </a:fld>
             <a:endParaRPr lang="es-AR"/>
           </a:p>
@@ -20046,7 +23951,7 @@
             <a:fld id="{7396B977-6251-41DE-9CF2-59811A3624F8}" type="datetimeFigureOut">
               <a:rPr lang="es-AR" smtClean="0"/>
               <a:pPr/>
-              <a:t>03/09/2010</a:t>
+              <a:t>06/09/2010</a:t>
             </a:fld>
             <a:endParaRPr lang="es-AR"/>
           </a:p>
@@ -20409,7 +24314,7 @@
             <a:fld id="{7396B977-6251-41DE-9CF2-59811A3624F8}" type="datetimeFigureOut">
               <a:rPr lang="es-AR" smtClean="0"/>
               <a:pPr/>
-              <a:t>03/09/2010</a:t>
+              <a:t>06/09/2010</a:t>
             </a:fld>
             <a:endParaRPr lang="es-AR"/>
           </a:p>
@@ -20701,7 +24606,7 @@
             <a:fld id="{7396B977-6251-41DE-9CF2-59811A3624F8}" type="datetimeFigureOut">
               <a:rPr lang="es-AR" smtClean="0"/>
               <a:pPr/>
-              <a:t>03/09/2010</a:t>
+              <a:t>06/09/2010</a:t>
             </a:fld>
             <a:endParaRPr lang="es-AR"/>
           </a:p>
@@ -21128,7 +25033,7 @@
             <a:fld id="{7396B977-6251-41DE-9CF2-59811A3624F8}" type="datetimeFigureOut">
               <a:rPr lang="es-AR" smtClean="0"/>
               <a:pPr/>
-              <a:t>03/09/2010</a:t>
+              <a:t>06/09/2010</a:t>
             </a:fld>
             <a:endParaRPr lang="es-AR"/>
           </a:p>
@@ -21248,7 +25153,7 @@
             <a:fld id="{7396B977-6251-41DE-9CF2-59811A3624F8}" type="datetimeFigureOut">
               <a:rPr lang="es-AR" smtClean="0"/>
               <a:pPr/>
-              <a:t>03/09/2010</a:t>
+              <a:t>06/09/2010</a:t>
             </a:fld>
             <a:endParaRPr lang="es-AR"/>
           </a:p>
@@ -21343,7 +25248,7 @@
             <a:fld id="{7396B977-6251-41DE-9CF2-59811A3624F8}" type="datetimeFigureOut">
               <a:rPr lang="es-AR" smtClean="0"/>
               <a:pPr/>
-              <a:t>03/09/2010</a:t>
+              <a:t>06/09/2010</a:t>
             </a:fld>
             <a:endParaRPr lang="es-AR"/>
           </a:p>
@@ -21626,7 +25531,7 @@
             <a:fld id="{7396B977-6251-41DE-9CF2-59811A3624F8}" type="datetimeFigureOut">
               <a:rPr lang="es-AR" smtClean="0"/>
               <a:pPr/>
-              <a:t>03/09/2010</a:t>
+              <a:t>06/09/2010</a:t>
             </a:fld>
             <a:endParaRPr lang="es-AR"/>
           </a:p>
@@ -21997,7 +25902,7 @@
             <a:fld id="{7396B977-6251-41DE-9CF2-59811A3624F8}" type="datetimeFigureOut">
               <a:rPr lang="es-AR" smtClean="0"/>
               <a:pPr/>
-              <a:t>03/09/2010</a:t>
+              <a:t>06/09/2010</a:t>
             </a:fld>
             <a:endParaRPr lang="es-AR"/>
           </a:p>
@@ -22439,7 +26344,7 @@
             <a:fld id="{7396B977-6251-41DE-9CF2-59811A3624F8}" type="datetimeFigureOut">
               <a:rPr lang="es-AR" smtClean="0"/>
               <a:pPr/>
-              <a:t>03/09/2010</a:t>
+              <a:t>06/09/2010</a:t>
             </a:fld>
             <a:endParaRPr lang="es-AR"/>
           </a:p>
@@ -22866,16 +26771,32 @@
             <p:ph type="ctrTitle"/>
           </p:nvPr>
         </p:nvSpPr>
-        <p:spPr/>
+        <p:spPr>
+          <a:xfrm>
+            <a:off x="685800" y="3140968"/>
+            <a:ext cx="8077200" cy="1888232"/>
+          </a:xfrm>
+        </p:spPr>
         <p:txBody>
-          <a:bodyPr/>
+          <a:bodyPr>
+            <a:normAutofit fontScale="90000"/>
+          </a:bodyPr>
           <a:lstStyle/>
           <a:p>
-            <a:r>
-              <a:rPr lang="es-AR" dirty="0" smtClean="0"/>
-              <a:t>Inyección de fallas en estructuras analógicas CMOS</a:t>
-            </a:r>
-            <a:endParaRPr lang="es-AR" dirty="0"/>
+            <a:pPr algn="ctr"/>
+            <a:r>
+              <a:rPr lang="en-US" smtClean="0"/>
+              <a:t>Inyección de fallas transitorias inducidas por radiación en estructuras analógicas </a:t>
+            </a:r>
+            <a:r>
+              <a:rPr lang="en-US" smtClean="0"/>
+              <a:t>CMOS</a:t>
+            </a:r>
+            <a:r>
+              <a:rPr lang="en-US" smtClean="0"/>
+              <a:t>.</a:t>
+            </a:r>
+            <a:endParaRPr lang="en-US"/>
           </a:p>
         </p:txBody>
       </p:sp>
@@ -22889,7 +26810,12 @@
             <p:ph type="subTitle" idx="1"/>
           </p:nvPr>
         </p:nvSpPr>
-        <p:spPr/>
+        <p:spPr>
+          <a:xfrm>
+            <a:off x="683568" y="1484784"/>
+            <a:ext cx="8077200" cy="1499616"/>
+          </a:xfrm>
+        </p:spPr>
         <p:txBody>
           <a:bodyPr>
             <a:normAutofit/>
@@ -22898,20 +26824,41 @@
           <a:p>
             <a:pPr algn="r"/>
             <a:r>
-              <a:rPr lang="es-AR" dirty="0" smtClean="0"/>
-              <a:t>Fabricio N. Altamiranda</a:t>
-            </a:r>
-            <a:endParaRPr lang="es-AR" dirty="0"/>
+              <a:rPr lang="en-US" smtClean="0"/>
+              <a:t>Fabricio N</a:t>
+            </a:r>
+            <a:r>
+              <a:rPr lang="en-US" smtClean="0"/>
+              <a:t>. </a:t>
+            </a:r>
+            <a:r>
+              <a:rPr lang="en-US" smtClean="0"/>
+              <a:t>Altamiranda</a:t>
+            </a:r>
+            <a:endParaRPr lang="en-US" smtClean="0"/>
           </a:p>
           <a:p>
             <a:pPr algn="r"/>
             <a:r>
-              <a:rPr lang="es-AR" dirty="0" smtClean="0"/>
-              <a:t>Facundo J. Ferrer</a:t>
-            </a:r>
-          </a:p>
-          <a:p>
-            <a:endParaRPr lang="es-AR" dirty="0"/>
+              <a:rPr lang="en-US" smtClean="0"/>
+              <a:t>Facundo </a:t>
+            </a:r>
+            <a:r>
+              <a:rPr lang="en-US" smtClean="0"/>
+              <a:t>J</a:t>
+            </a:r>
+            <a:r>
+              <a:rPr lang="en-US" smtClean="0"/>
+              <a:t>. </a:t>
+            </a:r>
+            <a:r>
+              <a:rPr lang="en-US" smtClean="0"/>
+              <a:t>Ferrer</a:t>
+            </a:r>
+            <a:endParaRPr lang="en-US" smtClean="0"/>
+          </a:p>
+          <a:p>
+            <a:endParaRPr lang="en-US"/>
           </a:p>
         </p:txBody>
       </p:sp>
@@ -22993,6 +26940,686 @@
           <a:p>
             <a:r>
               <a:rPr lang="es-AR" dirty="0" smtClean="0"/>
+              <a:t>DISEÑO: Arquitectura</a:t>
+            </a:r>
+            <a:endParaRPr lang="es-AR" dirty="0"/>
+          </a:p>
+        </p:txBody>
+      </p:sp>
+      <p:sp>
+        <p:nvSpPr>
+          <p:cNvPr id="6" name="5 Marcador de contenido"/>
+          <p:cNvSpPr>
+            <a:spLocks noGrp="1"/>
+          </p:cNvSpPr>
+          <p:nvPr>
+            <p:ph sz="half" idx="1"/>
+          </p:nvPr>
+        </p:nvSpPr>
+        <p:spPr>
+          <a:xfrm>
+            <a:off x="0" y="1628800"/>
+            <a:ext cx="4860032" cy="5229200"/>
+          </a:xfrm>
+        </p:spPr>
+        <p:txBody>
+          <a:bodyPr>
+            <a:normAutofit/>
+          </a:bodyPr>
+          <a:lstStyle/>
+          <a:p>
+            <a:r>
+              <a:rPr lang="es-AR" dirty="0" smtClean="0"/>
+              <a:t>Tecnología de diseño:</a:t>
+            </a:r>
+          </a:p>
+          <a:p>
+            <a:pPr algn="ctr">
+              <a:buNone/>
+            </a:pPr>
+            <a:r>
+              <a:rPr lang="en-US" sz="2000" b="1" dirty="0" smtClean="0">
+                <a:solidFill>
+                  <a:srgbClr val="333399"/>
+                </a:solidFill>
+                <a:latin typeface="Calibri"/>
+                <a:ea typeface="Calibri"/>
+                <a:cs typeface="Times New Roman"/>
+              </a:rPr>
+              <a:t>IBM Semiconductor</a:t>
+            </a:r>
+            <a:r>
+              <a:rPr lang="en-US" sz="2000" dirty="0" smtClean="0">
+                <a:solidFill>
+                  <a:srgbClr val="333399"/>
+                </a:solidFill>
+                <a:latin typeface="Calibri"/>
+                <a:ea typeface="Calibri"/>
+                <a:cs typeface="Times New Roman"/>
+              </a:rPr>
+              <a:t> </a:t>
+            </a:r>
+            <a:endParaRPr lang="en-US" sz="2000" b="1" dirty="0" smtClean="0">
+              <a:solidFill>
+                <a:srgbClr val="333399"/>
+              </a:solidFill>
+              <a:latin typeface="Calibri"/>
+              <a:ea typeface="Calibri"/>
+              <a:cs typeface="Times New Roman"/>
+            </a:endParaRPr>
+          </a:p>
+          <a:p>
+            <a:pPr algn="ctr">
+              <a:buNone/>
+            </a:pPr>
+            <a:r>
+              <a:rPr lang="en-US" sz="2000" b="1" dirty="0" smtClean="0">
+                <a:solidFill>
+                  <a:srgbClr val="333399"/>
+                </a:solidFill>
+                <a:latin typeface="Calibri"/>
+                <a:ea typeface="Calibri"/>
+                <a:cs typeface="Times New Roman"/>
+              </a:rPr>
+              <a:t>0.18 Micron</a:t>
+            </a:r>
+          </a:p>
+          <a:p>
+            <a:pPr algn="ctr">
+              <a:buNone/>
+            </a:pPr>
+            <a:r>
+              <a:rPr lang="en-US" sz="2000" b="1" dirty="0" smtClean="0">
+                <a:solidFill>
+                  <a:srgbClr val="333399"/>
+                </a:solidFill>
+                <a:latin typeface="Calibri"/>
+                <a:ea typeface="Calibri"/>
+                <a:cs typeface="Times New Roman"/>
+              </a:rPr>
+              <a:t>7RF CMOS Process</a:t>
+            </a:r>
+            <a:endParaRPr lang="es-AR" sz="2000" dirty="0" smtClean="0">
+              <a:latin typeface="Calibri"/>
+              <a:ea typeface="Calibri"/>
+              <a:cs typeface="Times New Roman"/>
+            </a:endParaRPr>
+          </a:p>
+          <a:p>
+            <a:r>
+              <a:rPr lang="es-AR" dirty="0" smtClean="0"/>
+              <a:t>Requisitos del conversor:</a:t>
+            </a:r>
+          </a:p>
+          <a:p>
+            <a:pPr lvl="1"/>
+            <a:r>
+              <a:rPr lang="es-AR" dirty="0" smtClean="0"/>
+              <a:t>6 bits de resolución de salida.</a:t>
+            </a:r>
+          </a:p>
+          <a:p>
+            <a:pPr lvl="1"/>
+            <a:r>
+              <a:rPr lang="es-AR" dirty="0" smtClean="0"/>
+              <a:t>Frecuencia de funcionamiento de 100KHz.</a:t>
+            </a:r>
+          </a:p>
+          <a:p>
+            <a:pPr lvl="1"/>
+            <a:r>
+              <a:rPr lang="es-AR" dirty="0" smtClean="0"/>
+              <a:t>Tensiones de alimentación 3.3voltios.</a:t>
+            </a:r>
+          </a:p>
+          <a:p>
+            <a:pPr lvl="1"/>
+            <a:r>
+              <a:rPr lang="es-AR" dirty="0" smtClean="0"/>
+              <a:t>Rango de conversión de 0 a 1 voltio.</a:t>
+            </a:r>
+            <a:endParaRPr lang="es-AR" dirty="0"/>
+          </a:p>
+        </p:txBody>
+      </p:sp>
+      <p:graphicFrame>
+        <p:nvGraphicFramePr>
+          <p:cNvPr id="8" name="7 Marcador de contenido"/>
+          <p:cNvGraphicFramePr>
+            <a:graphicFrameLocks noGrp="1"/>
+          </p:cNvGraphicFramePr>
+          <p:nvPr>
+            <p:ph sz="half" idx="2"/>
+          </p:nvPr>
+        </p:nvGraphicFramePr>
+        <p:xfrm>
+          <a:off x="5076056" y="4149080"/>
+          <a:ext cx="4038600" cy="2664296"/>
+        </p:xfrm>
+        <a:graphic>
+          <a:graphicData uri="http://schemas.openxmlformats.org/drawingml/2006/diagram">
+            <dgm:relIds xmlns:dgm="http://schemas.openxmlformats.org/drawingml/2006/diagram" xmlns:r="http://schemas.openxmlformats.org/officeDocument/2006/relationships" r:dm="rId2" r:lo="rId3" r:qs="rId4" r:cs="rId5"/>
+          </a:graphicData>
+        </a:graphic>
+      </p:graphicFrame>
+      <p:pic>
+        <p:nvPicPr>
+          <p:cNvPr id="7" name="4 Marcador de contenido"/>
+          <p:cNvPicPr>
+            <a:picLocks/>
+          </p:cNvPicPr>
+          <p:nvPr/>
+        </p:nvPicPr>
+        <p:blipFill>
+          <a:blip r:embed="rId7" cstate="print"/>
+          <a:srcRect/>
+          <a:stretch>
+            <a:fillRect/>
+          </a:stretch>
+        </p:blipFill>
+        <p:spPr bwMode="auto">
+          <a:xfrm>
+            <a:off x="6695728" y="1628800"/>
+            <a:ext cx="2448272" cy="2448272"/>
+          </a:xfrm>
+          <a:prstGeom prst="rect">
+            <a:avLst/>
+          </a:prstGeom>
+          <a:noFill/>
+          <a:ln w="9525">
+            <a:noFill/>
+            <a:miter lim="800000"/>
+            <a:headEnd/>
+            <a:tailEnd/>
+          </a:ln>
+        </p:spPr>
+      </p:pic>
+      <p:pic>
+        <p:nvPicPr>
+          <p:cNvPr id="9" name="12 Marcador de contenido" descr="ibm1.jpg"/>
+          <p:cNvPicPr>
+            <a:picLocks noChangeAspect="1"/>
+          </p:cNvPicPr>
+          <p:nvPr/>
+        </p:nvPicPr>
+        <p:blipFill>
+          <a:blip r:embed="rId8" cstate="print"/>
+          <a:stretch>
+            <a:fillRect/>
+          </a:stretch>
+        </p:blipFill>
+        <p:spPr>
+          <a:xfrm>
+            <a:off x="7452320" y="144016"/>
+            <a:ext cx="1498449" cy="1124744"/>
+          </a:xfrm>
+          <a:prstGeom prst="roundRect">
+            <a:avLst>
+              <a:gd name="adj" fmla="val 8594"/>
+            </a:avLst>
+          </a:prstGeom>
+          <a:solidFill>
+            <a:srgbClr val="FFFFFF">
+              <a:shade val="85000"/>
+            </a:srgbClr>
+          </a:solidFill>
+          <a:ln>
+            <a:noFill/>
+          </a:ln>
+          <a:effectLst>
+            <a:reflection blurRad="12700" stA="38000" endPos="28000" dist="5000" dir="5400000" sy="-100000" algn="bl" rotWithShape="0"/>
+          </a:effectLst>
+        </p:spPr>
+      </p:pic>
+      <p:pic>
+        <p:nvPicPr>
+          <p:cNvPr id="10" name="14 Marcador de contenido" descr="MOSIS-Figure3.gif"/>
+          <p:cNvPicPr>
+            <a:picLocks noChangeAspect="1"/>
+          </p:cNvPicPr>
+          <p:nvPr/>
+        </p:nvPicPr>
+        <p:blipFill>
+          <a:blip r:embed="rId9" cstate="print"/>
+          <a:stretch>
+            <a:fillRect/>
+          </a:stretch>
+        </p:blipFill>
+        <p:spPr>
+          <a:xfrm>
+            <a:off x="5292080" y="1988840"/>
+            <a:ext cx="1366645" cy="1757115"/>
+          </a:xfrm>
+          <a:prstGeom prst="rect">
+            <a:avLst/>
+          </a:prstGeom>
+        </p:spPr>
+      </p:pic>
+    </p:spTree>
+  </p:cSld>
+  <p:clrMapOvr>
+    <a:masterClrMapping/>
+  </p:clrMapOvr>
+  <p:transition>
+    <p:fade thruBlk="1"/>
+  </p:transition>
+  <p:timing>
+    <p:tnLst>
+      <p:par>
+        <p:cTn id="1" dur="indefinite" restart="never" nodeType="tmRoot"/>
+      </p:par>
+    </p:tnLst>
+  </p:timing>
+</p:sld>
+</file>
+
+<file path=ppt/slides/slide11.xml><?xml version="1.0" encoding="utf-8"?>
+<p:sld xmlns:a="http://schemas.openxmlformats.org/drawingml/2006/main" xmlns:r="http://schemas.openxmlformats.org/officeDocument/2006/relationships" xmlns:p="http://schemas.openxmlformats.org/presentationml/2006/main">
+  <p:cSld>
+    <p:spTree>
+      <p:nvGrpSpPr>
+        <p:cNvPr id="1" name=""/>
+        <p:cNvGrpSpPr/>
+        <p:nvPr/>
+      </p:nvGrpSpPr>
+      <p:grpSpPr>
+        <a:xfrm>
+          <a:off x="0" y="0"/>
+          <a:ext cx="0" cy="0"/>
+          <a:chOff x="0" y="0"/>
+          <a:chExt cx="0" cy="0"/>
+        </a:xfrm>
+      </p:grpSpPr>
+      <p:sp>
+        <p:nvSpPr>
+          <p:cNvPr id="2" name="1 Título"/>
+          <p:cNvSpPr>
+            <a:spLocks noGrp="1"/>
+          </p:cNvSpPr>
+          <p:nvPr>
+            <p:ph type="title"/>
+          </p:nvPr>
+        </p:nvSpPr>
+        <p:spPr/>
+        <p:txBody>
+          <a:bodyPr/>
+          <a:lstStyle/>
+          <a:p>
+            <a:r>
+              <a:rPr lang="en-US" dirty="0" smtClean="0"/>
+              <a:t>DISE</a:t>
+            </a:r>
+            <a:r>
+              <a:rPr lang="es-AR" dirty="0" smtClean="0"/>
+              <a:t>Ñ</a:t>
+            </a:r>
+            <a:r>
+              <a:rPr lang="en-US" dirty="0" smtClean="0"/>
+              <a:t>O: </a:t>
+            </a:r>
+            <a:r>
+              <a:rPr lang="en-US" dirty="0" err="1" smtClean="0"/>
+              <a:t>Plataformas</a:t>
+            </a:r>
+            <a:endParaRPr lang="es-AR" dirty="0"/>
+          </a:p>
+        </p:txBody>
+      </p:sp>
+      <p:sp>
+        <p:nvSpPr>
+          <p:cNvPr id="3" name="2 Marcador de contenido"/>
+          <p:cNvSpPr>
+            <a:spLocks noGrp="1"/>
+          </p:cNvSpPr>
+          <p:nvPr>
+            <p:ph sz="half" idx="1"/>
+          </p:nvPr>
+        </p:nvSpPr>
+        <p:spPr>
+          <a:xfrm>
+            <a:off x="457200" y="3212976"/>
+            <a:ext cx="4038600" cy="3184776"/>
+          </a:xfrm>
+        </p:spPr>
+        <p:txBody>
+          <a:bodyPr/>
+          <a:lstStyle/>
+          <a:p>
+            <a:r>
+              <a:rPr lang="es-AR" dirty="0" smtClean="0"/>
+              <a:t>Linux</a:t>
+            </a:r>
+          </a:p>
+          <a:p>
+            <a:r>
+              <a:rPr lang="es-AR" dirty="0" smtClean="0"/>
+              <a:t>Open-</a:t>
+            </a:r>
+            <a:r>
+              <a:rPr lang="es-AR" dirty="0" err="1" smtClean="0"/>
+              <a:t>Source</a:t>
+            </a:r>
+            <a:endParaRPr lang="es-AR" dirty="0" smtClean="0"/>
+          </a:p>
+          <a:p>
+            <a:r>
+              <a:rPr lang="es-AR" dirty="0" smtClean="0"/>
+              <a:t>Licencias gratuitas</a:t>
+            </a:r>
+            <a:endParaRPr lang="es-AR" dirty="0"/>
+          </a:p>
+        </p:txBody>
+      </p:sp>
+      <p:sp>
+        <p:nvSpPr>
+          <p:cNvPr id="4" name="3 Marcador de contenido"/>
+          <p:cNvSpPr>
+            <a:spLocks noGrp="1"/>
+          </p:cNvSpPr>
+          <p:nvPr>
+            <p:ph sz="half" idx="2"/>
+          </p:nvPr>
+        </p:nvSpPr>
+        <p:spPr>
+          <a:xfrm>
+            <a:off x="4648200" y="3212976"/>
+            <a:ext cx="4038600" cy="3184776"/>
+          </a:xfrm>
+        </p:spPr>
+        <p:txBody>
+          <a:bodyPr/>
+          <a:lstStyle/>
+          <a:p>
+            <a:r>
+              <a:rPr lang="en-US" dirty="0" smtClean="0"/>
+              <a:t>Windows</a:t>
+            </a:r>
+          </a:p>
+          <a:p>
+            <a:r>
+              <a:rPr lang="en-US" dirty="0" smtClean="0"/>
+              <a:t>Close-Source</a:t>
+            </a:r>
+          </a:p>
+          <a:p>
+            <a:r>
+              <a:rPr lang="en-US" dirty="0" err="1" smtClean="0"/>
+              <a:t>Licencias</a:t>
+            </a:r>
+            <a:r>
+              <a:rPr lang="en-US" dirty="0" smtClean="0"/>
+              <a:t> </a:t>
+            </a:r>
+            <a:r>
+              <a:rPr lang="es-AR" dirty="0" smtClean="0"/>
+              <a:t>pagas</a:t>
+            </a:r>
+            <a:r>
+              <a:rPr lang="en-US" dirty="0" smtClean="0"/>
+              <a:t> </a:t>
+            </a:r>
+            <a:r>
+              <a:rPr lang="en-US" dirty="0" smtClean="0"/>
+              <a:t>(UCC)</a:t>
+            </a:r>
+          </a:p>
+          <a:p>
+            <a:endParaRPr lang="es-AR" dirty="0"/>
+          </a:p>
+        </p:txBody>
+      </p:sp>
+      <p:grpSp>
+        <p:nvGrpSpPr>
+          <p:cNvPr id="13" name="12 Grupo"/>
+          <p:cNvGrpSpPr/>
+          <p:nvPr/>
+        </p:nvGrpSpPr>
+        <p:grpSpPr>
+          <a:xfrm>
+            <a:off x="1043608" y="1772816"/>
+            <a:ext cx="2596934" cy="1305436"/>
+            <a:chOff x="1043608" y="1772816"/>
+            <a:chExt cx="2596934" cy="1305436"/>
+          </a:xfrm>
+        </p:grpSpPr>
+        <p:pic>
+          <p:nvPicPr>
+            <p:cNvPr id="3074" name="Picture 2"/>
+            <p:cNvPicPr>
+              <a:picLocks noChangeAspect="1" noChangeArrowheads="1"/>
+            </p:cNvPicPr>
+            <p:nvPr/>
+          </p:nvPicPr>
+          <p:blipFill>
+            <a:blip r:embed="rId2" cstate="print"/>
+            <a:srcRect/>
+            <a:stretch>
+              <a:fillRect/>
+            </a:stretch>
+          </p:blipFill>
+          <p:spPr bwMode="auto">
+            <a:xfrm>
+              <a:off x="1043608" y="1772816"/>
+              <a:ext cx="2596934" cy="936104"/>
+            </a:xfrm>
+            <a:prstGeom prst="rect">
+              <a:avLst/>
+            </a:prstGeom>
+            <a:noFill/>
+            <a:ln w="9525">
+              <a:noFill/>
+              <a:miter lim="800000"/>
+              <a:headEnd/>
+              <a:tailEnd/>
+            </a:ln>
+          </p:spPr>
+        </p:pic>
+        <p:sp>
+          <p:nvSpPr>
+            <p:cNvPr id="10" name="9 Rectángulo"/>
+            <p:cNvSpPr/>
+            <p:nvPr/>
+          </p:nvSpPr>
+          <p:spPr>
+            <a:xfrm>
+              <a:off x="1115616" y="2708920"/>
+              <a:ext cx="2425344" cy="369332"/>
+            </a:xfrm>
+            <a:prstGeom prst="rect">
+              <a:avLst/>
+            </a:prstGeom>
+          </p:spPr>
+          <p:txBody>
+            <a:bodyPr wrap="none">
+              <a:spAutoFit/>
+            </a:bodyPr>
+            <a:lstStyle/>
+            <a:p>
+              <a:r>
+                <a:rPr lang="es-AR" dirty="0" smtClean="0">
+                  <a:solidFill>
+                    <a:schemeClr val="accent1"/>
+                  </a:solidFill>
+                </a:rPr>
+                <a:t>http://www.gpleda.org</a:t>
+              </a:r>
+              <a:endParaRPr lang="es-AR" dirty="0">
+                <a:solidFill>
+                  <a:schemeClr val="accent1"/>
+                </a:solidFill>
+              </a:endParaRPr>
+            </a:p>
+          </p:txBody>
+        </p:sp>
+      </p:grpSp>
+      <p:grpSp>
+        <p:nvGrpSpPr>
+          <p:cNvPr id="12" name="11 Grupo"/>
+          <p:cNvGrpSpPr/>
+          <p:nvPr/>
+        </p:nvGrpSpPr>
+        <p:grpSpPr>
+          <a:xfrm>
+            <a:off x="5576801" y="1556792"/>
+            <a:ext cx="2664296" cy="1521460"/>
+            <a:chOff x="5576801" y="1556792"/>
+            <a:chExt cx="2664296" cy="1521460"/>
+          </a:xfrm>
+        </p:grpSpPr>
+        <p:pic>
+          <p:nvPicPr>
+            <p:cNvPr id="3077" name="Picture 5"/>
+            <p:cNvPicPr>
+              <a:picLocks noChangeAspect="1" noChangeArrowheads="1"/>
+            </p:cNvPicPr>
+            <p:nvPr/>
+          </p:nvPicPr>
+          <p:blipFill>
+            <a:blip r:embed="rId3" cstate="print"/>
+            <a:srcRect/>
+            <a:stretch>
+              <a:fillRect/>
+            </a:stretch>
+          </p:blipFill>
+          <p:spPr bwMode="auto">
+            <a:xfrm>
+              <a:off x="5864833" y="1556792"/>
+              <a:ext cx="2078702" cy="936104"/>
+            </a:xfrm>
+            <a:prstGeom prst="rect">
+              <a:avLst/>
+            </a:prstGeom>
+            <a:noFill/>
+            <a:ln w="9525">
+              <a:noFill/>
+              <a:miter lim="800000"/>
+              <a:headEnd/>
+              <a:tailEnd/>
+            </a:ln>
+          </p:spPr>
+        </p:pic>
+        <p:pic>
+          <p:nvPicPr>
+            <p:cNvPr id="3078" name="Picture 6"/>
+            <p:cNvPicPr>
+              <a:picLocks noChangeAspect="1" noChangeArrowheads="1"/>
+            </p:cNvPicPr>
+            <p:nvPr/>
+          </p:nvPicPr>
+          <p:blipFill>
+            <a:blip r:embed="rId4" cstate="print"/>
+            <a:srcRect/>
+            <a:stretch>
+              <a:fillRect/>
+            </a:stretch>
+          </p:blipFill>
+          <p:spPr bwMode="auto">
+            <a:xfrm>
+              <a:off x="5576801" y="2492896"/>
+              <a:ext cx="2562225" cy="285750"/>
+            </a:xfrm>
+            <a:prstGeom prst="rect">
+              <a:avLst/>
+            </a:prstGeom>
+            <a:noFill/>
+            <a:ln w="9525">
+              <a:noFill/>
+              <a:miter lim="800000"/>
+              <a:headEnd/>
+              <a:tailEnd/>
+            </a:ln>
+          </p:spPr>
+        </p:pic>
+        <p:sp>
+          <p:nvSpPr>
+            <p:cNvPr id="11" name="10 Rectángulo"/>
+            <p:cNvSpPr/>
+            <p:nvPr/>
+          </p:nvSpPr>
+          <p:spPr>
+            <a:xfrm>
+              <a:off x="5580112" y="2708920"/>
+              <a:ext cx="2660985" cy="369332"/>
+            </a:xfrm>
+            <a:prstGeom prst="rect">
+              <a:avLst/>
+            </a:prstGeom>
+          </p:spPr>
+          <p:txBody>
+            <a:bodyPr wrap="none">
+              <a:spAutoFit/>
+            </a:bodyPr>
+            <a:lstStyle/>
+            <a:p>
+              <a:r>
+                <a:rPr lang="es-AR" dirty="0" smtClean="0">
+                  <a:solidFill>
+                    <a:schemeClr val="accent1"/>
+                  </a:solidFill>
+                </a:rPr>
+                <a:t>http://www.cadence.com</a:t>
+              </a:r>
+              <a:endParaRPr lang="es-AR" dirty="0">
+                <a:solidFill>
+                  <a:schemeClr val="accent1"/>
+                </a:solidFill>
+              </a:endParaRPr>
+            </a:p>
+          </p:txBody>
+        </p:sp>
+      </p:grpSp>
+    </p:spTree>
+  </p:cSld>
+  <p:clrMapOvr>
+    <a:masterClrMapping/>
+  </p:clrMapOvr>
+  <p:transition>
+    <p:fade thruBlk="1"/>
+  </p:transition>
+  <p:timing>
+    <p:tnLst>
+      <p:par>
+        <p:cTn id="1" dur="indefinite" restart="never" nodeType="tmRoot"/>
+      </p:par>
+    </p:tnLst>
+  </p:timing>
+</p:sld>
+</file>
+
+<file path=ppt/slides/slide12.xml><?xml version="1.0" encoding="utf-8"?>
+<p:sld xmlns:a="http://schemas.openxmlformats.org/drawingml/2006/main" xmlns:r="http://schemas.openxmlformats.org/officeDocument/2006/relationships" xmlns:p="http://schemas.openxmlformats.org/presentationml/2006/main">
+  <p:cSld>
+    <p:spTree>
+      <p:nvGrpSpPr>
+        <p:cNvPr id="1" name=""/>
+        <p:cNvGrpSpPr/>
+        <p:nvPr/>
+      </p:nvGrpSpPr>
+      <p:grpSpPr>
+        <a:xfrm>
+          <a:off x="0" y="0"/>
+          <a:ext cx="0" cy="0"/>
+          <a:chOff x="0" y="0"/>
+          <a:chExt cx="0" cy="0"/>
+        </a:xfrm>
+      </p:grpSpPr>
+      <p:sp>
+        <p:nvSpPr>
+          <p:cNvPr id="2" name="1 Título"/>
+          <p:cNvSpPr>
+            <a:spLocks noGrp="1"/>
+          </p:cNvSpPr>
+          <p:nvPr>
+            <p:ph type="title"/>
+          </p:nvPr>
+        </p:nvSpPr>
+        <p:spPr/>
+        <p:txBody>
+          <a:bodyPr/>
+          <a:lstStyle/>
+          <a:p>
+            <a:r>
+              <a:rPr lang="es-AR" dirty="0" smtClean="0"/>
               <a:t>DISEÑO: Comparador</a:t>
             </a:r>
             <a:endParaRPr lang="es-AR" dirty="0"/>
@@ -23294,7 +27921,7 @@
         </p:blipFill>
         <p:spPr bwMode="auto">
           <a:xfrm>
-            <a:off x="9144000" y="1484784"/>
+            <a:off x="9828584" y="1484784"/>
             <a:ext cx="9144000" cy="5373216"/>
           </a:xfrm>
           <a:prstGeom prst="rect">
@@ -23324,7 +27951,7 @@
         </p:blipFill>
         <p:spPr bwMode="auto">
           <a:xfrm>
-            <a:off x="9144000" y="908720"/>
+            <a:off x="11268744" y="1484784"/>
             <a:ext cx="9144000" cy="5373216"/>
           </a:xfrm>
           <a:prstGeom prst="rect">
@@ -23538,7 +28165,7 @@
 </p:sld>
 </file>
 
-<file path=ppt/slides/slide11.xml><?xml version="1.0" encoding="utf-8"?>
+<file path=ppt/slides/slide13.xml><?xml version="1.0" encoding="utf-8"?>
 <p:sld xmlns:a="http://schemas.openxmlformats.org/drawingml/2006/main" xmlns:r="http://schemas.openxmlformats.org/officeDocument/2006/relationships" xmlns:p="http://schemas.openxmlformats.org/presentationml/2006/main">
   <p:cSld>
     <p:spTree>
@@ -23565,7 +28192,12 @@
             <p:ph type="title"/>
           </p:nvPr>
         </p:nvSpPr>
-        <p:spPr/>
+        <p:spPr>
+          <a:xfrm>
+            <a:off x="395536" y="274638"/>
+            <a:ext cx="8229600" cy="1143000"/>
+          </a:xfrm>
+        </p:spPr>
         <p:txBody>
           <a:bodyPr/>
           <a:lstStyle/>
@@ -23590,13 +28222,13 @@
         </p:nvSpPr>
         <p:spPr>
           <a:xfrm>
-            <a:off x="179512" y="1556792"/>
-            <a:ext cx="4080933" cy="2592288"/>
+            <a:off x="179513" y="1556792"/>
+            <a:ext cx="3672408" cy="3096344"/>
           </a:xfrm>
         </p:spPr>
         <p:txBody>
           <a:bodyPr>
-            <a:normAutofit fontScale="77500" lnSpcReduction="20000"/>
+            <a:normAutofit fontScale="85000" lnSpcReduction="20000"/>
           </a:bodyPr>
           <a:lstStyle/>
           <a:p>
@@ -23784,7 +28416,7 @@
         </p:blipFill>
         <p:spPr bwMode="auto">
           <a:xfrm>
-            <a:off x="3635896" y="4437112"/>
+            <a:off x="3707904" y="5877272"/>
             <a:ext cx="617505" cy="611510"/>
           </a:xfrm>
           <a:prstGeom prst="rect">
@@ -23816,7 +28448,7 @@
         </p:blipFill>
         <p:spPr bwMode="auto">
           <a:xfrm>
-            <a:off x="2699792" y="4509120"/>
+            <a:off x="3707904" y="5157192"/>
             <a:ext cx="648072" cy="510057"/>
           </a:xfrm>
           <a:prstGeom prst="rect">
@@ -23848,7 +28480,7 @@
         </p:blipFill>
         <p:spPr bwMode="auto">
           <a:xfrm>
-            <a:off x="3131840" y="5229200"/>
+            <a:off x="3419872" y="3212976"/>
             <a:ext cx="1351296" cy="1556792"/>
           </a:xfrm>
           <a:prstGeom prst="rect">
@@ -23878,8 +28510,8 @@
         </p:blipFill>
         <p:spPr bwMode="auto">
           <a:xfrm>
-            <a:off x="107504" y="5229200"/>
-            <a:ext cx="2952328" cy="1556792"/>
+            <a:off x="72008" y="4725144"/>
+            <a:ext cx="3491880" cy="2060848"/>
           </a:xfrm>
           <a:prstGeom prst="rect">
             <a:avLst/>
@@ -23971,7 +28603,467 @@
 </p:sld>
 </file>
 
-<file path=ppt/slides/slide12.xml><?xml version="1.0" encoding="utf-8"?>
+<file path=ppt/slides/slide14.xml><?xml version="1.0" encoding="utf-8"?>
+<p:sld xmlns:a="http://schemas.openxmlformats.org/drawingml/2006/main" xmlns:r="http://schemas.openxmlformats.org/officeDocument/2006/relationships" xmlns:p="http://schemas.openxmlformats.org/presentationml/2006/main">
+  <p:cSld>
+    <p:spTree>
+      <p:nvGrpSpPr>
+        <p:cNvPr id="1" name=""/>
+        <p:cNvGrpSpPr/>
+        <p:nvPr/>
+      </p:nvGrpSpPr>
+      <p:grpSpPr>
+        <a:xfrm>
+          <a:off x="0" y="0"/>
+          <a:ext cx="0" cy="0"/>
+          <a:chOff x="0" y="0"/>
+          <a:chExt cx="0" cy="0"/>
+        </a:xfrm>
+      </p:grpSpPr>
+      <p:sp>
+        <p:nvSpPr>
+          <p:cNvPr id="2" name="1 Título"/>
+          <p:cNvSpPr>
+            <a:spLocks noGrp="1"/>
+          </p:cNvSpPr>
+          <p:nvPr>
+            <p:ph type="title"/>
+          </p:nvPr>
+        </p:nvSpPr>
+        <p:spPr>
+          <a:xfrm>
+            <a:off x="446856" y="260648"/>
+            <a:ext cx="8229600" cy="1143000"/>
+          </a:xfrm>
+        </p:spPr>
+        <p:txBody>
+          <a:bodyPr/>
+          <a:lstStyle/>
+          <a:p>
+            <a:r>
+              <a:rPr lang="es-AR" dirty="0" smtClean="0"/>
+              <a:t>DISEÑO: Decodificador</a:t>
+            </a:r>
+            <a:endParaRPr lang="es-AR" dirty="0"/>
+          </a:p>
+        </p:txBody>
+      </p:sp>
+      <p:sp>
+        <p:nvSpPr>
+          <p:cNvPr id="11" name="10 Marcador de contenido"/>
+          <p:cNvSpPr>
+            <a:spLocks noGrp="1"/>
+          </p:cNvSpPr>
+          <p:nvPr>
+            <p:ph sz="half" idx="1"/>
+          </p:nvPr>
+        </p:nvSpPr>
+        <p:spPr>
+          <a:xfrm>
+            <a:off x="179513" y="1600201"/>
+            <a:ext cx="5976663" cy="3340967"/>
+          </a:xfrm>
+        </p:spPr>
+        <p:txBody>
+          <a:bodyPr>
+            <a:normAutofit fontScale="85000" lnSpcReduction="20000"/>
+          </a:bodyPr>
+          <a:lstStyle/>
+          <a:p>
+            <a:r>
+              <a:rPr lang="es-AR" dirty="0" smtClean="0"/>
+              <a:t>Decodificador</a:t>
+            </a:r>
+          </a:p>
+          <a:p>
+            <a:pPr lvl="1"/>
+            <a:r>
+              <a:rPr lang="en-US" dirty="0" err="1" smtClean="0"/>
+              <a:t>Compuertas</a:t>
+            </a:r>
+            <a:r>
+              <a:rPr lang="en-US" dirty="0" smtClean="0"/>
+              <a:t> NEGADORAS y NANDs de 2, 4 y 8 </a:t>
+            </a:r>
+            <a:r>
+              <a:rPr lang="en-US" dirty="0" err="1" smtClean="0"/>
+              <a:t>entradas</a:t>
+            </a:r>
+            <a:r>
+              <a:rPr lang="en-US" dirty="0" smtClean="0"/>
+              <a:t>. </a:t>
+            </a:r>
+          </a:p>
+          <a:p>
+            <a:pPr lvl="1"/>
+            <a:r>
+              <a:rPr lang="es-AR" dirty="0" err="1" smtClean="0"/>
+              <a:t>Excursion</a:t>
+            </a:r>
+            <a:r>
+              <a:rPr lang="es-AR" dirty="0" smtClean="0"/>
+              <a:t> de la señal de entrada 0 a 2 voltios.</a:t>
+            </a:r>
+          </a:p>
+          <a:p>
+            <a:pPr lvl="1"/>
+            <a:r>
+              <a:rPr lang="en-US" dirty="0" err="1" smtClean="0"/>
+              <a:t>Tiempo</a:t>
+            </a:r>
+            <a:r>
+              <a:rPr lang="en-US" dirty="0" smtClean="0"/>
+              <a:t> de </a:t>
+            </a:r>
+            <a:r>
+              <a:rPr lang="en-US" dirty="0" err="1" smtClean="0"/>
+              <a:t>retardo</a:t>
+            </a:r>
+            <a:r>
+              <a:rPr lang="en-US" dirty="0" smtClean="0"/>
+              <a:t> </a:t>
+            </a:r>
+            <a:r>
+              <a:rPr lang="en-US" dirty="0" err="1" smtClean="0"/>
+              <a:t>tLH</a:t>
+            </a:r>
+            <a:r>
+              <a:rPr lang="en-US" dirty="0" smtClean="0"/>
+              <a:t> &lt; 790 </a:t>
+            </a:r>
+            <a:r>
+              <a:rPr lang="en-US" dirty="0" err="1" smtClean="0"/>
+              <a:t>pS.</a:t>
+            </a:r>
+            <a:endParaRPr lang="en-US" dirty="0" smtClean="0"/>
+          </a:p>
+          <a:p>
+            <a:pPr lvl="1"/>
+            <a:r>
+              <a:rPr lang="en-US" dirty="0" err="1" smtClean="0"/>
+              <a:t>Tiempo</a:t>
+            </a:r>
+            <a:r>
+              <a:rPr lang="en-US" dirty="0" smtClean="0"/>
+              <a:t> de </a:t>
+            </a:r>
+            <a:r>
+              <a:rPr lang="en-US" dirty="0" err="1" smtClean="0"/>
+              <a:t>retardo</a:t>
+            </a:r>
+            <a:r>
+              <a:rPr lang="en-US" dirty="0" smtClean="0"/>
+              <a:t> </a:t>
+            </a:r>
+            <a:r>
+              <a:rPr lang="en-US" dirty="0" err="1" smtClean="0"/>
+              <a:t>tHL</a:t>
+            </a:r>
+            <a:r>
+              <a:rPr lang="en-US" dirty="0" smtClean="0"/>
+              <a:t> &lt; 260 </a:t>
+            </a:r>
+            <a:r>
+              <a:rPr lang="en-US" dirty="0" err="1" smtClean="0"/>
+              <a:t>pS.</a:t>
+            </a:r>
+            <a:r>
+              <a:rPr lang="en-US" dirty="0" smtClean="0"/>
+              <a:t> </a:t>
+            </a:r>
+          </a:p>
+          <a:p>
+            <a:pPr lvl="1"/>
+            <a:r>
+              <a:rPr lang="en-US" dirty="0" smtClean="0"/>
+              <a:t>2 </a:t>
+            </a:r>
+            <a:r>
+              <a:rPr lang="en-US" dirty="0" err="1" smtClean="0"/>
+              <a:t>entradas</a:t>
+            </a:r>
+            <a:r>
+              <a:rPr lang="en-US" dirty="0" smtClean="0"/>
+              <a:t> de </a:t>
+            </a:r>
+            <a:r>
+              <a:rPr lang="en-US" dirty="0" err="1" smtClean="0"/>
+              <a:t>conexion</a:t>
+            </a:r>
+            <a:r>
+              <a:rPr lang="en-US" dirty="0" smtClean="0"/>
+              <a:t> de </a:t>
+            </a:r>
+            <a:r>
+              <a:rPr lang="en-US" dirty="0" err="1" smtClean="0"/>
+              <a:t>alimentacion</a:t>
+            </a:r>
+            <a:r>
+              <a:rPr lang="en-US" dirty="0" smtClean="0"/>
+              <a:t>.</a:t>
+            </a:r>
+          </a:p>
+          <a:p>
+            <a:pPr lvl="1"/>
+            <a:r>
+              <a:rPr lang="en-US" dirty="0" smtClean="0"/>
+              <a:t>63 </a:t>
+            </a:r>
+            <a:r>
+              <a:rPr lang="en-US" dirty="0" err="1" smtClean="0"/>
+              <a:t>entradas</a:t>
+            </a:r>
+            <a:r>
+              <a:rPr lang="en-US" dirty="0" smtClean="0"/>
+              <a:t> de </a:t>
+            </a:r>
+            <a:r>
+              <a:rPr lang="en-US" dirty="0" err="1" smtClean="0"/>
+              <a:t>codigo</a:t>
+            </a:r>
+            <a:r>
+              <a:rPr lang="en-US" dirty="0" smtClean="0"/>
+              <a:t> </a:t>
+            </a:r>
+            <a:r>
+              <a:rPr lang="en-US" dirty="0" err="1" smtClean="0"/>
+              <a:t>termometro</a:t>
+            </a:r>
+            <a:r>
+              <a:rPr lang="en-US" dirty="0" smtClean="0"/>
+              <a:t>.</a:t>
+            </a:r>
+          </a:p>
+          <a:p>
+            <a:pPr lvl="1"/>
+            <a:r>
+              <a:rPr lang="en-US" dirty="0" smtClean="0"/>
+              <a:t>6 </a:t>
+            </a:r>
+            <a:r>
+              <a:rPr lang="en-US" dirty="0" err="1" smtClean="0"/>
+              <a:t>salidas</a:t>
+            </a:r>
+            <a:r>
+              <a:rPr lang="en-US" dirty="0" smtClean="0"/>
+              <a:t> de </a:t>
+            </a:r>
+            <a:r>
+              <a:rPr lang="en-US" dirty="0" err="1" smtClean="0"/>
+              <a:t>codigo</a:t>
+            </a:r>
+            <a:r>
+              <a:rPr lang="en-US" dirty="0" smtClean="0"/>
+              <a:t> </a:t>
+            </a:r>
+            <a:r>
+              <a:rPr lang="en-US" dirty="0" err="1" smtClean="0"/>
+              <a:t>binario</a:t>
+            </a:r>
+            <a:r>
+              <a:rPr lang="en-US" dirty="0" smtClean="0"/>
+              <a:t>.</a:t>
+            </a:r>
+          </a:p>
+          <a:p>
+            <a:pPr lvl="1"/>
+            <a:r>
+              <a:rPr lang="es-AR" dirty="0" smtClean="0"/>
+              <a:t>Error digital 1/2LSB =5mV.</a:t>
+            </a:r>
+            <a:endParaRPr lang="en-US" dirty="0" smtClean="0"/>
+          </a:p>
+        </p:txBody>
+      </p:sp>
+      <p:graphicFrame>
+        <p:nvGraphicFramePr>
+          <p:cNvPr id="6" name="7 Marcador de contenido"/>
+          <p:cNvGraphicFramePr>
+            <a:graphicFrameLocks/>
+          </p:cNvGraphicFramePr>
+          <p:nvPr/>
+        </p:nvGraphicFramePr>
+        <p:xfrm>
+          <a:off x="6444208" y="0"/>
+          <a:ext cx="2699792" cy="1412776"/>
+        </p:xfrm>
+        <a:graphic>
+          <a:graphicData uri="http://schemas.openxmlformats.org/drawingml/2006/diagram">
+            <dgm:relIds xmlns:dgm="http://schemas.openxmlformats.org/drawingml/2006/diagram" xmlns:r="http://schemas.openxmlformats.org/officeDocument/2006/relationships" r:dm="rId2" r:lo="rId3" r:qs="rId4" r:cs="rId5"/>
+          </a:graphicData>
+        </a:graphic>
+      </p:graphicFrame>
+      <p:pic>
+        <p:nvPicPr>
+          <p:cNvPr id="7" name="6 Imagen"/>
+          <p:cNvPicPr/>
+          <p:nvPr/>
+        </p:nvPicPr>
+        <p:blipFill>
+          <a:blip r:embed="rId7" cstate="print"/>
+          <a:srcRect/>
+          <a:stretch>
+            <a:fillRect/>
+          </a:stretch>
+        </p:blipFill>
+        <p:spPr bwMode="auto">
+          <a:xfrm>
+            <a:off x="4932040" y="4005064"/>
+            <a:ext cx="4211960" cy="2852936"/>
+          </a:xfrm>
+          <a:prstGeom prst="rect">
+            <a:avLst/>
+          </a:prstGeom>
+          <a:noFill/>
+          <a:ln w="9525">
+            <a:noFill/>
+            <a:miter lim="800000"/>
+            <a:headEnd/>
+            <a:tailEnd/>
+          </a:ln>
+        </p:spPr>
+      </p:pic>
+      <p:pic>
+        <p:nvPicPr>
+          <p:cNvPr id="10" name="9 Imagen"/>
+          <p:cNvPicPr/>
+          <p:nvPr/>
+        </p:nvPicPr>
+        <p:blipFill>
+          <a:blip r:embed="rId8" cstate="print"/>
+          <a:srcRect/>
+          <a:stretch>
+            <a:fillRect/>
+          </a:stretch>
+        </p:blipFill>
+        <p:spPr bwMode="auto">
+          <a:xfrm>
+            <a:off x="0" y="5085184"/>
+            <a:ext cx="4716016" cy="1772816"/>
+          </a:xfrm>
+          <a:prstGeom prst="rect">
+            <a:avLst/>
+          </a:prstGeom>
+          <a:noFill/>
+          <a:ln w="9525">
+            <a:noFill/>
+            <a:miter lim="800000"/>
+            <a:headEnd/>
+            <a:tailEnd/>
+          </a:ln>
+        </p:spPr>
+      </p:pic>
+      <p:pic>
+        <p:nvPicPr>
+          <p:cNvPr id="12" name="11 Imagen"/>
+          <p:cNvPicPr/>
+          <p:nvPr/>
+        </p:nvPicPr>
+        <p:blipFill>
+          <a:blip r:embed="rId9" cstate="print"/>
+          <a:srcRect/>
+          <a:stretch>
+            <a:fillRect/>
+          </a:stretch>
+        </p:blipFill>
+        <p:spPr bwMode="auto">
+          <a:xfrm>
+            <a:off x="6948264" y="1628800"/>
+            <a:ext cx="2016224" cy="2074763"/>
+          </a:xfrm>
+          <a:prstGeom prst="rect">
+            <a:avLst/>
+          </a:prstGeom>
+          <a:noFill/>
+          <a:ln w="9525">
+            <a:noFill/>
+            <a:miter lim="800000"/>
+            <a:headEnd/>
+            <a:tailEnd/>
+          </a:ln>
+        </p:spPr>
+      </p:pic>
+      <p:pic>
+        <p:nvPicPr>
+          <p:cNvPr id="9" name="8 Imagen"/>
+          <p:cNvPicPr/>
+          <p:nvPr/>
+        </p:nvPicPr>
+        <p:blipFill>
+          <a:blip r:embed="rId10" cstate="print"/>
+          <a:srcRect/>
+          <a:stretch>
+            <a:fillRect/>
+          </a:stretch>
+        </p:blipFill>
+        <p:spPr bwMode="auto">
+          <a:xfrm>
+            <a:off x="7380312" y="1556792"/>
+            <a:ext cx="5390674" cy="3420904"/>
+          </a:xfrm>
+          <a:prstGeom prst="rect">
+            <a:avLst/>
+          </a:prstGeom>
+          <a:noFill/>
+          <a:ln w="9525">
+            <a:noFill/>
+            <a:miter lim="800000"/>
+            <a:headEnd/>
+            <a:tailEnd/>
+          </a:ln>
+        </p:spPr>
+      </p:pic>
+      <p:pic>
+        <p:nvPicPr>
+          <p:cNvPr id="2050" name="Picture 2"/>
+          <p:cNvPicPr>
+            <a:picLocks noChangeAspect="1" noChangeArrowheads="1"/>
+          </p:cNvPicPr>
+          <p:nvPr/>
+        </p:nvPicPr>
+        <p:blipFill>
+          <a:blip r:embed="rId11" cstate="print"/>
+          <a:srcRect/>
+          <a:stretch>
+            <a:fillRect/>
+          </a:stretch>
+        </p:blipFill>
+        <p:spPr bwMode="auto">
+          <a:xfrm>
+            <a:off x="7380312" y="3448602"/>
+            <a:ext cx="5384329" cy="3409398"/>
+          </a:xfrm>
+          <a:prstGeom prst="rect">
+            <a:avLst/>
+          </a:prstGeom>
+          <a:noFill/>
+          <a:ln w="9525">
+            <a:noFill/>
+            <a:miter lim="800000"/>
+            <a:headEnd/>
+            <a:tailEnd/>
+          </a:ln>
+        </p:spPr>
+      </p:pic>
+    </p:spTree>
+  </p:cSld>
+  <p:clrMapOvr>
+    <a:masterClrMapping/>
+  </p:clrMapOvr>
+  <p:transition>
+    <p:fade thruBlk="1"/>
+  </p:transition>
+  <p:timing>
+    <p:tnLst>
+      <p:par>
+        <p:cTn id="1" dur="indefinite" restart="never" nodeType="tmRoot"/>
+      </p:par>
+    </p:tnLst>
+  </p:timing>
+</p:sld>
+</file>
+
+<file path=ppt/slides/slide15.xml><?xml version="1.0" encoding="utf-8"?>
 <p:sld xmlns:a="http://schemas.openxmlformats.org/drawingml/2006/main" xmlns:r="http://schemas.openxmlformats.org/officeDocument/2006/relationships" xmlns:p="http://schemas.openxmlformats.org/presentationml/2006/main">
   <p:cSld>
     <p:spTree>
@@ -24005,7 +29097,7 @@
           <a:p>
             <a:r>
               <a:rPr lang="es-AR" dirty="0" smtClean="0"/>
-              <a:t>DISEÑO: Decodificador</a:t>
+              <a:t>DISEÑO: Flash</a:t>
             </a:r>
             <a:endParaRPr lang="es-AR" dirty="0"/>
           </a:p>
@@ -24013,7 +29105,7 @@
       </p:sp>
       <p:sp>
         <p:nvSpPr>
-          <p:cNvPr id="11" name="10 Marcador de contenido"/>
+          <p:cNvPr id="3" name="2 Marcador de contenido"/>
           <p:cNvSpPr>
             <a:spLocks noGrp="1"/>
           </p:cNvSpPr>
@@ -24021,83 +29113,74 @@
             <p:ph sz="half" idx="1"/>
           </p:nvPr>
         </p:nvSpPr>
-        <p:spPr/>
+        <p:spPr>
+          <a:xfrm>
+            <a:off x="179512" y="1600201"/>
+            <a:ext cx="4680521" cy="3124943"/>
+          </a:xfrm>
+        </p:spPr>
         <p:txBody>
           <a:bodyPr>
-            <a:normAutofit lnSpcReduction="10000"/>
+            <a:normAutofit fontScale="92500" lnSpcReduction="10000"/>
           </a:bodyPr>
           <a:lstStyle/>
           <a:p>
             <a:r>
+              <a:rPr lang="en-US" dirty="0" smtClean="0"/>
+              <a:t>Conversion 6 bits.</a:t>
+            </a:r>
+          </a:p>
+          <a:p>
+            <a:r>
               <a:rPr lang="es-AR" dirty="0" smtClean="0"/>
-              <a:t>Decodificador</a:t>
+              <a:t>Retardo de transición &lt; 7uS</a:t>
+            </a:r>
+            <a:r>
+              <a:rPr lang="es-AR" dirty="0" smtClean="0"/>
+              <a:t>.</a:t>
+            </a:r>
+          </a:p>
+          <a:p>
+            <a:r>
+              <a:rPr lang="es-AR" dirty="0" smtClean="0"/>
+              <a:t>Tensión de alimentación de 3.3 voltios.</a:t>
+            </a:r>
+          </a:p>
+          <a:p>
+            <a:r>
+              <a:rPr lang="es-AR" dirty="0" smtClean="0"/>
+              <a:t>Tensión de Bias de 1 voltio.</a:t>
+            </a:r>
+          </a:p>
+          <a:p>
+            <a:r>
+              <a:rPr lang="es-AR" dirty="0" smtClean="0"/>
+              <a:t>Configuración presentada:</a:t>
             </a:r>
           </a:p>
           <a:p>
             <a:pPr lvl="1"/>
             <a:r>
               <a:rPr lang="es-AR" dirty="0" smtClean="0"/>
-              <a:t>Compuertas: 40 &lt;REVISAR&gt;</a:t>
+              <a:t>Tensión de referencia de 630mV.</a:t>
             </a:r>
           </a:p>
           <a:p>
             <a:pPr lvl="1"/>
             <a:r>
               <a:rPr lang="es-AR" dirty="0" smtClean="0"/>
-              <a:t>Transistores: 400</a:t>
+              <a:t>Tensión de entrada 460mV.</a:t>
             </a:r>
           </a:p>
           <a:p>
             <a:pPr lvl="1"/>
-            <a:r>
-              <a:rPr lang="es-AR" dirty="0" smtClean="0"/>
-              <a:t>Tecnología: CMOS 0.18</a:t>
-            </a:r>
+            <a:endParaRPr lang="es-AR" dirty="0" smtClean="0"/>
+          </a:p>
+          <a:p>
             <a:endParaRPr lang="es-AR" dirty="0"/>
           </a:p>
         </p:txBody>
       </p:sp>
-      <p:pic>
-        <p:nvPicPr>
-          <p:cNvPr id="15" name="14 Marcador de contenido"/>
-          <p:cNvPicPr>
-            <a:picLocks noGrp="1"/>
-          </p:cNvPicPr>
-          <p:nvPr>
-            <p:ph sz="half" idx="13"/>
-          </p:nvPr>
-        </p:nvPicPr>
-        <p:blipFill>
-          <a:blip r:embed="rId2" cstate="print">
-            <a:clrChange>
-              <a:clrFrom>
-                <a:srgbClr val="FFFFFF"/>
-              </a:clrFrom>
-              <a:clrTo>
-                <a:srgbClr val="FFFFFF">
-                  <a:alpha val="0"/>
-                </a:srgbClr>
-              </a:clrTo>
-            </a:clrChange>
-          </a:blip>
-          <a:stretch>
-            <a:fillRect/>
-          </a:stretch>
-        </p:blipFill>
-        <p:spPr bwMode="auto">
-          <a:xfrm rot="5400000">
-            <a:off x="4331216" y="2733680"/>
-            <a:ext cx="5018072" cy="2808312"/>
-          </a:xfrm>
-          <a:prstGeom prst="rect">
-            <a:avLst/>
-          </a:prstGeom>
-          <a:noFill/>
-          <a:ln>
-            <a:noFill/>
-          </a:ln>
-        </p:spPr>
-      </p:pic>
       <p:graphicFrame>
         <p:nvGraphicFramePr>
           <p:cNvPr id="6" name="7 Marcador de contenido"/>
@@ -24107,42 +29190,27 @@
           <p:nvPr/>
         </p:nvGraphicFramePr>
         <p:xfrm>
-          <a:off x="6444208" y="0"/>
-          <a:ext cx="2699792" cy="1412776"/>
+          <a:off x="6372200" y="0"/>
+          <a:ext cx="2771800" cy="1412776"/>
         </p:xfrm>
         <a:graphic>
           <a:graphicData uri="http://schemas.openxmlformats.org/drawingml/2006/diagram">
-            <dgm:relIds xmlns:dgm="http://schemas.openxmlformats.org/drawingml/2006/diagram" xmlns:r="http://schemas.openxmlformats.org/officeDocument/2006/relationships" r:dm="rId3" r:lo="rId4" r:qs="rId5" r:cs="rId6"/>
+            <dgm:relIds xmlns:dgm="http://schemas.openxmlformats.org/drawingml/2006/diagram" xmlns:r="http://schemas.openxmlformats.org/officeDocument/2006/relationships" r:dm="rId2" r:lo="rId3" r:qs="rId4" r:cs="rId5"/>
           </a:graphicData>
         </a:graphic>
       </p:graphicFrame>
-      <p:sp>
-        <p:nvSpPr>
-          <p:cNvPr id="8" name="7 Marcador de contenido"/>
-          <p:cNvSpPr>
-            <a:spLocks noGrp="1"/>
-          </p:cNvSpPr>
-          <p:nvPr>
-            <p:ph sz="half" idx="14"/>
-          </p:nvPr>
-        </p:nvSpPr>
-        <p:spPr/>
-        <p:txBody>
-          <a:bodyPr/>
-          <a:lstStyle/>
-          <a:p>
-            <a:endParaRPr lang="es-AR"/>
-          </a:p>
-        </p:txBody>
-      </p:sp>
       <p:pic>
         <p:nvPicPr>
-          <p:cNvPr id="7" name="6 Imagen"/>
-          <p:cNvPicPr/>
-          <p:nvPr/>
+          <p:cNvPr id="9" name="8 Marcador de contenido"/>
+          <p:cNvPicPr>
+            <a:picLocks noGrp="1"/>
+          </p:cNvPicPr>
+          <p:nvPr>
+            <p:ph sz="half" idx="13"/>
+          </p:nvPr>
         </p:nvPicPr>
         <p:blipFill>
-          <a:blip r:embed="rId8" cstate="print"/>
+          <a:blip r:embed="rId7" cstate="print"/>
           <a:srcRect/>
           <a:stretch>
             <a:fillRect/>
@@ -24150,8 +29218,8 @@
         </p:blipFill>
         <p:spPr bwMode="auto">
           <a:xfrm>
-            <a:off x="1995274" y="1541777"/>
-            <a:ext cx="5153452" cy="3774445"/>
+            <a:off x="5076056" y="1700808"/>
+            <a:ext cx="3995936" cy="4896544"/>
           </a:xfrm>
           <a:prstGeom prst="rect">
             <a:avLst/>
@@ -24167,12 +29235,16 @@
       </p:pic>
       <p:pic>
         <p:nvPicPr>
-          <p:cNvPr id="9" name="8 Imagen"/>
-          <p:cNvPicPr/>
-          <p:nvPr/>
+          <p:cNvPr id="10" name="9 Marcador de contenido"/>
+          <p:cNvPicPr>
+            <a:picLocks noGrp="1"/>
+          </p:cNvPicPr>
+          <p:nvPr>
+            <p:ph sz="half" idx="14"/>
+          </p:nvPr>
         </p:nvPicPr>
         <p:blipFill>
-          <a:blip r:embed="rId9" cstate="print"/>
+          <a:blip r:embed="rId8" cstate="print"/>
           <a:srcRect/>
           <a:stretch>
             <a:fillRect/>
@@ -24180,68 +29252,8 @@
         </p:blipFill>
         <p:spPr bwMode="auto">
           <a:xfrm>
-            <a:off x="6084168" y="1556792"/>
-            <a:ext cx="5390674" cy="3420904"/>
-          </a:xfrm>
-          <a:prstGeom prst="rect">
-            <a:avLst/>
-          </a:prstGeom>
-          <a:noFill/>
-          <a:ln w="9525">
-            <a:noFill/>
-            <a:miter lim="800000"/>
-            <a:headEnd/>
-            <a:tailEnd/>
-          </a:ln>
-        </p:spPr>
-      </p:pic>
-      <p:pic>
-        <p:nvPicPr>
-          <p:cNvPr id="10" name="9 Imagen"/>
-          <p:cNvPicPr/>
-          <p:nvPr/>
-        </p:nvPicPr>
-        <p:blipFill>
-          <a:blip r:embed="rId10" cstate="print"/>
-          <a:srcRect/>
-          <a:stretch>
-            <a:fillRect/>
-          </a:stretch>
-        </p:blipFill>
-        <p:spPr bwMode="auto">
-          <a:xfrm>
-            <a:off x="1949558" y="2522551"/>
-            <a:ext cx="5244884" cy="1812898"/>
-          </a:xfrm>
-          <a:prstGeom prst="rect">
-            <a:avLst/>
-          </a:prstGeom>
-          <a:noFill/>
-          <a:ln w="9525">
-            <a:noFill/>
-            <a:miter lim="800000"/>
-            <a:headEnd/>
-            <a:tailEnd/>
-          </a:ln>
-        </p:spPr>
-      </p:pic>
-      <p:pic>
-        <p:nvPicPr>
-          <p:cNvPr id="12" name="11 Imagen"/>
-          <p:cNvPicPr/>
-          <p:nvPr/>
-        </p:nvPicPr>
-        <p:blipFill>
-          <a:blip r:embed="rId11" cstate="print"/>
-          <a:srcRect/>
-          <a:stretch>
-            <a:fillRect/>
-          </a:stretch>
-        </p:blipFill>
-        <p:spPr bwMode="auto">
-          <a:xfrm>
-            <a:off x="3097802" y="1707542"/>
-            <a:ext cx="2948396" cy="3442915"/>
+            <a:off x="323528" y="4797152"/>
+            <a:ext cx="4464496" cy="1874179"/>
           </a:xfrm>
           <a:prstGeom prst="rect">
             <a:avLst/>
@@ -24263,13 +29275,6 @@
   <p:transition>
     <p:fade thruBlk="1"/>
   </p:transition>
-  <p:timing>
-    <p:tnLst>
-      <p:par>
-        <p:cTn id="1" dur="indefinite" restart="never" nodeType="tmRoot"/>
-      </p:par>
-    </p:tnLst>
-  </p:timing>
 </p:sld>
 </file>
 
@@ -24306,16 +29311,48 @@
           <a:lstStyle/>
           <a:p>
             <a:r>
-              <a:rPr lang="es-AR" dirty="0" err="1" smtClean="0"/>
-              <a:t>Indice</a:t>
+              <a:rPr lang="en-US" dirty="0" err="1" smtClean="0"/>
+              <a:t>Contexto</a:t>
             </a:r>
             <a:endParaRPr lang="es-AR" dirty="0"/>
           </a:p>
         </p:txBody>
       </p:sp>
+      <p:pic>
+        <p:nvPicPr>
+          <p:cNvPr id="1027" name="Picture 3"/>
+          <p:cNvPicPr>
+            <a:picLocks noChangeAspect="1" noChangeArrowheads="1"/>
+          </p:cNvPicPr>
+          <p:nvPr/>
+        </p:nvPicPr>
+        <p:blipFill>
+          <a:blip r:embed="rId2" cstate="print"/>
+          <a:srcRect/>
+          <a:stretch>
+            <a:fillRect/>
+          </a:stretch>
+        </p:blipFill>
+        <p:spPr bwMode="auto">
+          <a:xfrm>
+            <a:off x="899592" y="1772815"/>
+            <a:ext cx="3600400" cy="1107815"/>
+          </a:xfrm>
+          <a:prstGeom prst="rect">
+            <a:avLst/>
+          </a:prstGeom>
+          <a:noFill/>
+          <a:ln w="9525">
+            <a:noFill/>
+            <a:miter lim="800000"/>
+            <a:headEnd/>
+            <a:tailEnd/>
+          </a:ln>
+        </p:spPr>
+      </p:pic>
       <p:sp>
         <p:nvSpPr>
-          <p:cNvPr id="3" name="2 Marcador de contenido"/>
+          <p:cNvPr id="6" name="5 Marcador de contenido"/>
           <p:cNvSpPr>
             <a:spLocks noGrp="1"/>
           </p:cNvSpPr>
@@ -24325,126 +29362,66 @@
         </p:nvSpPr>
         <p:spPr>
           <a:xfrm>
-            <a:off x="467544" y="1556792"/>
-            <a:ext cx="8229600" cy="4896544"/>
+            <a:off x="179512" y="3212976"/>
+            <a:ext cx="6347048" cy="1725817"/>
           </a:xfrm>
         </p:spPr>
         <p:txBody>
-          <a:bodyPr>
-            <a:normAutofit fontScale="70000" lnSpcReduction="20000"/>
-          </a:bodyPr>
+          <a:bodyPr/>
           <a:lstStyle/>
           <a:p>
             <a:r>
-              <a:rPr lang="es-AR" dirty="0" smtClean="0"/>
-              <a:t>SEE</a:t>
-            </a:r>
-          </a:p>
-          <a:p>
-            <a:pPr lvl="1"/>
-            <a:r>
-              <a:rPr lang="es-AR" dirty="0" smtClean="0"/>
-              <a:t>Que es?</a:t>
-            </a:r>
-          </a:p>
-          <a:p>
-            <a:pPr lvl="1"/>
-            <a:r>
-              <a:rPr lang="es-AR" dirty="0" smtClean="0"/>
-              <a:t>Como se produce?</a:t>
-            </a:r>
-          </a:p>
-          <a:p>
-            <a:pPr lvl="1"/>
+              <a:rPr lang="en-US" dirty="0" err="1" smtClean="0"/>
+              <a:t>Grupo</a:t>
+            </a:r>
             <a:r>
               <a:rPr lang="en-US" dirty="0" smtClean="0"/>
-              <a:t>Classification</a:t>
-            </a:r>
-          </a:p>
-          <a:p>
+              <a:t> de </a:t>
+            </a:r>
+            <a:r>
+              <a:rPr lang="en-US" dirty="0" err="1" smtClean="0"/>
+              <a:t>Investigación</a:t>
+            </a:r>
             <a:r>
               <a:rPr lang="en-US" dirty="0" smtClean="0"/>
-              <a:t>ASET</a:t>
-            </a:r>
-            <a:endParaRPr lang="es-AR" dirty="0" smtClean="0"/>
-          </a:p>
-          <a:p>
-            <a:pPr lvl="1"/>
-            <a:r>
-              <a:rPr lang="es-AR" dirty="0" smtClean="0"/>
-              <a:t>Como se produce?</a:t>
-            </a:r>
-          </a:p>
-          <a:p>
-            <a:pPr lvl="1"/>
-            <a:r>
-              <a:rPr lang="en-US" dirty="0" smtClean="0"/>
-              <a:t>Porque?</a:t>
-            </a:r>
-            <a:endParaRPr lang="es-AR" dirty="0" smtClean="0"/>
-          </a:p>
-          <a:p>
-            <a:pPr lvl="1"/>
-            <a:r>
-              <a:rPr lang="es-AR" dirty="0" smtClean="0"/>
-              <a:t>Modelo</a:t>
-            </a:r>
-          </a:p>
-          <a:p>
-            <a:r>
-              <a:rPr lang="es-AR" dirty="0" smtClean="0"/>
-              <a:t>Diseño</a:t>
-            </a:r>
-          </a:p>
-          <a:p>
-            <a:pPr lvl="1"/>
-            <a:r>
-              <a:rPr lang="es-AR" dirty="0" smtClean="0"/>
-              <a:t>Arquitectura</a:t>
-            </a:r>
-          </a:p>
-          <a:p>
-            <a:pPr lvl="1"/>
-            <a:r>
-              <a:rPr lang="es-AR" dirty="0" smtClean="0"/>
-              <a:t>Tecnología</a:t>
-            </a:r>
-          </a:p>
-          <a:p>
-            <a:pPr lvl="1"/>
-            <a:r>
-              <a:rPr lang="es-AR" dirty="0" smtClean="0"/>
-              <a:t>Etapas</a:t>
-            </a:r>
-          </a:p>
-          <a:p>
-            <a:r>
-              <a:rPr lang="es-AR" dirty="0" smtClean="0"/>
-              <a:t>Inyección</a:t>
-            </a:r>
-          </a:p>
-          <a:p>
-            <a:pPr lvl="1"/>
-            <a:r>
-              <a:rPr lang="es-AR" dirty="0" smtClean="0"/>
-              <a:t>Manual</a:t>
-            </a:r>
-          </a:p>
-          <a:p>
-            <a:pPr lvl="1"/>
-            <a:r>
-              <a:rPr lang="es-AR" dirty="0" smtClean="0"/>
-              <a:t>Automática</a:t>
-            </a:r>
-          </a:p>
-          <a:p>
-            <a:r>
-              <a:rPr lang="es-AR" dirty="0" smtClean="0"/>
-              <a:t>Análisis y conclusión</a:t>
-            </a:r>
+              <a:t> </a:t>
+            </a:r>
+            <a:endParaRPr lang="es-AR" dirty="0"/>
           </a:p>
         </p:txBody>
       </p:sp>
+      <p:pic>
+        <p:nvPicPr>
+          <p:cNvPr id="7" name="Picture 2"/>
+          <p:cNvPicPr>
+            <a:picLocks noChangeAspect="1" noChangeArrowheads="1"/>
+          </p:cNvPicPr>
+          <p:nvPr/>
+        </p:nvPicPr>
+        <p:blipFill>
+          <a:blip r:embed="rId3" cstate="print"/>
+          <a:srcRect/>
+          <a:stretch>
+            <a:fillRect/>
+          </a:stretch>
+        </p:blipFill>
+        <p:spPr bwMode="auto">
+          <a:xfrm>
+            <a:off x="4932040" y="1772816"/>
+            <a:ext cx="3486150" cy="1104900"/>
+          </a:xfrm>
+          <a:prstGeom prst="rect">
+            <a:avLst/>
+          </a:prstGeom>
+          <a:noFill/>
+          <a:ln w="9525">
+            <a:noFill/>
+            <a:miter lim="800000"/>
+            <a:headEnd/>
+            <a:tailEnd/>
+          </a:ln>
+        </p:spPr>
+      </p:pic>
     </p:spTree>
   </p:cSld>
   <p:clrMapOvr>
@@ -24453,13 +29430,6 @@
   <p:transition>
     <p:fade thruBlk="1"/>
   </p:transition>
-  <p:timing>
-    <p:tnLst>
-      <p:par>
-        <p:cTn id="1" dur="indefinite" restart="never" nodeType="tmRoot"/>
-      </p:par>
-    </p:tnLst>
-  </p:timing>
 </p:sld>
 </file>
 
@@ -24497,9 +29467,93 @@
           <a:p>
             <a:r>
               <a:rPr lang="es-AR" dirty="0" smtClean="0"/>
+              <a:t>Índice</a:t>
+            </a:r>
+            <a:endParaRPr lang="es-AR" dirty="0"/>
+          </a:p>
+        </p:txBody>
+      </p:sp>
+      <p:sp>
+        <p:nvSpPr>
+          <p:cNvPr id="3" name="2 Marcador de contenido"/>
+          <p:cNvSpPr>
+            <a:spLocks noGrp="1"/>
+          </p:cNvSpPr>
+          <p:nvPr>
+            <p:ph idx="1"/>
+          </p:nvPr>
+        </p:nvSpPr>
+        <p:spPr>
+          <a:xfrm>
+            <a:off x="467544" y="1556792"/>
+            <a:ext cx="8229600" cy="4896544"/>
+          </a:xfrm>
+        </p:spPr>
+        <p:txBody>
+          <a:bodyPr>
+            <a:normAutofit/>
+          </a:bodyPr>
+          <a:lstStyle/>
+          <a:p>
+            <a:endParaRPr lang="es-AR" dirty="0" smtClean="0"/>
+          </a:p>
+        </p:txBody>
+      </p:sp>
+    </p:spTree>
+  </p:cSld>
+  <p:clrMapOvr>
+    <a:masterClrMapping/>
+  </p:clrMapOvr>
+  <p:transition>
+    <p:fade thruBlk="1"/>
+  </p:transition>
+  <p:timing>
+    <p:tnLst>
+      <p:par>
+        <p:cTn id="1" dur="indefinite" restart="never" nodeType="tmRoot"/>
+      </p:par>
+    </p:tnLst>
+  </p:timing>
+</p:sld>
+</file>
+
+<file path=ppt/slides/slide4.xml><?xml version="1.0" encoding="utf-8"?>
+<p:sld xmlns:a="http://schemas.openxmlformats.org/drawingml/2006/main" xmlns:r="http://schemas.openxmlformats.org/officeDocument/2006/relationships" xmlns:p="http://schemas.openxmlformats.org/presentationml/2006/main">
+  <p:cSld>
+    <p:spTree>
+      <p:nvGrpSpPr>
+        <p:cNvPr id="1" name=""/>
+        <p:cNvGrpSpPr/>
+        <p:nvPr/>
+      </p:nvGrpSpPr>
+      <p:grpSpPr>
+        <a:xfrm>
+          <a:off x="0" y="0"/>
+          <a:ext cx="0" cy="0"/>
+          <a:chOff x="0" y="0"/>
+          <a:chExt cx="0" cy="0"/>
+        </a:xfrm>
+      </p:grpSpPr>
+      <p:sp>
+        <p:nvSpPr>
+          <p:cNvPr id="2" name="1 Título"/>
+          <p:cNvSpPr>
+            <a:spLocks noGrp="1"/>
+          </p:cNvSpPr>
+          <p:nvPr>
+            <p:ph type="title"/>
+          </p:nvPr>
+        </p:nvSpPr>
+        <p:spPr/>
+        <p:txBody>
+          <a:bodyPr/>
+          <a:lstStyle/>
+          <a:p>
+            <a:r>
+              <a:rPr lang="es-AR" smtClean="0"/>
               <a:t>SEE: Que es?</a:t>
             </a:r>
-            <a:endParaRPr lang="es-AR" dirty="0"/>
+            <a:endParaRPr lang="es-AR"/>
           </a:p>
         </p:txBody>
       </p:sp>
@@ -24535,29 +29589,29 @@
               <a:buNone/>
             </a:pPr>
             <a:r>
-              <a:rPr lang="es-AR" i="1" dirty="0" smtClean="0"/>
+              <a:rPr lang="es-AR" i="1" smtClean="0"/>
               <a:t>“Un </a:t>
             </a:r>
             <a:r>
-              <a:rPr lang="es-AR" i="1" dirty="0"/>
+              <a:rPr lang="es-AR" i="1"/>
               <a:t>Evento de Efecto </a:t>
             </a:r>
             <a:r>
-              <a:rPr lang="es-AR" i="1" dirty="0" smtClean="0"/>
+              <a:rPr lang="es-AR" i="1" smtClean="0"/>
               <a:t>Único </a:t>
             </a:r>
             <a:r>
-              <a:rPr lang="es-AR" i="1" dirty="0"/>
+              <a:rPr lang="es-AR" i="1"/>
               <a:t>(SEE) es cualquier cambio medible u observable, en el estado o rendimiento, de un dispositivo, componente, subsistema o sistema (analógico o digital) micro-electrónico, resultado del impacto de una única partícula de alta energía</a:t>
             </a:r>
             <a:r>
-              <a:rPr lang="es-AR" i="1" dirty="0" smtClean="0"/>
+              <a:rPr lang="es-AR" i="1" smtClean="0"/>
               <a:t>.”</a:t>
             </a:r>
-            <a:endParaRPr lang="es-AR" i="1" dirty="0"/>
-          </a:p>
-          <a:p>
-            <a:endParaRPr lang="es-AR" dirty="0"/>
+            <a:endParaRPr lang="es-AR" i="1"/>
+          </a:p>
+          <a:p>
+            <a:endParaRPr lang="es-AR"/>
           </a:p>
         </p:txBody>
       </p:sp>
@@ -24659,7 +29713,7 @@
 </p:sld>
 </file>
 
-<file path=ppt/slides/slide4.xml><?xml version="1.0" encoding="utf-8"?>
+<file path=ppt/slides/slide5.xml><?xml version="1.0" encoding="utf-8"?>
 <p:sld xmlns:a="http://schemas.openxmlformats.org/drawingml/2006/main" xmlns:r="http://schemas.openxmlformats.org/officeDocument/2006/relationships" xmlns:p="http://schemas.openxmlformats.org/presentationml/2006/main">
   <p:cSld>
     <p:bg>
@@ -24684,6 +29738,34 @@
           <a:chExt cx="0" cy="0"/>
         </a:xfrm>
       </p:grpSpPr>
+      <p:pic>
+        <p:nvPicPr>
+          <p:cNvPr id="7" name="Magnetospheric Substorm causing Auroras.MP4">
+            <a:hlinkClick r:id="" action="ppaction://media"/>
+          </p:cNvPr>
+          <p:cNvPicPr>
+            <a:picLocks noRot="1" noChangeAspect="1"/>
+          </p:cNvPicPr>
+          <p:nvPr>
+            <a:videoFile r:link="rId1"/>
+          </p:nvPr>
+        </p:nvPicPr>
+        <p:blipFill>
+          <a:blip r:embed="rId3" cstate="print"/>
+          <a:stretch>
+            <a:fillRect/>
+          </a:stretch>
+        </p:blipFill>
+        <p:spPr>
+          <a:xfrm>
+            <a:off x="1547664" y="1700808"/>
+            <a:ext cx="6480720" cy="4860540"/>
+          </a:xfrm>
+          <a:prstGeom prst="rect">
+            <a:avLst/>
+          </a:prstGeom>
+        </p:spPr>
+      </p:pic>
       <p:sp>
         <p:nvSpPr>
           <p:cNvPr id="2" name="1 Título"/>
@@ -24709,6 +29791,32 @@
       </p:sp>
       <p:pic>
         <p:nvPicPr>
+          <p:cNvPr id="3" name="Picture 2" descr="C:\Users\FABRICIO\Desktop\800px-Aurora_Borealis.jpg"/>
+          <p:cNvPicPr>
+            <a:picLocks noChangeAspect="1" noChangeArrowheads="1"/>
+          </p:cNvPicPr>
+          <p:nvPr/>
+        </p:nvPicPr>
+        <p:blipFill>
+          <a:blip r:embed="rId4" cstate="print"/>
+          <a:srcRect/>
+          <a:stretch>
+            <a:fillRect/>
+          </a:stretch>
+        </p:blipFill>
+        <p:spPr bwMode="auto">
+          <a:xfrm>
+            <a:off x="6989119" y="0"/>
+            <a:ext cx="2154881" cy="1414141"/>
+          </a:xfrm>
+          <a:prstGeom prst="rect">
+            <a:avLst/>
+          </a:prstGeom>
+          <a:noFill/>
+        </p:spPr>
+      </p:pic>
+      <p:pic>
+        <p:nvPicPr>
           <p:cNvPr id="2050" name="Picture 2"/>
           <p:cNvPicPr>
             <a:picLocks noGrp="1" noChangeAspect="1" noChangeArrowheads="1"/>
@@ -24718,7 +29826,7 @@
           </p:nvPr>
         </p:nvPicPr>
         <p:blipFill>
-          <a:blip r:embed="rId2" cstate="print"/>
+          <a:blip r:embed="rId5" cstate="print"/>
           <a:srcRect l="1047" t="1096" b="2335"/>
           <a:stretch>
             <a:fillRect/>
@@ -24726,7 +29834,7 @@
         </p:blipFill>
         <p:spPr bwMode="auto">
           <a:xfrm>
-            <a:off x="1187624" y="1484784"/>
+            <a:off x="1403648" y="1484784"/>
             <a:ext cx="6804248" cy="5373216"/>
           </a:xfrm>
           <a:prstGeom prst="rect">
@@ -24750,7 +29858,7 @@
           <p:nvPr/>
         </p:nvPicPr>
         <p:blipFill>
-          <a:blip r:embed="rId3" cstate="print"/>
+          <a:blip r:embed="rId6" cstate="print"/>
           <a:srcRect/>
           <a:stretch>
             <a:fillRect/>
@@ -24760,32 +29868,6 @@
           <a:xfrm>
             <a:off x="0" y="1484783"/>
             <a:ext cx="9144000" cy="5373217"/>
-          </a:xfrm>
-          <a:prstGeom prst="rect">
-            <a:avLst/>
-          </a:prstGeom>
-          <a:noFill/>
-        </p:spPr>
-      </p:pic>
-      <p:pic>
-        <p:nvPicPr>
-          <p:cNvPr id="3" name="Picture 2" descr="C:\Users\FABRICIO\Desktop\800px-Aurora_Borealis.jpg"/>
-          <p:cNvPicPr>
-            <a:picLocks noChangeAspect="1" noChangeArrowheads="1"/>
-          </p:cNvPicPr>
-          <p:nvPr/>
-        </p:nvPicPr>
-        <p:blipFill>
-          <a:blip r:embed="rId4" cstate="print"/>
-          <a:srcRect/>
-          <a:stretch>
-            <a:fillRect/>
-          </a:stretch>
-        </p:blipFill>
-        <p:spPr bwMode="auto">
-          <a:xfrm>
-            <a:off x="6989119" y="0"/>
-            <a:ext cx="2154881" cy="1414141"/>
           </a:xfrm>
           <a:prstGeom prst="rect">
             <a:avLst/>
@@ -24813,6 +29895,9 @@
                     <p:cTn id="3" fill="hold">
                       <p:stCondLst>
                         <p:cond delay="indefinite"/>
+                        <p:cond evt="onBegin" delay="0">
+                          <p:tn val="2"/>
+                        </p:cond>
                       </p:stCondLst>
                       <p:childTnLst>
                         <p:par>
@@ -24822,14 +29907,49 @@
                             </p:stCondLst>
                             <p:childTnLst>
                               <p:par>
-                                <p:cTn id="5" presetID="4" presetClass="entr" presetSubtype="16" fill="hold" nodeType="clickEffect">
+                                <p:cTn id="5" presetID="1" presetClass="mediacall" presetSubtype="0" fill="hold" nodeType="afterEffect">
+                                  <p:stCondLst>
+                                    <p:cond delay="0"/>
+                                  </p:stCondLst>
+                                  <p:childTnLst>
+                                    <p:cmd type="call" cmd="playFrom(0.0)">
+                                      <p:cBhvr>
+                                        <p:cTn id="6" dur="363" fill="hold"/>
+                                        <p:tgtEl>
+                                          <p:spTgt spid="7"/>
+                                        </p:tgtEl>
+                                      </p:cBhvr>
+                                    </p:cmd>
+                                  </p:childTnLst>
+                                </p:cTn>
+                              </p:par>
+                            </p:childTnLst>
+                          </p:cTn>
+                        </p:par>
+                      </p:childTnLst>
+                    </p:cTn>
+                  </p:par>
+                  <p:par>
+                    <p:cTn id="7" fill="hold">
+                      <p:stCondLst>
+                        <p:cond delay="indefinite"/>
+                      </p:stCondLst>
+                      <p:childTnLst>
+                        <p:par>
+                          <p:cTn id="8" fill="hold">
+                            <p:stCondLst>
+                              <p:cond delay="0"/>
+                            </p:stCondLst>
+                            <p:childTnLst>
+                              <p:par>
+                                <p:cTn id="9" presetID="4" presetClass="entr" presetSubtype="16" fill="hold" nodeType="clickEffect">
                                   <p:stCondLst>
                                     <p:cond delay="0"/>
                                   </p:stCondLst>
                                   <p:childTnLst>
                                     <p:set>
                                       <p:cBhvr>
-                                        <p:cTn id="6" dur="1" fill="hold">
+                                        <p:cTn id="10" dur="1" fill="hold">
                                           <p:stCondLst>
                                             <p:cond delay="0"/>
                                           </p:stCondLst>
@@ -24847,7 +29967,7 @@
                                     </p:set>
                                     <p:animEffect transition="in" filter="box(in)">
                                       <p:cBhvr>
-                                        <p:cTn id="7" dur="500"/>
+                                        <p:cTn id="11" dur="500"/>
                                         <p:tgtEl>
                                           <p:spTgt spid="2050"/>
                                         </p:tgtEl>
@@ -24863,26 +29983,26 @@
                     </p:cTn>
                   </p:par>
                   <p:par>
-                    <p:cTn id="8" fill="hold">
+                    <p:cTn id="12" fill="hold">
                       <p:stCondLst>
                         <p:cond delay="indefinite"/>
                       </p:stCondLst>
                       <p:childTnLst>
                         <p:par>
-                          <p:cTn id="9" fill="hold">
+                          <p:cTn id="13" fill="hold">
                             <p:stCondLst>
                               <p:cond delay="0"/>
                             </p:stCondLst>
                             <p:childTnLst>
                               <p:par>
-                                <p:cTn id="10" presetID="4" presetClass="entr" presetSubtype="16" fill="hold" nodeType="clickEffect">
+                                <p:cTn id="14" presetID="4" presetClass="entr" presetSubtype="16" fill="hold" nodeType="clickEffect">
                                   <p:stCondLst>
                                     <p:cond delay="0"/>
                                   </p:stCondLst>
                                   <p:childTnLst>
                                     <p:set>
                                       <p:cBhvr>
-                                        <p:cTn id="11" dur="1" fill="hold">
+                                        <p:cTn id="15" dur="1" fill="hold">
                                           <p:stCondLst>
                                             <p:cond delay="0"/>
                                           </p:stCondLst>
@@ -24900,7 +30020,7 @@
                                     </p:set>
                                     <p:animEffect transition="in" filter="box(in)">
                                       <p:cBhvr>
-                                        <p:cTn id="12" dur="500"/>
+                                        <p:cTn id="16" dur="500"/>
                                         <p:tgtEl>
                                           <p:spTgt spid="1027"/>
                                         </p:tgtEl>
@@ -24932,6 +30052,88 @@
                 </p:cond>
               </p:nextCondLst>
             </p:seq>
+            <p:video>
+              <p:cMediaNode>
+                <p:cTn id="17" fill="hold" display="0">
+                  <p:stCondLst>
+                    <p:cond delay="indefinite"/>
+                  </p:stCondLst>
+                  <p:endCondLst>
+                    <p:cond evt="onNext" delay="0">
+                      <p:tgtEl>
+                        <p:sldTgt/>
+                      </p:tgtEl>
+                    </p:cond>
+                    <p:cond evt="onPrev" delay="0">
+                      <p:tgtEl>
+                        <p:sldTgt/>
+                      </p:tgtEl>
+                    </p:cond>
+                  </p:endCondLst>
+                </p:cTn>
+                <p:tgtEl>
+                  <p:spTgt spid="7"/>
+                </p:tgtEl>
+              </p:cMediaNode>
+            </p:video>
+            <p:seq concurrent="1" nextAc="seek">
+              <p:cTn id="18" restart="whenNotActive" fill="hold" evtFilter="cancelBubble" nodeType="interactiveSeq">
+                <p:stCondLst>
+                  <p:cond evt="onClick" delay="0">
+                    <p:tgtEl>
+                      <p:spTgt spid="7"/>
+                    </p:tgtEl>
+                  </p:cond>
+                </p:stCondLst>
+                <p:endSync evt="end" delay="0">
+                  <p:rtn val="all"/>
+                </p:endSync>
+                <p:childTnLst>
+                  <p:par>
+                    <p:cTn id="19" fill="hold">
+                      <p:stCondLst>
+                        <p:cond delay="0"/>
+                      </p:stCondLst>
+                      <p:childTnLst>
+                        <p:par>
+                          <p:cTn id="20" fill="hold">
+                            <p:stCondLst>
+                              <p:cond delay="0"/>
+                            </p:stCondLst>
+                            <p:childTnLst>
+                              <p:par>
+                                <p:cTn id="21" presetID="2" presetClass="mediacall" presetSubtype="0" fill="hold" nodeType="clickEffect">
+                                  <p:stCondLst>
+                                    <p:cond delay="0"/>
+                                  </p:stCondLst>
+                                  <p:childTnLst>
+                                    <p:cmd type="call" cmd="togglePause">
+                                      <p:cBhvr>
+                                        <p:cTn id="22" dur="1" fill="hold"/>
+                                        <p:tgtEl>
+                                          <p:spTgt spid="7"/>
+                                        </p:tgtEl>
+                                      </p:cBhvr>
+                                    </p:cmd>
+                                  </p:childTnLst>
+                                </p:cTn>
+                              </p:par>
+                            </p:childTnLst>
+                          </p:cTn>
+                        </p:par>
+                      </p:childTnLst>
+                    </p:cTn>
+                  </p:par>
+                </p:childTnLst>
+              </p:cTn>
+              <p:nextCondLst>
+                <p:cond evt="onClick" delay="0">
+                  <p:tgtEl>
+                    <p:spTgt spid="7"/>
+                  </p:tgtEl>
+                </p:cond>
+              </p:nextCondLst>
+            </p:seq>
           </p:childTnLst>
         </p:cTn>
       </p:par>
@@ -24940,7 +30142,7 @@
 </p:sld>
 </file>
 
-<file path=ppt/slides/slide5.xml><?xml version="1.0" encoding="utf-8"?>
+<file path=ppt/slides/slide6.xml><?xml version="1.0" encoding="utf-8"?>
 <p:sld xmlns:a="http://schemas.openxmlformats.org/drawingml/2006/main" xmlns:r="http://schemas.openxmlformats.org/officeDocument/2006/relationships" xmlns:p="http://schemas.openxmlformats.org/presentationml/2006/main">
   <p:cSld>
     <p:spTree>
@@ -25178,7 +30380,7 @@
 </p:sld>
 </file>
 
-<file path=ppt/slides/slide6.xml><?xml version="1.0" encoding="utf-8"?>
+<file path=ppt/slides/slide7.xml><?xml version="1.0" encoding="utf-8"?>
 <p:sld xmlns:a="http://schemas.openxmlformats.org/drawingml/2006/main" xmlns:r="http://schemas.openxmlformats.org/officeDocument/2006/relationships" xmlns:p="http://schemas.openxmlformats.org/presentationml/2006/main">
   <p:cSld>
     <p:spTree>
@@ -25669,7 +30871,7 @@
 </p:sld>
 </file>
 
-<file path=ppt/slides/slide7.xml><?xml version="1.0" encoding="utf-8"?>
+<file path=ppt/slides/slide8.xml><?xml version="1.0" encoding="utf-8"?>
 <p:sld xmlns:a="http://schemas.openxmlformats.org/drawingml/2006/main" xmlns:r="http://schemas.openxmlformats.org/officeDocument/2006/relationships" xmlns:p="http://schemas.openxmlformats.org/presentationml/2006/main">
   <p:cSld>
     <p:spTree>
@@ -26002,7 +31204,7 @@
 </p:sld>
 </file>
 
-<file path=ppt/slides/slide8.xml><?xml version="1.0" encoding="utf-8"?>
+<file path=ppt/slides/slide9.xml><?xml version="1.0" encoding="utf-8"?>
 <p:sld xmlns:a="http://schemas.openxmlformats.org/drawingml/2006/main" xmlns:r="http://schemas.openxmlformats.org/officeDocument/2006/relationships" xmlns:p="http://schemas.openxmlformats.org/presentationml/2006/main">
   <p:cSld>
     <p:spTree>
@@ -26289,313 +31491,6 @@
             <a:headEnd/>
             <a:tailEnd/>
           </a:ln>
-        </p:spPr>
-      </p:pic>
-    </p:spTree>
-  </p:cSld>
-  <p:clrMapOvr>
-    <a:masterClrMapping/>
-  </p:clrMapOvr>
-  <p:transition>
-    <p:fade thruBlk="1"/>
-  </p:transition>
-  <p:timing>
-    <p:tnLst>
-      <p:par>
-        <p:cTn id="1" dur="indefinite" restart="never" nodeType="tmRoot"/>
-      </p:par>
-    </p:tnLst>
-  </p:timing>
-</p:sld>
-</file>
-
-<file path=ppt/slides/slide9.xml><?xml version="1.0" encoding="utf-8"?>
-<p:sld xmlns:a="http://schemas.openxmlformats.org/drawingml/2006/main" xmlns:r="http://schemas.openxmlformats.org/officeDocument/2006/relationships" xmlns:p="http://schemas.openxmlformats.org/presentationml/2006/main">
-  <p:cSld>
-    <p:spTree>
-      <p:nvGrpSpPr>
-        <p:cNvPr id="1" name=""/>
-        <p:cNvGrpSpPr/>
-        <p:nvPr/>
-      </p:nvGrpSpPr>
-      <p:grpSpPr>
-        <a:xfrm>
-          <a:off x="0" y="0"/>
-          <a:ext cx="0" cy="0"/>
-          <a:chOff x="0" y="0"/>
-          <a:chExt cx="0" cy="0"/>
-        </a:xfrm>
-      </p:grpSpPr>
-      <p:sp>
-        <p:nvSpPr>
-          <p:cNvPr id="2" name="1 Título"/>
-          <p:cNvSpPr>
-            <a:spLocks noGrp="1"/>
-          </p:cNvSpPr>
-          <p:nvPr>
-            <p:ph type="title"/>
-          </p:nvPr>
-        </p:nvSpPr>
-        <p:spPr/>
-        <p:txBody>
-          <a:bodyPr/>
-          <a:lstStyle/>
-          <a:p>
-            <a:r>
-              <a:rPr lang="es-AR" dirty="0" smtClean="0"/>
-              <a:t>DISEÑO: Arquitectura</a:t>
-            </a:r>
-            <a:endParaRPr lang="es-AR" dirty="0"/>
-          </a:p>
-        </p:txBody>
-      </p:sp>
-      <p:sp>
-        <p:nvSpPr>
-          <p:cNvPr id="6" name="5 Marcador de contenido"/>
-          <p:cNvSpPr>
-            <a:spLocks noGrp="1"/>
-          </p:cNvSpPr>
-          <p:nvPr>
-            <p:ph sz="half" idx="1"/>
-          </p:nvPr>
-        </p:nvSpPr>
-        <p:spPr>
-          <a:xfrm>
-            <a:off x="0" y="1628800"/>
-            <a:ext cx="4860032" cy="5229200"/>
-          </a:xfrm>
-        </p:spPr>
-        <p:txBody>
-          <a:bodyPr>
-            <a:normAutofit/>
-          </a:bodyPr>
-          <a:lstStyle/>
-          <a:p>
-            <a:r>
-              <a:rPr lang="es-AR" dirty="0" smtClean="0"/>
-              <a:t>Tecnología de diseño:</a:t>
-            </a:r>
-          </a:p>
-          <a:p>
-            <a:pPr algn="ctr">
-              <a:buNone/>
-            </a:pPr>
-            <a:r>
-              <a:rPr lang="en-US" sz="2000" b="1" dirty="0" smtClean="0">
-                <a:solidFill>
-                  <a:srgbClr val="333399"/>
-                </a:solidFill>
-                <a:latin typeface="Calibri"/>
-                <a:ea typeface="Calibri"/>
-                <a:cs typeface="Times New Roman"/>
-              </a:rPr>
-              <a:t>IBM Semiconductor</a:t>
-            </a:r>
-            <a:r>
-              <a:rPr lang="en-US" sz="2000" dirty="0" smtClean="0">
-                <a:solidFill>
-                  <a:srgbClr val="333399"/>
-                </a:solidFill>
-                <a:latin typeface="Calibri"/>
-                <a:ea typeface="Calibri"/>
-                <a:cs typeface="Times New Roman"/>
-              </a:rPr>
-              <a:t> </a:t>
-            </a:r>
-            <a:endParaRPr lang="en-US" sz="2000" b="1" dirty="0" smtClean="0">
-              <a:solidFill>
-                <a:srgbClr val="333399"/>
-              </a:solidFill>
-              <a:latin typeface="Calibri"/>
-              <a:ea typeface="Calibri"/>
-              <a:cs typeface="Times New Roman"/>
-            </a:endParaRPr>
-          </a:p>
-          <a:p>
-            <a:pPr algn="ctr">
-              <a:buNone/>
-            </a:pPr>
-            <a:r>
-              <a:rPr lang="en-US" sz="2000" b="1" dirty="0" smtClean="0">
-                <a:solidFill>
-                  <a:srgbClr val="333399"/>
-                </a:solidFill>
-                <a:latin typeface="Calibri"/>
-                <a:ea typeface="Calibri"/>
-                <a:cs typeface="Times New Roman"/>
-              </a:rPr>
-              <a:t>0.18 Micron</a:t>
-            </a:r>
-          </a:p>
-          <a:p>
-            <a:pPr algn="ctr">
-              <a:buNone/>
-            </a:pPr>
-            <a:r>
-              <a:rPr lang="en-US" sz="2000" b="1" dirty="0" smtClean="0">
-                <a:solidFill>
-                  <a:srgbClr val="333399"/>
-                </a:solidFill>
-                <a:latin typeface="Calibri"/>
-                <a:ea typeface="Calibri"/>
-                <a:cs typeface="Times New Roman"/>
-              </a:rPr>
-              <a:t>7RF CMOS Process</a:t>
-            </a:r>
-            <a:endParaRPr lang="es-AR" sz="2000" dirty="0" smtClean="0">
-              <a:latin typeface="Calibri"/>
-              <a:ea typeface="Calibri"/>
-              <a:cs typeface="Times New Roman"/>
-            </a:endParaRPr>
-          </a:p>
-          <a:p>
-            <a:r>
-              <a:rPr lang="es-AR" dirty="0" smtClean="0"/>
-              <a:t>Requisitos del conversor:</a:t>
-            </a:r>
-          </a:p>
-          <a:p>
-            <a:pPr lvl="1"/>
-            <a:r>
-              <a:rPr lang="es-AR" dirty="0" smtClean="0"/>
-              <a:t>6 bits de resolución de salida.</a:t>
-            </a:r>
-          </a:p>
-          <a:p>
-            <a:pPr lvl="1"/>
-            <a:r>
-              <a:rPr lang="es-AR" dirty="0" smtClean="0"/>
-              <a:t>Frecuencia de funcionamiento de 100KHz.</a:t>
-            </a:r>
-          </a:p>
-          <a:p>
-            <a:pPr lvl="1"/>
-            <a:r>
-              <a:rPr lang="es-AR" dirty="0" smtClean="0"/>
-              <a:t>Tensiones de alimentación 3.3voltios.</a:t>
-            </a:r>
-          </a:p>
-          <a:p>
-            <a:pPr lvl="1"/>
-            <a:r>
-              <a:rPr lang="es-AR" dirty="0" smtClean="0"/>
-              <a:t>Rango de conversión de 0 a 1 voltio.</a:t>
-            </a:r>
-            <a:endParaRPr lang="es-AR" dirty="0"/>
-          </a:p>
-        </p:txBody>
-      </p:sp>
-      <p:graphicFrame>
-        <p:nvGraphicFramePr>
-          <p:cNvPr id="8" name="7 Marcador de contenido"/>
-          <p:cNvGraphicFramePr>
-            <a:graphicFrameLocks noGrp="1"/>
-          </p:cNvGraphicFramePr>
-          <p:nvPr>
-            <p:ph sz="half" idx="2"/>
-          </p:nvPr>
-        </p:nvGraphicFramePr>
-        <p:xfrm>
-          <a:off x="5076056" y="4149080"/>
-          <a:ext cx="4038600" cy="2664296"/>
-        </p:xfrm>
-        <a:graphic>
-          <a:graphicData uri="http://schemas.openxmlformats.org/drawingml/2006/diagram">
-            <dgm:relIds xmlns:dgm="http://schemas.openxmlformats.org/drawingml/2006/diagram" xmlns:r="http://schemas.openxmlformats.org/officeDocument/2006/relationships" r:dm="rId2" r:lo="rId3" r:qs="rId4" r:cs="rId5"/>
-          </a:graphicData>
-        </a:graphic>
-      </p:graphicFrame>
-      <p:pic>
-        <p:nvPicPr>
-          <p:cNvPr id="7" name="4 Marcador de contenido"/>
-          <p:cNvPicPr>
-            <a:picLocks/>
-          </p:cNvPicPr>
-          <p:nvPr/>
-        </p:nvPicPr>
-        <p:blipFill>
-          <a:blip r:embed="rId7" cstate="print"/>
-          <a:srcRect/>
-          <a:stretch>
-            <a:fillRect/>
-          </a:stretch>
-        </p:blipFill>
-        <p:spPr bwMode="auto">
-          <a:xfrm>
-            <a:off x="6695728" y="1628800"/>
-            <a:ext cx="2448272" cy="2448272"/>
-          </a:xfrm>
-          <a:prstGeom prst="rect">
-            <a:avLst/>
-          </a:prstGeom>
-          <a:noFill/>
-          <a:ln w="9525">
-            <a:noFill/>
-            <a:miter lim="800000"/>
-            <a:headEnd/>
-            <a:tailEnd/>
-          </a:ln>
-        </p:spPr>
-      </p:pic>
-      <p:pic>
-        <p:nvPicPr>
-          <p:cNvPr id="9" name="12 Marcador de contenido" descr="ibm1.jpg"/>
-          <p:cNvPicPr>
-            <a:picLocks noChangeAspect="1"/>
-          </p:cNvPicPr>
-          <p:nvPr/>
-        </p:nvPicPr>
-        <p:blipFill>
-          <a:blip r:embed="rId8" cstate="print"/>
-          <a:stretch>
-            <a:fillRect/>
-          </a:stretch>
-        </p:blipFill>
-        <p:spPr>
-          <a:xfrm>
-            <a:off x="7452320" y="144016"/>
-            <a:ext cx="1498449" cy="1124744"/>
-          </a:xfrm>
-          <a:prstGeom prst="roundRect">
-            <a:avLst>
-              <a:gd name="adj" fmla="val 8594"/>
-            </a:avLst>
-          </a:prstGeom>
-          <a:solidFill>
-            <a:srgbClr val="FFFFFF">
-              <a:shade val="85000"/>
-            </a:srgbClr>
-          </a:solidFill>
-          <a:ln>
-            <a:noFill/>
-          </a:ln>
-          <a:effectLst>
-            <a:reflection blurRad="12700" stA="38000" endPos="28000" dist="5000" dir="5400000" sy="-100000" algn="bl" rotWithShape="0"/>
-          </a:effectLst>
-        </p:spPr>
-      </p:pic>
-      <p:pic>
-        <p:nvPicPr>
-          <p:cNvPr id="10" name="14 Marcador de contenido" descr="MOSIS-Figure3.gif"/>
-          <p:cNvPicPr>
-            <a:picLocks noChangeAspect="1"/>
-          </p:cNvPicPr>
-          <p:nvPr/>
-        </p:nvPicPr>
-        <p:blipFill>
-          <a:blip r:embed="rId9" cstate="print"/>
-          <a:stretch>
-            <a:fillRect/>
-          </a:stretch>
-        </p:blipFill>
-        <p:spPr>
-          <a:xfrm>
-            <a:off x="5292080" y="1988840"/>
-            <a:ext cx="1366645" cy="1757115"/>
-          </a:xfrm>
-          <a:prstGeom prst="rect">
-            <a:avLst/>
-          </a:prstGeom>
         </p:spPr>
       </p:pic>
     </p:spTree>
